--- a/LectureSlides/04ASTPEG.pptx
+++ b/LectureSlides/04ASTPEG.pptx
@@ -30,40 +30,42 @@
     <p:sldId id="359" r:id="rId24"/>
     <p:sldId id="368" r:id="rId25"/>
     <p:sldId id="360" r:id="rId26"/>
-    <p:sldId id="342" r:id="rId27"/>
-    <p:sldId id="318" r:id="rId28"/>
-    <p:sldId id="259" r:id="rId29"/>
-    <p:sldId id="260" r:id="rId30"/>
-    <p:sldId id="322" r:id="rId31"/>
-    <p:sldId id="268" r:id="rId32"/>
-    <p:sldId id="323" r:id="rId33"/>
-    <p:sldId id="324" r:id="rId34"/>
-    <p:sldId id="325" r:id="rId35"/>
-    <p:sldId id="326" r:id="rId36"/>
-    <p:sldId id="332" r:id="rId37"/>
-    <p:sldId id="327" r:id="rId38"/>
-    <p:sldId id="328" r:id="rId39"/>
-    <p:sldId id="329" r:id="rId40"/>
-    <p:sldId id="330" r:id="rId41"/>
-    <p:sldId id="333" r:id="rId42"/>
-    <p:sldId id="331" r:id="rId43"/>
-    <p:sldId id="334" r:id="rId44"/>
-    <p:sldId id="336" r:id="rId45"/>
-    <p:sldId id="337" r:id="rId46"/>
-    <p:sldId id="338" r:id="rId47"/>
-    <p:sldId id="341" r:id="rId48"/>
-    <p:sldId id="343" r:id="rId49"/>
-    <p:sldId id="345" r:id="rId50"/>
-    <p:sldId id="346" r:id="rId51"/>
-    <p:sldId id="347" r:id="rId52"/>
-    <p:sldId id="339" r:id="rId53"/>
-    <p:sldId id="348" r:id="rId54"/>
-    <p:sldId id="340" r:id="rId55"/>
-    <p:sldId id="303" r:id="rId56"/>
-    <p:sldId id="344" r:id="rId57"/>
-    <p:sldId id="317" r:id="rId58"/>
-    <p:sldId id="315" r:id="rId59"/>
-    <p:sldId id="316" r:id="rId60"/>
+    <p:sldId id="370" r:id="rId27"/>
+    <p:sldId id="342" r:id="rId28"/>
+    <p:sldId id="371" r:id="rId29"/>
+    <p:sldId id="318" r:id="rId30"/>
+    <p:sldId id="259" r:id="rId31"/>
+    <p:sldId id="260" r:id="rId32"/>
+    <p:sldId id="322" r:id="rId33"/>
+    <p:sldId id="268" r:id="rId34"/>
+    <p:sldId id="323" r:id="rId35"/>
+    <p:sldId id="324" r:id="rId36"/>
+    <p:sldId id="325" r:id="rId37"/>
+    <p:sldId id="326" r:id="rId38"/>
+    <p:sldId id="332" r:id="rId39"/>
+    <p:sldId id="327" r:id="rId40"/>
+    <p:sldId id="328" r:id="rId41"/>
+    <p:sldId id="329" r:id="rId42"/>
+    <p:sldId id="330" r:id="rId43"/>
+    <p:sldId id="333" r:id="rId44"/>
+    <p:sldId id="331" r:id="rId45"/>
+    <p:sldId id="334" r:id="rId46"/>
+    <p:sldId id="336" r:id="rId47"/>
+    <p:sldId id="337" r:id="rId48"/>
+    <p:sldId id="338" r:id="rId49"/>
+    <p:sldId id="341" r:id="rId50"/>
+    <p:sldId id="343" r:id="rId51"/>
+    <p:sldId id="345" r:id="rId52"/>
+    <p:sldId id="346" r:id="rId53"/>
+    <p:sldId id="347" r:id="rId54"/>
+    <p:sldId id="339" r:id="rId55"/>
+    <p:sldId id="348" r:id="rId56"/>
+    <p:sldId id="340" r:id="rId57"/>
+    <p:sldId id="303" r:id="rId58"/>
+    <p:sldId id="344" r:id="rId59"/>
+    <p:sldId id="317" r:id="rId60"/>
+    <p:sldId id="315" r:id="rId61"/>
+    <p:sldId id="316" r:id="rId62"/>
   </p:sldIdLst>
   <p:sldSz cx="12192000" cy="6858000"/>
   <p:notesSz cx="6858000" cy="9144000"/>
@@ -394,7 +396,7 @@
           <a:p>
             <a:fld id="{DF0DA02A-3D36-4521-B995-F6A931B35345}" type="datetimeFigureOut">
               <a:rPr lang="en-US" smtClean="0"/>
-              <a:t>9/5/2023</a:t>
+              <a:t>9/13/2023</a:t>
             </a:fld>
             <a:endParaRPr lang="en-US"/>
           </a:p>
@@ -602,7 +604,7 @@
           <a:p>
             <a:fld id="{DF0DA02A-3D36-4521-B995-F6A931B35345}" type="datetimeFigureOut">
               <a:rPr lang="en-US" smtClean="0"/>
-              <a:t>9/5/2023</a:t>
+              <a:t>9/13/2023</a:t>
             </a:fld>
             <a:endParaRPr lang="en-US"/>
           </a:p>
@@ -858,7 +860,7 @@
           <a:p>
             <a:fld id="{DF0DA02A-3D36-4521-B995-F6A931B35345}" type="datetimeFigureOut">
               <a:rPr lang="en-US" smtClean="0"/>
-              <a:t>9/5/2023</a:t>
+              <a:t>9/13/2023</a:t>
             </a:fld>
             <a:endParaRPr lang="en-US"/>
           </a:p>
@@ -1043,7 +1045,7 @@
           <a:p>
             <a:fld id="{DF0DA02A-3D36-4521-B995-F6A931B35345}" type="datetimeFigureOut">
               <a:rPr lang="en-US" smtClean="0"/>
-              <a:t>9/5/2023</a:t>
+              <a:t>9/13/2023</a:t>
             </a:fld>
             <a:endParaRPr lang="en-US"/>
           </a:p>
@@ -1386,7 +1388,7 @@
           <a:p>
             <a:fld id="{DF0DA02A-3D36-4521-B995-F6A931B35345}" type="datetimeFigureOut">
               <a:rPr lang="en-US" smtClean="0"/>
-              <a:t>9/5/2023</a:t>
+              <a:t>9/13/2023</a:t>
             </a:fld>
             <a:endParaRPr lang="en-US"/>
           </a:p>
@@ -1691,7 +1693,7 @@
           <a:p>
             <a:fld id="{DF0DA02A-3D36-4521-B995-F6A931B35345}" type="datetimeFigureOut">
               <a:rPr lang="en-US" smtClean="0"/>
-              <a:t>9/5/2023</a:t>
+              <a:t>9/13/2023</a:t>
             </a:fld>
             <a:endParaRPr lang="en-US"/>
           </a:p>
@@ -2100,7 +2102,7 @@
           <a:p>
             <a:fld id="{DF0DA02A-3D36-4521-B995-F6A931B35345}" type="datetimeFigureOut">
               <a:rPr lang="en-US" smtClean="0"/>
-              <a:t>9/5/2023</a:t>
+              <a:t>9/13/2023</a:t>
             </a:fld>
             <a:endParaRPr lang="en-US"/>
           </a:p>
@@ -2218,7 +2220,7 @@
           <a:p>
             <a:fld id="{DF0DA02A-3D36-4521-B995-F6A931B35345}" type="datetimeFigureOut">
               <a:rPr lang="en-US" smtClean="0"/>
-              <a:t>9/5/2023</a:t>
+              <a:t>9/13/2023</a:t>
             </a:fld>
             <a:endParaRPr lang="en-US"/>
           </a:p>
@@ -2389,7 +2391,7 @@
           <a:p>
             <a:fld id="{DF0DA02A-3D36-4521-B995-F6A931B35345}" type="datetimeFigureOut">
               <a:rPr lang="en-US" smtClean="0"/>
-              <a:t>9/5/2023</a:t>
+              <a:t>9/13/2023</a:t>
             </a:fld>
             <a:endParaRPr lang="en-US"/>
           </a:p>
@@ -2758,7 +2760,7 @@
           <a:p>
             <a:fld id="{DF0DA02A-3D36-4521-B995-F6A931B35345}" type="datetimeFigureOut">
               <a:rPr lang="en-US" smtClean="0"/>
-              <a:t>9/5/2023</a:t>
+              <a:t>9/13/2023</a:t>
             </a:fld>
             <a:endParaRPr lang="en-US"/>
           </a:p>
@@ -3135,7 +3137,7 @@
           <a:p>
             <a:fld id="{DF0DA02A-3D36-4521-B995-F6A931B35345}" type="datetimeFigureOut">
               <a:rPr lang="en-US" smtClean="0"/>
-              <a:t>9/5/2023</a:t>
+              <a:t>9/13/2023</a:t>
             </a:fld>
             <a:endParaRPr lang="en-US"/>
           </a:p>
@@ -3422,7 +3424,7 @@
           <a:p>
             <a:fld id="{DF0DA02A-3D36-4521-B995-F6A931B35345}" type="datetimeFigureOut">
               <a:rPr lang="en-US" smtClean="0"/>
-              <a:t>9/5/2023</a:t>
+              <a:t>9/13/2023</a:t>
             </a:fld>
             <a:endParaRPr lang="en-US"/>
           </a:p>
@@ -6417,7 +6419,7 @@
               <a:rPr lang="en-US" dirty="0">
                 <a:latin typeface="Consolas" panose="020B0609020204030204" pitchFamily="49" charset="0"/>
               </a:rPr>
-              <a:t>← -? ([1-9] [0-9]*]) / 0</a:t>
+              <a:t>← -? ([1-9] [0-9]*) / 0</a:t>
             </a:r>
             <a:br>
               <a:rPr lang="en-US" dirty="0">
@@ -6439,7 +6441,7 @@
               <a:rPr lang="en-US" dirty="0">
                 <a:latin typeface="Consolas" panose="020B0609020204030204" pitchFamily="49" charset="0"/>
               </a:rPr>
-              <a:t>op2  ← atom ("*" atom)* / atom</a:t>
+              <a:t>op2  ← atom ("*" atom)*</a:t>
             </a:r>
             <a:br>
               <a:rPr lang="en-US" dirty="0">
@@ -6450,7 +6452,7 @@
               <a:rPr lang="en-US" dirty="0">
                 <a:latin typeface="Consolas" panose="020B0609020204030204" pitchFamily="49" charset="0"/>
               </a:rPr>
-              <a:t>op1  ← op2 (("+" / "-") / op2)*</a:t>
+              <a:t>op1  ← op2 (("+" / "-") op2)*</a:t>
             </a:r>
             <a:br>
               <a:rPr lang="en-US" dirty="0">
@@ -7243,7 +7245,7 @@
                 <a:effectLst/>
                 <a:latin typeface="Courier New" panose="02070309020205020404" pitchFamily="49" charset="0"/>
               </a:rPr>
-              <a:t>12   /(l:op2() "-" r:op1(){? Ok(l - r)}) / op() </a:t>
+              <a:t>12   /(l:op2() "-" r:op1(){? Ok(l - r)}) / op2() </a:t>
             </a:r>
             <a:br>
               <a:rPr lang="en-US" b="0" i="0" dirty="0">
@@ -7303,7 +7305,7 @@
           <p:cNvPr id="2" name="Title 1">
             <a:extLst>
               <a:ext uri="{FF2B5EF4-FFF2-40B4-BE49-F238E27FC236}">
-                <a16:creationId xmlns:a16="http://schemas.microsoft.com/office/drawing/2014/main" id="{DF43F5F6-0BC7-E1DF-E742-830FD238E58A}"/>
+                <a16:creationId xmlns:a16="http://schemas.microsoft.com/office/drawing/2014/main" id="{6CCE887A-62F4-C698-5BAE-CBA2CB7FF49F}"/>
               </a:ext>
             </a:extLst>
           </p:cNvPr>
@@ -7321,7 +7323,7 @@
           <a:p>
             <a:r>
               <a:rPr lang="en-US" dirty="0"/>
-              <a:t>Talk About NSF Feedback Rules</a:t>
+              <a:t>HW2 + Written Assignments</a:t>
             </a:r>
           </a:p>
         </p:txBody>
@@ -7331,7 +7333,7 @@
           <p:cNvPr id="3" name="Content Placeholder 2">
             <a:extLst>
               <a:ext uri="{FF2B5EF4-FFF2-40B4-BE49-F238E27FC236}">
-                <a16:creationId xmlns:a16="http://schemas.microsoft.com/office/drawing/2014/main" id="{93C6D132-4766-198E-302D-7A4B1CA6BEF8}"/>
+                <a16:creationId xmlns:a16="http://schemas.microsoft.com/office/drawing/2014/main" id="{85E6BD95-B0FB-27B7-F1F5-5D5ECD91024D}"/>
               </a:ext>
             </a:extLst>
           </p:cNvPr>
@@ -7344,89 +7346,17 @@
         </p:nvSpPr>
         <p:spPr/>
         <p:txBody>
-          <a:bodyPr>
-            <a:normAutofit lnSpcReduction="10000"/>
-          </a:bodyPr>
+          <a:bodyPr/>
           <a:lstStyle/>
           <a:p>
-            <a:r>
-              <a:rPr lang="en-US" dirty="0"/>
-              <a:t>Starting in HW2, you give peer feedback to each other (not grades)</a:t>
-            </a:r>
-            <a:br>
-              <a:rPr lang="en-US" dirty="0"/>
-            </a:br>
-            <a:r>
-              <a:rPr lang="en-US" dirty="0"/>
-              <a:t>You are expected to follow National Science Foundation guidelines:</a:t>
-            </a:r>
-          </a:p>
-          <a:p>
-            <a:pPr lvl="1"/>
-            <a:r>
-              <a:rPr lang="en-US" dirty="0"/>
-              <a:t>Feedback is about work, not person: “X is missing” not “you forgot X”</a:t>
-            </a:r>
-          </a:p>
-          <a:p>
-            <a:pPr lvl="1"/>
-            <a:r>
-              <a:rPr lang="en-US" dirty="0"/>
-              <a:t>Use “I” language if you can: “I didn’t understand X” not “X makes no sense”</a:t>
-            </a:r>
-          </a:p>
-          <a:p>
-            <a:pPr lvl="1"/>
-            <a:r>
-              <a:rPr lang="en-US" dirty="0"/>
-              <a:t>Avoid superlatives/exaggeration like “very confusing” “the worst”</a:t>
-            </a:r>
-          </a:p>
-          <a:p>
-            <a:pPr lvl="1"/>
-            <a:r>
-              <a:rPr lang="en-US" dirty="0"/>
-              <a:t>Be specific: “Plans for interpreting user data were not provided”, not </a:t>
-            </a:r>
-            <a:br>
-              <a:rPr lang="en-US" dirty="0"/>
-            </a:br>
-            <a:r>
-              <a:rPr lang="en-US" dirty="0"/>
-              <a:t>“the proposal was vague”</a:t>
-            </a:r>
-          </a:p>
-          <a:p>
-            <a:pPr lvl="1"/>
-            <a:r>
-              <a:rPr lang="en-US" dirty="0"/>
-              <a:t>Do not imply a person should give up. Reviews should be consistent with a growth mindset because this is a classroom</a:t>
-            </a:r>
-          </a:p>
-          <a:p>
-            <a:pPr marL="201168" lvl="1" indent="0">
-              <a:buNone/>
-            </a:pPr>
-            <a:r>
-              <a:rPr lang="en-US" dirty="0"/>
-              <a:t>To receive credit, you must follow these guidelines</a:t>
-            </a:r>
-          </a:p>
-          <a:p>
-            <a:pPr marL="201168" lvl="1" indent="0">
-              <a:buNone/>
-            </a:pPr>
-            <a:r>
-              <a:rPr lang="en-US" dirty="0"/>
-              <a:t>The guidelines are not about “positive” vs. “negative” feedback</a:t>
-            </a:r>
+            <a:endParaRPr lang="en-US"/>
           </a:p>
         </p:txBody>
       </p:sp>
     </p:spTree>
     <p:extLst>
       <p:ext uri="{BB962C8B-B14F-4D97-AF65-F5344CB8AC3E}">
-        <p14:creationId xmlns:p14="http://schemas.microsoft.com/office/powerpoint/2010/main" val="248596477"/>
+        <p14:creationId xmlns:p14="http://schemas.microsoft.com/office/powerpoint/2010/main" val="3872895513"/>
       </p:ext>
     </p:extLst>
   </p:cSld>
@@ -7458,7 +7388,7 @@
           <p:cNvPr id="2" name="Title 1">
             <a:extLst>
               <a:ext uri="{FF2B5EF4-FFF2-40B4-BE49-F238E27FC236}">
-                <a16:creationId xmlns:a16="http://schemas.microsoft.com/office/drawing/2014/main" id="{89E12270-39A4-DEC1-A671-44E55E63B8D6}"/>
+                <a16:creationId xmlns:a16="http://schemas.microsoft.com/office/drawing/2014/main" id="{DF43F5F6-0BC7-E1DF-E742-830FD238E58A}"/>
               </a:ext>
             </a:extLst>
           </p:cNvPr>
@@ -7476,7 +7406,7 @@
           <a:p>
             <a:r>
               <a:rPr lang="en-US" dirty="0"/>
-              <a:t>Section: Abstract Syntax Trees (ASTs)</a:t>
+              <a:t>Talk About NSF Feedback Rules</a:t>
             </a:r>
           </a:p>
         </p:txBody>
@@ -7486,7 +7416,7 @@
           <p:cNvPr id="3" name="Content Placeholder 2">
             <a:extLst>
               <a:ext uri="{FF2B5EF4-FFF2-40B4-BE49-F238E27FC236}">
-                <a16:creationId xmlns:a16="http://schemas.microsoft.com/office/drawing/2014/main" id="{3B00A5F2-8A6F-E537-A52F-8817A18DF121}"/>
+                <a16:creationId xmlns:a16="http://schemas.microsoft.com/office/drawing/2014/main" id="{93C6D132-4766-198E-302D-7A4B1CA6BEF8}"/>
               </a:ext>
             </a:extLst>
           </p:cNvPr>
@@ -7499,17 +7429,89 @@
         </p:nvSpPr>
         <p:spPr/>
         <p:txBody>
-          <a:bodyPr/>
+          <a:bodyPr>
+            <a:normAutofit lnSpcReduction="10000"/>
+          </a:bodyPr>
           <a:lstStyle/>
           <a:p>
-            <a:endParaRPr lang="en-US" dirty="0"/>
+            <a:r>
+              <a:rPr lang="en-US" dirty="0"/>
+              <a:t>Starting in HW2, you give peer feedback to each other (not grades)</a:t>
+            </a:r>
+            <a:br>
+              <a:rPr lang="en-US" dirty="0"/>
+            </a:br>
+            <a:r>
+              <a:rPr lang="en-US" dirty="0"/>
+              <a:t>You are expected to follow National Science Foundation guidelines:</a:t>
+            </a:r>
+          </a:p>
+          <a:p>
+            <a:pPr lvl="1"/>
+            <a:r>
+              <a:rPr lang="en-US" dirty="0"/>
+              <a:t>Feedback is about work, not person: “X is missing” not “you forgot X”</a:t>
+            </a:r>
+          </a:p>
+          <a:p>
+            <a:pPr lvl="1"/>
+            <a:r>
+              <a:rPr lang="en-US" dirty="0"/>
+              <a:t>Use “I” language if you can: “I didn’t understand X” not “X makes no sense”</a:t>
+            </a:r>
+          </a:p>
+          <a:p>
+            <a:pPr lvl="1"/>
+            <a:r>
+              <a:rPr lang="en-US" dirty="0"/>
+              <a:t>Avoid superlatives/exaggeration like “very confusing” “the worst”</a:t>
+            </a:r>
+          </a:p>
+          <a:p>
+            <a:pPr lvl="1"/>
+            <a:r>
+              <a:rPr lang="en-US" dirty="0"/>
+              <a:t>Be specific: “Plans for interpreting user data were not provided”, not </a:t>
+            </a:r>
+            <a:br>
+              <a:rPr lang="en-US" dirty="0"/>
+            </a:br>
+            <a:r>
+              <a:rPr lang="en-US" dirty="0"/>
+              <a:t>“the proposal was vague”</a:t>
+            </a:r>
+          </a:p>
+          <a:p>
+            <a:pPr lvl="1"/>
+            <a:r>
+              <a:rPr lang="en-US" dirty="0"/>
+              <a:t>Do not imply a person should give up. Reviews should be consistent with a growth mindset because this is a classroom</a:t>
+            </a:r>
+          </a:p>
+          <a:p>
+            <a:pPr marL="201168" lvl="1" indent="0">
+              <a:buNone/>
+            </a:pPr>
+            <a:r>
+              <a:rPr lang="en-US" dirty="0"/>
+              <a:t>To receive credit, you must follow these guidelines</a:t>
+            </a:r>
+          </a:p>
+          <a:p>
+            <a:pPr marL="201168" lvl="1" indent="0">
+              <a:buNone/>
+            </a:pPr>
+            <a:r>
+              <a:rPr lang="en-US" dirty="0"/>
+              <a:t>The guidelines are not about “positive” vs. “negative” feedback</a:t>
+            </a:r>
           </a:p>
         </p:txBody>
       </p:sp>
     </p:spTree>
     <p:extLst>
       <p:ext uri="{BB962C8B-B14F-4D97-AF65-F5344CB8AC3E}">
-        <p14:creationId xmlns:p14="http://schemas.microsoft.com/office/powerpoint/2010/main" val="3482137054"/>
+        <p14:creationId xmlns:p14="http://schemas.microsoft.com/office/powerpoint/2010/main" val="248596477"/>
       </p:ext>
     </p:extLst>
   </p:cSld>
@@ -7541,7 +7543,7 @@
           <p:cNvPr id="2" name="Title 1">
             <a:extLst>
               <a:ext uri="{FF2B5EF4-FFF2-40B4-BE49-F238E27FC236}">
-                <a16:creationId xmlns:a16="http://schemas.microsoft.com/office/drawing/2014/main" id="{2A1F7F50-1C74-A74A-BEC8-27328C4210EB}"/>
+                <a16:creationId xmlns:a16="http://schemas.microsoft.com/office/drawing/2014/main" id="{71D10E4E-2F37-39E1-E6C8-3E5D22972145}"/>
               </a:ext>
             </a:extLst>
           </p:cNvPr>
@@ -7559,7 +7561,7 @@
           <a:p>
             <a:r>
               <a:rPr lang="en-US" dirty="0"/>
-              <a:t>Transition</a:t>
+              <a:t>I Am Available for Written 2 Ideas</a:t>
             </a:r>
           </a:p>
         </p:txBody>
@@ -7569,7 +7571,7 @@
           <p:cNvPr id="3" name="Content Placeholder 2">
             <a:extLst>
               <a:ext uri="{FF2B5EF4-FFF2-40B4-BE49-F238E27FC236}">
-                <a16:creationId xmlns:a16="http://schemas.microsoft.com/office/drawing/2014/main" id="{DA48D4C2-0B63-1B4D-8417-F8B3BE7BAC8C}"/>
+                <a16:creationId xmlns:a16="http://schemas.microsoft.com/office/drawing/2014/main" id="{096E8106-456E-32B5-8047-8C14EC95C183}"/>
               </a:ext>
             </a:extLst>
           </p:cNvPr>
@@ -7582,126 +7584,58 @@
         </p:nvSpPr>
         <p:spPr/>
         <p:txBody>
-          <a:bodyPr>
-            <a:normAutofit/>
-          </a:bodyPr>
-          <a:lstStyle/>
-          <a:p>
-            <a:r>
-              <a:rPr lang="en-US" dirty="0"/>
-              <a:t>Recall that parsing is concerned only with </a:t>
-            </a:r>
-            <a:r>
-              <a:rPr lang="en-US" b="1" dirty="0"/>
-              <a:t>syntax, </a:t>
-            </a:r>
-            <a:r>
-              <a:rPr lang="en-US" dirty="0"/>
-              <a:t>not </a:t>
-            </a:r>
-            <a:r>
-              <a:rPr lang="en-US" b="1" dirty="0"/>
-              <a:t>semantics</a:t>
-            </a:r>
-            <a:endParaRPr lang="en-US" dirty="0"/>
-          </a:p>
-          <a:p>
-            <a:pPr lvl="1"/>
-            <a:r>
-              <a:rPr lang="en-US" dirty="0"/>
-              <a:t>You can write code that follows syntactic rules but does not “mean anything”</a:t>
-            </a:r>
-          </a:p>
-          <a:p>
-            <a:pPr lvl="1"/>
-            <a:r>
-              <a:rPr lang="en-US" b="1" dirty="0"/>
-              <a:t>English:</a:t>
-            </a:r>
-            <a:r>
-              <a:rPr lang="en-US" dirty="0"/>
-              <a:t> “Colorless green ideas sleep furiously” – (Avram) Noam Chomsky</a:t>
-            </a:r>
-            <a:endParaRPr lang="en-US" b="1" dirty="0"/>
-          </a:p>
-          <a:p>
-            <a:pPr lvl="1"/>
-            <a:r>
-              <a:rPr lang="en-US" b="1" dirty="0"/>
-              <a:t>Toi:</a:t>
-            </a:r>
-            <a:r>
-              <a:rPr lang="en-US" dirty="0"/>
-              <a:t>  “x + 2”   (What is x?)</a:t>
-            </a:r>
-          </a:p>
-          <a:p>
-            <a:r>
-              <a:rPr lang="en-US" b="1" dirty="0"/>
-              <a:t>Parsing:</a:t>
-            </a:r>
-            <a:r>
-              <a:rPr lang="en-US" dirty="0"/>
-              <a:t> Convert a string representation of a program into a </a:t>
-            </a:r>
-            <a:r>
-              <a:rPr lang="en-US" b="1" dirty="0"/>
-              <a:t>workable representation</a:t>
-            </a:r>
-            <a:r>
-              <a:rPr lang="en-US" dirty="0"/>
-              <a:t> for further processing</a:t>
-            </a:r>
-          </a:p>
-          <a:p>
-            <a:pPr lvl="1"/>
-            <a:r>
-              <a:rPr lang="en-US" dirty="0"/>
-              <a:t>Representation on paper: Parse Tree</a:t>
-            </a:r>
-          </a:p>
-          <a:p>
-            <a:pPr lvl="1"/>
-            <a:r>
-              <a:rPr lang="en-US" dirty="0"/>
-              <a:t>Let’s make that into code: Abstract Syntax Tree</a:t>
-            </a:r>
-          </a:p>
-        </p:txBody>
-      </p:sp>
-      <p:sp>
-        <p:nvSpPr>
-          <p:cNvPr id="4" name="Slide Number Placeholder 3">
-            <a:extLst>
-              <a:ext uri="{FF2B5EF4-FFF2-40B4-BE49-F238E27FC236}">
-                <a16:creationId xmlns:a16="http://schemas.microsoft.com/office/drawing/2014/main" id="{C2DD1999-E7B3-2E49-B1C7-BE17E0B0BE84}"/>
-              </a:ext>
-            </a:extLst>
-          </p:cNvPr>
-          <p:cNvSpPr>
-            <a:spLocks noGrp="1"/>
-          </p:cNvSpPr>
-          <p:nvPr>
-            <p:ph type="sldNum" sz="quarter" idx="12"/>
-          </p:nvPr>
-        </p:nvSpPr>
-        <p:spPr/>
-        <p:txBody>
           <a:bodyPr/>
           <a:lstStyle/>
           <a:p>
-            <a:fld id="{28DF114B-D28A-2D41-8150-B5394572B4BE}" type="slidenum">
-              <a:rPr lang="en-US" smtClean="0"/>
-              <a:t>28</a:t>
-            </a:fld>
-            <a:endParaRPr lang="en-US"/>
+            <a:r>
+              <a:rPr lang="en-US" dirty="0"/>
+              <a:t>Goal of Written HW 2: Come up with an idea you can test</a:t>
+            </a:r>
+          </a:p>
+          <a:p>
+            <a:pPr lvl="1"/>
+            <a:r>
+              <a:rPr lang="en-US" dirty="0"/>
+              <a:t>We haven’t covered any of the details in class -&gt; Second half of course</a:t>
+            </a:r>
+          </a:p>
+          <a:p>
+            <a:pPr lvl="1"/>
+            <a:r>
+              <a:rPr lang="en-US" dirty="0"/>
+              <a:t>For HW2, should be brainstorming and identifying questions</a:t>
+            </a:r>
+          </a:p>
+          <a:p>
+            <a:r>
+              <a:rPr lang="en-US" dirty="0"/>
+              <a:t>Can be about whatever you want as long as it involves a user study and something about programming (PL Design and Programmer Experience are both fine)</a:t>
+            </a:r>
+          </a:p>
+          <a:p>
+            <a:r>
+              <a:rPr lang="en-US" dirty="0"/>
+              <a:t>We expect most students to study an existing PL</a:t>
+            </a:r>
+          </a:p>
+          <a:p>
+            <a:pPr lvl="1"/>
+            <a:r>
+              <a:rPr lang="en-US" dirty="0"/>
+              <a:t>If you want to do PL design, talk to instructor so we can give advice how to keep the </a:t>
+            </a:r>
+            <a:r>
+              <a:rPr lang="en-US"/>
+              <a:t>workload reasonable</a:t>
+            </a:r>
+            <a:endParaRPr lang="en-US" dirty="0"/>
           </a:p>
         </p:txBody>
       </p:sp>
     </p:spTree>
     <p:extLst>
       <p:ext uri="{BB962C8B-B14F-4D97-AF65-F5344CB8AC3E}">
-        <p14:creationId xmlns:p14="http://schemas.microsoft.com/office/powerpoint/2010/main" val="4260745653"/>
+        <p14:creationId xmlns:p14="http://schemas.microsoft.com/office/powerpoint/2010/main" val="397994409"/>
       </p:ext>
     </p:extLst>
   </p:cSld>
@@ -7733,7 +7667,7 @@
           <p:cNvPr id="2" name="Title 1">
             <a:extLst>
               <a:ext uri="{FF2B5EF4-FFF2-40B4-BE49-F238E27FC236}">
-                <a16:creationId xmlns:a16="http://schemas.microsoft.com/office/drawing/2014/main" id="{721F5031-E627-A244-9887-B586D139406B}"/>
+                <a16:creationId xmlns:a16="http://schemas.microsoft.com/office/drawing/2014/main" id="{89E12270-39A4-DEC1-A671-44E55E63B8D6}"/>
               </a:ext>
             </a:extLst>
           </p:cNvPr>
@@ -7751,7 +7685,7 @@
           <a:p>
             <a:r>
               <a:rPr lang="en-US" dirty="0"/>
-              <a:t>AST Connects Parsing to Evaluation</a:t>
+              <a:t>Part 2: Abstract Syntax Trees (ASTs)</a:t>
             </a:r>
           </a:p>
         </p:txBody>
@@ -7761,7 +7695,7 @@
           <p:cNvPr id="3" name="Content Placeholder 2">
             <a:extLst>
               <a:ext uri="{FF2B5EF4-FFF2-40B4-BE49-F238E27FC236}">
-                <a16:creationId xmlns:a16="http://schemas.microsoft.com/office/drawing/2014/main" id="{D9D37872-F1F1-124E-95E4-79B1DE4B98D0}"/>
+                <a16:creationId xmlns:a16="http://schemas.microsoft.com/office/drawing/2014/main" id="{3B00A5F2-8A6F-E537-A52F-8817A18DF121}"/>
               </a:ext>
             </a:extLst>
           </p:cNvPr>
@@ -7774,79 +7708,17 @@
         </p:nvSpPr>
         <p:spPr/>
         <p:txBody>
-          <a:bodyPr>
-            <a:normAutofit/>
-          </a:bodyPr>
-          <a:lstStyle/>
-          <a:p>
-            <a:r>
-              <a:rPr lang="en-US" dirty="0"/>
-              <a:t>Abstract syntax is an abstraction.</a:t>
-            </a:r>
-          </a:p>
-          <a:p>
-            <a:pPr lvl="1"/>
-            <a:r>
-              <a:rPr lang="en-US" dirty="0"/>
-              <a:t>“Ignore formatting details, but keep the program”</a:t>
-            </a:r>
-          </a:p>
-          <a:p>
-            <a:pPr lvl="1"/>
-            <a:r>
-              <a:rPr lang="en-US" dirty="0"/>
-              <a:t>Good separation of concerns: storage vs. processing</a:t>
-            </a:r>
-          </a:p>
-          <a:p>
-            <a:pPr lvl="1"/>
-            <a:r>
-              <a:rPr lang="en-US" dirty="0"/>
-              <a:t>Reusable: compiler, interpreter, and pretty-printer can all use same parser</a:t>
-            </a:r>
-          </a:p>
-          <a:p>
-            <a:pPr lvl="2"/>
-            <a:r>
-              <a:rPr lang="en-US" dirty="0"/>
-              <a:t>Or reuse compiler with new parser for new syntax</a:t>
-            </a:r>
-          </a:p>
-        </p:txBody>
-      </p:sp>
-      <p:sp>
-        <p:nvSpPr>
-          <p:cNvPr id="4" name="Slide Number Placeholder 3">
-            <a:extLst>
-              <a:ext uri="{FF2B5EF4-FFF2-40B4-BE49-F238E27FC236}">
-                <a16:creationId xmlns:a16="http://schemas.microsoft.com/office/drawing/2014/main" id="{BB200FA6-F9DF-2047-88A6-71B081607B42}"/>
-              </a:ext>
-            </a:extLst>
-          </p:cNvPr>
-          <p:cNvSpPr>
-            <a:spLocks noGrp="1"/>
-          </p:cNvSpPr>
-          <p:nvPr>
-            <p:ph type="sldNum" sz="quarter" idx="12"/>
-          </p:nvPr>
-        </p:nvSpPr>
-        <p:spPr/>
-        <p:txBody>
           <a:bodyPr/>
           <a:lstStyle/>
           <a:p>
-            <a:fld id="{28DF114B-D28A-2D41-8150-B5394572B4BE}" type="slidenum">
-              <a:rPr lang="en-US" smtClean="0"/>
-              <a:t>29</a:t>
-            </a:fld>
-            <a:endParaRPr lang="en-US"/>
+            <a:endParaRPr lang="en-US" dirty="0"/>
           </a:p>
         </p:txBody>
       </p:sp>
     </p:spTree>
     <p:extLst>
       <p:ext uri="{BB962C8B-B14F-4D97-AF65-F5344CB8AC3E}">
-        <p14:creationId xmlns:p14="http://schemas.microsoft.com/office/powerpoint/2010/main" val="1360048523"/>
+        <p14:creationId xmlns:p14="http://schemas.microsoft.com/office/powerpoint/2010/main" val="3482137054"/>
       </p:ext>
     </p:extLst>
   </p:cSld>
@@ -8045,6 +7917,343 @@
 </file>
 
 <file path=ppt/slides/slide30.xml><?xml version="1.0" encoding="utf-8"?>
+<p:sld xmlns:a="http://schemas.openxmlformats.org/drawingml/2006/main" xmlns:r="http://schemas.openxmlformats.org/officeDocument/2006/relationships" xmlns:p="http://schemas.openxmlformats.org/presentationml/2006/main">
+  <p:cSld>
+    <p:spTree>
+      <p:nvGrpSpPr>
+        <p:cNvPr id="1" name=""/>
+        <p:cNvGrpSpPr/>
+        <p:nvPr/>
+      </p:nvGrpSpPr>
+      <p:grpSpPr>
+        <a:xfrm>
+          <a:off x="0" y="0"/>
+          <a:ext cx="0" cy="0"/>
+          <a:chOff x="0" y="0"/>
+          <a:chExt cx="0" cy="0"/>
+        </a:xfrm>
+      </p:grpSpPr>
+      <p:sp>
+        <p:nvSpPr>
+          <p:cNvPr id="2" name="Title 1">
+            <a:extLst>
+              <a:ext uri="{FF2B5EF4-FFF2-40B4-BE49-F238E27FC236}">
+                <a16:creationId xmlns:a16="http://schemas.microsoft.com/office/drawing/2014/main" id="{2A1F7F50-1C74-A74A-BEC8-27328C4210EB}"/>
+              </a:ext>
+            </a:extLst>
+          </p:cNvPr>
+          <p:cNvSpPr>
+            <a:spLocks noGrp="1"/>
+          </p:cNvSpPr>
+          <p:nvPr>
+            <p:ph type="title"/>
+          </p:nvPr>
+        </p:nvSpPr>
+        <p:spPr/>
+        <p:txBody>
+          <a:bodyPr/>
+          <a:lstStyle/>
+          <a:p>
+            <a:r>
+              <a:rPr lang="en-US" dirty="0"/>
+              <a:t>Transition</a:t>
+            </a:r>
+          </a:p>
+        </p:txBody>
+      </p:sp>
+      <p:sp>
+        <p:nvSpPr>
+          <p:cNvPr id="3" name="Content Placeholder 2">
+            <a:extLst>
+              <a:ext uri="{FF2B5EF4-FFF2-40B4-BE49-F238E27FC236}">
+                <a16:creationId xmlns:a16="http://schemas.microsoft.com/office/drawing/2014/main" id="{DA48D4C2-0B63-1B4D-8417-F8B3BE7BAC8C}"/>
+              </a:ext>
+            </a:extLst>
+          </p:cNvPr>
+          <p:cNvSpPr>
+            <a:spLocks noGrp="1"/>
+          </p:cNvSpPr>
+          <p:nvPr>
+            <p:ph idx="1"/>
+          </p:nvPr>
+        </p:nvSpPr>
+        <p:spPr/>
+        <p:txBody>
+          <a:bodyPr>
+            <a:normAutofit/>
+          </a:bodyPr>
+          <a:lstStyle/>
+          <a:p>
+            <a:r>
+              <a:rPr lang="en-US" dirty="0"/>
+              <a:t>Recall that parsing is concerned only with </a:t>
+            </a:r>
+            <a:r>
+              <a:rPr lang="en-US" b="1" dirty="0"/>
+              <a:t>syntax, </a:t>
+            </a:r>
+            <a:r>
+              <a:rPr lang="en-US" dirty="0"/>
+              <a:t>not </a:t>
+            </a:r>
+            <a:r>
+              <a:rPr lang="en-US" b="1" dirty="0"/>
+              <a:t>semantics</a:t>
+            </a:r>
+            <a:endParaRPr lang="en-US" dirty="0"/>
+          </a:p>
+          <a:p>
+            <a:pPr lvl="1"/>
+            <a:r>
+              <a:rPr lang="en-US" dirty="0"/>
+              <a:t>You can write code that follows syntactic rules but does not “mean anything”</a:t>
+            </a:r>
+          </a:p>
+          <a:p>
+            <a:pPr lvl="1"/>
+            <a:r>
+              <a:rPr lang="en-US" b="1" dirty="0"/>
+              <a:t>English:</a:t>
+            </a:r>
+            <a:r>
+              <a:rPr lang="en-US" dirty="0"/>
+              <a:t> “Colorless green ideas sleep furiously” – (Avram) Noam Chomsky</a:t>
+            </a:r>
+            <a:endParaRPr lang="en-US" b="1" dirty="0"/>
+          </a:p>
+          <a:p>
+            <a:pPr lvl="1"/>
+            <a:r>
+              <a:rPr lang="en-US" b="1" dirty="0"/>
+              <a:t>Toi:</a:t>
+            </a:r>
+            <a:r>
+              <a:rPr lang="en-US" dirty="0"/>
+              <a:t>  “x + 2”   (What is x?)</a:t>
+            </a:r>
+          </a:p>
+          <a:p>
+            <a:r>
+              <a:rPr lang="en-US" b="1" dirty="0"/>
+              <a:t>Parsing:</a:t>
+            </a:r>
+            <a:r>
+              <a:rPr lang="en-US" dirty="0"/>
+              <a:t> Convert a string representation of a program into a </a:t>
+            </a:r>
+            <a:r>
+              <a:rPr lang="en-US" b="1" dirty="0"/>
+              <a:t>workable representation</a:t>
+            </a:r>
+            <a:r>
+              <a:rPr lang="en-US" dirty="0"/>
+              <a:t> for further processing</a:t>
+            </a:r>
+          </a:p>
+          <a:p>
+            <a:pPr lvl="1"/>
+            <a:r>
+              <a:rPr lang="en-US" dirty="0"/>
+              <a:t>Representation on paper: Parse Tree</a:t>
+            </a:r>
+          </a:p>
+          <a:p>
+            <a:pPr lvl="1"/>
+            <a:r>
+              <a:rPr lang="en-US" dirty="0"/>
+              <a:t>Let’s make that into code: Abstract Syntax Tree</a:t>
+            </a:r>
+          </a:p>
+        </p:txBody>
+      </p:sp>
+      <p:sp>
+        <p:nvSpPr>
+          <p:cNvPr id="4" name="Slide Number Placeholder 3">
+            <a:extLst>
+              <a:ext uri="{FF2B5EF4-FFF2-40B4-BE49-F238E27FC236}">
+                <a16:creationId xmlns:a16="http://schemas.microsoft.com/office/drawing/2014/main" id="{C2DD1999-E7B3-2E49-B1C7-BE17E0B0BE84}"/>
+              </a:ext>
+            </a:extLst>
+          </p:cNvPr>
+          <p:cNvSpPr>
+            <a:spLocks noGrp="1"/>
+          </p:cNvSpPr>
+          <p:nvPr>
+            <p:ph type="sldNum" sz="quarter" idx="12"/>
+          </p:nvPr>
+        </p:nvSpPr>
+        <p:spPr/>
+        <p:txBody>
+          <a:bodyPr/>
+          <a:lstStyle/>
+          <a:p>
+            <a:fld id="{28DF114B-D28A-2D41-8150-B5394572B4BE}" type="slidenum">
+              <a:rPr lang="en-US" smtClean="0"/>
+              <a:t>30</a:t>
+            </a:fld>
+            <a:endParaRPr lang="en-US"/>
+          </a:p>
+        </p:txBody>
+      </p:sp>
+    </p:spTree>
+    <p:extLst>
+      <p:ext uri="{BB962C8B-B14F-4D97-AF65-F5344CB8AC3E}">
+        <p14:creationId xmlns:p14="http://schemas.microsoft.com/office/powerpoint/2010/main" val="4260745653"/>
+      </p:ext>
+    </p:extLst>
+  </p:cSld>
+  <p:clrMapOvr>
+    <a:masterClrMapping/>
+  </p:clrMapOvr>
+</p:sld>
+</file>
+
+<file path=ppt/slides/slide31.xml><?xml version="1.0" encoding="utf-8"?>
+<p:sld xmlns:a="http://schemas.openxmlformats.org/drawingml/2006/main" xmlns:r="http://schemas.openxmlformats.org/officeDocument/2006/relationships" xmlns:p="http://schemas.openxmlformats.org/presentationml/2006/main">
+  <p:cSld>
+    <p:spTree>
+      <p:nvGrpSpPr>
+        <p:cNvPr id="1" name=""/>
+        <p:cNvGrpSpPr/>
+        <p:nvPr/>
+      </p:nvGrpSpPr>
+      <p:grpSpPr>
+        <a:xfrm>
+          <a:off x="0" y="0"/>
+          <a:ext cx="0" cy="0"/>
+          <a:chOff x="0" y="0"/>
+          <a:chExt cx="0" cy="0"/>
+        </a:xfrm>
+      </p:grpSpPr>
+      <p:sp>
+        <p:nvSpPr>
+          <p:cNvPr id="2" name="Title 1">
+            <a:extLst>
+              <a:ext uri="{FF2B5EF4-FFF2-40B4-BE49-F238E27FC236}">
+                <a16:creationId xmlns:a16="http://schemas.microsoft.com/office/drawing/2014/main" id="{721F5031-E627-A244-9887-B586D139406B}"/>
+              </a:ext>
+            </a:extLst>
+          </p:cNvPr>
+          <p:cNvSpPr>
+            <a:spLocks noGrp="1"/>
+          </p:cNvSpPr>
+          <p:nvPr>
+            <p:ph type="title"/>
+          </p:nvPr>
+        </p:nvSpPr>
+        <p:spPr/>
+        <p:txBody>
+          <a:bodyPr/>
+          <a:lstStyle/>
+          <a:p>
+            <a:r>
+              <a:rPr lang="en-US" dirty="0"/>
+              <a:t>AST Connects Parsing to Evaluation</a:t>
+            </a:r>
+          </a:p>
+        </p:txBody>
+      </p:sp>
+      <p:sp>
+        <p:nvSpPr>
+          <p:cNvPr id="3" name="Content Placeholder 2">
+            <a:extLst>
+              <a:ext uri="{FF2B5EF4-FFF2-40B4-BE49-F238E27FC236}">
+                <a16:creationId xmlns:a16="http://schemas.microsoft.com/office/drawing/2014/main" id="{D9D37872-F1F1-124E-95E4-79B1DE4B98D0}"/>
+              </a:ext>
+            </a:extLst>
+          </p:cNvPr>
+          <p:cNvSpPr>
+            <a:spLocks noGrp="1"/>
+          </p:cNvSpPr>
+          <p:nvPr>
+            <p:ph idx="1"/>
+          </p:nvPr>
+        </p:nvSpPr>
+        <p:spPr/>
+        <p:txBody>
+          <a:bodyPr>
+            <a:normAutofit/>
+          </a:bodyPr>
+          <a:lstStyle/>
+          <a:p>
+            <a:r>
+              <a:rPr lang="en-US" dirty="0"/>
+              <a:t>Abstract syntax is an abstraction.</a:t>
+            </a:r>
+          </a:p>
+          <a:p>
+            <a:pPr lvl="1"/>
+            <a:r>
+              <a:rPr lang="en-US" dirty="0"/>
+              <a:t>“Ignore formatting details, but keep the program”</a:t>
+            </a:r>
+          </a:p>
+          <a:p>
+            <a:pPr lvl="1"/>
+            <a:r>
+              <a:rPr lang="en-US" dirty="0"/>
+              <a:t>Good separation of concerns: storage vs. processing</a:t>
+            </a:r>
+          </a:p>
+          <a:p>
+            <a:pPr lvl="1"/>
+            <a:r>
+              <a:rPr lang="en-US" dirty="0"/>
+              <a:t>Reusable: compiler, interpreter, and pretty-printer can all use same parser</a:t>
+            </a:r>
+          </a:p>
+          <a:p>
+            <a:pPr lvl="2"/>
+            <a:r>
+              <a:rPr lang="en-US" dirty="0"/>
+              <a:t>Or reuse compiler with new parser for new syntax</a:t>
+            </a:r>
+          </a:p>
+        </p:txBody>
+      </p:sp>
+      <p:sp>
+        <p:nvSpPr>
+          <p:cNvPr id="4" name="Slide Number Placeholder 3">
+            <a:extLst>
+              <a:ext uri="{FF2B5EF4-FFF2-40B4-BE49-F238E27FC236}">
+                <a16:creationId xmlns:a16="http://schemas.microsoft.com/office/drawing/2014/main" id="{BB200FA6-F9DF-2047-88A6-71B081607B42}"/>
+              </a:ext>
+            </a:extLst>
+          </p:cNvPr>
+          <p:cNvSpPr>
+            <a:spLocks noGrp="1"/>
+          </p:cNvSpPr>
+          <p:nvPr>
+            <p:ph type="sldNum" sz="quarter" idx="12"/>
+          </p:nvPr>
+        </p:nvSpPr>
+        <p:spPr/>
+        <p:txBody>
+          <a:bodyPr/>
+          <a:lstStyle/>
+          <a:p>
+            <a:fld id="{28DF114B-D28A-2D41-8150-B5394572B4BE}" type="slidenum">
+              <a:rPr lang="en-US" smtClean="0"/>
+              <a:t>31</a:t>
+            </a:fld>
+            <a:endParaRPr lang="en-US"/>
+          </a:p>
+        </p:txBody>
+      </p:sp>
+    </p:spTree>
+    <p:extLst>
+      <p:ext uri="{BB962C8B-B14F-4D97-AF65-F5344CB8AC3E}">
+        <p14:creationId xmlns:p14="http://schemas.microsoft.com/office/powerpoint/2010/main" val="1360048523"/>
+      </p:ext>
+    </p:extLst>
+  </p:cSld>
+  <p:clrMapOvr>
+    <a:masterClrMapping/>
+  </p:clrMapOvr>
+</p:sld>
+</file>
+
+<file path=ppt/slides/slide32.xml><?xml version="1.0" encoding="utf-8"?>
 <p:sld xmlns:a="http://schemas.openxmlformats.org/drawingml/2006/main" xmlns:r="http://schemas.openxmlformats.org/officeDocument/2006/relationships" xmlns:p="http://schemas.openxmlformats.org/presentationml/2006/main">
   <p:cSld>
     <p:spTree>
@@ -8686,7 +8895,7 @@
 </p:sld>
 </file>
 
-<file path=ppt/slides/slide31.xml><?xml version="1.0" encoding="utf-8"?>
+<file path=ppt/slides/slide33.xml><?xml version="1.0" encoding="utf-8"?>
 <p:sld xmlns:a="http://schemas.openxmlformats.org/drawingml/2006/main" xmlns:r="http://schemas.openxmlformats.org/officeDocument/2006/relationships" xmlns:p="http://schemas.openxmlformats.org/presentationml/2006/main">
   <p:cSld>
     <p:spTree>
@@ -8829,7 +9038,7 @@
           <a:p>
             <a:fld id="{28DF114B-D28A-2D41-8150-B5394572B4BE}" type="slidenum">
               <a:rPr lang="en-US" smtClean="0"/>
-              <a:t>31</a:t>
+              <a:t>33</a:t>
             </a:fld>
             <a:endParaRPr lang="en-US" dirty="0"/>
           </a:p>
@@ -9262,219 +9471,6 @@
 </p:sld>
 </file>
 
-<file path=ppt/slides/slide32.xml><?xml version="1.0" encoding="utf-8"?>
-<p:sld xmlns:a="http://schemas.openxmlformats.org/drawingml/2006/main" xmlns:r="http://schemas.openxmlformats.org/officeDocument/2006/relationships" xmlns:p="http://schemas.openxmlformats.org/presentationml/2006/main">
-  <p:cSld>
-    <p:spTree>
-      <p:nvGrpSpPr>
-        <p:cNvPr id="1" name=""/>
-        <p:cNvGrpSpPr/>
-        <p:nvPr/>
-      </p:nvGrpSpPr>
-      <p:grpSpPr>
-        <a:xfrm>
-          <a:off x="0" y="0"/>
-          <a:ext cx="0" cy="0"/>
-          <a:chOff x="0" y="0"/>
-          <a:chExt cx="0" cy="0"/>
-        </a:xfrm>
-      </p:grpSpPr>
-      <p:sp>
-        <p:nvSpPr>
-          <p:cNvPr id="2" name="Title 1">
-            <a:extLst>
-              <a:ext uri="{FF2B5EF4-FFF2-40B4-BE49-F238E27FC236}">
-                <a16:creationId xmlns:a16="http://schemas.microsoft.com/office/drawing/2014/main" id="{861800E7-95DD-D90A-990B-2324083F6F92}"/>
-              </a:ext>
-            </a:extLst>
-          </p:cNvPr>
-          <p:cNvSpPr>
-            <a:spLocks noGrp="1"/>
-          </p:cNvSpPr>
-          <p:nvPr>
-            <p:ph type="title"/>
-          </p:nvPr>
-        </p:nvSpPr>
-        <p:spPr/>
-        <p:txBody>
-          <a:bodyPr/>
-          <a:lstStyle/>
-          <a:p>
-            <a:r>
-              <a:rPr lang="en-US" dirty="0"/>
-              <a:t>To Define ASTs, Use ADTs</a:t>
-            </a:r>
-          </a:p>
-        </p:txBody>
-      </p:sp>
-      <p:sp>
-        <p:nvSpPr>
-          <p:cNvPr id="3" name="Content Placeholder 2">
-            <a:extLst>
-              <a:ext uri="{FF2B5EF4-FFF2-40B4-BE49-F238E27FC236}">
-                <a16:creationId xmlns:a16="http://schemas.microsoft.com/office/drawing/2014/main" id="{2758A915-2674-8C7B-9F06-4808EA557B5D}"/>
-              </a:ext>
-            </a:extLst>
-          </p:cNvPr>
-          <p:cNvSpPr>
-            <a:spLocks noGrp="1"/>
-          </p:cNvSpPr>
-          <p:nvPr>
-            <p:ph idx="1"/>
-          </p:nvPr>
-        </p:nvSpPr>
-        <p:spPr/>
-        <p:txBody>
-          <a:bodyPr/>
-          <a:lstStyle/>
-          <a:p>
-            <a:r>
-              <a:rPr lang="en-US" dirty="0"/>
-              <a:t>Algebraic Data Types (ADTs) are programmer-defined types that can combine three features</a:t>
-            </a:r>
-          </a:p>
-          <a:p>
-            <a:pPr lvl="1"/>
-            <a:r>
-              <a:rPr lang="en-US" dirty="0"/>
-              <a:t>Recursion</a:t>
-            </a:r>
-          </a:p>
-          <a:p>
-            <a:pPr lvl="1"/>
-            <a:r>
-              <a:rPr lang="en-US" dirty="0"/>
-              <a:t>“Or”: “every t is either an A or B”</a:t>
-            </a:r>
-          </a:p>
-          <a:p>
-            <a:pPr lvl="1"/>
-            <a:r>
-              <a:rPr lang="en-US" dirty="0"/>
-              <a:t>“And”: “every A contains an x and a y”</a:t>
-            </a:r>
-          </a:p>
-          <a:p>
-            <a:r>
-              <a:rPr lang="en-US" dirty="0"/>
-              <a:t>ADTs are not inherently about ASTs (despite similar acronym)</a:t>
-            </a:r>
-          </a:p>
-          <a:p>
-            <a:r>
-              <a:rPr lang="en-US" dirty="0"/>
-              <a:t>They are useful in a broad array of applications</a:t>
-            </a:r>
-          </a:p>
-          <a:p>
-            <a:r>
-              <a:rPr lang="en-US" b="1" dirty="0"/>
-              <a:t>But</a:t>
-            </a:r>
-            <a:r>
-              <a:rPr lang="en-US" dirty="0"/>
-              <a:t> they are extremely useful for ASTs</a:t>
-            </a:r>
-            <a:endParaRPr lang="en-US" b="1" dirty="0"/>
-          </a:p>
-        </p:txBody>
-      </p:sp>
-    </p:spTree>
-    <p:extLst>
-      <p:ext uri="{BB962C8B-B14F-4D97-AF65-F5344CB8AC3E}">
-        <p14:creationId xmlns:p14="http://schemas.microsoft.com/office/powerpoint/2010/main" val="3406289201"/>
-      </p:ext>
-    </p:extLst>
-  </p:cSld>
-  <p:clrMapOvr>
-    <a:masterClrMapping/>
-  </p:clrMapOvr>
-</p:sld>
-</file>
-
-<file path=ppt/slides/slide33.xml><?xml version="1.0" encoding="utf-8"?>
-<p:sld xmlns:a="http://schemas.openxmlformats.org/drawingml/2006/main" xmlns:r="http://schemas.openxmlformats.org/officeDocument/2006/relationships" xmlns:p="http://schemas.openxmlformats.org/presentationml/2006/main">
-  <p:cSld>
-    <p:spTree>
-      <p:nvGrpSpPr>
-        <p:cNvPr id="1" name=""/>
-        <p:cNvGrpSpPr/>
-        <p:nvPr/>
-      </p:nvGrpSpPr>
-      <p:grpSpPr>
-        <a:xfrm>
-          <a:off x="0" y="0"/>
-          <a:ext cx="0" cy="0"/>
-          <a:chOff x="0" y="0"/>
-          <a:chExt cx="0" cy="0"/>
-        </a:xfrm>
-      </p:grpSpPr>
-      <p:sp>
-        <p:nvSpPr>
-          <p:cNvPr id="2" name="Title 1">
-            <a:extLst>
-              <a:ext uri="{FF2B5EF4-FFF2-40B4-BE49-F238E27FC236}">
-                <a16:creationId xmlns:a16="http://schemas.microsoft.com/office/drawing/2014/main" id="{7DC8B6CA-BC27-39BA-FCEF-9C5B2F73234E}"/>
-              </a:ext>
-            </a:extLst>
-          </p:cNvPr>
-          <p:cNvSpPr>
-            <a:spLocks noGrp="1"/>
-          </p:cNvSpPr>
-          <p:nvPr>
-            <p:ph type="title"/>
-          </p:nvPr>
-        </p:nvSpPr>
-        <p:spPr/>
-        <p:txBody>
-          <a:bodyPr/>
-          <a:lstStyle/>
-          <a:p>
-            <a:r>
-              <a:rPr lang="en-US" dirty="0"/>
-              <a:t>Subsection: Algebraic Data Types</a:t>
-            </a:r>
-          </a:p>
-        </p:txBody>
-      </p:sp>
-      <p:sp>
-        <p:nvSpPr>
-          <p:cNvPr id="3" name="Content Placeholder 2">
-            <a:extLst>
-              <a:ext uri="{FF2B5EF4-FFF2-40B4-BE49-F238E27FC236}">
-                <a16:creationId xmlns:a16="http://schemas.microsoft.com/office/drawing/2014/main" id="{C2BE0A49-BB9E-0ACD-7367-A0EE5A27421B}"/>
-              </a:ext>
-            </a:extLst>
-          </p:cNvPr>
-          <p:cNvSpPr>
-            <a:spLocks noGrp="1"/>
-          </p:cNvSpPr>
-          <p:nvPr>
-            <p:ph idx="1"/>
-          </p:nvPr>
-        </p:nvSpPr>
-        <p:spPr/>
-        <p:txBody>
-          <a:bodyPr/>
-          <a:lstStyle/>
-          <a:p>
-            <a:endParaRPr lang="en-US"/>
-          </a:p>
-        </p:txBody>
-      </p:sp>
-    </p:spTree>
-    <p:extLst>
-      <p:ext uri="{BB962C8B-B14F-4D97-AF65-F5344CB8AC3E}">
-        <p14:creationId xmlns:p14="http://schemas.microsoft.com/office/powerpoint/2010/main" val="2205778516"/>
-      </p:ext>
-    </p:extLst>
-  </p:cSld>
-  <p:clrMapOvr>
-    <a:masterClrMapping/>
-  </p:clrMapOvr>
-</p:sld>
-</file>
-
 <file path=ppt/slides/slide34.xml><?xml version="1.0" encoding="utf-8"?>
 <p:sld xmlns:a="http://schemas.openxmlformats.org/drawingml/2006/main" xmlns:r="http://schemas.openxmlformats.org/officeDocument/2006/relationships" xmlns:p="http://schemas.openxmlformats.org/presentationml/2006/main">
   <p:cSld>
@@ -9497,7 +9493,7 @@
           <p:cNvPr id="2" name="Title 1">
             <a:extLst>
               <a:ext uri="{FF2B5EF4-FFF2-40B4-BE49-F238E27FC236}">
-                <a16:creationId xmlns:a16="http://schemas.microsoft.com/office/drawing/2014/main" id="{53A37B0F-0CE7-B120-EB58-93B312CC1D3F}"/>
+                <a16:creationId xmlns:a16="http://schemas.microsoft.com/office/drawing/2014/main" id="{861800E7-95DD-D90A-990B-2324083F6F92}"/>
               </a:ext>
             </a:extLst>
           </p:cNvPr>
@@ -9515,7 +9511,7 @@
           <a:p>
             <a:r>
               <a:rPr lang="en-US" dirty="0"/>
-              <a:t>Reminder About Textbook Organization</a:t>
+              <a:t>To Define ASTs, Use ADTs</a:t>
             </a:r>
           </a:p>
         </p:txBody>
@@ -9525,7 +9521,7 @@
           <p:cNvPr id="3" name="Content Placeholder 2">
             <a:extLst>
               <a:ext uri="{FF2B5EF4-FFF2-40B4-BE49-F238E27FC236}">
-                <a16:creationId xmlns:a16="http://schemas.microsoft.com/office/drawing/2014/main" id="{F5946E7B-4F49-D226-7AC3-75A89624F4E1}"/>
+                <a16:creationId xmlns:a16="http://schemas.microsoft.com/office/drawing/2014/main" id="{2758A915-2674-8C7B-9F06-4808EA557B5D}"/>
               </a:ext>
             </a:extLst>
           </p:cNvPr>
@@ -9543,27 +9539,59 @@
           <a:p>
             <a:r>
               <a:rPr lang="en-US" dirty="0"/>
-              <a:t>The textbook is organized so that most material is language-independent and Rust-specific information is pushed to the edges</a:t>
-            </a:r>
-          </a:p>
-          <a:p>
-            <a:r>
-              <a:rPr lang="en-US" dirty="0"/>
-              <a:t>This allows you to focus on reusable concepts first, then the details of implementation</a:t>
-            </a:r>
-          </a:p>
-          <a:p>
-            <a:r>
-              <a:rPr lang="en-US" dirty="0"/>
-              <a:t>However, it means we will teach two different notations for ADTs</a:t>
-            </a:r>
+              <a:t>Algebraic Data Types (ADTs) are programmer-defined types that can combine three features</a:t>
+            </a:r>
+          </a:p>
+          <a:p>
+            <a:pPr lvl="1"/>
+            <a:r>
+              <a:rPr lang="en-US" dirty="0"/>
+              <a:t>Recursion</a:t>
+            </a:r>
+          </a:p>
+          <a:p>
+            <a:pPr lvl="1"/>
+            <a:r>
+              <a:rPr lang="en-US" dirty="0"/>
+              <a:t>“Or”: “every t is either an A or B”</a:t>
+            </a:r>
+          </a:p>
+          <a:p>
+            <a:pPr lvl="1"/>
+            <a:r>
+              <a:rPr lang="en-US" dirty="0"/>
+              <a:t>“And”: “every A contains an x and a y”</a:t>
+            </a:r>
+          </a:p>
+          <a:p>
+            <a:r>
+              <a:rPr lang="en-US" dirty="0"/>
+              <a:t>ADTs are not inherently about ASTs (despite similar acronym)</a:t>
+            </a:r>
+          </a:p>
+          <a:p>
+            <a:r>
+              <a:rPr lang="en-US" dirty="0"/>
+              <a:t>They are useful in a broad array of applications</a:t>
+            </a:r>
+          </a:p>
+          <a:p>
+            <a:r>
+              <a:rPr lang="en-US" b="1" dirty="0"/>
+              <a:t>But</a:t>
+            </a:r>
+            <a:r>
+              <a:rPr lang="en-US" dirty="0"/>
+              <a:t> they are extremely useful for ASTs</a:t>
+            </a:r>
+            <a:endParaRPr lang="en-US" b="1" dirty="0"/>
           </a:p>
         </p:txBody>
       </p:sp>
     </p:spTree>
     <p:extLst>
       <p:ext uri="{BB962C8B-B14F-4D97-AF65-F5344CB8AC3E}">
-        <p14:creationId xmlns:p14="http://schemas.microsoft.com/office/powerpoint/2010/main" val="1707895531"/>
+        <p14:creationId xmlns:p14="http://schemas.microsoft.com/office/powerpoint/2010/main" val="3406289201"/>
       </p:ext>
     </p:extLst>
   </p:cSld>
@@ -9595,7 +9623,7 @@
           <p:cNvPr id="2" name="Title 1">
             <a:extLst>
               <a:ext uri="{FF2B5EF4-FFF2-40B4-BE49-F238E27FC236}">
-                <a16:creationId xmlns:a16="http://schemas.microsoft.com/office/drawing/2014/main" id="{3D2D9CAB-5CF1-604F-340B-BF4B2D760EBE}"/>
+                <a16:creationId xmlns:a16="http://schemas.microsoft.com/office/drawing/2014/main" id="{7DC8B6CA-BC27-39BA-FCEF-9C5B2F73234E}"/>
               </a:ext>
             </a:extLst>
           </p:cNvPr>
@@ -9613,7 +9641,7 @@
           <a:p>
             <a:r>
               <a:rPr lang="en-US" dirty="0"/>
-              <a:t>A Generic Syntax for ADT Definitions</a:t>
+              <a:t>Subsection: Algebraic Data Types</a:t>
             </a:r>
           </a:p>
         </p:txBody>
@@ -9623,7 +9651,7 @@
           <p:cNvPr id="3" name="Content Placeholder 2">
             <a:extLst>
               <a:ext uri="{FF2B5EF4-FFF2-40B4-BE49-F238E27FC236}">
-                <a16:creationId xmlns:a16="http://schemas.microsoft.com/office/drawing/2014/main" id="{EBC60A02-FBE2-006C-0628-4375D1E87968}"/>
+                <a16:creationId xmlns:a16="http://schemas.microsoft.com/office/drawing/2014/main" id="{C2BE0A49-BB9E-0ACD-7367-A0EE5A27421B}"/>
               </a:ext>
             </a:extLst>
           </p:cNvPr>
@@ -9634,320 +9662,19 @@
             <p:ph idx="1"/>
           </p:nvPr>
         </p:nvSpPr>
-        <p:spPr>
-          <a:xfrm>
-            <a:off x="1097280" y="3022332"/>
-            <a:ext cx="10058400" cy="2846761"/>
-          </a:xfrm>
-        </p:spPr>
+        <p:spPr/>
         <p:txBody>
           <a:bodyPr/>
           <a:lstStyle/>
           <a:p>
-            <a:r>
-              <a:rPr lang="en-US" dirty="0"/>
-              <a:t>This syntax defines a type named </a:t>
-            </a:r>
-            <a:r>
-              <a:rPr lang="en-US" dirty="0" err="1"/>
-              <a:t>type_name</a:t>
-            </a:r>
-            <a:r>
-              <a:rPr lang="en-US" dirty="0"/>
-              <a:t> where:</a:t>
-            </a:r>
-          </a:p>
-          <a:p>
-            <a:pPr lvl="1"/>
-            <a:r>
-              <a:rPr lang="en-US" dirty="0"/>
-              <a:t>Every value of </a:t>
-            </a:r>
-            <a:r>
-              <a:rPr lang="en-US" dirty="0" err="1"/>
-              <a:t>type_name</a:t>
-            </a:r>
-            <a:r>
-              <a:rPr lang="en-US" dirty="0"/>
-              <a:t> is either</a:t>
-            </a:r>
-          </a:p>
-          <a:p>
-            <a:pPr lvl="2"/>
-            <a:r>
-              <a:rPr lang="en-US" dirty="0"/>
-              <a:t>variant1(</a:t>
-            </a:r>
-            <a:r>
-              <a:rPr lang="en-US" dirty="0" err="1"/>
-              <a:t>args</a:t>
-            </a:r>
-            <a:r>
-              <a:rPr lang="en-US" dirty="0"/>
-              <a:t>) OR variant2(</a:t>
-            </a:r>
-            <a:r>
-              <a:rPr lang="en-US" dirty="0" err="1"/>
-              <a:t>args</a:t>
-            </a:r>
-            <a:r>
-              <a:rPr lang="en-US" dirty="0"/>
-              <a:t>) ... OR </a:t>
-            </a:r>
-            <a:r>
-              <a:rPr lang="en-US" dirty="0" err="1"/>
-              <a:t>variantN</a:t>
-            </a:r>
-            <a:r>
-              <a:rPr lang="en-US" dirty="0"/>
-              <a:t>(</a:t>
-            </a:r>
-            <a:r>
-              <a:rPr lang="en-US" dirty="0" err="1"/>
-              <a:t>args</a:t>
-            </a:r>
-            <a:r>
-              <a:rPr lang="en-US" dirty="0"/>
-              <a:t>)</a:t>
-            </a:r>
-          </a:p>
-          <a:p>
-            <a:pPr lvl="1"/>
-            <a:r>
-              <a:rPr lang="en-US" dirty="0"/>
-              <a:t>Every value variant1(</a:t>
-            </a:r>
-            <a:r>
-              <a:rPr lang="en-US" dirty="0" err="1"/>
-              <a:t>args</a:t>
-            </a:r>
-            <a:r>
-              <a:rPr lang="en-US" dirty="0"/>
-              <a:t>) contains as data its arguments </a:t>
-            </a:r>
-          </a:p>
-          <a:p>
-            <a:pPr lvl="2"/>
-            <a:r>
-              <a:rPr lang="en-US" dirty="0"/>
-              <a:t>arg1 : arg_type1 AND arg2 : arg_type2 … AND </a:t>
-            </a:r>
-            <a:r>
-              <a:rPr lang="en-US" dirty="0" err="1"/>
-              <a:t>argJ</a:t>
-            </a:r>
-            <a:r>
-              <a:rPr lang="en-US" dirty="0"/>
-              <a:t> : </a:t>
-            </a:r>
-            <a:r>
-              <a:rPr lang="en-US" dirty="0" err="1"/>
-              <a:t>arg_typeJ</a:t>
-            </a:r>
-            <a:endParaRPr lang="en-US" dirty="0"/>
-          </a:p>
-          <a:p>
-            <a:pPr lvl="1"/>
-            <a:r>
-              <a:rPr lang="en-US" dirty="0"/>
-              <a:t>Arguments can have type </a:t>
-            </a:r>
-            <a:r>
-              <a:rPr lang="en-US" dirty="0" err="1"/>
-              <a:t>type_name</a:t>
-            </a:r>
-            <a:r>
-              <a:rPr lang="en-US" dirty="0"/>
-              <a:t> (inductive references)</a:t>
-            </a:r>
-          </a:p>
-        </p:txBody>
-      </p:sp>
-      <p:sp>
-        <p:nvSpPr>
-          <p:cNvPr id="5" name="TextBox 4">
-            <a:extLst>
-              <a:ext uri="{FF2B5EF4-FFF2-40B4-BE49-F238E27FC236}">
-                <a16:creationId xmlns:a16="http://schemas.microsoft.com/office/drawing/2014/main" id="{CAF68439-8489-031A-8AF9-A6ABBA8F4EC7}"/>
-              </a:ext>
-            </a:extLst>
-          </p:cNvPr>
-          <p:cNvSpPr txBox="1"/>
-          <p:nvPr/>
-        </p:nvSpPr>
-        <p:spPr>
-          <a:xfrm>
-            <a:off x="3693695" y="1737360"/>
-            <a:ext cx="6097604" cy="1200329"/>
-          </a:xfrm>
-          <a:prstGeom prst="rect">
-            <a:avLst/>
-          </a:prstGeom>
-          <a:noFill/>
-        </p:spPr>
-        <p:txBody>
-          <a:bodyPr wrap="square">
-            <a:spAutoFit/>
-          </a:bodyPr>
-          <a:lstStyle/>
-          <a:p>
-            <a:r>
-              <a:rPr lang="en-US" b="0" i="0" dirty="0">
-                <a:solidFill>
-                  <a:srgbClr val="000000"/>
-                </a:solidFill>
-                <a:effectLst/>
-                <a:latin typeface="Consolas" panose="020B0609020204030204" pitchFamily="49" charset="0"/>
-              </a:rPr>
-              <a:t>ADT </a:t>
-            </a:r>
-            <a:r>
-              <a:rPr lang="en-US" b="0" i="0" dirty="0" err="1">
-                <a:solidFill>
-                  <a:srgbClr val="000000"/>
-                </a:solidFill>
-                <a:effectLst/>
-                <a:latin typeface="Consolas" panose="020B0609020204030204" pitchFamily="49" charset="0"/>
-              </a:rPr>
-              <a:t>type_name</a:t>
-            </a:r>
-            <a:r>
-              <a:rPr lang="en-US" b="0" i="0" dirty="0">
-                <a:solidFill>
-                  <a:srgbClr val="000000"/>
-                </a:solidFill>
-                <a:effectLst/>
-                <a:latin typeface="Consolas" panose="020B0609020204030204" pitchFamily="49" charset="0"/>
-              </a:rPr>
-              <a:t> = </a:t>
-            </a:r>
-            <a:br>
-              <a:rPr lang="en-US" b="0" i="0" dirty="0">
-                <a:solidFill>
-                  <a:srgbClr val="000000"/>
-                </a:solidFill>
-                <a:effectLst/>
-                <a:latin typeface="Consolas" panose="020B0609020204030204" pitchFamily="49" charset="0"/>
-              </a:rPr>
-            </a:br>
-            <a:r>
-              <a:rPr lang="en-US" b="0" i="0" dirty="0">
-                <a:solidFill>
-                  <a:srgbClr val="000000"/>
-                </a:solidFill>
-                <a:effectLst/>
-                <a:latin typeface="Consolas" panose="020B0609020204030204" pitchFamily="49" charset="0"/>
-              </a:rPr>
-              <a:t>| variant1(arg_type1, ..., </a:t>
-            </a:r>
-            <a:r>
-              <a:rPr lang="en-US" b="0" i="0" dirty="0" err="1">
-                <a:solidFill>
-                  <a:srgbClr val="000000"/>
-                </a:solidFill>
-                <a:effectLst/>
-                <a:latin typeface="Consolas" panose="020B0609020204030204" pitchFamily="49" charset="0"/>
-              </a:rPr>
-              <a:t>arg_typeJ</a:t>
-            </a:r>
-            <a:r>
-              <a:rPr lang="en-US" b="0" i="0" dirty="0">
-                <a:solidFill>
-                  <a:srgbClr val="000000"/>
-                </a:solidFill>
-                <a:effectLst/>
-                <a:latin typeface="Consolas" panose="020B0609020204030204" pitchFamily="49" charset="0"/>
-              </a:rPr>
-              <a:t>) </a:t>
-            </a:r>
-            <a:br>
-              <a:rPr lang="en-US" b="0" i="0" dirty="0">
-                <a:solidFill>
-                  <a:srgbClr val="000000"/>
-                </a:solidFill>
-                <a:effectLst/>
-                <a:latin typeface="Consolas" panose="020B0609020204030204" pitchFamily="49" charset="0"/>
-              </a:rPr>
-            </a:br>
-            <a:r>
-              <a:rPr lang="en-US" b="0" i="0" dirty="0">
-                <a:solidFill>
-                  <a:srgbClr val="000000"/>
-                </a:solidFill>
-                <a:effectLst/>
-                <a:latin typeface="Consolas" panose="020B0609020204030204" pitchFamily="49" charset="0"/>
-              </a:rPr>
-              <a:t>| ... </a:t>
-            </a:r>
-            <a:br>
-              <a:rPr lang="en-US" b="0" i="0" dirty="0">
-                <a:solidFill>
-                  <a:srgbClr val="000000"/>
-                </a:solidFill>
-                <a:effectLst/>
-                <a:latin typeface="Consolas" panose="020B0609020204030204" pitchFamily="49" charset="0"/>
-              </a:rPr>
-            </a:br>
-            <a:r>
-              <a:rPr lang="en-US" b="0" i="0" dirty="0">
-                <a:solidFill>
-                  <a:srgbClr val="000000"/>
-                </a:solidFill>
-                <a:effectLst/>
-                <a:latin typeface="Consolas" panose="020B0609020204030204" pitchFamily="49" charset="0"/>
-              </a:rPr>
-              <a:t>| </a:t>
-            </a:r>
-            <a:r>
-              <a:rPr lang="en-US" b="0" i="0" dirty="0" err="1">
-                <a:solidFill>
-                  <a:srgbClr val="000000"/>
-                </a:solidFill>
-                <a:effectLst/>
-                <a:latin typeface="Consolas" panose="020B0609020204030204" pitchFamily="49" charset="0"/>
-              </a:rPr>
-              <a:t>variantN</a:t>
-            </a:r>
-            <a:r>
-              <a:rPr lang="en-US" b="0" i="0" dirty="0">
-                <a:solidFill>
-                  <a:srgbClr val="000000"/>
-                </a:solidFill>
-                <a:effectLst/>
-                <a:latin typeface="Consolas" panose="020B0609020204030204" pitchFamily="49" charset="0"/>
-              </a:rPr>
-              <a:t>(arg_type1, ..., </a:t>
-            </a:r>
-            <a:r>
-              <a:rPr lang="en-US" b="0" i="0" dirty="0" err="1">
-                <a:solidFill>
-                  <a:srgbClr val="000000"/>
-                </a:solidFill>
-                <a:effectLst/>
-                <a:latin typeface="Consolas" panose="020B0609020204030204" pitchFamily="49" charset="0"/>
-              </a:rPr>
-              <a:t>arg_typeK</a:t>
-            </a:r>
-            <a:r>
-              <a:rPr lang="en-US" b="0" i="0" dirty="0">
-                <a:solidFill>
-                  <a:srgbClr val="000000"/>
-                </a:solidFill>
-                <a:effectLst/>
-                <a:latin typeface="Consolas" panose="020B0609020204030204" pitchFamily="49" charset="0"/>
-              </a:rPr>
-              <a:t>)</a:t>
-            </a:r>
-            <a:endParaRPr lang="en-US" dirty="0">
-              <a:latin typeface="Consolas" panose="020B0609020204030204" pitchFamily="49" charset="0"/>
-            </a:endParaRPr>
+            <a:endParaRPr lang="en-US"/>
           </a:p>
         </p:txBody>
       </p:sp>
     </p:spTree>
     <p:extLst>
       <p:ext uri="{BB962C8B-B14F-4D97-AF65-F5344CB8AC3E}">
-        <p14:creationId xmlns:p14="http://schemas.microsoft.com/office/powerpoint/2010/main" val="3326060895"/>
+        <p14:creationId xmlns:p14="http://schemas.microsoft.com/office/powerpoint/2010/main" val="2205778516"/>
       </p:ext>
     </p:extLst>
   </p:cSld>
@@ -9979,7 +9706,7 @@
           <p:cNvPr id="2" name="Title 1">
             <a:extLst>
               <a:ext uri="{FF2B5EF4-FFF2-40B4-BE49-F238E27FC236}">
-                <a16:creationId xmlns:a16="http://schemas.microsoft.com/office/drawing/2014/main" id="{58837BE9-E9AD-4B2A-6397-9F093E7D91B6}"/>
+                <a16:creationId xmlns:a16="http://schemas.microsoft.com/office/drawing/2014/main" id="{53A37B0F-0CE7-B120-EB58-93B312CC1D3F}"/>
               </a:ext>
             </a:extLst>
           </p:cNvPr>
@@ -9997,7 +9724,7 @@
           <a:p>
             <a:r>
               <a:rPr lang="en-US" dirty="0"/>
-              <a:t>Example: Enumeration</a:t>
+              <a:t>Reminder About Textbook Organization</a:t>
             </a:r>
           </a:p>
         </p:txBody>
@@ -10007,7 +9734,7 @@
           <p:cNvPr id="3" name="Content Placeholder 2">
             <a:extLst>
               <a:ext uri="{FF2B5EF4-FFF2-40B4-BE49-F238E27FC236}">
-                <a16:creationId xmlns:a16="http://schemas.microsoft.com/office/drawing/2014/main" id="{033ECFEE-B618-893F-A2BE-D32C869E9254}"/>
+                <a16:creationId xmlns:a16="http://schemas.microsoft.com/office/drawing/2014/main" id="{F5946E7B-4F49-D226-7AC3-75A89624F4E1}"/>
               </a:ext>
             </a:extLst>
           </p:cNvPr>
@@ -10024,134 +9751,28 @@
           <a:lstStyle/>
           <a:p>
             <a:r>
-              <a:rPr lang="en-US" b="0" i="0" dirty="0">
-                <a:solidFill>
-                  <a:srgbClr val="000000"/>
-                </a:solidFill>
-                <a:effectLst/>
-                <a:latin typeface="Consolas" panose="020B0609020204030204" pitchFamily="49" charset="0"/>
-              </a:rPr>
-              <a:t>ADT </a:t>
-            </a:r>
-            <a:r>
-              <a:rPr lang="en-US" b="0" i="0" dirty="0" err="1">
-                <a:solidFill>
-                  <a:srgbClr val="000000"/>
-                </a:solidFill>
-                <a:effectLst/>
-                <a:latin typeface="Consolas" panose="020B0609020204030204" pitchFamily="49" charset="0"/>
-              </a:rPr>
-              <a:t>InkColor</a:t>
-            </a:r>
-            <a:r>
-              <a:rPr lang="en-US" b="0" i="0" dirty="0">
-                <a:solidFill>
-                  <a:srgbClr val="000000"/>
-                </a:solidFill>
-                <a:effectLst/>
-                <a:latin typeface="Consolas" panose="020B0609020204030204" pitchFamily="49" charset="0"/>
-              </a:rPr>
-              <a:t> =</a:t>
-            </a:r>
-            <a:br>
-              <a:rPr lang="en-US" b="0" i="0" dirty="0">
-                <a:solidFill>
-                  <a:srgbClr val="000000"/>
-                </a:solidFill>
-                <a:effectLst/>
-                <a:latin typeface="Consolas" panose="020B0609020204030204" pitchFamily="49" charset="0"/>
-              </a:rPr>
-            </a:br>
-            <a:r>
-              <a:rPr lang="en-US" b="0" i="0" dirty="0">
-                <a:solidFill>
-                  <a:srgbClr val="000000"/>
-                </a:solidFill>
-                <a:effectLst/>
-                <a:latin typeface="Consolas" panose="020B0609020204030204" pitchFamily="49" charset="0"/>
-              </a:rPr>
-              <a:t>| Cyan()</a:t>
-            </a:r>
-            <a:br>
-              <a:rPr lang="en-US" b="0" i="0" dirty="0">
-                <a:solidFill>
-                  <a:srgbClr val="000000"/>
-                </a:solidFill>
-                <a:effectLst/>
-                <a:latin typeface="Consolas" panose="020B0609020204030204" pitchFamily="49" charset="0"/>
-              </a:rPr>
-            </a:br>
-            <a:r>
-              <a:rPr lang="en-US" b="0" i="0" dirty="0">
-                <a:solidFill>
-                  <a:srgbClr val="000000"/>
-                </a:solidFill>
-                <a:effectLst/>
-                <a:latin typeface="Consolas" panose="020B0609020204030204" pitchFamily="49" charset="0"/>
-              </a:rPr>
-              <a:t>| Magenta()</a:t>
-            </a:r>
-            <a:br>
-              <a:rPr lang="en-US" b="0" i="0" dirty="0">
-                <a:solidFill>
-                  <a:srgbClr val="000000"/>
-                </a:solidFill>
-                <a:effectLst/>
-                <a:latin typeface="Consolas" panose="020B0609020204030204" pitchFamily="49" charset="0"/>
-              </a:rPr>
-            </a:br>
-            <a:r>
-              <a:rPr lang="en-US" b="0" i="0" dirty="0">
-                <a:solidFill>
-                  <a:srgbClr val="000000"/>
-                </a:solidFill>
-                <a:effectLst/>
-                <a:latin typeface="Consolas" panose="020B0609020204030204" pitchFamily="49" charset="0"/>
-              </a:rPr>
-              <a:t>| Yellow()</a:t>
-            </a:r>
-            <a:br>
-              <a:rPr lang="en-US" b="0" i="0" dirty="0">
-                <a:solidFill>
-                  <a:srgbClr val="000000"/>
-                </a:solidFill>
-                <a:effectLst/>
-                <a:latin typeface="Consolas" panose="020B0609020204030204" pitchFamily="49" charset="0"/>
-              </a:rPr>
-            </a:br>
-            <a:r>
-              <a:rPr lang="en-US" b="0" i="0" dirty="0">
-                <a:solidFill>
-                  <a:srgbClr val="000000"/>
-                </a:solidFill>
-                <a:effectLst/>
-                <a:latin typeface="Consolas" panose="020B0609020204030204" pitchFamily="49" charset="0"/>
-              </a:rPr>
-              <a:t>| Black()</a:t>
-            </a:r>
-            <a:br>
-              <a:rPr lang="en-US" b="0" i="0" dirty="0">
-                <a:solidFill>
-                  <a:srgbClr val="000000"/>
-                </a:solidFill>
-                <a:effectLst/>
-                <a:latin typeface="Consolas" panose="020B0609020204030204" pitchFamily="49" charset="0"/>
-              </a:rPr>
-            </a:br>
-            <a:endParaRPr lang="en-US" b="0" i="0" dirty="0">
-              <a:solidFill>
-                <a:srgbClr val="000000"/>
-              </a:solidFill>
-              <a:effectLst/>
-              <a:latin typeface="Consolas" panose="020B0609020204030204" pitchFamily="49" charset="0"/>
-            </a:endParaRPr>
+              <a:rPr lang="en-US" dirty="0"/>
+              <a:t>The textbook is organized so that most material is language-independent and Rust-specific information is pushed to the edges</a:t>
+            </a:r>
+          </a:p>
+          <a:p>
+            <a:r>
+              <a:rPr lang="en-US" dirty="0"/>
+              <a:t>This allows you to focus on reusable concepts first, then the details of implementation</a:t>
+            </a:r>
+          </a:p>
+          <a:p>
+            <a:r>
+              <a:rPr lang="en-US" dirty="0"/>
+              <a:t>However, it means we will teach two different notations for ADTs</a:t>
+            </a:r>
           </a:p>
         </p:txBody>
       </p:sp>
     </p:spTree>
     <p:extLst>
       <p:ext uri="{BB962C8B-B14F-4D97-AF65-F5344CB8AC3E}">
-        <p14:creationId xmlns:p14="http://schemas.microsoft.com/office/powerpoint/2010/main" val="3035430516"/>
+        <p14:creationId xmlns:p14="http://schemas.microsoft.com/office/powerpoint/2010/main" val="1707895531"/>
       </p:ext>
     </p:extLst>
   </p:cSld>
@@ -10183,7 +9804,7 @@
           <p:cNvPr id="2" name="Title 1">
             <a:extLst>
               <a:ext uri="{FF2B5EF4-FFF2-40B4-BE49-F238E27FC236}">
-                <a16:creationId xmlns:a16="http://schemas.microsoft.com/office/drawing/2014/main" id="{7A01FA45-7AC5-E0D3-FF61-40462304304C}"/>
+                <a16:creationId xmlns:a16="http://schemas.microsoft.com/office/drawing/2014/main" id="{3D2D9CAB-5CF1-604F-340B-BF4B2D760EBE}"/>
               </a:ext>
             </a:extLst>
           </p:cNvPr>
@@ -10201,7 +9822,7 @@
           <a:p>
             <a:r>
               <a:rPr lang="en-US" dirty="0"/>
-              <a:t>Example: List of Numbers</a:t>
+              <a:t>A Generic Syntax for ADT Definitions</a:t>
             </a:r>
           </a:p>
         </p:txBody>
@@ -10211,7 +9832,7 @@
           <p:cNvPr id="3" name="Content Placeholder 2">
             <a:extLst>
               <a:ext uri="{FF2B5EF4-FFF2-40B4-BE49-F238E27FC236}">
-                <a16:creationId xmlns:a16="http://schemas.microsoft.com/office/drawing/2014/main" id="{3D22743C-A9C9-DA93-C4E3-389B79FC4FDE}"/>
+                <a16:creationId xmlns:a16="http://schemas.microsoft.com/office/drawing/2014/main" id="{EBC60A02-FBE2-006C-0628-4375D1E87968}"/>
               </a:ext>
             </a:extLst>
           </p:cNvPr>
@@ -10222,12 +9843,164 @@
             <p:ph idx="1"/>
           </p:nvPr>
         </p:nvSpPr>
-        <p:spPr/>
+        <p:spPr>
+          <a:xfrm>
+            <a:off x="1097280" y="3022332"/>
+            <a:ext cx="10058400" cy="2846761"/>
+          </a:xfrm>
+        </p:spPr>
         <p:txBody>
           <a:bodyPr/>
           <a:lstStyle/>
           <a:p>
             <a:r>
+              <a:rPr lang="en-US" dirty="0"/>
+              <a:t>This syntax defines a type named </a:t>
+            </a:r>
+            <a:r>
+              <a:rPr lang="en-US" dirty="0" err="1"/>
+              <a:t>type_name</a:t>
+            </a:r>
+            <a:r>
+              <a:rPr lang="en-US" dirty="0"/>
+              <a:t> where:</a:t>
+            </a:r>
+          </a:p>
+          <a:p>
+            <a:pPr lvl="1"/>
+            <a:r>
+              <a:rPr lang="en-US" dirty="0"/>
+              <a:t>Every value of </a:t>
+            </a:r>
+            <a:r>
+              <a:rPr lang="en-US" dirty="0" err="1"/>
+              <a:t>type_name</a:t>
+            </a:r>
+            <a:r>
+              <a:rPr lang="en-US" dirty="0"/>
+              <a:t> is either</a:t>
+            </a:r>
+          </a:p>
+          <a:p>
+            <a:pPr lvl="2"/>
+            <a:r>
+              <a:rPr lang="en-US" dirty="0"/>
+              <a:t>variant1(</a:t>
+            </a:r>
+            <a:r>
+              <a:rPr lang="en-US" dirty="0" err="1"/>
+              <a:t>args</a:t>
+            </a:r>
+            <a:r>
+              <a:rPr lang="en-US" dirty="0"/>
+              <a:t>) OR variant2(</a:t>
+            </a:r>
+            <a:r>
+              <a:rPr lang="en-US" dirty="0" err="1"/>
+              <a:t>args</a:t>
+            </a:r>
+            <a:r>
+              <a:rPr lang="en-US" dirty="0"/>
+              <a:t>) ... OR </a:t>
+            </a:r>
+            <a:r>
+              <a:rPr lang="en-US" dirty="0" err="1"/>
+              <a:t>variantN</a:t>
+            </a:r>
+            <a:r>
+              <a:rPr lang="en-US" dirty="0"/>
+              <a:t>(</a:t>
+            </a:r>
+            <a:r>
+              <a:rPr lang="en-US" dirty="0" err="1"/>
+              <a:t>args</a:t>
+            </a:r>
+            <a:r>
+              <a:rPr lang="en-US" dirty="0"/>
+              <a:t>)</a:t>
+            </a:r>
+          </a:p>
+          <a:p>
+            <a:pPr lvl="1"/>
+            <a:r>
+              <a:rPr lang="en-US" dirty="0"/>
+              <a:t>Every value variant1(</a:t>
+            </a:r>
+            <a:r>
+              <a:rPr lang="en-US" dirty="0" err="1"/>
+              <a:t>args</a:t>
+            </a:r>
+            <a:r>
+              <a:rPr lang="en-US" dirty="0"/>
+              <a:t>) contains as data its arguments </a:t>
+            </a:r>
+          </a:p>
+          <a:p>
+            <a:pPr lvl="2"/>
+            <a:r>
+              <a:rPr lang="en-US" dirty="0"/>
+              <a:t>arg1 : arg_type1 AND arg2 : arg_type2 … AND </a:t>
+            </a:r>
+            <a:r>
+              <a:rPr lang="en-US" dirty="0" err="1"/>
+              <a:t>argJ</a:t>
+            </a:r>
+            <a:r>
+              <a:rPr lang="en-US" dirty="0"/>
+              <a:t> : </a:t>
+            </a:r>
+            <a:r>
+              <a:rPr lang="en-US" dirty="0" err="1"/>
+              <a:t>arg_typeJ</a:t>
+            </a:r>
+            <a:endParaRPr lang="en-US" dirty="0"/>
+          </a:p>
+          <a:p>
+            <a:pPr lvl="1"/>
+            <a:r>
+              <a:rPr lang="en-US" dirty="0"/>
+              <a:t>Arguments can have type </a:t>
+            </a:r>
+            <a:r>
+              <a:rPr lang="en-US" dirty="0" err="1"/>
+              <a:t>type_name</a:t>
+            </a:r>
+            <a:r>
+              <a:rPr lang="en-US" dirty="0"/>
+              <a:t> (inductive references)</a:t>
+            </a:r>
+          </a:p>
+        </p:txBody>
+      </p:sp>
+      <p:sp>
+        <p:nvSpPr>
+          <p:cNvPr id="5" name="TextBox 4">
+            <a:extLst>
+              <a:ext uri="{FF2B5EF4-FFF2-40B4-BE49-F238E27FC236}">
+                <a16:creationId xmlns:a16="http://schemas.microsoft.com/office/drawing/2014/main" id="{CAF68439-8489-031A-8AF9-A6ABBA8F4EC7}"/>
+              </a:ext>
+            </a:extLst>
+          </p:cNvPr>
+          <p:cNvSpPr txBox="1"/>
+          <p:nvPr/>
+        </p:nvSpPr>
+        <p:spPr>
+          <a:xfrm>
+            <a:off x="3693695" y="1737360"/>
+            <a:ext cx="6097604" cy="1200329"/>
+          </a:xfrm>
+          <a:prstGeom prst="rect">
+            <a:avLst/>
+          </a:prstGeom>
+          <a:noFill/>
+        </p:spPr>
+        <p:txBody>
+          <a:bodyPr wrap="square">
+            <a:spAutoFit/>
+          </a:bodyPr>
+          <a:lstStyle/>
+          <a:p>
+            <a:r>
               <a:rPr lang="en-US" b="0" i="0" dirty="0">
                 <a:solidFill>
                   <a:srgbClr val="000000"/>
@@ -10245,7 +10018,7 @@
                 <a:effectLst/>
                 <a:latin typeface="Consolas" panose="020B0609020204030204" pitchFamily="49" charset="0"/>
               </a:rPr>
-              <a:t>int_list</a:t>
+              <a:t>type_name</a:t>
             </a:r>
             <a:r>
               <a:rPr lang="en-US" b="0" i="0" dirty="0">
@@ -10274,7 +10047,27 @@
                 <a:effectLst/>
                 <a:latin typeface="Consolas" panose="020B0609020204030204" pitchFamily="49" charset="0"/>
               </a:rPr>
-              <a:t>| Empty () </a:t>
+              <a:t>| variant1(arg_type1, ..., </a:t>
+            </a:r>
+            <a:r>
+              <a:rPr lang="en-US" b="0" i="0" dirty="0" err="1">
+                <a:solidFill>
+                  <a:srgbClr val="000000"/>
+                </a:solidFill>
+                <a:effectLst/>
+                <a:latin typeface="Consolas" panose="020B0609020204030204" pitchFamily="49" charset="0"/>
+              </a:rPr>
+              <a:t>arg_typeJ</a:t>
+            </a:r>
+            <a:r>
+              <a:rPr lang="en-US" b="0" i="0" dirty="0">
+                <a:solidFill>
+                  <a:srgbClr val="000000"/>
+                </a:solidFill>
+                <a:effectLst/>
+                <a:latin typeface="Consolas" panose="020B0609020204030204" pitchFamily="49" charset="0"/>
+              </a:rPr>
+              <a:t>) </a:t>
             </a:r>
             <a:br>
               <a:rPr lang="en-US" b="0" i="0" dirty="0">
@@ -10293,6 +10086,25 @@
                 <a:effectLst/>
                 <a:latin typeface="Consolas" panose="020B0609020204030204" pitchFamily="49" charset="0"/>
               </a:rPr>
+              <a:t>| ... </a:t>
+            </a:r>
+            <a:br>
+              <a:rPr lang="en-US" b="0" i="0" dirty="0">
+                <a:solidFill>
+                  <a:srgbClr val="000000"/>
+                </a:solidFill>
+                <a:effectLst/>
+                <a:latin typeface="Consolas" panose="020B0609020204030204" pitchFamily="49" charset="0"/>
+              </a:rPr>
+            </a:br>
+            <a:r>
+              <a:rPr lang="en-US" b="0" i="0" dirty="0">
+                <a:solidFill>
+                  <a:srgbClr val="000000"/>
+                </a:solidFill>
+                <a:effectLst/>
+                <a:latin typeface="Consolas" panose="020B0609020204030204" pitchFamily="49" charset="0"/>
+              </a:rPr>
               <a:t>| </a:t>
             </a:r>
             <a:r>
@@ -10303,7 +10115,7 @@
                 <a:effectLst/>
                 <a:latin typeface="Consolas" panose="020B0609020204030204" pitchFamily="49" charset="0"/>
               </a:rPr>
-              <a:t>NonEmpty</a:t>
+              <a:t>variantN</a:t>
             </a:r>
             <a:r>
               <a:rPr lang="en-US" b="0" i="0" dirty="0">
@@ -10313,7 +10125,7 @@
                 <a:effectLst/>
                 <a:latin typeface="Consolas" panose="020B0609020204030204" pitchFamily="49" charset="0"/>
               </a:rPr>
-              <a:t> (int, </a:t>
+              <a:t>(arg_type1, ..., </a:t>
             </a:r>
             <a:r>
               <a:rPr lang="en-US" b="0" i="0" dirty="0" err="1">
@@ -10323,7 +10135,7 @@
                 <a:effectLst/>
                 <a:latin typeface="Consolas" panose="020B0609020204030204" pitchFamily="49" charset="0"/>
               </a:rPr>
-              <a:t>int_list</a:t>
+              <a:t>arg_typeK</a:t>
             </a:r>
             <a:r>
               <a:rPr lang="en-US" b="0" i="0" dirty="0">
@@ -10339,17 +10151,12 @@
               <a:latin typeface="Consolas" panose="020B0609020204030204" pitchFamily="49" charset="0"/>
             </a:endParaRPr>
           </a:p>
-          <a:p>
-            <a:endParaRPr lang="en-US" dirty="0">
-              <a:latin typeface="Consolas" panose="020B0609020204030204" pitchFamily="49" charset="0"/>
-            </a:endParaRPr>
-          </a:p>
         </p:txBody>
       </p:sp>
     </p:spTree>
     <p:extLst>
       <p:ext uri="{BB962C8B-B14F-4D97-AF65-F5344CB8AC3E}">
-        <p14:creationId xmlns:p14="http://schemas.microsoft.com/office/powerpoint/2010/main" val="1903260778"/>
+        <p14:creationId xmlns:p14="http://schemas.microsoft.com/office/powerpoint/2010/main" val="3326060895"/>
       </p:ext>
     </p:extLst>
   </p:cSld>
@@ -10381,7 +10188,7 @@
           <p:cNvPr id="2" name="Title 1">
             <a:extLst>
               <a:ext uri="{FF2B5EF4-FFF2-40B4-BE49-F238E27FC236}">
-                <a16:creationId xmlns:a16="http://schemas.microsoft.com/office/drawing/2014/main" id="{12299784-D003-2EA6-7440-6160D791CB12}"/>
+                <a16:creationId xmlns:a16="http://schemas.microsoft.com/office/drawing/2014/main" id="{58837BE9-E9AD-4B2A-6397-9F093E7D91B6}"/>
               </a:ext>
             </a:extLst>
           </p:cNvPr>
@@ -10399,7 +10206,7 @@
           <a:p>
             <a:r>
               <a:rPr lang="en-US" dirty="0"/>
-              <a:t>Example: Binary Tree</a:t>
+              <a:t>Example: Enumeration</a:t>
             </a:r>
           </a:p>
         </p:txBody>
@@ -10409,7 +10216,7 @@
           <p:cNvPr id="3" name="Content Placeholder 2">
             <a:extLst>
               <a:ext uri="{FF2B5EF4-FFF2-40B4-BE49-F238E27FC236}">
-                <a16:creationId xmlns:a16="http://schemas.microsoft.com/office/drawing/2014/main" id="{81B6DDD4-FBE7-E563-6832-8902A34437A6}"/>
+                <a16:creationId xmlns:a16="http://schemas.microsoft.com/office/drawing/2014/main" id="{033ECFEE-B618-893F-A2BE-D32C869E9254}"/>
               </a:ext>
             </a:extLst>
           </p:cNvPr>
@@ -10443,7 +10250,7 @@
                 <a:effectLst/>
                 <a:latin typeface="Consolas" panose="020B0609020204030204" pitchFamily="49" charset="0"/>
               </a:rPr>
-              <a:t>int_tree</a:t>
+              <a:t>InkColor</a:t>
             </a:r>
             <a:r>
               <a:rPr lang="en-US" b="0" i="0" dirty="0">
@@ -10453,7 +10260,7 @@
                 <a:effectLst/>
                 <a:latin typeface="Consolas" panose="020B0609020204030204" pitchFamily="49" charset="0"/>
               </a:rPr>
-              <a:t> = </a:t>
+              <a:t> =</a:t>
             </a:r>
             <a:br>
               <a:rPr lang="en-US" b="0" i="0" dirty="0">
@@ -10472,7 +10279,7 @@
                 <a:effectLst/>
                 <a:latin typeface="Consolas" panose="020B0609020204030204" pitchFamily="49" charset="0"/>
               </a:rPr>
-              <a:t>| Leaf() </a:t>
+              <a:t>| Cyan()</a:t>
             </a:r>
             <a:br>
               <a:rPr lang="en-US" b="0" i="0" dirty="0">
@@ -10491,18 +10298,17 @@
                 <a:effectLst/>
                 <a:latin typeface="Consolas" panose="020B0609020204030204" pitchFamily="49" charset="0"/>
               </a:rPr>
-              <a:t>| Node(</a:t>
-            </a:r>
-            <a:r>
-              <a:rPr lang="en-US" b="0" i="0" dirty="0" err="1">
+              <a:t>| Magenta()</a:t>
+            </a:r>
+            <a:br>
+              <a:rPr lang="en-US" b="0" i="0" dirty="0">
                 <a:solidFill>
                   <a:srgbClr val="000000"/>
                 </a:solidFill>
                 <a:effectLst/>
                 <a:latin typeface="Consolas" panose="020B0609020204030204" pitchFamily="49" charset="0"/>
               </a:rPr>
-              <a:t>int_tree</a:t>
-            </a:r>
+            </a:br>
             <a:r>
               <a:rPr lang="en-US" b="0" i="0" dirty="0">
                 <a:solidFill>
@@ -10511,18 +10317,17 @@
                 <a:effectLst/>
                 <a:latin typeface="Consolas" panose="020B0609020204030204" pitchFamily="49" charset="0"/>
               </a:rPr>
-              <a:t>, int, </a:t>
-            </a:r>
-            <a:r>
-              <a:rPr lang="en-US" b="0" i="0" dirty="0" err="1">
+              <a:t>| Yellow()</a:t>
+            </a:r>
+            <a:br>
+              <a:rPr lang="en-US" b="0" i="0" dirty="0">
                 <a:solidFill>
                   <a:srgbClr val="000000"/>
                 </a:solidFill>
                 <a:effectLst/>
                 <a:latin typeface="Consolas" panose="020B0609020204030204" pitchFamily="49" charset="0"/>
               </a:rPr>
-              <a:t>int_tree</a:t>
-            </a:r>
+            </a:br>
             <a:r>
               <a:rPr lang="en-US" b="0" i="0" dirty="0">
                 <a:solidFill>
@@ -10531,9 +10336,22 @@
                 <a:effectLst/>
                 <a:latin typeface="Consolas" panose="020B0609020204030204" pitchFamily="49" charset="0"/>
               </a:rPr>
-              <a:t>)</a:t>
-            </a:r>
-            <a:endParaRPr lang="en-US" dirty="0">
+              <a:t>| Black()</a:t>
+            </a:r>
+            <a:br>
+              <a:rPr lang="en-US" b="0" i="0" dirty="0">
+                <a:solidFill>
+                  <a:srgbClr val="000000"/>
+                </a:solidFill>
+                <a:effectLst/>
+                <a:latin typeface="Consolas" panose="020B0609020204030204" pitchFamily="49" charset="0"/>
+              </a:rPr>
+            </a:br>
+            <a:endParaRPr lang="en-US" b="0" i="0" dirty="0">
+              <a:solidFill>
+                <a:srgbClr val="000000"/>
+              </a:solidFill>
+              <a:effectLst/>
               <a:latin typeface="Consolas" panose="020B0609020204030204" pitchFamily="49" charset="0"/>
             </a:endParaRPr>
           </a:p>
@@ -10542,7 +10360,7 @@
     </p:spTree>
     <p:extLst>
       <p:ext uri="{BB962C8B-B14F-4D97-AF65-F5344CB8AC3E}">
-        <p14:creationId xmlns:p14="http://schemas.microsoft.com/office/powerpoint/2010/main" val="2861059653"/>
+        <p14:creationId xmlns:p14="http://schemas.microsoft.com/office/powerpoint/2010/main" val="3035430516"/>
       </p:ext>
     </p:extLst>
   </p:cSld>
@@ -10574,7 +10392,7 @@
           <p:cNvPr id="2" name="Title 1">
             <a:extLst>
               <a:ext uri="{FF2B5EF4-FFF2-40B4-BE49-F238E27FC236}">
-                <a16:creationId xmlns:a16="http://schemas.microsoft.com/office/drawing/2014/main" id="{732746B3-8D94-EFE5-0BD3-280B783B981A}"/>
+                <a16:creationId xmlns:a16="http://schemas.microsoft.com/office/drawing/2014/main" id="{7A01FA45-7AC5-E0D3-FF61-40462304304C}"/>
               </a:ext>
             </a:extLst>
           </p:cNvPr>
@@ -10592,7 +10410,7 @@
           <a:p>
             <a:r>
               <a:rPr lang="en-US" dirty="0"/>
-              <a:t>Example: AST for Polynomials</a:t>
+              <a:t>Example: List of Numbers</a:t>
             </a:r>
           </a:p>
         </p:txBody>
@@ -10602,7 +10420,7 @@
           <p:cNvPr id="3" name="Content Placeholder 2">
             <a:extLst>
               <a:ext uri="{FF2B5EF4-FFF2-40B4-BE49-F238E27FC236}">
-                <a16:creationId xmlns:a16="http://schemas.microsoft.com/office/drawing/2014/main" id="{E943A4AD-8DC9-F235-76F9-0E336DB25242}"/>
+                <a16:creationId xmlns:a16="http://schemas.microsoft.com/office/drawing/2014/main" id="{3D22743C-A9C9-DA93-C4E3-389B79FC4FDE}"/>
               </a:ext>
             </a:extLst>
           </p:cNvPr>
@@ -10619,68 +10437,128 @@
           <a:lstStyle/>
           <a:p>
             <a:r>
-              <a:rPr lang="en-US" dirty="0">
-                <a:latin typeface="Consolas" panose="020B0609020204030204" pitchFamily="49" charset="0"/>
-              </a:rPr>
-              <a:t>ADT poly =</a:t>
+              <a:rPr lang="en-US" b="0" i="0" dirty="0">
+                <a:solidFill>
+                  <a:srgbClr val="000000"/>
+                </a:solidFill>
+                <a:effectLst/>
+                <a:latin typeface="Consolas" panose="020B0609020204030204" pitchFamily="49" charset="0"/>
+              </a:rPr>
+              <a:t>ADT </a:t>
+            </a:r>
+            <a:r>
+              <a:rPr lang="en-US" b="0" i="0" dirty="0" err="1">
+                <a:solidFill>
+                  <a:srgbClr val="000000"/>
+                </a:solidFill>
+                <a:effectLst/>
+                <a:latin typeface="Consolas" panose="020B0609020204030204" pitchFamily="49" charset="0"/>
+              </a:rPr>
+              <a:t>int_list</a:t>
+            </a:r>
+            <a:r>
+              <a:rPr lang="en-US" b="0" i="0" dirty="0">
+                <a:solidFill>
+                  <a:srgbClr val="000000"/>
+                </a:solidFill>
+                <a:effectLst/>
+                <a:latin typeface="Consolas" panose="020B0609020204030204" pitchFamily="49" charset="0"/>
+              </a:rPr>
+              <a:t> = </a:t>
             </a:r>
             <a:br>
-              <a:rPr lang="en-US" dirty="0">
+              <a:rPr lang="en-US" b="0" i="0" dirty="0">
+                <a:solidFill>
+                  <a:srgbClr val="000000"/>
+                </a:solidFill>
+                <a:effectLst/>
                 <a:latin typeface="Consolas" panose="020B0609020204030204" pitchFamily="49" charset="0"/>
               </a:rPr>
             </a:br>
             <a:r>
-              <a:rPr lang="en-US" dirty="0">
-                <a:latin typeface="Consolas" panose="020B0609020204030204" pitchFamily="49" charset="0"/>
-              </a:rPr>
-              <a:t>| Num(integer)</a:t>
+              <a:rPr lang="en-US" b="0" i="0" dirty="0">
+                <a:solidFill>
+                  <a:srgbClr val="000000"/>
+                </a:solidFill>
+                <a:effectLst/>
+                <a:latin typeface="Consolas" panose="020B0609020204030204" pitchFamily="49" charset="0"/>
+              </a:rPr>
+              <a:t>| Empty () </a:t>
             </a:r>
             <a:br>
-              <a:rPr lang="en-US" dirty="0">
+              <a:rPr lang="en-US" b="0" i="0" dirty="0">
+                <a:solidFill>
+                  <a:srgbClr val="000000"/>
+                </a:solidFill>
+                <a:effectLst/>
                 <a:latin typeface="Consolas" panose="020B0609020204030204" pitchFamily="49" charset="0"/>
               </a:rPr>
             </a:br>
             <a:r>
-              <a:rPr lang="en-US" dirty="0">
-                <a:latin typeface="Consolas" panose="020B0609020204030204" pitchFamily="49" charset="0"/>
-              </a:rPr>
-              <a:t>| Var(string)</a:t>
-            </a:r>
-            <a:br>
-              <a:rPr lang="en-US" dirty="0">
-                <a:latin typeface="Consolas" panose="020B0609020204030204" pitchFamily="49" charset="0"/>
-              </a:rPr>
-            </a:br>
-            <a:r>
-              <a:rPr lang="en-US" dirty="0">
-                <a:latin typeface="Consolas" panose="020B0609020204030204" pitchFamily="49" charset="0"/>
-              </a:rPr>
-              <a:t>| Plus(poly, poly)</a:t>
-            </a:r>
-            <a:br>
-              <a:rPr lang="en-US" dirty="0">
-                <a:latin typeface="Consolas" panose="020B0609020204030204" pitchFamily="49" charset="0"/>
-              </a:rPr>
-            </a:br>
-            <a:r>
-              <a:rPr lang="en-US" dirty="0">
-                <a:latin typeface="Consolas" panose="020B0609020204030204" pitchFamily="49" charset="0"/>
-              </a:rPr>
-              <a:t>| Times(poly, poly)</a:t>
-            </a:r>
-          </a:p>
-          <a:p>
-            <a:pPr marL="0" indent="0">
-              <a:buNone/>
-            </a:pPr>
-            <a:endParaRPr lang="en-US" dirty="0"/>
+              <a:rPr lang="en-US" b="0" i="0" dirty="0">
+                <a:solidFill>
+                  <a:srgbClr val="000000"/>
+                </a:solidFill>
+                <a:effectLst/>
+                <a:latin typeface="Consolas" panose="020B0609020204030204" pitchFamily="49" charset="0"/>
+              </a:rPr>
+              <a:t>| </a:t>
+            </a:r>
+            <a:r>
+              <a:rPr lang="en-US" b="0" i="0" dirty="0" err="1">
+                <a:solidFill>
+                  <a:srgbClr val="000000"/>
+                </a:solidFill>
+                <a:effectLst/>
+                <a:latin typeface="Consolas" panose="020B0609020204030204" pitchFamily="49" charset="0"/>
+              </a:rPr>
+              <a:t>NonEmpty</a:t>
+            </a:r>
+            <a:r>
+              <a:rPr lang="en-US" b="0" i="0" dirty="0">
+                <a:solidFill>
+                  <a:srgbClr val="000000"/>
+                </a:solidFill>
+                <a:effectLst/>
+                <a:latin typeface="Consolas" panose="020B0609020204030204" pitchFamily="49" charset="0"/>
+              </a:rPr>
+              <a:t> (int, </a:t>
+            </a:r>
+            <a:r>
+              <a:rPr lang="en-US" b="0" i="0" dirty="0" err="1">
+                <a:solidFill>
+                  <a:srgbClr val="000000"/>
+                </a:solidFill>
+                <a:effectLst/>
+                <a:latin typeface="Consolas" panose="020B0609020204030204" pitchFamily="49" charset="0"/>
+              </a:rPr>
+              <a:t>int_list</a:t>
+            </a:r>
+            <a:r>
+              <a:rPr lang="en-US" b="0" i="0" dirty="0">
+                <a:solidFill>
+                  <a:srgbClr val="000000"/>
+                </a:solidFill>
+                <a:effectLst/>
+                <a:latin typeface="Consolas" panose="020B0609020204030204" pitchFamily="49" charset="0"/>
+              </a:rPr>
+              <a:t>)</a:t>
+            </a:r>
+            <a:endParaRPr lang="en-US" dirty="0">
+              <a:latin typeface="Consolas" panose="020B0609020204030204" pitchFamily="49" charset="0"/>
+            </a:endParaRPr>
+          </a:p>
+          <a:p>
+            <a:endParaRPr lang="en-US" dirty="0">
+              <a:latin typeface="Consolas" panose="020B0609020204030204" pitchFamily="49" charset="0"/>
+            </a:endParaRPr>
           </a:p>
         </p:txBody>
       </p:sp>
     </p:spTree>
     <p:extLst>
       <p:ext uri="{BB962C8B-B14F-4D97-AF65-F5344CB8AC3E}">
-        <p14:creationId xmlns:p14="http://schemas.microsoft.com/office/powerpoint/2010/main" val="47776476"/>
+        <p14:creationId xmlns:p14="http://schemas.microsoft.com/office/powerpoint/2010/main" val="1903260778"/>
       </p:ext>
     </p:extLst>
   </p:cSld>
@@ -11484,7 +11362,7 @@
           <p:cNvPr id="2" name="Title 1">
             <a:extLst>
               <a:ext uri="{FF2B5EF4-FFF2-40B4-BE49-F238E27FC236}">
-                <a16:creationId xmlns:a16="http://schemas.microsoft.com/office/drawing/2014/main" id="{982AD95B-522E-BDCA-CBAB-C7232D2EAE54}"/>
+                <a16:creationId xmlns:a16="http://schemas.microsoft.com/office/drawing/2014/main" id="{12299784-D003-2EA6-7440-6160D791CB12}"/>
               </a:ext>
             </a:extLst>
           </p:cNvPr>
@@ -11502,7 +11380,7 @@
           <a:p>
             <a:r>
               <a:rPr lang="en-US" dirty="0"/>
-              <a:t>Operations on ADTs</a:t>
+              <a:t>Example: Binary Tree</a:t>
             </a:r>
           </a:p>
         </p:txBody>
@@ -11512,7 +11390,7 @@
           <p:cNvPr id="3" name="Content Placeholder 2">
             <a:extLst>
               <a:ext uri="{FF2B5EF4-FFF2-40B4-BE49-F238E27FC236}">
-                <a16:creationId xmlns:a16="http://schemas.microsoft.com/office/drawing/2014/main" id="{91CAF331-A139-99D2-097F-AB2F256F76A1}"/>
+                <a16:creationId xmlns:a16="http://schemas.microsoft.com/office/drawing/2014/main" id="{81B6DDD4-FBE7-E563-6832-8902A34437A6}"/>
               </a:ext>
             </a:extLst>
           </p:cNvPr>
@@ -11529,94 +11407,123 @@
           <a:lstStyle/>
           <a:p>
             <a:r>
-              <a:rPr lang="en-US" dirty="0"/>
-              <a:t>To understand a type, understand how you create it and take it apart</a:t>
-            </a:r>
-          </a:p>
-          <a:p>
-            <a:r>
-              <a:rPr lang="en-US" b="1" dirty="0"/>
-              <a:t>Creating an ADT value:</a:t>
-            </a:r>
-            <a:r>
-              <a:rPr lang="en-US" dirty="0"/>
-              <a:t> Each variant can be used as a function</a:t>
-            </a:r>
-          </a:p>
-          <a:p>
-            <a:pPr lvl="1"/>
-            <a:r>
-              <a:rPr lang="en-US" dirty="0"/>
-              <a:t>Cyan() : </a:t>
-            </a:r>
-            <a:r>
-              <a:rPr lang="en-US" dirty="0" err="1"/>
-              <a:t>InkColor</a:t>
-            </a:r>
-            <a:endParaRPr lang="en-US" dirty="0"/>
-          </a:p>
-          <a:p>
-            <a:pPr lvl="1"/>
-            <a:r>
-              <a:rPr lang="en-US" dirty="0" err="1"/>
-              <a:t>NonEmpty</a:t>
-            </a:r>
-            <a:r>
-              <a:rPr lang="en-US" dirty="0"/>
-              <a:t>(1, Empty()) : </a:t>
-            </a:r>
-            <a:r>
-              <a:rPr lang="en-US" dirty="0" err="1"/>
-              <a:t>int_list</a:t>
-            </a:r>
-            <a:endParaRPr lang="en-US" dirty="0"/>
-          </a:p>
-          <a:p>
-            <a:pPr lvl="1"/>
-            <a:r>
-              <a:rPr lang="en-US" dirty="0"/>
-              <a:t>Plus(Num(5), Times(Num(4), Num(2))) : poly</a:t>
-            </a:r>
-          </a:p>
-          <a:p>
-            <a:r>
-              <a:rPr lang="en-US" b="1" dirty="0"/>
-              <a:t>Taking an ADT value apart: </a:t>
-            </a:r>
-            <a:r>
-              <a:rPr lang="en-US" dirty="0"/>
-              <a:t>Pattern-matching</a:t>
-            </a:r>
-          </a:p>
-          <a:p>
-            <a:pPr lvl="1"/>
-            <a:r>
-              <a:rPr lang="en-US" b="1" dirty="0"/>
-              <a:t>On paper:</a:t>
-            </a:r>
-            <a:r>
-              <a:rPr lang="en-US" dirty="0"/>
-              <a:t> We pattern-match in function definitions</a:t>
-            </a:r>
-          </a:p>
-          <a:p>
-            <a:pPr lvl="1"/>
-            <a:r>
-              <a:rPr lang="en-US" b="1" dirty="0"/>
-              <a:t>In Rust:</a:t>
-            </a:r>
-            <a:r>
-              <a:rPr lang="en-US" dirty="0"/>
-              <a:t> Use the match keyword</a:t>
-            </a:r>
-            <a:endParaRPr lang="en-US" b="1" dirty="0"/>
+              <a:rPr lang="en-US" b="0" i="0" dirty="0">
+                <a:solidFill>
+                  <a:srgbClr val="000000"/>
+                </a:solidFill>
+                <a:effectLst/>
+                <a:latin typeface="Consolas" panose="020B0609020204030204" pitchFamily="49" charset="0"/>
+              </a:rPr>
+              <a:t>ADT </a:t>
+            </a:r>
+            <a:r>
+              <a:rPr lang="en-US" b="0" i="0" dirty="0" err="1">
+                <a:solidFill>
+                  <a:srgbClr val="000000"/>
+                </a:solidFill>
+                <a:effectLst/>
+                <a:latin typeface="Consolas" panose="020B0609020204030204" pitchFamily="49" charset="0"/>
+              </a:rPr>
+              <a:t>int_tree</a:t>
+            </a:r>
+            <a:r>
+              <a:rPr lang="en-US" b="0" i="0" dirty="0">
+                <a:solidFill>
+                  <a:srgbClr val="000000"/>
+                </a:solidFill>
+                <a:effectLst/>
+                <a:latin typeface="Consolas" panose="020B0609020204030204" pitchFamily="49" charset="0"/>
+              </a:rPr>
+              <a:t> = </a:t>
+            </a:r>
+            <a:br>
+              <a:rPr lang="en-US" b="0" i="0" dirty="0">
+                <a:solidFill>
+                  <a:srgbClr val="000000"/>
+                </a:solidFill>
+                <a:effectLst/>
+                <a:latin typeface="Consolas" panose="020B0609020204030204" pitchFamily="49" charset="0"/>
+              </a:rPr>
+            </a:br>
+            <a:r>
+              <a:rPr lang="en-US" b="0" i="0" dirty="0">
+                <a:solidFill>
+                  <a:srgbClr val="000000"/>
+                </a:solidFill>
+                <a:effectLst/>
+                <a:latin typeface="Consolas" panose="020B0609020204030204" pitchFamily="49" charset="0"/>
+              </a:rPr>
+              <a:t>| Leaf() </a:t>
+            </a:r>
+            <a:br>
+              <a:rPr lang="en-US" b="0" i="0" dirty="0">
+                <a:solidFill>
+                  <a:srgbClr val="000000"/>
+                </a:solidFill>
+                <a:effectLst/>
+                <a:latin typeface="Consolas" panose="020B0609020204030204" pitchFamily="49" charset="0"/>
+              </a:rPr>
+            </a:br>
+            <a:r>
+              <a:rPr lang="en-US" b="0" i="0" dirty="0">
+                <a:solidFill>
+                  <a:srgbClr val="000000"/>
+                </a:solidFill>
+                <a:effectLst/>
+                <a:latin typeface="Consolas" panose="020B0609020204030204" pitchFamily="49" charset="0"/>
+              </a:rPr>
+              <a:t>| Node(</a:t>
+            </a:r>
+            <a:r>
+              <a:rPr lang="en-US" b="0" i="0" dirty="0" err="1">
+                <a:solidFill>
+                  <a:srgbClr val="000000"/>
+                </a:solidFill>
+                <a:effectLst/>
+                <a:latin typeface="Consolas" panose="020B0609020204030204" pitchFamily="49" charset="0"/>
+              </a:rPr>
+              <a:t>int_tree</a:t>
+            </a:r>
+            <a:r>
+              <a:rPr lang="en-US" b="0" i="0" dirty="0">
+                <a:solidFill>
+                  <a:srgbClr val="000000"/>
+                </a:solidFill>
+                <a:effectLst/>
+                <a:latin typeface="Consolas" panose="020B0609020204030204" pitchFamily="49" charset="0"/>
+              </a:rPr>
+              <a:t>, int, </a:t>
+            </a:r>
+            <a:r>
+              <a:rPr lang="en-US" b="0" i="0" dirty="0" err="1">
+                <a:solidFill>
+                  <a:srgbClr val="000000"/>
+                </a:solidFill>
+                <a:effectLst/>
+                <a:latin typeface="Consolas" panose="020B0609020204030204" pitchFamily="49" charset="0"/>
+              </a:rPr>
+              <a:t>int_tree</a:t>
+            </a:r>
+            <a:r>
+              <a:rPr lang="en-US" b="0" i="0" dirty="0">
+                <a:solidFill>
+                  <a:srgbClr val="000000"/>
+                </a:solidFill>
+                <a:effectLst/>
+                <a:latin typeface="Consolas" panose="020B0609020204030204" pitchFamily="49" charset="0"/>
+              </a:rPr>
+              <a:t>)</a:t>
+            </a:r>
+            <a:endParaRPr lang="en-US" dirty="0">
+              <a:latin typeface="Consolas" panose="020B0609020204030204" pitchFamily="49" charset="0"/>
+            </a:endParaRPr>
           </a:p>
         </p:txBody>
       </p:sp>
     </p:spTree>
     <p:extLst>
       <p:ext uri="{BB962C8B-B14F-4D97-AF65-F5344CB8AC3E}">
-        <p14:creationId xmlns:p14="http://schemas.microsoft.com/office/powerpoint/2010/main" val="1185794102"/>
+        <p14:creationId xmlns:p14="http://schemas.microsoft.com/office/powerpoint/2010/main" val="2861059653"/>
       </p:ext>
     </p:extLst>
   </p:cSld>
@@ -11648,7 +11555,7 @@
           <p:cNvPr id="2" name="Title 1">
             <a:extLst>
               <a:ext uri="{FF2B5EF4-FFF2-40B4-BE49-F238E27FC236}">
-                <a16:creationId xmlns:a16="http://schemas.microsoft.com/office/drawing/2014/main" id="{982AD95B-522E-BDCA-CBAB-C7232D2EAE54}"/>
+                <a16:creationId xmlns:a16="http://schemas.microsoft.com/office/drawing/2014/main" id="{732746B3-8D94-EFE5-0BD3-280B783B981A}"/>
               </a:ext>
             </a:extLst>
           </p:cNvPr>
@@ -11666,7 +11573,7 @@
           <a:p>
             <a:r>
               <a:rPr lang="en-US" dirty="0"/>
-              <a:t>Operations on ADTs</a:t>
+              <a:t>Example: AST for Polynomials</a:t>
             </a:r>
           </a:p>
         </p:txBody>
@@ -11676,7 +11583,7 @@
           <p:cNvPr id="3" name="Content Placeholder 2">
             <a:extLst>
               <a:ext uri="{FF2B5EF4-FFF2-40B4-BE49-F238E27FC236}">
-                <a16:creationId xmlns:a16="http://schemas.microsoft.com/office/drawing/2014/main" id="{91CAF331-A139-99D2-097F-AB2F256F76A1}"/>
+                <a16:creationId xmlns:a16="http://schemas.microsoft.com/office/drawing/2014/main" id="{E943A4AD-8DC9-F235-76F9-0E336DB25242}"/>
               </a:ext>
             </a:extLst>
           </p:cNvPr>
@@ -11689,74 +11596,14 @@
         </p:nvSpPr>
         <p:spPr/>
         <p:txBody>
-          <a:bodyPr>
-            <a:normAutofit/>
-          </a:bodyPr>
+          <a:bodyPr/>
           <a:lstStyle/>
           <a:p>
             <a:r>
-              <a:rPr lang="en-US" dirty="0"/>
-              <a:t>To understand a type, understand how you create it and take it apart</a:t>
-            </a:r>
-          </a:p>
-          <a:p>
-            <a:r>
-              <a:rPr lang="en-US" b="1" dirty="0"/>
-              <a:t>Creating an ADT value:</a:t>
-            </a:r>
-            <a:r>
-              <a:rPr lang="en-US" dirty="0"/>
-              <a:t> Each variant can be used as a function</a:t>
-            </a:r>
-          </a:p>
-          <a:p>
-            <a:pPr lvl="1"/>
-            <a:r>
-              <a:rPr lang="en-US" dirty="0"/>
-              <a:t>Cyan() : </a:t>
-            </a:r>
-            <a:r>
-              <a:rPr lang="en-US" dirty="0" err="1"/>
-              <a:t>InkColor</a:t>
-            </a:r>
-            <a:endParaRPr lang="en-US" dirty="0"/>
-          </a:p>
-          <a:p>
-            <a:pPr lvl="1"/>
-            <a:r>
-              <a:rPr lang="en-US" dirty="0" err="1"/>
-              <a:t>NonEmpty</a:t>
-            </a:r>
-            <a:r>
-              <a:rPr lang="en-US" dirty="0"/>
-              <a:t>(1, Empty()) : </a:t>
-            </a:r>
-            <a:r>
-              <a:rPr lang="en-US" dirty="0" err="1"/>
-              <a:t>int_list</a:t>
-            </a:r>
-            <a:endParaRPr lang="en-US" dirty="0"/>
-          </a:p>
-          <a:p>
-            <a:pPr lvl="1"/>
-            <a:r>
-              <a:rPr lang="en-US" dirty="0"/>
-              <a:t>Plus(Num(5), Times(Num(4), Num(2))) : poly</a:t>
-            </a:r>
-          </a:p>
-          <a:p>
-            <a:r>
-              <a:rPr lang="en-US" dirty="0"/>
-              <a:t>Pattern-matching example:</a:t>
-            </a:r>
-            <a:br>
-              <a:rPr lang="en-US" dirty="0"/>
-            </a:br>
-            <a:r>
               <a:rPr lang="en-US" dirty="0">
                 <a:latin typeface="Consolas" panose="020B0609020204030204" pitchFamily="49" charset="0"/>
               </a:rPr>
-              <a:t>length(Empty) = 0</a:t>
+              <a:t>ADT poly =</a:t>
             </a:r>
             <a:br>
               <a:rPr lang="en-US" dirty="0">
@@ -11767,27 +11614,54 @@
               <a:rPr lang="en-US" dirty="0">
                 <a:latin typeface="Consolas" panose="020B0609020204030204" pitchFamily="49" charset="0"/>
               </a:rPr>
-              <a:t>length(</a:t>
-            </a:r>
-            <a:r>
-              <a:rPr lang="en-US" dirty="0" err="1">
-                <a:latin typeface="Consolas" panose="020B0609020204030204" pitchFamily="49" charset="0"/>
-              </a:rPr>
-              <a:t>NonEmpty</a:t>
-            </a:r>
-            <a:r>
+              <a:t>| Num(integer)</a:t>
+            </a:r>
+            <a:br>
               <a:rPr lang="en-US" dirty="0">
                 <a:latin typeface="Consolas" panose="020B0609020204030204" pitchFamily="49" charset="0"/>
               </a:rPr>
-              <a:t>(x, L)) = 1 + length(L)</a:t>
-            </a:r>
+            </a:br>
+            <a:r>
+              <a:rPr lang="en-US" dirty="0">
+                <a:latin typeface="Consolas" panose="020B0609020204030204" pitchFamily="49" charset="0"/>
+              </a:rPr>
+              <a:t>| Var(string)</a:t>
+            </a:r>
+            <a:br>
+              <a:rPr lang="en-US" dirty="0">
+                <a:latin typeface="Consolas" panose="020B0609020204030204" pitchFamily="49" charset="0"/>
+              </a:rPr>
+            </a:br>
+            <a:r>
+              <a:rPr lang="en-US" dirty="0">
+                <a:latin typeface="Consolas" panose="020B0609020204030204" pitchFamily="49" charset="0"/>
+              </a:rPr>
+              <a:t>| Plus(poly, poly)</a:t>
+            </a:r>
+            <a:br>
+              <a:rPr lang="en-US" dirty="0">
+                <a:latin typeface="Consolas" panose="020B0609020204030204" pitchFamily="49" charset="0"/>
+              </a:rPr>
+            </a:br>
+            <a:r>
+              <a:rPr lang="en-US" dirty="0">
+                <a:latin typeface="Consolas" panose="020B0609020204030204" pitchFamily="49" charset="0"/>
+              </a:rPr>
+              <a:t>| Times(poly, poly)</a:t>
+            </a:r>
+          </a:p>
+          <a:p>
+            <a:pPr marL="0" indent="0">
+              <a:buNone/>
+            </a:pPr>
+            <a:endParaRPr lang="en-US" dirty="0"/>
           </a:p>
         </p:txBody>
       </p:sp>
     </p:spTree>
     <p:extLst>
       <p:ext uri="{BB962C8B-B14F-4D97-AF65-F5344CB8AC3E}">
-        <p14:creationId xmlns:p14="http://schemas.microsoft.com/office/powerpoint/2010/main" val="4041684105"/>
+        <p14:creationId xmlns:p14="http://schemas.microsoft.com/office/powerpoint/2010/main" val="47776476"/>
       </p:ext>
     </p:extLst>
   </p:cSld>
@@ -11819,6 +11693,341 @@
           <p:cNvPr id="2" name="Title 1">
             <a:extLst>
               <a:ext uri="{FF2B5EF4-FFF2-40B4-BE49-F238E27FC236}">
+                <a16:creationId xmlns:a16="http://schemas.microsoft.com/office/drawing/2014/main" id="{982AD95B-522E-BDCA-CBAB-C7232D2EAE54}"/>
+              </a:ext>
+            </a:extLst>
+          </p:cNvPr>
+          <p:cNvSpPr>
+            <a:spLocks noGrp="1"/>
+          </p:cNvSpPr>
+          <p:nvPr>
+            <p:ph type="title"/>
+          </p:nvPr>
+        </p:nvSpPr>
+        <p:spPr/>
+        <p:txBody>
+          <a:bodyPr/>
+          <a:lstStyle/>
+          <a:p>
+            <a:r>
+              <a:rPr lang="en-US" dirty="0"/>
+              <a:t>Operations on ADTs</a:t>
+            </a:r>
+          </a:p>
+        </p:txBody>
+      </p:sp>
+      <p:sp>
+        <p:nvSpPr>
+          <p:cNvPr id="3" name="Content Placeholder 2">
+            <a:extLst>
+              <a:ext uri="{FF2B5EF4-FFF2-40B4-BE49-F238E27FC236}">
+                <a16:creationId xmlns:a16="http://schemas.microsoft.com/office/drawing/2014/main" id="{91CAF331-A139-99D2-097F-AB2F256F76A1}"/>
+              </a:ext>
+            </a:extLst>
+          </p:cNvPr>
+          <p:cNvSpPr>
+            <a:spLocks noGrp="1"/>
+          </p:cNvSpPr>
+          <p:nvPr>
+            <p:ph idx="1"/>
+          </p:nvPr>
+        </p:nvSpPr>
+        <p:spPr/>
+        <p:txBody>
+          <a:bodyPr/>
+          <a:lstStyle/>
+          <a:p>
+            <a:r>
+              <a:rPr lang="en-US" dirty="0"/>
+              <a:t>To understand a type, understand how you create it and take it apart</a:t>
+            </a:r>
+          </a:p>
+          <a:p>
+            <a:r>
+              <a:rPr lang="en-US" b="1" dirty="0"/>
+              <a:t>Creating an ADT value:</a:t>
+            </a:r>
+            <a:r>
+              <a:rPr lang="en-US" dirty="0"/>
+              <a:t> Each variant can be used as a function</a:t>
+            </a:r>
+          </a:p>
+          <a:p>
+            <a:pPr lvl="1"/>
+            <a:r>
+              <a:rPr lang="en-US" dirty="0"/>
+              <a:t>Cyan() : </a:t>
+            </a:r>
+            <a:r>
+              <a:rPr lang="en-US" dirty="0" err="1"/>
+              <a:t>InkColor</a:t>
+            </a:r>
+            <a:endParaRPr lang="en-US" dirty="0"/>
+          </a:p>
+          <a:p>
+            <a:pPr lvl="1"/>
+            <a:r>
+              <a:rPr lang="en-US" dirty="0" err="1"/>
+              <a:t>NonEmpty</a:t>
+            </a:r>
+            <a:r>
+              <a:rPr lang="en-US" dirty="0"/>
+              <a:t>(1, Empty()) : </a:t>
+            </a:r>
+            <a:r>
+              <a:rPr lang="en-US" dirty="0" err="1"/>
+              <a:t>int_list</a:t>
+            </a:r>
+            <a:endParaRPr lang="en-US" dirty="0"/>
+          </a:p>
+          <a:p>
+            <a:pPr lvl="1"/>
+            <a:r>
+              <a:rPr lang="en-US" dirty="0"/>
+              <a:t>Plus(Num(5), Times(Num(4), Num(2))) : poly</a:t>
+            </a:r>
+          </a:p>
+          <a:p>
+            <a:r>
+              <a:rPr lang="en-US" b="1" dirty="0"/>
+              <a:t>Taking an ADT value apart: </a:t>
+            </a:r>
+            <a:r>
+              <a:rPr lang="en-US" dirty="0"/>
+              <a:t>Pattern-matching</a:t>
+            </a:r>
+          </a:p>
+          <a:p>
+            <a:pPr lvl="1"/>
+            <a:r>
+              <a:rPr lang="en-US" b="1" dirty="0"/>
+              <a:t>On paper:</a:t>
+            </a:r>
+            <a:r>
+              <a:rPr lang="en-US" dirty="0"/>
+              <a:t> We pattern-match in function definitions</a:t>
+            </a:r>
+          </a:p>
+          <a:p>
+            <a:pPr lvl="1"/>
+            <a:r>
+              <a:rPr lang="en-US" b="1" dirty="0"/>
+              <a:t>In Rust:</a:t>
+            </a:r>
+            <a:r>
+              <a:rPr lang="en-US" dirty="0"/>
+              <a:t> Use the match keyword</a:t>
+            </a:r>
+            <a:endParaRPr lang="en-US" b="1" dirty="0"/>
+          </a:p>
+        </p:txBody>
+      </p:sp>
+    </p:spTree>
+    <p:extLst>
+      <p:ext uri="{BB962C8B-B14F-4D97-AF65-F5344CB8AC3E}">
+        <p14:creationId xmlns:p14="http://schemas.microsoft.com/office/powerpoint/2010/main" val="1185794102"/>
+      </p:ext>
+    </p:extLst>
+  </p:cSld>
+  <p:clrMapOvr>
+    <a:masterClrMapping/>
+  </p:clrMapOvr>
+</p:sld>
+</file>
+
+<file path=ppt/slides/slide43.xml><?xml version="1.0" encoding="utf-8"?>
+<p:sld xmlns:a="http://schemas.openxmlformats.org/drawingml/2006/main" xmlns:r="http://schemas.openxmlformats.org/officeDocument/2006/relationships" xmlns:p="http://schemas.openxmlformats.org/presentationml/2006/main">
+  <p:cSld>
+    <p:spTree>
+      <p:nvGrpSpPr>
+        <p:cNvPr id="1" name=""/>
+        <p:cNvGrpSpPr/>
+        <p:nvPr/>
+      </p:nvGrpSpPr>
+      <p:grpSpPr>
+        <a:xfrm>
+          <a:off x="0" y="0"/>
+          <a:ext cx="0" cy="0"/>
+          <a:chOff x="0" y="0"/>
+          <a:chExt cx="0" cy="0"/>
+        </a:xfrm>
+      </p:grpSpPr>
+      <p:sp>
+        <p:nvSpPr>
+          <p:cNvPr id="2" name="Title 1">
+            <a:extLst>
+              <a:ext uri="{FF2B5EF4-FFF2-40B4-BE49-F238E27FC236}">
+                <a16:creationId xmlns:a16="http://schemas.microsoft.com/office/drawing/2014/main" id="{982AD95B-522E-BDCA-CBAB-C7232D2EAE54}"/>
+              </a:ext>
+            </a:extLst>
+          </p:cNvPr>
+          <p:cNvSpPr>
+            <a:spLocks noGrp="1"/>
+          </p:cNvSpPr>
+          <p:nvPr>
+            <p:ph type="title"/>
+          </p:nvPr>
+        </p:nvSpPr>
+        <p:spPr/>
+        <p:txBody>
+          <a:bodyPr/>
+          <a:lstStyle/>
+          <a:p>
+            <a:r>
+              <a:rPr lang="en-US" dirty="0"/>
+              <a:t>Operations on ADTs</a:t>
+            </a:r>
+          </a:p>
+        </p:txBody>
+      </p:sp>
+      <p:sp>
+        <p:nvSpPr>
+          <p:cNvPr id="3" name="Content Placeholder 2">
+            <a:extLst>
+              <a:ext uri="{FF2B5EF4-FFF2-40B4-BE49-F238E27FC236}">
+                <a16:creationId xmlns:a16="http://schemas.microsoft.com/office/drawing/2014/main" id="{91CAF331-A139-99D2-097F-AB2F256F76A1}"/>
+              </a:ext>
+            </a:extLst>
+          </p:cNvPr>
+          <p:cNvSpPr>
+            <a:spLocks noGrp="1"/>
+          </p:cNvSpPr>
+          <p:nvPr>
+            <p:ph idx="1"/>
+          </p:nvPr>
+        </p:nvSpPr>
+        <p:spPr/>
+        <p:txBody>
+          <a:bodyPr>
+            <a:normAutofit/>
+          </a:bodyPr>
+          <a:lstStyle/>
+          <a:p>
+            <a:r>
+              <a:rPr lang="en-US" dirty="0"/>
+              <a:t>To understand a type, understand how you create it and take it apart</a:t>
+            </a:r>
+          </a:p>
+          <a:p>
+            <a:r>
+              <a:rPr lang="en-US" b="1" dirty="0"/>
+              <a:t>Creating an ADT value:</a:t>
+            </a:r>
+            <a:r>
+              <a:rPr lang="en-US" dirty="0"/>
+              <a:t> Each variant can be used as a function</a:t>
+            </a:r>
+          </a:p>
+          <a:p>
+            <a:pPr lvl="1"/>
+            <a:r>
+              <a:rPr lang="en-US" dirty="0"/>
+              <a:t>Cyan() : </a:t>
+            </a:r>
+            <a:r>
+              <a:rPr lang="en-US" dirty="0" err="1"/>
+              <a:t>InkColor</a:t>
+            </a:r>
+            <a:endParaRPr lang="en-US" dirty="0"/>
+          </a:p>
+          <a:p>
+            <a:pPr lvl="1"/>
+            <a:r>
+              <a:rPr lang="en-US" dirty="0" err="1"/>
+              <a:t>NonEmpty</a:t>
+            </a:r>
+            <a:r>
+              <a:rPr lang="en-US" dirty="0"/>
+              <a:t>(1, Empty()) : </a:t>
+            </a:r>
+            <a:r>
+              <a:rPr lang="en-US" dirty="0" err="1"/>
+              <a:t>int_list</a:t>
+            </a:r>
+            <a:endParaRPr lang="en-US" dirty="0"/>
+          </a:p>
+          <a:p>
+            <a:pPr lvl="1"/>
+            <a:r>
+              <a:rPr lang="en-US" dirty="0"/>
+              <a:t>Plus(Num(5), Times(Num(4), Num(2))) : poly</a:t>
+            </a:r>
+          </a:p>
+          <a:p>
+            <a:r>
+              <a:rPr lang="en-US" dirty="0"/>
+              <a:t>Pattern-matching example:</a:t>
+            </a:r>
+            <a:br>
+              <a:rPr lang="en-US" dirty="0"/>
+            </a:br>
+            <a:r>
+              <a:rPr lang="en-US" dirty="0">
+                <a:latin typeface="Consolas" panose="020B0609020204030204" pitchFamily="49" charset="0"/>
+              </a:rPr>
+              <a:t>length(Empty) = 0</a:t>
+            </a:r>
+            <a:br>
+              <a:rPr lang="en-US" dirty="0">
+                <a:latin typeface="Consolas" panose="020B0609020204030204" pitchFamily="49" charset="0"/>
+              </a:rPr>
+            </a:br>
+            <a:r>
+              <a:rPr lang="en-US" dirty="0">
+                <a:latin typeface="Consolas" panose="020B0609020204030204" pitchFamily="49" charset="0"/>
+              </a:rPr>
+              <a:t>length(</a:t>
+            </a:r>
+            <a:r>
+              <a:rPr lang="en-US" dirty="0" err="1">
+                <a:latin typeface="Consolas" panose="020B0609020204030204" pitchFamily="49" charset="0"/>
+              </a:rPr>
+              <a:t>NonEmpty</a:t>
+            </a:r>
+            <a:r>
+              <a:rPr lang="en-US" dirty="0">
+                <a:latin typeface="Consolas" panose="020B0609020204030204" pitchFamily="49" charset="0"/>
+              </a:rPr>
+              <a:t>(x, L)) = 1 + length(L)</a:t>
+            </a:r>
+          </a:p>
+        </p:txBody>
+      </p:sp>
+    </p:spTree>
+    <p:extLst>
+      <p:ext uri="{BB962C8B-B14F-4D97-AF65-F5344CB8AC3E}">
+        <p14:creationId xmlns:p14="http://schemas.microsoft.com/office/powerpoint/2010/main" val="4041684105"/>
+      </p:ext>
+    </p:extLst>
+  </p:cSld>
+  <p:clrMapOvr>
+    <a:masterClrMapping/>
+  </p:clrMapOvr>
+</p:sld>
+</file>
+
+<file path=ppt/slides/slide44.xml><?xml version="1.0" encoding="utf-8"?>
+<p:sld xmlns:a="http://schemas.openxmlformats.org/drawingml/2006/main" xmlns:r="http://schemas.openxmlformats.org/officeDocument/2006/relationships" xmlns:p="http://schemas.openxmlformats.org/presentationml/2006/main">
+  <p:cSld>
+    <p:spTree>
+      <p:nvGrpSpPr>
+        <p:cNvPr id="1" name=""/>
+        <p:cNvGrpSpPr/>
+        <p:nvPr/>
+      </p:nvGrpSpPr>
+      <p:grpSpPr>
+        <a:xfrm>
+          <a:off x="0" y="0"/>
+          <a:ext cx="0" cy="0"/>
+          <a:chOff x="0" y="0"/>
+          <a:chExt cx="0" cy="0"/>
+        </a:xfrm>
+      </p:grpSpPr>
+      <p:sp>
+        <p:nvSpPr>
+          <p:cNvPr id="2" name="Title 1">
+            <a:extLst>
+              <a:ext uri="{FF2B5EF4-FFF2-40B4-BE49-F238E27FC236}">
                 <a16:creationId xmlns:a16="http://schemas.microsoft.com/office/drawing/2014/main" id="{AF7642C4-EF97-3B85-CA66-D50EAB468238}"/>
               </a:ext>
             </a:extLst>
@@ -11959,7 +12168,7 @@
 </p:sld>
 </file>
 
-<file path=ppt/slides/slide43.xml><?xml version="1.0" encoding="utf-8"?>
+<file path=ppt/slides/slide45.xml><?xml version="1.0" encoding="utf-8"?>
 <p:sld xmlns:a="http://schemas.openxmlformats.org/drawingml/2006/main" xmlns:r="http://schemas.openxmlformats.org/officeDocument/2006/relationships" xmlns:p="http://schemas.openxmlformats.org/presentationml/2006/main">
   <p:cSld>
     <p:spTree>
@@ -13177,7 +13386,7 @@
 </p:sld>
 </file>
 
-<file path=ppt/slides/slide44.xml><?xml version="1.0" encoding="utf-8"?>
+<file path=ppt/slides/slide46.xml><?xml version="1.0" encoding="utf-8"?>
 <p:sld xmlns:a="http://schemas.openxmlformats.org/drawingml/2006/main" xmlns:r="http://schemas.openxmlformats.org/officeDocument/2006/relationships" xmlns:p="http://schemas.openxmlformats.org/presentationml/2006/main">
   <p:cSld>
     <p:spTree>
@@ -14554,7 +14763,7 @@
 </p:sld>
 </file>
 
-<file path=ppt/slides/slide45.xml><?xml version="1.0" encoding="utf-8"?>
+<file path=ppt/slides/slide47.xml><?xml version="1.0" encoding="utf-8"?>
 <p:sld xmlns:a="http://schemas.openxmlformats.org/drawingml/2006/main" xmlns:r="http://schemas.openxmlformats.org/officeDocument/2006/relationships" xmlns:p="http://schemas.openxmlformats.org/presentationml/2006/main">
   <p:cSld>
     <p:spTree>
@@ -15862,7 +16071,7 @@
 </p:sld>
 </file>
 
-<file path=ppt/slides/slide46.xml><?xml version="1.0" encoding="utf-8"?>
+<file path=ppt/slides/slide48.xml><?xml version="1.0" encoding="utf-8"?>
 <p:sld xmlns:a="http://schemas.openxmlformats.org/drawingml/2006/main" xmlns:r="http://schemas.openxmlformats.org/officeDocument/2006/relationships" xmlns:p="http://schemas.openxmlformats.org/presentationml/2006/main">
   <p:cSld>
     <p:spTree>
@@ -17038,7 +17247,7 @@
 </p:sld>
 </file>
 
-<file path=ppt/slides/slide47.xml><?xml version="1.0" encoding="utf-8"?>
+<file path=ppt/slides/slide49.xml><?xml version="1.0" encoding="utf-8"?>
 <p:sld xmlns:a="http://schemas.openxmlformats.org/drawingml/2006/main" xmlns:r="http://schemas.openxmlformats.org/officeDocument/2006/relationships" xmlns:p="http://schemas.openxmlformats.org/presentationml/2006/main">
   <p:cSld>
     <p:spTree>
@@ -17937,7 +18146,7 @@
 </p:sld>
 </file>
 
-<file path=ppt/slides/slide48.xml><?xml version="1.0" encoding="utf-8"?>
+<file path=ppt/slides/slide5.xml><?xml version="1.0" encoding="utf-8"?>
 <p:sld xmlns:a="http://schemas.openxmlformats.org/drawingml/2006/main" xmlns:r="http://schemas.openxmlformats.org/officeDocument/2006/relationships" xmlns:p="http://schemas.openxmlformats.org/presentationml/2006/main">
   <p:cSld>
     <p:spTree>
@@ -17959,6 +18168,908 @@
           <p:cNvPr id="2" name="Title 1">
             <a:extLst>
               <a:ext uri="{FF2B5EF4-FFF2-40B4-BE49-F238E27FC236}">
+                <a16:creationId xmlns:a16="http://schemas.microsoft.com/office/drawing/2014/main" id="{F2BFCBFD-E11A-D306-BAAF-32C5423D1666}"/>
+              </a:ext>
+            </a:extLst>
+          </p:cNvPr>
+          <p:cNvSpPr>
+            <a:spLocks noGrp="1"/>
+          </p:cNvSpPr>
+          <p:nvPr>
+            <p:ph type="title"/>
+          </p:nvPr>
+        </p:nvSpPr>
+        <p:spPr/>
+        <p:txBody>
+          <a:bodyPr/>
+          <a:lstStyle/>
+          <a:p>
+            <a:r>
+              <a:rPr lang="en-US" dirty="0"/>
+              <a:t>Basic Stages of a PL Implementation*</a:t>
+            </a:r>
+          </a:p>
+        </p:txBody>
+      </p:sp>
+      <p:sp>
+        <p:nvSpPr>
+          <p:cNvPr id="5" name="Rectangle 4">
+            <a:extLst>
+              <a:ext uri="{FF2B5EF4-FFF2-40B4-BE49-F238E27FC236}">
+                <a16:creationId xmlns:a16="http://schemas.microsoft.com/office/drawing/2014/main" id="{B54C7309-156B-5A75-1868-B4F5709C83F7}"/>
+              </a:ext>
+            </a:extLst>
+          </p:cNvPr>
+          <p:cNvSpPr/>
+          <p:nvPr/>
+        </p:nvSpPr>
+        <p:spPr>
+          <a:xfrm>
+            <a:off x="2649882" y="3581535"/>
+            <a:ext cx="1747728" cy="1646908"/>
+          </a:xfrm>
+          <a:prstGeom prst="rect">
+            <a:avLst/>
+          </a:prstGeom>
+        </p:spPr>
+        <p:style>
+          <a:lnRef idx="2">
+            <a:schemeClr val="accent1">
+              <a:shade val="15000"/>
+            </a:schemeClr>
+          </a:lnRef>
+          <a:fillRef idx="1">
+            <a:schemeClr val="accent1"/>
+          </a:fillRef>
+          <a:effectRef idx="0">
+            <a:schemeClr val="accent1"/>
+          </a:effectRef>
+          <a:fontRef idx="minor">
+            <a:schemeClr val="lt1"/>
+          </a:fontRef>
+        </p:style>
+        <p:txBody>
+          <a:bodyPr rtlCol="0" anchor="ctr"/>
+          <a:lstStyle/>
+          <a:p>
+            <a:pPr algn="ctr"/>
+            <a:r>
+              <a:rPr lang="en-US" dirty="0">
+                <a:solidFill>
+                  <a:schemeClr val="tx1"/>
+                </a:solidFill>
+              </a:rPr>
+              <a:t>Parser</a:t>
+            </a:r>
+            <a:br>
+              <a:rPr lang="en-US" dirty="0">
+                <a:solidFill>
+                  <a:schemeClr val="tx1"/>
+                </a:solidFill>
+              </a:rPr>
+            </a:br>
+            <a:br>
+              <a:rPr lang="en-US" dirty="0">
+                <a:solidFill>
+                  <a:schemeClr val="tx1"/>
+                </a:solidFill>
+              </a:rPr>
+            </a:br>
+            <a:br>
+              <a:rPr lang="en-US" dirty="0">
+                <a:solidFill>
+                  <a:schemeClr val="tx1"/>
+                </a:solidFill>
+              </a:rPr>
+            </a:br>
+            <a:endParaRPr lang="en-US" dirty="0">
+              <a:solidFill>
+                <a:schemeClr val="tx1"/>
+              </a:solidFill>
+            </a:endParaRPr>
+          </a:p>
+        </p:txBody>
+      </p:sp>
+      <p:sp>
+        <p:nvSpPr>
+          <p:cNvPr id="6" name="Rectangle 5">
+            <a:extLst>
+              <a:ext uri="{FF2B5EF4-FFF2-40B4-BE49-F238E27FC236}">
+                <a16:creationId xmlns:a16="http://schemas.microsoft.com/office/drawing/2014/main" id="{C72BDEF1-6A5B-555E-C884-7EA65864B103}"/>
+              </a:ext>
+            </a:extLst>
+          </p:cNvPr>
+          <p:cNvSpPr/>
+          <p:nvPr/>
+        </p:nvSpPr>
+        <p:spPr>
+          <a:xfrm>
+            <a:off x="5104174" y="3581535"/>
+            <a:ext cx="1750934" cy="1646908"/>
+          </a:xfrm>
+          <a:prstGeom prst="rect">
+            <a:avLst/>
+          </a:prstGeom>
+        </p:spPr>
+        <p:style>
+          <a:lnRef idx="2">
+            <a:schemeClr val="accent1">
+              <a:shade val="15000"/>
+            </a:schemeClr>
+          </a:lnRef>
+          <a:fillRef idx="1">
+            <a:schemeClr val="accent1"/>
+          </a:fillRef>
+          <a:effectRef idx="0">
+            <a:schemeClr val="accent1"/>
+          </a:effectRef>
+          <a:fontRef idx="minor">
+            <a:schemeClr val="lt1"/>
+          </a:fontRef>
+        </p:style>
+        <p:txBody>
+          <a:bodyPr rtlCol="0" anchor="ctr"/>
+          <a:lstStyle/>
+          <a:p>
+            <a:pPr algn="ctr"/>
+            <a:r>
+              <a:rPr lang="en-US" dirty="0">
+                <a:solidFill>
+                  <a:schemeClr val="tx1"/>
+                </a:solidFill>
+              </a:rPr>
+              <a:t>Type Checker</a:t>
+            </a:r>
+            <a:br>
+              <a:rPr lang="en-US" dirty="0">
+                <a:solidFill>
+                  <a:schemeClr val="tx1"/>
+                </a:solidFill>
+              </a:rPr>
+            </a:br>
+            <a:r>
+              <a:rPr lang="en-US" dirty="0">
+                <a:solidFill>
+                  <a:schemeClr val="tx1"/>
+                </a:solidFill>
+              </a:rPr>
+              <a:t>(if Statically Typed PL)</a:t>
+            </a:r>
+          </a:p>
+        </p:txBody>
+      </p:sp>
+      <p:sp>
+        <p:nvSpPr>
+          <p:cNvPr id="7" name="Rectangle 6">
+            <a:extLst>
+              <a:ext uri="{FF2B5EF4-FFF2-40B4-BE49-F238E27FC236}">
+                <a16:creationId xmlns:a16="http://schemas.microsoft.com/office/drawing/2014/main" id="{2F2CE2F6-90E6-5489-C6E8-9D1229F9E5B4}"/>
+              </a:ext>
+            </a:extLst>
+          </p:cNvPr>
+          <p:cNvSpPr/>
+          <p:nvPr/>
+        </p:nvSpPr>
+        <p:spPr>
+          <a:xfrm>
+            <a:off x="7479158" y="2294119"/>
+            <a:ext cx="1747728" cy="1716482"/>
+          </a:xfrm>
+          <a:prstGeom prst="rect">
+            <a:avLst/>
+          </a:prstGeom>
+        </p:spPr>
+        <p:style>
+          <a:lnRef idx="2">
+            <a:schemeClr val="accent1">
+              <a:shade val="15000"/>
+            </a:schemeClr>
+          </a:lnRef>
+          <a:fillRef idx="1">
+            <a:schemeClr val="accent1"/>
+          </a:fillRef>
+          <a:effectRef idx="0">
+            <a:schemeClr val="accent1"/>
+          </a:effectRef>
+          <a:fontRef idx="minor">
+            <a:schemeClr val="lt1"/>
+          </a:fontRef>
+        </p:style>
+        <p:txBody>
+          <a:bodyPr rtlCol="0" anchor="ctr"/>
+          <a:lstStyle/>
+          <a:p>
+            <a:pPr algn="ctr"/>
+            <a:r>
+              <a:rPr lang="en-US" dirty="0">
+                <a:solidFill>
+                  <a:schemeClr val="tx1"/>
+                </a:solidFill>
+              </a:rPr>
+              <a:t>Evaluator</a:t>
+            </a:r>
+            <a:br>
+              <a:rPr lang="en-US" dirty="0">
+                <a:solidFill>
+                  <a:schemeClr val="tx1"/>
+                </a:solidFill>
+              </a:rPr>
+            </a:br>
+            <a:r>
+              <a:rPr lang="en-US" dirty="0">
+                <a:solidFill>
+                  <a:schemeClr val="tx1"/>
+                </a:solidFill>
+              </a:rPr>
+              <a:t>(if implemented as interpreter)</a:t>
+            </a:r>
+          </a:p>
+        </p:txBody>
+      </p:sp>
+      <p:sp>
+        <p:nvSpPr>
+          <p:cNvPr id="8" name="Rectangle 7">
+            <a:extLst>
+              <a:ext uri="{FF2B5EF4-FFF2-40B4-BE49-F238E27FC236}">
+                <a16:creationId xmlns:a16="http://schemas.microsoft.com/office/drawing/2014/main" id="{C1DFDE12-DF62-0659-3B14-48D5E0130293}"/>
+              </a:ext>
+            </a:extLst>
+          </p:cNvPr>
+          <p:cNvSpPr/>
+          <p:nvPr/>
+        </p:nvSpPr>
+        <p:spPr>
+          <a:xfrm>
+            <a:off x="7479158" y="4404989"/>
+            <a:ext cx="1747728" cy="1716482"/>
+          </a:xfrm>
+          <a:prstGeom prst="rect">
+            <a:avLst/>
+          </a:prstGeom>
+        </p:spPr>
+        <p:style>
+          <a:lnRef idx="2">
+            <a:schemeClr val="accent1">
+              <a:shade val="15000"/>
+            </a:schemeClr>
+          </a:lnRef>
+          <a:fillRef idx="1">
+            <a:schemeClr val="accent1"/>
+          </a:fillRef>
+          <a:effectRef idx="0">
+            <a:schemeClr val="accent1"/>
+          </a:effectRef>
+          <a:fontRef idx="minor">
+            <a:schemeClr val="lt1"/>
+          </a:fontRef>
+        </p:style>
+        <p:txBody>
+          <a:bodyPr rtlCol="0" anchor="ctr"/>
+          <a:lstStyle/>
+          <a:p>
+            <a:pPr algn="ctr"/>
+            <a:r>
+              <a:rPr lang="en-US" dirty="0">
+                <a:solidFill>
+                  <a:schemeClr val="tx1"/>
+                </a:solidFill>
+              </a:rPr>
+              <a:t>Translator</a:t>
+            </a:r>
+            <a:br>
+              <a:rPr lang="en-US" dirty="0">
+                <a:solidFill>
+                  <a:schemeClr val="tx1"/>
+                </a:solidFill>
+              </a:rPr>
+            </a:br>
+            <a:r>
+              <a:rPr lang="en-US" dirty="0">
+                <a:solidFill>
+                  <a:schemeClr val="tx1"/>
+                </a:solidFill>
+              </a:rPr>
+              <a:t>(if implemented as compiler)</a:t>
+            </a:r>
+          </a:p>
+        </p:txBody>
+      </p:sp>
+      <p:sp>
+        <p:nvSpPr>
+          <p:cNvPr id="9" name="Rectangle 8">
+            <a:extLst>
+              <a:ext uri="{FF2B5EF4-FFF2-40B4-BE49-F238E27FC236}">
+                <a16:creationId xmlns:a16="http://schemas.microsoft.com/office/drawing/2014/main" id="{2D1B3AF7-D68B-C697-3E3D-8E70BD5984E3}"/>
+              </a:ext>
+            </a:extLst>
+          </p:cNvPr>
+          <p:cNvSpPr/>
+          <p:nvPr/>
+        </p:nvSpPr>
+        <p:spPr>
+          <a:xfrm>
+            <a:off x="9957084" y="4404989"/>
+            <a:ext cx="1550286" cy="1716482"/>
+          </a:xfrm>
+          <a:prstGeom prst="rect">
+            <a:avLst/>
+          </a:prstGeom>
+        </p:spPr>
+        <p:style>
+          <a:lnRef idx="2">
+            <a:schemeClr val="accent1">
+              <a:shade val="15000"/>
+            </a:schemeClr>
+          </a:lnRef>
+          <a:fillRef idx="1">
+            <a:schemeClr val="accent1"/>
+          </a:fillRef>
+          <a:effectRef idx="0">
+            <a:schemeClr val="accent1"/>
+          </a:effectRef>
+          <a:fontRef idx="minor">
+            <a:schemeClr val="lt1"/>
+          </a:fontRef>
+        </p:style>
+        <p:txBody>
+          <a:bodyPr rtlCol="0" anchor="ctr"/>
+          <a:lstStyle/>
+          <a:p>
+            <a:pPr algn="ctr"/>
+            <a:r>
+              <a:rPr lang="en-US" dirty="0">
+                <a:solidFill>
+                  <a:schemeClr val="tx1"/>
+                </a:solidFill>
+              </a:rPr>
+              <a:t>Direct Execution on CPU</a:t>
+            </a:r>
+          </a:p>
+        </p:txBody>
+      </p:sp>
+      <p:sp>
+        <p:nvSpPr>
+          <p:cNvPr id="10" name="Rectangle 9">
+            <a:extLst>
+              <a:ext uri="{FF2B5EF4-FFF2-40B4-BE49-F238E27FC236}">
+                <a16:creationId xmlns:a16="http://schemas.microsoft.com/office/drawing/2014/main" id="{3C6EFB35-85D4-EF99-2D18-3BD6B687A241}"/>
+              </a:ext>
+            </a:extLst>
+          </p:cNvPr>
+          <p:cNvSpPr/>
+          <p:nvPr/>
+        </p:nvSpPr>
+        <p:spPr>
+          <a:xfrm>
+            <a:off x="989993" y="2114373"/>
+            <a:ext cx="1182577" cy="1896228"/>
+          </a:xfrm>
+          <a:prstGeom prst="rect">
+            <a:avLst/>
+          </a:prstGeom>
+          <a:solidFill>
+            <a:schemeClr val="accent5">
+              <a:lumMod val="40000"/>
+              <a:lumOff val="60000"/>
+            </a:schemeClr>
+          </a:solidFill>
+        </p:spPr>
+        <p:style>
+          <a:lnRef idx="2">
+            <a:schemeClr val="accent1">
+              <a:shade val="15000"/>
+            </a:schemeClr>
+          </a:lnRef>
+          <a:fillRef idx="1">
+            <a:schemeClr val="accent1"/>
+          </a:fillRef>
+          <a:effectRef idx="0">
+            <a:schemeClr val="accent1"/>
+          </a:effectRef>
+          <a:fontRef idx="minor">
+            <a:schemeClr val="lt1"/>
+          </a:fontRef>
+        </p:style>
+        <p:txBody>
+          <a:bodyPr rtlCol="0" anchor="ctr"/>
+          <a:lstStyle/>
+          <a:p>
+            <a:pPr algn="ctr"/>
+            <a:r>
+              <a:rPr lang="en-US" dirty="0">
+                <a:solidFill>
+                  <a:schemeClr val="tx1"/>
+                </a:solidFill>
+              </a:rPr>
+              <a:t>Source</a:t>
+            </a:r>
+          </a:p>
+          <a:p>
+            <a:pPr algn="ctr"/>
+            <a:r>
+              <a:rPr lang="en-US" dirty="0">
+                <a:solidFill>
+                  <a:schemeClr val="tx1"/>
+                </a:solidFill>
+              </a:rPr>
+              <a:t>Code</a:t>
+            </a:r>
+          </a:p>
+        </p:txBody>
+      </p:sp>
+      <p:sp>
+        <p:nvSpPr>
+          <p:cNvPr id="11" name="Rectangle 10">
+            <a:extLst>
+              <a:ext uri="{FF2B5EF4-FFF2-40B4-BE49-F238E27FC236}">
+                <a16:creationId xmlns:a16="http://schemas.microsoft.com/office/drawing/2014/main" id="{C0F0C97A-7305-30B1-7031-66390D08493F}"/>
+              </a:ext>
+            </a:extLst>
+          </p:cNvPr>
+          <p:cNvSpPr/>
+          <p:nvPr/>
+        </p:nvSpPr>
+        <p:spPr>
+          <a:xfrm>
+            <a:off x="2748603" y="4302370"/>
+            <a:ext cx="1550286" cy="820566"/>
+          </a:xfrm>
+          <a:prstGeom prst="rect">
+            <a:avLst/>
+          </a:prstGeom>
+        </p:spPr>
+        <p:style>
+          <a:lnRef idx="2">
+            <a:schemeClr val="accent1">
+              <a:shade val="15000"/>
+            </a:schemeClr>
+          </a:lnRef>
+          <a:fillRef idx="1">
+            <a:schemeClr val="accent1"/>
+          </a:fillRef>
+          <a:effectRef idx="0">
+            <a:schemeClr val="accent1"/>
+          </a:effectRef>
+          <a:fontRef idx="minor">
+            <a:schemeClr val="lt1"/>
+          </a:fontRef>
+        </p:style>
+        <p:txBody>
+          <a:bodyPr rtlCol="0" anchor="ctr"/>
+          <a:lstStyle/>
+          <a:p>
+            <a:pPr algn="ctr"/>
+            <a:r>
+              <a:rPr lang="en-US" dirty="0" err="1">
+                <a:solidFill>
+                  <a:schemeClr val="tx1"/>
+                </a:solidFill>
+              </a:rPr>
+              <a:t>Lexer</a:t>
+            </a:r>
+            <a:endParaRPr lang="en-US" dirty="0">
+              <a:solidFill>
+                <a:schemeClr val="tx1"/>
+              </a:solidFill>
+            </a:endParaRPr>
+          </a:p>
+        </p:txBody>
+      </p:sp>
+      <p:cxnSp>
+        <p:nvCxnSpPr>
+          <p:cNvPr id="13" name="Connector: Elbow 12">
+            <a:extLst>
+              <a:ext uri="{FF2B5EF4-FFF2-40B4-BE49-F238E27FC236}">
+                <a16:creationId xmlns:a16="http://schemas.microsoft.com/office/drawing/2014/main" id="{B02366E7-EB68-1360-20DB-2BA323396F21}"/>
+              </a:ext>
+            </a:extLst>
+          </p:cNvPr>
+          <p:cNvCxnSpPr>
+            <a:stCxn id="10" idx="2"/>
+            <a:endCxn id="5" idx="1"/>
+          </p:cNvCxnSpPr>
+          <p:nvPr/>
+        </p:nvCxnSpPr>
+        <p:spPr>
+          <a:xfrm rot="16200000" flipH="1">
+            <a:off x="1886982" y="3642089"/>
+            <a:ext cx="457200" cy="1068600"/>
+          </a:xfrm>
+          <a:prstGeom prst="bentConnector2">
+            <a:avLst/>
+          </a:prstGeom>
+          <a:ln w="76200">
+            <a:tailEnd type="triangle"/>
+          </a:ln>
+        </p:spPr>
+        <p:style>
+          <a:lnRef idx="1">
+            <a:schemeClr val="dk1"/>
+          </a:lnRef>
+          <a:fillRef idx="0">
+            <a:schemeClr val="dk1"/>
+          </a:fillRef>
+          <a:effectRef idx="0">
+            <a:schemeClr val="dk1"/>
+          </a:effectRef>
+          <a:fontRef idx="minor">
+            <a:schemeClr val="tx1"/>
+          </a:fontRef>
+        </p:style>
+      </p:cxnSp>
+      <p:cxnSp>
+        <p:nvCxnSpPr>
+          <p:cNvPr id="14" name="Connector: Elbow 13">
+            <a:extLst>
+              <a:ext uri="{FF2B5EF4-FFF2-40B4-BE49-F238E27FC236}">
+                <a16:creationId xmlns:a16="http://schemas.microsoft.com/office/drawing/2014/main" id="{C317156A-C4D1-D01C-47E1-E75A41C84850}"/>
+              </a:ext>
+            </a:extLst>
+          </p:cNvPr>
+          <p:cNvCxnSpPr>
+            <a:cxnSpLocks/>
+            <a:stCxn id="5" idx="3"/>
+            <a:endCxn id="6" idx="1"/>
+          </p:cNvCxnSpPr>
+          <p:nvPr/>
+        </p:nvCxnSpPr>
+        <p:spPr>
+          <a:xfrm>
+            <a:off x="4397610" y="4404989"/>
+            <a:ext cx="706564" cy="12700"/>
+          </a:xfrm>
+          <a:prstGeom prst="bentConnector3">
+            <a:avLst>
+              <a:gd name="adj1" fmla="val 50000"/>
+            </a:avLst>
+          </a:prstGeom>
+          <a:ln w="76200">
+            <a:tailEnd type="triangle"/>
+          </a:ln>
+        </p:spPr>
+        <p:style>
+          <a:lnRef idx="1">
+            <a:schemeClr val="dk1"/>
+          </a:lnRef>
+          <a:fillRef idx="0">
+            <a:schemeClr val="dk1"/>
+          </a:fillRef>
+          <a:effectRef idx="0">
+            <a:schemeClr val="dk1"/>
+          </a:effectRef>
+          <a:fontRef idx="minor">
+            <a:schemeClr val="tx1"/>
+          </a:fontRef>
+        </p:style>
+      </p:cxnSp>
+      <p:cxnSp>
+        <p:nvCxnSpPr>
+          <p:cNvPr id="17" name="Connector: Elbow 16">
+            <a:extLst>
+              <a:ext uri="{FF2B5EF4-FFF2-40B4-BE49-F238E27FC236}">
+                <a16:creationId xmlns:a16="http://schemas.microsoft.com/office/drawing/2014/main" id="{4F6F75C2-2E50-EA82-AA5E-03766F9084DE}"/>
+              </a:ext>
+            </a:extLst>
+          </p:cNvPr>
+          <p:cNvCxnSpPr>
+            <a:cxnSpLocks/>
+            <a:endCxn id="7" idx="1"/>
+          </p:cNvCxnSpPr>
+          <p:nvPr/>
+        </p:nvCxnSpPr>
+        <p:spPr>
+          <a:xfrm rot="5400000" flipH="1" flipV="1">
+            <a:off x="6571499" y="3394711"/>
+            <a:ext cx="1150010" cy="665308"/>
+          </a:xfrm>
+          <a:prstGeom prst="bentConnector2">
+            <a:avLst/>
+          </a:prstGeom>
+          <a:ln w="76200">
+            <a:tailEnd type="triangle"/>
+          </a:ln>
+        </p:spPr>
+        <p:style>
+          <a:lnRef idx="1">
+            <a:schemeClr val="dk1"/>
+          </a:lnRef>
+          <a:fillRef idx="0">
+            <a:schemeClr val="dk1"/>
+          </a:fillRef>
+          <a:effectRef idx="0">
+            <a:schemeClr val="dk1"/>
+          </a:effectRef>
+          <a:fontRef idx="minor">
+            <a:schemeClr val="tx1"/>
+          </a:fontRef>
+        </p:style>
+      </p:cxnSp>
+      <p:cxnSp>
+        <p:nvCxnSpPr>
+          <p:cNvPr id="19" name="Connector: Elbow 18">
+            <a:extLst>
+              <a:ext uri="{FF2B5EF4-FFF2-40B4-BE49-F238E27FC236}">
+                <a16:creationId xmlns:a16="http://schemas.microsoft.com/office/drawing/2014/main" id="{1B745F0F-3835-557A-7E29-36BF4893400D}"/>
+              </a:ext>
+            </a:extLst>
+          </p:cNvPr>
+          <p:cNvCxnSpPr>
+            <a:cxnSpLocks/>
+          </p:cNvCxnSpPr>
+          <p:nvPr/>
+        </p:nvCxnSpPr>
+        <p:spPr>
+          <a:xfrm>
+            <a:off x="6880334" y="4868842"/>
+            <a:ext cx="598824" cy="556759"/>
+          </a:xfrm>
+          <a:prstGeom prst="bentConnector3">
+            <a:avLst>
+              <a:gd name="adj1" fmla="val 50000"/>
+            </a:avLst>
+          </a:prstGeom>
+          <a:ln w="76200">
+            <a:tailEnd type="triangle"/>
+          </a:ln>
+        </p:spPr>
+        <p:style>
+          <a:lnRef idx="1">
+            <a:schemeClr val="dk1"/>
+          </a:lnRef>
+          <a:fillRef idx="0">
+            <a:schemeClr val="dk1"/>
+          </a:fillRef>
+          <a:effectRef idx="0">
+            <a:schemeClr val="dk1"/>
+          </a:effectRef>
+          <a:fontRef idx="minor">
+            <a:schemeClr val="tx1"/>
+          </a:fontRef>
+        </p:style>
+      </p:cxnSp>
+      <p:cxnSp>
+        <p:nvCxnSpPr>
+          <p:cNvPr id="21" name="Connector: Elbow 20">
+            <a:extLst>
+              <a:ext uri="{FF2B5EF4-FFF2-40B4-BE49-F238E27FC236}">
+                <a16:creationId xmlns:a16="http://schemas.microsoft.com/office/drawing/2014/main" id="{178030E8-635D-0914-DB96-0BFC730AAD1A}"/>
+              </a:ext>
+            </a:extLst>
+          </p:cNvPr>
+          <p:cNvCxnSpPr>
+            <a:cxnSpLocks/>
+          </p:cNvCxnSpPr>
+          <p:nvPr/>
+        </p:nvCxnSpPr>
+        <p:spPr>
+          <a:xfrm>
+            <a:off x="9252112" y="5412901"/>
+            <a:ext cx="706564" cy="12700"/>
+          </a:xfrm>
+          <a:prstGeom prst="bentConnector3">
+            <a:avLst>
+              <a:gd name="adj1" fmla="val 50000"/>
+            </a:avLst>
+          </a:prstGeom>
+          <a:ln w="76200">
+            <a:tailEnd type="triangle"/>
+          </a:ln>
+        </p:spPr>
+        <p:style>
+          <a:lnRef idx="1">
+            <a:schemeClr val="dk1"/>
+          </a:lnRef>
+          <a:fillRef idx="0">
+            <a:schemeClr val="dk1"/>
+          </a:fillRef>
+          <a:effectRef idx="0">
+            <a:schemeClr val="dk1"/>
+          </a:effectRef>
+          <a:fontRef idx="minor">
+            <a:schemeClr val="tx1"/>
+          </a:fontRef>
+        </p:style>
+      </p:cxnSp>
+      <p:sp>
+        <p:nvSpPr>
+          <p:cNvPr id="22" name="TextBox 21">
+            <a:extLst>
+              <a:ext uri="{FF2B5EF4-FFF2-40B4-BE49-F238E27FC236}">
+                <a16:creationId xmlns:a16="http://schemas.microsoft.com/office/drawing/2014/main" id="{CE839F4B-33C2-E3F6-E248-407F16A58078}"/>
+              </a:ext>
+            </a:extLst>
+          </p:cNvPr>
+          <p:cNvSpPr txBox="1"/>
+          <p:nvPr/>
+        </p:nvSpPr>
+        <p:spPr>
+          <a:xfrm>
+            <a:off x="656492" y="6394883"/>
+            <a:ext cx="5088957" cy="369332"/>
+          </a:xfrm>
+          <a:prstGeom prst="rect">
+            <a:avLst/>
+          </a:prstGeom>
+          <a:noFill/>
+        </p:spPr>
+        <p:txBody>
+          <a:bodyPr wrap="none" rtlCol="0">
+            <a:spAutoFit/>
+          </a:bodyPr>
+          <a:lstStyle/>
+          <a:p>
+            <a:r>
+              <a:rPr lang="en-US" dirty="0"/>
+              <a:t>*As always, the real world is more diverse than this</a:t>
+            </a:r>
+          </a:p>
+        </p:txBody>
+      </p:sp>
+      <p:sp>
+        <p:nvSpPr>
+          <p:cNvPr id="4" name="Rectangle 3">
+            <a:extLst>
+              <a:ext uri="{FF2B5EF4-FFF2-40B4-BE49-F238E27FC236}">
+                <a16:creationId xmlns:a16="http://schemas.microsoft.com/office/drawing/2014/main" id="{038BFDC6-5286-5ED6-7854-AC547D5DD234}"/>
+              </a:ext>
+            </a:extLst>
+          </p:cNvPr>
+          <p:cNvSpPr/>
+          <p:nvPr/>
+        </p:nvSpPr>
+        <p:spPr>
+          <a:xfrm>
+            <a:off x="2946297" y="3727253"/>
+            <a:ext cx="935950" cy="490617"/>
+          </a:xfrm>
+          <a:prstGeom prst="rect">
+            <a:avLst/>
+          </a:prstGeom>
+          <a:noFill/>
+          <a:ln>
+            <a:prstDash val="dash"/>
+          </a:ln>
+        </p:spPr>
+        <p:style>
+          <a:lnRef idx="2">
+            <a:schemeClr val="accent1">
+              <a:shade val="15000"/>
+            </a:schemeClr>
+          </a:lnRef>
+          <a:fillRef idx="1">
+            <a:schemeClr val="accent1"/>
+          </a:fillRef>
+          <a:effectRef idx="0">
+            <a:schemeClr val="accent1"/>
+          </a:effectRef>
+          <a:fontRef idx="minor">
+            <a:schemeClr val="lt1"/>
+          </a:fontRef>
+        </p:style>
+        <p:txBody>
+          <a:bodyPr rtlCol="0" anchor="ctr"/>
+          <a:lstStyle/>
+          <a:p>
+            <a:pPr algn="ctr"/>
+            <a:endParaRPr lang="en-US" dirty="0"/>
+          </a:p>
+        </p:txBody>
+      </p:sp>
+      <p:cxnSp>
+        <p:nvCxnSpPr>
+          <p:cNvPr id="16" name="Straight Connector 15">
+            <a:extLst>
+              <a:ext uri="{FF2B5EF4-FFF2-40B4-BE49-F238E27FC236}">
+                <a16:creationId xmlns:a16="http://schemas.microsoft.com/office/drawing/2014/main" id="{B424B93C-0212-465A-FB1E-2ED6E0D3B0E6}"/>
+              </a:ext>
+            </a:extLst>
+          </p:cNvPr>
+          <p:cNvCxnSpPr>
+            <a:cxnSpLocks/>
+          </p:cNvCxnSpPr>
+          <p:nvPr/>
+        </p:nvCxnSpPr>
+        <p:spPr>
+          <a:xfrm flipV="1">
+            <a:off x="3434445" y="3008492"/>
+            <a:ext cx="5998" cy="718761"/>
+          </a:xfrm>
+          <a:prstGeom prst="line">
+            <a:avLst/>
+          </a:prstGeom>
+        </p:spPr>
+        <p:style>
+          <a:lnRef idx="1">
+            <a:schemeClr val="dk1"/>
+          </a:lnRef>
+          <a:fillRef idx="0">
+            <a:schemeClr val="dk1"/>
+          </a:fillRef>
+          <a:effectRef idx="0">
+            <a:schemeClr val="dk1"/>
+          </a:effectRef>
+          <a:fontRef idx="minor">
+            <a:schemeClr val="tx1"/>
+          </a:fontRef>
+        </p:style>
+      </p:cxnSp>
+      <p:sp>
+        <p:nvSpPr>
+          <p:cNvPr id="18" name="TextBox 17">
+            <a:extLst>
+              <a:ext uri="{FF2B5EF4-FFF2-40B4-BE49-F238E27FC236}">
+                <a16:creationId xmlns:a16="http://schemas.microsoft.com/office/drawing/2014/main" id="{E7223FE2-00FC-AAF3-86FC-389BEEE75143}"/>
+              </a:ext>
+            </a:extLst>
+          </p:cNvPr>
+          <p:cNvSpPr txBox="1"/>
+          <p:nvPr/>
+        </p:nvSpPr>
+        <p:spPr>
+          <a:xfrm>
+            <a:off x="2219561" y="2371328"/>
+            <a:ext cx="4486485" cy="646331"/>
+          </a:xfrm>
+          <a:prstGeom prst="rect">
+            <a:avLst/>
+          </a:prstGeom>
+          <a:noFill/>
+        </p:spPr>
+        <p:txBody>
+          <a:bodyPr wrap="none" rtlCol="0">
+            <a:spAutoFit/>
+          </a:bodyPr>
+          <a:lstStyle/>
+          <a:p>
+            <a:r>
+              <a:rPr lang="en-US" dirty="0"/>
+              <a:t>1: Use Parsing Expression Grammars (PEGs)</a:t>
+            </a:r>
+            <a:br>
+              <a:rPr lang="en-US" dirty="0"/>
+            </a:br>
+            <a:r>
+              <a:rPr lang="en-US" dirty="0"/>
+              <a:t>They translate more directly to code than CFG</a:t>
+            </a:r>
+          </a:p>
+        </p:txBody>
+      </p:sp>
+    </p:spTree>
+    <p:extLst>
+      <p:ext uri="{BB962C8B-B14F-4D97-AF65-F5344CB8AC3E}">
+        <p14:creationId xmlns:p14="http://schemas.microsoft.com/office/powerpoint/2010/main" val="3436219209"/>
+      </p:ext>
+    </p:extLst>
+  </p:cSld>
+  <p:clrMapOvr>
+    <a:masterClrMapping/>
+  </p:clrMapOvr>
+</p:sld>
+</file>
+
+<file path=ppt/slides/slide50.xml><?xml version="1.0" encoding="utf-8"?>
+<p:sld xmlns:a="http://schemas.openxmlformats.org/drawingml/2006/main" xmlns:r="http://schemas.openxmlformats.org/officeDocument/2006/relationships" xmlns:p="http://schemas.openxmlformats.org/presentationml/2006/main">
+  <p:cSld>
+    <p:spTree>
+      <p:nvGrpSpPr>
+        <p:cNvPr id="1" name=""/>
+        <p:cNvGrpSpPr/>
+        <p:nvPr/>
+      </p:nvGrpSpPr>
+      <p:grpSpPr>
+        <a:xfrm>
+          <a:off x="0" y="0"/>
+          <a:ext cx="0" cy="0"/>
+          <a:chOff x="0" y="0"/>
+          <a:chExt cx="0" cy="0"/>
+        </a:xfrm>
+      </p:grpSpPr>
+      <p:sp>
+        <p:nvSpPr>
+          <p:cNvPr id="2" name="Title 1">
+            <a:extLst>
+              <a:ext uri="{FF2B5EF4-FFF2-40B4-BE49-F238E27FC236}">
                 <a16:creationId xmlns:a16="http://schemas.microsoft.com/office/drawing/2014/main" id="{082872BB-7BD8-ADE2-B46F-A1EC5D639C6D}"/>
               </a:ext>
             </a:extLst>
@@ -18113,7 +19224,7 @@
 </p:sld>
 </file>
 
-<file path=ppt/slides/slide49.xml><?xml version="1.0" encoding="utf-8"?>
+<file path=ppt/slides/slide51.xml><?xml version="1.0" encoding="utf-8"?>
 <p:sld xmlns:a="http://schemas.openxmlformats.org/drawingml/2006/main" xmlns:r="http://schemas.openxmlformats.org/officeDocument/2006/relationships" xmlns:p="http://schemas.openxmlformats.org/presentationml/2006/main">
   <p:cSld>
     <p:spTree>
@@ -18887,909 +19998,7 @@
 </p:sld>
 </file>
 
-<file path=ppt/slides/slide5.xml><?xml version="1.0" encoding="utf-8"?>
-<p:sld xmlns:a="http://schemas.openxmlformats.org/drawingml/2006/main" xmlns:r="http://schemas.openxmlformats.org/officeDocument/2006/relationships" xmlns:p="http://schemas.openxmlformats.org/presentationml/2006/main">
-  <p:cSld>
-    <p:spTree>
-      <p:nvGrpSpPr>
-        <p:cNvPr id="1" name=""/>
-        <p:cNvGrpSpPr/>
-        <p:nvPr/>
-      </p:nvGrpSpPr>
-      <p:grpSpPr>
-        <a:xfrm>
-          <a:off x="0" y="0"/>
-          <a:ext cx="0" cy="0"/>
-          <a:chOff x="0" y="0"/>
-          <a:chExt cx="0" cy="0"/>
-        </a:xfrm>
-      </p:grpSpPr>
-      <p:sp>
-        <p:nvSpPr>
-          <p:cNvPr id="2" name="Title 1">
-            <a:extLst>
-              <a:ext uri="{FF2B5EF4-FFF2-40B4-BE49-F238E27FC236}">
-                <a16:creationId xmlns:a16="http://schemas.microsoft.com/office/drawing/2014/main" id="{F2BFCBFD-E11A-D306-BAAF-32C5423D1666}"/>
-              </a:ext>
-            </a:extLst>
-          </p:cNvPr>
-          <p:cNvSpPr>
-            <a:spLocks noGrp="1"/>
-          </p:cNvSpPr>
-          <p:nvPr>
-            <p:ph type="title"/>
-          </p:nvPr>
-        </p:nvSpPr>
-        <p:spPr/>
-        <p:txBody>
-          <a:bodyPr/>
-          <a:lstStyle/>
-          <a:p>
-            <a:r>
-              <a:rPr lang="en-US" dirty="0"/>
-              <a:t>Basic Stages of a PL Implementation*</a:t>
-            </a:r>
-          </a:p>
-        </p:txBody>
-      </p:sp>
-      <p:sp>
-        <p:nvSpPr>
-          <p:cNvPr id="5" name="Rectangle 4">
-            <a:extLst>
-              <a:ext uri="{FF2B5EF4-FFF2-40B4-BE49-F238E27FC236}">
-                <a16:creationId xmlns:a16="http://schemas.microsoft.com/office/drawing/2014/main" id="{B54C7309-156B-5A75-1868-B4F5709C83F7}"/>
-              </a:ext>
-            </a:extLst>
-          </p:cNvPr>
-          <p:cNvSpPr/>
-          <p:nvPr/>
-        </p:nvSpPr>
-        <p:spPr>
-          <a:xfrm>
-            <a:off x="2649882" y="3581535"/>
-            <a:ext cx="1747728" cy="1646908"/>
-          </a:xfrm>
-          <a:prstGeom prst="rect">
-            <a:avLst/>
-          </a:prstGeom>
-        </p:spPr>
-        <p:style>
-          <a:lnRef idx="2">
-            <a:schemeClr val="accent1">
-              <a:shade val="15000"/>
-            </a:schemeClr>
-          </a:lnRef>
-          <a:fillRef idx="1">
-            <a:schemeClr val="accent1"/>
-          </a:fillRef>
-          <a:effectRef idx="0">
-            <a:schemeClr val="accent1"/>
-          </a:effectRef>
-          <a:fontRef idx="minor">
-            <a:schemeClr val="lt1"/>
-          </a:fontRef>
-        </p:style>
-        <p:txBody>
-          <a:bodyPr rtlCol="0" anchor="ctr"/>
-          <a:lstStyle/>
-          <a:p>
-            <a:pPr algn="ctr"/>
-            <a:r>
-              <a:rPr lang="en-US" dirty="0">
-                <a:solidFill>
-                  <a:schemeClr val="tx1"/>
-                </a:solidFill>
-              </a:rPr>
-              <a:t>Parser</a:t>
-            </a:r>
-            <a:br>
-              <a:rPr lang="en-US" dirty="0">
-                <a:solidFill>
-                  <a:schemeClr val="tx1"/>
-                </a:solidFill>
-              </a:rPr>
-            </a:br>
-            <a:br>
-              <a:rPr lang="en-US" dirty="0">
-                <a:solidFill>
-                  <a:schemeClr val="tx1"/>
-                </a:solidFill>
-              </a:rPr>
-            </a:br>
-            <a:br>
-              <a:rPr lang="en-US" dirty="0">
-                <a:solidFill>
-                  <a:schemeClr val="tx1"/>
-                </a:solidFill>
-              </a:rPr>
-            </a:br>
-            <a:endParaRPr lang="en-US" dirty="0">
-              <a:solidFill>
-                <a:schemeClr val="tx1"/>
-              </a:solidFill>
-            </a:endParaRPr>
-          </a:p>
-        </p:txBody>
-      </p:sp>
-      <p:sp>
-        <p:nvSpPr>
-          <p:cNvPr id="6" name="Rectangle 5">
-            <a:extLst>
-              <a:ext uri="{FF2B5EF4-FFF2-40B4-BE49-F238E27FC236}">
-                <a16:creationId xmlns:a16="http://schemas.microsoft.com/office/drawing/2014/main" id="{C72BDEF1-6A5B-555E-C884-7EA65864B103}"/>
-              </a:ext>
-            </a:extLst>
-          </p:cNvPr>
-          <p:cNvSpPr/>
-          <p:nvPr/>
-        </p:nvSpPr>
-        <p:spPr>
-          <a:xfrm>
-            <a:off x="5104174" y="3581535"/>
-            <a:ext cx="1750934" cy="1646908"/>
-          </a:xfrm>
-          <a:prstGeom prst="rect">
-            <a:avLst/>
-          </a:prstGeom>
-        </p:spPr>
-        <p:style>
-          <a:lnRef idx="2">
-            <a:schemeClr val="accent1">
-              <a:shade val="15000"/>
-            </a:schemeClr>
-          </a:lnRef>
-          <a:fillRef idx="1">
-            <a:schemeClr val="accent1"/>
-          </a:fillRef>
-          <a:effectRef idx="0">
-            <a:schemeClr val="accent1"/>
-          </a:effectRef>
-          <a:fontRef idx="minor">
-            <a:schemeClr val="lt1"/>
-          </a:fontRef>
-        </p:style>
-        <p:txBody>
-          <a:bodyPr rtlCol="0" anchor="ctr"/>
-          <a:lstStyle/>
-          <a:p>
-            <a:pPr algn="ctr"/>
-            <a:r>
-              <a:rPr lang="en-US" dirty="0">
-                <a:solidFill>
-                  <a:schemeClr val="tx1"/>
-                </a:solidFill>
-              </a:rPr>
-              <a:t>Type Checker</a:t>
-            </a:r>
-            <a:br>
-              <a:rPr lang="en-US" dirty="0">
-                <a:solidFill>
-                  <a:schemeClr val="tx1"/>
-                </a:solidFill>
-              </a:rPr>
-            </a:br>
-            <a:r>
-              <a:rPr lang="en-US" dirty="0">
-                <a:solidFill>
-                  <a:schemeClr val="tx1"/>
-                </a:solidFill>
-              </a:rPr>
-              <a:t>(if Statically Typed PL)</a:t>
-            </a:r>
-          </a:p>
-        </p:txBody>
-      </p:sp>
-      <p:sp>
-        <p:nvSpPr>
-          <p:cNvPr id="7" name="Rectangle 6">
-            <a:extLst>
-              <a:ext uri="{FF2B5EF4-FFF2-40B4-BE49-F238E27FC236}">
-                <a16:creationId xmlns:a16="http://schemas.microsoft.com/office/drawing/2014/main" id="{2F2CE2F6-90E6-5489-C6E8-9D1229F9E5B4}"/>
-              </a:ext>
-            </a:extLst>
-          </p:cNvPr>
-          <p:cNvSpPr/>
-          <p:nvPr/>
-        </p:nvSpPr>
-        <p:spPr>
-          <a:xfrm>
-            <a:off x="7479158" y="2294119"/>
-            <a:ext cx="1747728" cy="1716482"/>
-          </a:xfrm>
-          <a:prstGeom prst="rect">
-            <a:avLst/>
-          </a:prstGeom>
-        </p:spPr>
-        <p:style>
-          <a:lnRef idx="2">
-            <a:schemeClr val="accent1">
-              <a:shade val="15000"/>
-            </a:schemeClr>
-          </a:lnRef>
-          <a:fillRef idx="1">
-            <a:schemeClr val="accent1"/>
-          </a:fillRef>
-          <a:effectRef idx="0">
-            <a:schemeClr val="accent1"/>
-          </a:effectRef>
-          <a:fontRef idx="minor">
-            <a:schemeClr val="lt1"/>
-          </a:fontRef>
-        </p:style>
-        <p:txBody>
-          <a:bodyPr rtlCol="0" anchor="ctr"/>
-          <a:lstStyle/>
-          <a:p>
-            <a:pPr algn="ctr"/>
-            <a:r>
-              <a:rPr lang="en-US" dirty="0">
-                <a:solidFill>
-                  <a:schemeClr val="tx1"/>
-                </a:solidFill>
-              </a:rPr>
-              <a:t>Evaluator</a:t>
-            </a:r>
-            <a:br>
-              <a:rPr lang="en-US" dirty="0">
-                <a:solidFill>
-                  <a:schemeClr val="tx1"/>
-                </a:solidFill>
-              </a:rPr>
-            </a:br>
-            <a:r>
-              <a:rPr lang="en-US" dirty="0">
-                <a:solidFill>
-                  <a:schemeClr val="tx1"/>
-                </a:solidFill>
-              </a:rPr>
-              <a:t>(if implemented as interpreter)</a:t>
-            </a:r>
-          </a:p>
-        </p:txBody>
-      </p:sp>
-      <p:sp>
-        <p:nvSpPr>
-          <p:cNvPr id="8" name="Rectangle 7">
-            <a:extLst>
-              <a:ext uri="{FF2B5EF4-FFF2-40B4-BE49-F238E27FC236}">
-                <a16:creationId xmlns:a16="http://schemas.microsoft.com/office/drawing/2014/main" id="{C1DFDE12-DF62-0659-3B14-48D5E0130293}"/>
-              </a:ext>
-            </a:extLst>
-          </p:cNvPr>
-          <p:cNvSpPr/>
-          <p:nvPr/>
-        </p:nvSpPr>
-        <p:spPr>
-          <a:xfrm>
-            <a:off x="7479158" y="4404989"/>
-            <a:ext cx="1747728" cy="1716482"/>
-          </a:xfrm>
-          <a:prstGeom prst="rect">
-            <a:avLst/>
-          </a:prstGeom>
-        </p:spPr>
-        <p:style>
-          <a:lnRef idx="2">
-            <a:schemeClr val="accent1">
-              <a:shade val="15000"/>
-            </a:schemeClr>
-          </a:lnRef>
-          <a:fillRef idx="1">
-            <a:schemeClr val="accent1"/>
-          </a:fillRef>
-          <a:effectRef idx="0">
-            <a:schemeClr val="accent1"/>
-          </a:effectRef>
-          <a:fontRef idx="minor">
-            <a:schemeClr val="lt1"/>
-          </a:fontRef>
-        </p:style>
-        <p:txBody>
-          <a:bodyPr rtlCol="0" anchor="ctr"/>
-          <a:lstStyle/>
-          <a:p>
-            <a:pPr algn="ctr"/>
-            <a:r>
-              <a:rPr lang="en-US" dirty="0">
-                <a:solidFill>
-                  <a:schemeClr val="tx1"/>
-                </a:solidFill>
-              </a:rPr>
-              <a:t>Translator</a:t>
-            </a:r>
-            <a:br>
-              <a:rPr lang="en-US" dirty="0">
-                <a:solidFill>
-                  <a:schemeClr val="tx1"/>
-                </a:solidFill>
-              </a:rPr>
-            </a:br>
-            <a:r>
-              <a:rPr lang="en-US" dirty="0">
-                <a:solidFill>
-                  <a:schemeClr val="tx1"/>
-                </a:solidFill>
-              </a:rPr>
-              <a:t>(if implemented as compiler)</a:t>
-            </a:r>
-          </a:p>
-        </p:txBody>
-      </p:sp>
-      <p:sp>
-        <p:nvSpPr>
-          <p:cNvPr id="9" name="Rectangle 8">
-            <a:extLst>
-              <a:ext uri="{FF2B5EF4-FFF2-40B4-BE49-F238E27FC236}">
-                <a16:creationId xmlns:a16="http://schemas.microsoft.com/office/drawing/2014/main" id="{2D1B3AF7-D68B-C697-3E3D-8E70BD5984E3}"/>
-              </a:ext>
-            </a:extLst>
-          </p:cNvPr>
-          <p:cNvSpPr/>
-          <p:nvPr/>
-        </p:nvSpPr>
-        <p:spPr>
-          <a:xfrm>
-            <a:off x="9957084" y="4404989"/>
-            <a:ext cx="1550286" cy="1716482"/>
-          </a:xfrm>
-          <a:prstGeom prst="rect">
-            <a:avLst/>
-          </a:prstGeom>
-        </p:spPr>
-        <p:style>
-          <a:lnRef idx="2">
-            <a:schemeClr val="accent1">
-              <a:shade val="15000"/>
-            </a:schemeClr>
-          </a:lnRef>
-          <a:fillRef idx="1">
-            <a:schemeClr val="accent1"/>
-          </a:fillRef>
-          <a:effectRef idx="0">
-            <a:schemeClr val="accent1"/>
-          </a:effectRef>
-          <a:fontRef idx="minor">
-            <a:schemeClr val="lt1"/>
-          </a:fontRef>
-        </p:style>
-        <p:txBody>
-          <a:bodyPr rtlCol="0" anchor="ctr"/>
-          <a:lstStyle/>
-          <a:p>
-            <a:pPr algn="ctr"/>
-            <a:r>
-              <a:rPr lang="en-US" dirty="0">
-                <a:solidFill>
-                  <a:schemeClr val="tx1"/>
-                </a:solidFill>
-              </a:rPr>
-              <a:t>Direct Execution on CPU</a:t>
-            </a:r>
-          </a:p>
-        </p:txBody>
-      </p:sp>
-      <p:sp>
-        <p:nvSpPr>
-          <p:cNvPr id="10" name="Rectangle 9">
-            <a:extLst>
-              <a:ext uri="{FF2B5EF4-FFF2-40B4-BE49-F238E27FC236}">
-                <a16:creationId xmlns:a16="http://schemas.microsoft.com/office/drawing/2014/main" id="{3C6EFB35-85D4-EF99-2D18-3BD6B687A241}"/>
-              </a:ext>
-            </a:extLst>
-          </p:cNvPr>
-          <p:cNvSpPr/>
-          <p:nvPr/>
-        </p:nvSpPr>
-        <p:spPr>
-          <a:xfrm>
-            <a:off x="989993" y="2114373"/>
-            <a:ext cx="1182577" cy="1896228"/>
-          </a:xfrm>
-          <a:prstGeom prst="rect">
-            <a:avLst/>
-          </a:prstGeom>
-          <a:solidFill>
-            <a:schemeClr val="accent5">
-              <a:lumMod val="40000"/>
-              <a:lumOff val="60000"/>
-            </a:schemeClr>
-          </a:solidFill>
-        </p:spPr>
-        <p:style>
-          <a:lnRef idx="2">
-            <a:schemeClr val="accent1">
-              <a:shade val="15000"/>
-            </a:schemeClr>
-          </a:lnRef>
-          <a:fillRef idx="1">
-            <a:schemeClr val="accent1"/>
-          </a:fillRef>
-          <a:effectRef idx="0">
-            <a:schemeClr val="accent1"/>
-          </a:effectRef>
-          <a:fontRef idx="minor">
-            <a:schemeClr val="lt1"/>
-          </a:fontRef>
-        </p:style>
-        <p:txBody>
-          <a:bodyPr rtlCol="0" anchor="ctr"/>
-          <a:lstStyle/>
-          <a:p>
-            <a:pPr algn="ctr"/>
-            <a:r>
-              <a:rPr lang="en-US" dirty="0">
-                <a:solidFill>
-                  <a:schemeClr val="tx1"/>
-                </a:solidFill>
-              </a:rPr>
-              <a:t>Source</a:t>
-            </a:r>
-          </a:p>
-          <a:p>
-            <a:pPr algn="ctr"/>
-            <a:r>
-              <a:rPr lang="en-US" dirty="0">
-                <a:solidFill>
-                  <a:schemeClr val="tx1"/>
-                </a:solidFill>
-              </a:rPr>
-              <a:t>Code</a:t>
-            </a:r>
-          </a:p>
-        </p:txBody>
-      </p:sp>
-      <p:sp>
-        <p:nvSpPr>
-          <p:cNvPr id="11" name="Rectangle 10">
-            <a:extLst>
-              <a:ext uri="{FF2B5EF4-FFF2-40B4-BE49-F238E27FC236}">
-                <a16:creationId xmlns:a16="http://schemas.microsoft.com/office/drawing/2014/main" id="{C0F0C97A-7305-30B1-7031-66390D08493F}"/>
-              </a:ext>
-            </a:extLst>
-          </p:cNvPr>
-          <p:cNvSpPr/>
-          <p:nvPr/>
-        </p:nvSpPr>
-        <p:spPr>
-          <a:xfrm>
-            <a:off x="2748603" y="4302370"/>
-            <a:ext cx="1550286" cy="820566"/>
-          </a:xfrm>
-          <a:prstGeom prst="rect">
-            <a:avLst/>
-          </a:prstGeom>
-        </p:spPr>
-        <p:style>
-          <a:lnRef idx="2">
-            <a:schemeClr val="accent1">
-              <a:shade val="15000"/>
-            </a:schemeClr>
-          </a:lnRef>
-          <a:fillRef idx="1">
-            <a:schemeClr val="accent1"/>
-          </a:fillRef>
-          <a:effectRef idx="0">
-            <a:schemeClr val="accent1"/>
-          </a:effectRef>
-          <a:fontRef idx="minor">
-            <a:schemeClr val="lt1"/>
-          </a:fontRef>
-        </p:style>
-        <p:txBody>
-          <a:bodyPr rtlCol="0" anchor="ctr"/>
-          <a:lstStyle/>
-          <a:p>
-            <a:pPr algn="ctr"/>
-            <a:r>
-              <a:rPr lang="en-US" dirty="0" err="1">
-                <a:solidFill>
-                  <a:schemeClr val="tx1"/>
-                </a:solidFill>
-              </a:rPr>
-              <a:t>Lexer</a:t>
-            </a:r>
-            <a:endParaRPr lang="en-US" dirty="0">
-              <a:solidFill>
-                <a:schemeClr val="tx1"/>
-              </a:solidFill>
-            </a:endParaRPr>
-          </a:p>
-        </p:txBody>
-      </p:sp>
-      <p:cxnSp>
-        <p:nvCxnSpPr>
-          <p:cNvPr id="13" name="Connector: Elbow 12">
-            <a:extLst>
-              <a:ext uri="{FF2B5EF4-FFF2-40B4-BE49-F238E27FC236}">
-                <a16:creationId xmlns:a16="http://schemas.microsoft.com/office/drawing/2014/main" id="{B02366E7-EB68-1360-20DB-2BA323396F21}"/>
-              </a:ext>
-            </a:extLst>
-          </p:cNvPr>
-          <p:cNvCxnSpPr>
-            <a:stCxn id="10" idx="2"/>
-            <a:endCxn id="5" idx="1"/>
-          </p:cNvCxnSpPr>
-          <p:nvPr/>
-        </p:nvCxnSpPr>
-        <p:spPr>
-          <a:xfrm rot="16200000" flipH="1">
-            <a:off x="1886982" y="3642089"/>
-            <a:ext cx="457200" cy="1068600"/>
-          </a:xfrm>
-          <a:prstGeom prst="bentConnector2">
-            <a:avLst/>
-          </a:prstGeom>
-          <a:ln w="76200">
-            <a:tailEnd type="triangle"/>
-          </a:ln>
-        </p:spPr>
-        <p:style>
-          <a:lnRef idx="1">
-            <a:schemeClr val="dk1"/>
-          </a:lnRef>
-          <a:fillRef idx="0">
-            <a:schemeClr val="dk1"/>
-          </a:fillRef>
-          <a:effectRef idx="0">
-            <a:schemeClr val="dk1"/>
-          </a:effectRef>
-          <a:fontRef idx="minor">
-            <a:schemeClr val="tx1"/>
-          </a:fontRef>
-        </p:style>
-      </p:cxnSp>
-      <p:cxnSp>
-        <p:nvCxnSpPr>
-          <p:cNvPr id="14" name="Connector: Elbow 13">
-            <a:extLst>
-              <a:ext uri="{FF2B5EF4-FFF2-40B4-BE49-F238E27FC236}">
-                <a16:creationId xmlns:a16="http://schemas.microsoft.com/office/drawing/2014/main" id="{C317156A-C4D1-D01C-47E1-E75A41C84850}"/>
-              </a:ext>
-            </a:extLst>
-          </p:cNvPr>
-          <p:cNvCxnSpPr>
-            <a:cxnSpLocks/>
-            <a:stCxn id="5" idx="3"/>
-            <a:endCxn id="6" idx="1"/>
-          </p:cNvCxnSpPr>
-          <p:nvPr/>
-        </p:nvCxnSpPr>
-        <p:spPr>
-          <a:xfrm>
-            <a:off x="4397610" y="4404989"/>
-            <a:ext cx="706564" cy="12700"/>
-          </a:xfrm>
-          <a:prstGeom prst="bentConnector3">
-            <a:avLst>
-              <a:gd name="adj1" fmla="val 50000"/>
-            </a:avLst>
-          </a:prstGeom>
-          <a:ln w="76200">
-            <a:tailEnd type="triangle"/>
-          </a:ln>
-        </p:spPr>
-        <p:style>
-          <a:lnRef idx="1">
-            <a:schemeClr val="dk1"/>
-          </a:lnRef>
-          <a:fillRef idx="0">
-            <a:schemeClr val="dk1"/>
-          </a:fillRef>
-          <a:effectRef idx="0">
-            <a:schemeClr val="dk1"/>
-          </a:effectRef>
-          <a:fontRef idx="minor">
-            <a:schemeClr val="tx1"/>
-          </a:fontRef>
-        </p:style>
-      </p:cxnSp>
-      <p:cxnSp>
-        <p:nvCxnSpPr>
-          <p:cNvPr id="17" name="Connector: Elbow 16">
-            <a:extLst>
-              <a:ext uri="{FF2B5EF4-FFF2-40B4-BE49-F238E27FC236}">
-                <a16:creationId xmlns:a16="http://schemas.microsoft.com/office/drawing/2014/main" id="{4F6F75C2-2E50-EA82-AA5E-03766F9084DE}"/>
-              </a:ext>
-            </a:extLst>
-          </p:cNvPr>
-          <p:cNvCxnSpPr>
-            <a:cxnSpLocks/>
-            <a:endCxn id="7" idx="1"/>
-          </p:cNvCxnSpPr>
-          <p:nvPr/>
-        </p:nvCxnSpPr>
-        <p:spPr>
-          <a:xfrm rot="5400000" flipH="1" flipV="1">
-            <a:off x="6571499" y="3394711"/>
-            <a:ext cx="1150010" cy="665308"/>
-          </a:xfrm>
-          <a:prstGeom prst="bentConnector2">
-            <a:avLst/>
-          </a:prstGeom>
-          <a:ln w="76200">
-            <a:tailEnd type="triangle"/>
-          </a:ln>
-        </p:spPr>
-        <p:style>
-          <a:lnRef idx="1">
-            <a:schemeClr val="dk1"/>
-          </a:lnRef>
-          <a:fillRef idx="0">
-            <a:schemeClr val="dk1"/>
-          </a:fillRef>
-          <a:effectRef idx="0">
-            <a:schemeClr val="dk1"/>
-          </a:effectRef>
-          <a:fontRef idx="minor">
-            <a:schemeClr val="tx1"/>
-          </a:fontRef>
-        </p:style>
-      </p:cxnSp>
-      <p:cxnSp>
-        <p:nvCxnSpPr>
-          <p:cNvPr id="19" name="Connector: Elbow 18">
-            <a:extLst>
-              <a:ext uri="{FF2B5EF4-FFF2-40B4-BE49-F238E27FC236}">
-                <a16:creationId xmlns:a16="http://schemas.microsoft.com/office/drawing/2014/main" id="{1B745F0F-3835-557A-7E29-36BF4893400D}"/>
-              </a:ext>
-            </a:extLst>
-          </p:cNvPr>
-          <p:cNvCxnSpPr>
-            <a:cxnSpLocks/>
-          </p:cNvCxnSpPr>
-          <p:nvPr/>
-        </p:nvCxnSpPr>
-        <p:spPr>
-          <a:xfrm>
-            <a:off x="6880334" y="4868842"/>
-            <a:ext cx="598824" cy="556759"/>
-          </a:xfrm>
-          <a:prstGeom prst="bentConnector3">
-            <a:avLst>
-              <a:gd name="adj1" fmla="val 50000"/>
-            </a:avLst>
-          </a:prstGeom>
-          <a:ln w="76200">
-            <a:tailEnd type="triangle"/>
-          </a:ln>
-        </p:spPr>
-        <p:style>
-          <a:lnRef idx="1">
-            <a:schemeClr val="dk1"/>
-          </a:lnRef>
-          <a:fillRef idx="0">
-            <a:schemeClr val="dk1"/>
-          </a:fillRef>
-          <a:effectRef idx="0">
-            <a:schemeClr val="dk1"/>
-          </a:effectRef>
-          <a:fontRef idx="minor">
-            <a:schemeClr val="tx1"/>
-          </a:fontRef>
-        </p:style>
-      </p:cxnSp>
-      <p:cxnSp>
-        <p:nvCxnSpPr>
-          <p:cNvPr id="21" name="Connector: Elbow 20">
-            <a:extLst>
-              <a:ext uri="{FF2B5EF4-FFF2-40B4-BE49-F238E27FC236}">
-                <a16:creationId xmlns:a16="http://schemas.microsoft.com/office/drawing/2014/main" id="{178030E8-635D-0914-DB96-0BFC730AAD1A}"/>
-              </a:ext>
-            </a:extLst>
-          </p:cNvPr>
-          <p:cNvCxnSpPr>
-            <a:cxnSpLocks/>
-          </p:cNvCxnSpPr>
-          <p:nvPr/>
-        </p:nvCxnSpPr>
-        <p:spPr>
-          <a:xfrm>
-            <a:off x="9252112" y="5412901"/>
-            <a:ext cx="706564" cy="12700"/>
-          </a:xfrm>
-          <a:prstGeom prst="bentConnector3">
-            <a:avLst>
-              <a:gd name="adj1" fmla="val 50000"/>
-            </a:avLst>
-          </a:prstGeom>
-          <a:ln w="76200">
-            <a:tailEnd type="triangle"/>
-          </a:ln>
-        </p:spPr>
-        <p:style>
-          <a:lnRef idx="1">
-            <a:schemeClr val="dk1"/>
-          </a:lnRef>
-          <a:fillRef idx="0">
-            <a:schemeClr val="dk1"/>
-          </a:fillRef>
-          <a:effectRef idx="0">
-            <a:schemeClr val="dk1"/>
-          </a:effectRef>
-          <a:fontRef idx="minor">
-            <a:schemeClr val="tx1"/>
-          </a:fontRef>
-        </p:style>
-      </p:cxnSp>
-      <p:sp>
-        <p:nvSpPr>
-          <p:cNvPr id="22" name="TextBox 21">
-            <a:extLst>
-              <a:ext uri="{FF2B5EF4-FFF2-40B4-BE49-F238E27FC236}">
-                <a16:creationId xmlns:a16="http://schemas.microsoft.com/office/drawing/2014/main" id="{CE839F4B-33C2-E3F6-E248-407F16A58078}"/>
-              </a:ext>
-            </a:extLst>
-          </p:cNvPr>
-          <p:cNvSpPr txBox="1"/>
-          <p:nvPr/>
-        </p:nvSpPr>
-        <p:spPr>
-          <a:xfrm>
-            <a:off x="656492" y="6394883"/>
-            <a:ext cx="5088957" cy="369332"/>
-          </a:xfrm>
-          <a:prstGeom prst="rect">
-            <a:avLst/>
-          </a:prstGeom>
-          <a:noFill/>
-        </p:spPr>
-        <p:txBody>
-          <a:bodyPr wrap="none" rtlCol="0">
-            <a:spAutoFit/>
-          </a:bodyPr>
-          <a:lstStyle/>
-          <a:p>
-            <a:r>
-              <a:rPr lang="en-US" dirty="0"/>
-              <a:t>*As always, the real world is more diverse than this</a:t>
-            </a:r>
-          </a:p>
-        </p:txBody>
-      </p:sp>
-      <p:sp>
-        <p:nvSpPr>
-          <p:cNvPr id="4" name="Rectangle 3">
-            <a:extLst>
-              <a:ext uri="{FF2B5EF4-FFF2-40B4-BE49-F238E27FC236}">
-                <a16:creationId xmlns:a16="http://schemas.microsoft.com/office/drawing/2014/main" id="{038BFDC6-5286-5ED6-7854-AC547D5DD234}"/>
-              </a:ext>
-            </a:extLst>
-          </p:cNvPr>
-          <p:cNvSpPr/>
-          <p:nvPr/>
-        </p:nvSpPr>
-        <p:spPr>
-          <a:xfrm>
-            <a:off x="2946297" y="3727253"/>
-            <a:ext cx="935950" cy="490617"/>
-          </a:xfrm>
-          <a:prstGeom prst="rect">
-            <a:avLst/>
-          </a:prstGeom>
-          <a:noFill/>
-          <a:ln>
-            <a:prstDash val="dash"/>
-          </a:ln>
-        </p:spPr>
-        <p:style>
-          <a:lnRef idx="2">
-            <a:schemeClr val="accent1">
-              <a:shade val="15000"/>
-            </a:schemeClr>
-          </a:lnRef>
-          <a:fillRef idx="1">
-            <a:schemeClr val="accent1"/>
-          </a:fillRef>
-          <a:effectRef idx="0">
-            <a:schemeClr val="accent1"/>
-          </a:effectRef>
-          <a:fontRef idx="minor">
-            <a:schemeClr val="lt1"/>
-          </a:fontRef>
-        </p:style>
-        <p:txBody>
-          <a:bodyPr rtlCol="0" anchor="ctr"/>
-          <a:lstStyle/>
-          <a:p>
-            <a:pPr algn="ctr"/>
-            <a:endParaRPr lang="en-US" dirty="0"/>
-          </a:p>
-        </p:txBody>
-      </p:sp>
-      <p:cxnSp>
-        <p:nvCxnSpPr>
-          <p:cNvPr id="16" name="Straight Connector 15">
-            <a:extLst>
-              <a:ext uri="{FF2B5EF4-FFF2-40B4-BE49-F238E27FC236}">
-                <a16:creationId xmlns:a16="http://schemas.microsoft.com/office/drawing/2014/main" id="{B424B93C-0212-465A-FB1E-2ED6E0D3B0E6}"/>
-              </a:ext>
-            </a:extLst>
-          </p:cNvPr>
-          <p:cNvCxnSpPr>
-            <a:cxnSpLocks/>
-          </p:cNvCxnSpPr>
-          <p:nvPr/>
-        </p:nvCxnSpPr>
-        <p:spPr>
-          <a:xfrm flipV="1">
-            <a:off x="3434445" y="3008492"/>
-            <a:ext cx="5998" cy="718761"/>
-          </a:xfrm>
-          <a:prstGeom prst="line">
-            <a:avLst/>
-          </a:prstGeom>
-        </p:spPr>
-        <p:style>
-          <a:lnRef idx="1">
-            <a:schemeClr val="dk1"/>
-          </a:lnRef>
-          <a:fillRef idx="0">
-            <a:schemeClr val="dk1"/>
-          </a:fillRef>
-          <a:effectRef idx="0">
-            <a:schemeClr val="dk1"/>
-          </a:effectRef>
-          <a:fontRef idx="minor">
-            <a:schemeClr val="tx1"/>
-          </a:fontRef>
-        </p:style>
-      </p:cxnSp>
-      <p:sp>
-        <p:nvSpPr>
-          <p:cNvPr id="18" name="TextBox 17">
-            <a:extLst>
-              <a:ext uri="{FF2B5EF4-FFF2-40B4-BE49-F238E27FC236}">
-                <a16:creationId xmlns:a16="http://schemas.microsoft.com/office/drawing/2014/main" id="{E7223FE2-00FC-AAF3-86FC-389BEEE75143}"/>
-              </a:ext>
-            </a:extLst>
-          </p:cNvPr>
-          <p:cNvSpPr txBox="1"/>
-          <p:nvPr/>
-        </p:nvSpPr>
-        <p:spPr>
-          <a:xfrm>
-            <a:off x="2219561" y="2371328"/>
-            <a:ext cx="4486485" cy="646331"/>
-          </a:xfrm>
-          <a:prstGeom prst="rect">
-            <a:avLst/>
-          </a:prstGeom>
-          <a:noFill/>
-        </p:spPr>
-        <p:txBody>
-          <a:bodyPr wrap="none" rtlCol="0">
-            <a:spAutoFit/>
-          </a:bodyPr>
-          <a:lstStyle/>
-          <a:p>
-            <a:r>
-              <a:rPr lang="en-US" dirty="0"/>
-              <a:t>1: Use Parsing Expression Grammars (PEGs)</a:t>
-            </a:r>
-            <a:br>
-              <a:rPr lang="en-US" dirty="0"/>
-            </a:br>
-            <a:r>
-              <a:rPr lang="en-US" dirty="0"/>
-              <a:t>They translate more directly to code than CFG</a:t>
-            </a:r>
-          </a:p>
-        </p:txBody>
-      </p:sp>
-    </p:spTree>
-    <p:extLst>
-      <p:ext uri="{BB962C8B-B14F-4D97-AF65-F5344CB8AC3E}">
-        <p14:creationId xmlns:p14="http://schemas.microsoft.com/office/powerpoint/2010/main" val="3436219209"/>
-      </p:ext>
-    </p:extLst>
-  </p:cSld>
-  <p:clrMapOvr>
-    <a:masterClrMapping/>
-  </p:clrMapOvr>
-</p:sld>
-</file>
-
-<file path=ppt/slides/slide50.xml><?xml version="1.0" encoding="utf-8"?>
+<file path=ppt/slides/slide52.xml><?xml version="1.0" encoding="utf-8"?>
 <p:sld xmlns:a="http://schemas.openxmlformats.org/drawingml/2006/main" xmlns:r="http://schemas.openxmlformats.org/officeDocument/2006/relationships" xmlns:p="http://schemas.openxmlformats.org/presentationml/2006/main">
   <p:cSld>
     <p:spTree>
@@ -20500,7 +20709,7 @@
 </p:sld>
 </file>
 
-<file path=ppt/slides/slide51.xml><?xml version="1.0" encoding="utf-8"?>
+<file path=ppt/slides/slide53.xml><?xml version="1.0" encoding="utf-8"?>
 <p:sld xmlns:a="http://schemas.openxmlformats.org/drawingml/2006/main" xmlns:r="http://schemas.openxmlformats.org/officeDocument/2006/relationships" xmlns:p="http://schemas.openxmlformats.org/presentationml/2006/main">
   <p:cSld>
     <p:spTree>
@@ -21452,7 +21661,7 @@
 </p:sld>
 </file>
 
-<file path=ppt/slides/slide52.xml><?xml version="1.0" encoding="utf-8"?>
+<file path=ppt/slides/slide54.xml><?xml version="1.0" encoding="utf-8"?>
 <p:sld xmlns:a="http://schemas.openxmlformats.org/drawingml/2006/main" xmlns:r="http://schemas.openxmlformats.org/officeDocument/2006/relationships" xmlns:p="http://schemas.openxmlformats.org/presentationml/2006/main">
   <p:cSld>
     <p:spTree>
@@ -22326,7 +22535,7 @@
 </p:sld>
 </file>
 
-<file path=ppt/slides/slide53.xml><?xml version="1.0" encoding="utf-8"?>
+<file path=ppt/slides/slide55.xml><?xml version="1.0" encoding="utf-8"?>
 <p:sld xmlns:a="http://schemas.openxmlformats.org/drawingml/2006/main" xmlns:r="http://schemas.openxmlformats.org/officeDocument/2006/relationships" xmlns:p="http://schemas.openxmlformats.org/presentationml/2006/main">
   <p:cSld>
     <p:spTree>
@@ -23452,325 +23661,6 @@
 </p:sld>
 </file>
 
-<file path=ppt/slides/slide54.xml><?xml version="1.0" encoding="utf-8"?>
-<p:sld xmlns:a="http://schemas.openxmlformats.org/drawingml/2006/main" xmlns:r="http://schemas.openxmlformats.org/officeDocument/2006/relationships" xmlns:p="http://schemas.openxmlformats.org/presentationml/2006/main">
-  <p:cSld>
-    <p:spTree>
-      <p:nvGrpSpPr>
-        <p:cNvPr id="1" name=""/>
-        <p:cNvGrpSpPr/>
-        <p:nvPr/>
-      </p:nvGrpSpPr>
-      <p:grpSpPr>
-        <a:xfrm>
-          <a:off x="0" y="0"/>
-          <a:ext cx="0" cy="0"/>
-          <a:chOff x="0" y="0"/>
-          <a:chExt cx="0" cy="0"/>
-        </a:xfrm>
-      </p:grpSpPr>
-      <p:sp>
-        <p:nvSpPr>
-          <p:cNvPr id="2" name="Title 1">
-            <a:extLst>
-              <a:ext uri="{FF2B5EF4-FFF2-40B4-BE49-F238E27FC236}">
-                <a16:creationId xmlns:a16="http://schemas.microsoft.com/office/drawing/2014/main" id="{4585DF1A-FF05-81E9-414E-FB4B8851C3B4}"/>
-              </a:ext>
-            </a:extLst>
-          </p:cNvPr>
-          <p:cNvSpPr>
-            <a:spLocks noGrp="1"/>
-          </p:cNvSpPr>
-          <p:nvPr>
-            <p:ph type="title"/>
-          </p:nvPr>
-        </p:nvSpPr>
-        <p:spPr/>
-        <p:txBody>
-          <a:bodyPr/>
-          <a:lstStyle/>
-          <a:p>
-            <a:r>
-              <a:rPr lang="en-US" dirty="0"/>
-              <a:t>ADTs are Useful in Many Applications</a:t>
-            </a:r>
-          </a:p>
-        </p:txBody>
-      </p:sp>
-      <p:sp>
-        <p:nvSpPr>
-          <p:cNvPr id="3" name="Content Placeholder 2">
-            <a:extLst>
-              <a:ext uri="{FF2B5EF4-FFF2-40B4-BE49-F238E27FC236}">
-                <a16:creationId xmlns:a16="http://schemas.microsoft.com/office/drawing/2014/main" id="{189D7C69-334B-2FE3-AC69-C536B28A8571}"/>
-              </a:ext>
-            </a:extLst>
-          </p:cNvPr>
-          <p:cNvSpPr>
-            <a:spLocks noGrp="1"/>
-          </p:cNvSpPr>
-          <p:nvPr>
-            <p:ph idx="1"/>
-          </p:nvPr>
-        </p:nvSpPr>
-        <p:spPr/>
-        <p:txBody>
-          <a:bodyPr/>
-          <a:lstStyle/>
-          <a:p>
-            <a:r>
-              <a:rPr lang="en-US" b="1" dirty="0"/>
-              <a:t>Takeaway:</a:t>
-            </a:r>
-            <a:r>
-              <a:rPr lang="en-US" dirty="0"/>
-              <a:t> Even if you never implement a programming language after graduation, you will program with complex data, inductive data</a:t>
-            </a:r>
-          </a:p>
-          <a:p>
-            <a:r>
-              <a:rPr lang="en-US" dirty="0"/>
-              <a:t>ADTs are a powerful programming tool for modeling and processing complex inductive data</a:t>
-            </a:r>
-          </a:p>
-          <a:p>
-            <a:r>
-              <a:rPr lang="en-US" dirty="0"/>
-              <a:t>ADTs are increasingly available in modern PLs</a:t>
-            </a:r>
-          </a:p>
-          <a:p>
-            <a:r>
-              <a:rPr lang="en-US" dirty="0"/>
-              <a:t>Use them</a:t>
-            </a:r>
-          </a:p>
-        </p:txBody>
-      </p:sp>
-    </p:spTree>
-    <p:extLst>
-      <p:ext uri="{BB962C8B-B14F-4D97-AF65-F5344CB8AC3E}">
-        <p14:creationId xmlns:p14="http://schemas.microsoft.com/office/powerpoint/2010/main" val="3385168279"/>
-      </p:ext>
-    </p:extLst>
-  </p:cSld>
-  <p:clrMapOvr>
-    <a:masterClrMapping/>
-  </p:clrMapOvr>
-</p:sld>
-</file>
-
-<file path=ppt/slides/slide55.xml><?xml version="1.0" encoding="utf-8"?>
-<p:sld xmlns:a="http://schemas.openxmlformats.org/drawingml/2006/main" xmlns:r="http://schemas.openxmlformats.org/officeDocument/2006/relationships" xmlns:p="http://schemas.openxmlformats.org/presentationml/2006/main">
-  <p:cSld>
-    <p:spTree>
-      <p:nvGrpSpPr>
-        <p:cNvPr id="1" name=""/>
-        <p:cNvGrpSpPr/>
-        <p:nvPr/>
-      </p:nvGrpSpPr>
-      <p:grpSpPr>
-        <a:xfrm>
-          <a:off x="0" y="0"/>
-          <a:ext cx="0" cy="0"/>
-          <a:chOff x="0" y="0"/>
-          <a:chExt cx="0" cy="0"/>
-        </a:xfrm>
-      </p:grpSpPr>
-      <p:sp>
-        <p:nvSpPr>
-          <p:cNvPr id="2" name="Title 1">
-            <a:extLst>
-              <a:ext uri="{FF2B5EF4-FFF2-40B4-BE49-F238E27FC236}">
-                <a16:creationId xmlns:a16="http://schemas.microsoft.com/office/drawing/2014/main" id="{721F5031-E627-A244-9887-B586D139406B}"/>
-              </a:ext>
-            </a:extLst>
-          </p:cNvPr>
-          <p:cNvSpPr>
-            <a:spLocks noGrp="1"/>
-          </p:cNvSpPr>
-          <p:nvPr>
-            <p:ph type="title"/>
-          </p:nvPr>
-        </p:nvSpPr>
-        <p:spPr/>
-        <p:txBody>
-          <a:bodyPr/>
-          <a:lstStyle/>
-          <a:p>
-            <a:r>
-              <a:rPr lang="en-US" dirty="0"/>
-              <a:t>Summary: Benefits of AST</a:t>
-            </a:r>
-          </a:p>
-        </p:txBody>
-      </p:sp>
-      <p:sp>
-        <p:nvSpPr>
-          <p:cNvPr id="3" name="Content Placeholder 2">
-            <a:extLst>
-              <a:ext uri="{FF2B5EF4-FFF2-40B4-BE49-F238E27FC236}">
-                <a16:creationId xmlns:a16="http://schemas.microsoft.com/office/drawing/2014/main" id="{D9D37872-F1F1-124E-95E4-79B1DE4B98D0}"/>
-              </a:ext>
-            </a:extLst>
-          </p:cNvPr>
-          <p:cNvSpPr>
-            <a:spLocks noGrp="1"/>
-          </p:cNvSpPr>
-          <p:nvPr>
-            <p:ph idx="1"/>
-          </p:nvPr>
-        </p:nvSpPr>
-        <p:spPr/>
-        <p:txBody>
-          <a:bodyPr>
-            <a:normAutofit fontScale="92500" lnSpcReduction="10000"/>
-          </a:bodyPr>
-          <a:lstStyle/>
-          <a:p>
-            <a:r>
-              <a:rPr lang="en-US" b="1" dirty="0"/>
-              <a:t>Separation of Concerns: </a:t>
-            </a:r>
-            <a:r>
-              <a:rPr lang="en-US" dirty="0"/>
-              <a:t>Only have to look for parsing bugs when working on the parser</a:t>
-            </a:r>
-          </a:p>
-          <a:p>
-            <a:r>
-              <a:rPr lang="en-US" b="1" dirty="0"/>
-              <a:t>Reusability:</a:t>
-            </a:r>
-          </a:p>
-          <a:p>
-            <a:pPr lvl="1"/>
-            <a:r>
-              <a:rPr lang="en-US" b="1" dirty="0"/>
-              <a:t>If we want a new syntax: </a:t>
-            </a:r>
-            <a:r>
-              <a:rPr lang="en-US" dirty="0"/>
-              <a:t>just change the parser!</a:t>
-            </a:r>
-          </a:p>
-          <a:p>
-            <a:pPr lvl="1"/>
-            <a:r>
-              <a:rPr lang="en-US" b="1" dirty="0"/>
-              <a:t>If we want a compiler, interpreter…: </a:t>
-            </a:r>
-            <a:r>
-              <a:rPr lang="en-US" dirty="0"/>
-              <a:t>reuse a parser!</a:t>
-            </a:r>
-          </a:p>
-          <a:p>
-            <a:r>
-              <a:rPr lang="en-US" b="1" dirty="0"/>
-              <a:t>Benefits When Writing The Interpreter:</a:t>
-            </a:r>
-            <a:endParaRPr lang="en-US" dirty="0"/>
-          </a:p>
-          <a:p>
-            <a:pPr lvl="1"/>
-            <a:r>
-              <a:rPr lang="en-US" dirty="0"/>
-              <a:t>Inductive definition guides our programming: </a:t>
-            </a:r>
-            <a:r>
-              <a:rPr lang="en-US" b="1" dirty="0"/>
-              <a:t>recursion</a:t>
-            </a:r>
-            <a:r>
-              <a:rPr lang="en-US" dirty="0"/>
-              <a:t>!</a:t>
-            </a:r>
-          </a:p>
-          <a:p>
-            <a:pPr lvl="1"/>
-            <a:r>
-              <a:rPr lang="en-US" dirty="0"/>
-              <a:t>Represents all programs we care about</a:t>
-            </a:r>
-          </a:p>
-          <a:p>
-            <a:pPr lvl="1"/>
-            <a:r>
-              <a:rPr lang="en-US" dirty="0"/>
-              <a:t>But rules out lots of nonsense  like “+)) *)”</a:t>
-            </a:r>
-          </a:p>
-          <a:p>
-            <a:pPr lvl="1"/>
-            <a:r>
-              <a:rPr lang="en-US" dirty="0"/>
-              <a:t>And ignores details like whitespace</a:t>
-            </a:r>
-          </a:p>
-          <a:p>
-            <a:endParaRPr lang="en-US" dirty="0"/>
-          </a:p>
-        </p:txBody>
-      </p:sp>
-      <p:sp>
-        <p:nvSpPr>
-          <p:cNvPr id="4" name="Slide Number Placeholder 3">
-            <a:extLst>
-              <a:ext uri="{FF2B5EF4-FFF2-40B4-BE49-F238E27FC236}">
-                <a16:creationId xmlns:a16="http://schemas.microsoft.com/office/drawing/2014/main" id="{BB200FA6-F9DF-2047-88A6-71B081607B42}"/>
-              </a:ext>
-            </a:extLst>
-          </p:cNvPr>
-          <p:cNvSpPr>
-            <a:spLocks noGrp="1"/>
-          </p:cNvSpPr>
-          <p:nvPr>
-            <p:ph type="sldNum" sz="quarter" idx="12"/>
-          </p:nvPr>
-        </p:nvSpPr>
-        <p:spPr/>
-        <p:txBody>
-          <a:bodyPr/>
-          <a:lstStyle/>
-          <a:p>
-            <a:pPr>
-              <a:defRPr/>
-            </a:pPr>
-            <a:fld id="{28DF114B-D28A-2D41-8150-B5394572B4BE}" type="slidenum">
-              <a:rPr lang="en-US">
-                <a:solidFill>
-                  <a:schemeClr val="bg1"/>
-                </a:solidFill>
-                <a:latin typeface="Calibri" panose="020F0502020204030204"/>
-              </a:rPr>
-              <a:pPr>
-                <a:defRPr/>
-              </a:pPr>
-              <a:t>55</a:t>
-            </a:fld>
-            <a:endParaRPr lang="en-US" dirty="0">
-              <a:solidFill>
-                <a:schemeClr val="bg1"/>
-              </a:solidFill>
-              <a:latin typeface="Calibri" panose="020F0502020204030204"/>
-            </a:endParaRPr>
-          </a:p>
-        </p:txBody>
-      </p:sp>
-    </p:spTree>
-    <p:extLst>
-      <p:ext uri="{BB962C8B-B14F-4D97-AF65-F5344CB8AC3E}">
-        <p14:creationId xmlns:p14="http://schemas.microsoft.com/office/powerpoint/2010/main" val="471636007"/>
-      </p:ext>
-    </p:extLst>
-  </p:cSld>
-  <p:clrMapOvr>
-    <a:masterClrMapping/>
-  </p:clrMapOvr>
-</p:sld>
-</file>
-
 <file path=ppt/slides/slide56.xml><?xml version="1.0" encoding="utf-8"?>
 <p:sld xmlns:a="http://schemas.openxmlformats.org/drawingml/2006/main" xmlns:r="http://schemas.openxmlformats.org/officeDocument/2006/relationships" xmlns:p="http://schemas.openxmlformats.org/presentationml/2006/main">
   <p:cSld>
@@ -23793,7 +23683,7 @@
           <p:cNvPr id="2" name="Title 1">
             <a:extLst>
               <a:ext uri="{FF2B5EF4-FFF2-40B4-BE49-F238E27FC236}">
-                <a16:creationId xmlns:a16="http://schemas.microsoft.com/office/drawing/2014/main" id="{5AC0CF8F-59BE-49FF-8C99-7397438FD9BC}"/>
+                <a16:creationId xmlns:a16="http://schemas.microsoft.com/office/drawing/2014/main" id="{4585DF1A-FF05-81E9-414E-FB4B8851C3B4}"/>
               </a:ext>
             </a:extLst>
           </p:cNvPr>
@@ -23810,12 +23700,8 @@
           <a:lstStyle/>
           <a:p>
             <a:r>
-              <a:rPr lang="en-US" dirty="0" err="1"/>
-              <a:t>ADTs+ASTs</a:t>
-            </a:r>
-            <a:r>
-              <a:rPr lang="en-US" dirty="0"/>
-              <a:t> in Homework</a:t>
+              <a:rPr lang="en-US" dirty="0"/>
+              <a:t>ADTs are Useful in Many Applications</a:t>
             </a:r>
           </a:p>
         </p:txBody>
@@ -23825,7 +23711,7 @@
           <p:cNvPr id="3" name="Content Placeholder 2">
             <a:extLst>
               <a:ext uri="{FF2B5EF4-FFF2-40B4-BE49-F238E27FC236}">
-                <a16:creationId xmlns:a16="http://schemas.microsoft.com/office/drawing/2014/main" id="{FA228307-EBBE-4C2F-08F8-285B7C1CCB34}"/>
+                <a16:creationId xmlns:a16="http://schemas.microsoft.com/office/drawing/2014/main" id="{189D7C69-334B-2FE3-AC69-C536B28A8571}"/>
               </a:ext>
             </a:extLst>
           </p:cNvPr>
@@ -23842,35 +23728,30 @@
           <a:lstStyle/>
           <a:p>
             <a:r>
-              <a:rPr lang="en-US" dirty="0"/>
-              <a:t>In the homework, we give you the ADT type definitions for ASTs</a:t>
-            </a:r>
-          </a:p>
-          <a:p>
-            <a:r>
-              <a:rPr lang="en-US" dirty="0"/>
-              <a:t>You will be expected to</a:t>
-            </a:r>
-          </a:p>
-          <a:p>
-            <a:pPr lvl="1"/>
-            <a:r>
-              <a:rPr lang="en-US" dirty="0"/>
-              <a:t>Write code that generates AST values</a:t>
-            </a:r>
-          </a:p>
-          <a:p>
-            <a:pPr lvl="1"/>
-            <a:r>
-              <a:rPr lang="en-US" dirty="0"/>
-              <a:t>Write code that processes an AST recursively</a:t>
-            </a:r>
-          </a:p>
-          <a:p>
-            <a:pPr lvl="1"/>
-            <a:r>
-              <a:rPr lang="en-US" dirty="0"/>
-              <a:t>Write multiple recursive functions that work together to handle multiple ADTs</a:t>
+              <a:rPr lang="en-US" b="1" dirty="0"/>
+              <a:t>Takeaway:</a:t>
+            </a:r>
+            <a:r>
+              <a:rPr lang="en-US" dirty="0"/>
+              <a:t> Even if you never implement a programming language after graduation, you will program with complex data, inductive data</a:t>
+            </a:r>
+          </a:p>
+          <a:p>
+            <a:r>
+              <a:rPr lang="en-US" dirty="0"/>
+              <a:t>ADTs are a powerful programming tool for modeling and processing complex inductive data</a:t>
+            </a:r>
+          </a:p>
+          <a:p>
+            <a:r>
+              <a:rPr lang="en-US" dirty="0"/>
+              <a:t>ADTs are increasingly available in modern PLs</a:t>
+            </a:r>
+          </a:p>
+          <a:p>
+            <a:r>
+              <a:rPr lang="en-US" dirty="0"/>
+              <a:t>Use them</a:t>
             </a:r>
           </a:p>
         </p:txBody>
@@ -23878,7 +23759,7 @@
     </p:spTree>
     <p:extLst>
       <p:ext uri="{BB962C8B-B14F-4D97-AF65-F5344CB8AC3E}">
-        <p14:creationId xmlns:p14="http://schemas.microsoft.com/office/powerpoint/2010/main" val="2990084757"/>
+        <p14:creationId xmlns:p14="http://schemas.microsoft.com/office/powerpoint/2010/main" val="3385168279"/>
       </p:ext>
     </p:extLst>
   </p:cSld>
@@ -23910,7 +23791,7 @@
           <p:cNvPr id="2" name="Title 1">
             <a:extLst>
               <a:ext uri="{FF2B5EF4-FFF2-40B4-BE49-F238E27FC236}">
-                <a16:creationId xmlns:a16="http://schemas.microsoft.com/office/drawing/2014/main" id="{FCD6DEEF-5E57-FC30-AC56-964C26823A61}"/>
+                <a16:creationId xmlns:a16="http://schemas.microsoft.com/office/drawing/2014/main" id="{721F5031-E627-A244-9887-B586D139406B}"/>
               </a:ext>
             </a:extLst>
           </p:cNvPr>
@@ -23928,7 +23809,7 @@
           <a:p>
             <a:r>
               <a:rPr lang="en-US" dirty="0"/>
-              <a:t>Section: A Bit of Design</a:t>
+              <a:t>Summary: Benefits of AST</a:t>
             </a:r>
           </a:p>
         </p:txBody>
@@ -23938,7 +23819,7 @@
           <p:cNvPr id="3" name="Content Placeholder 2">
             <a:extLst>
               <a:ext uri="{FF2B5EF4-FFF2-40B4-BE49-F238E27FC236}">
-                <a16:creationId xmlns:a16="http://schemas.microsoft.com/office/drawing/2014/main" id="{923E1288-ADF8-7070-9F0F-2EA1E3427B29}"/>
+                <a16:creationId xmlns:a16="http://schemas.microsoft.com/office/drawing/2014/main" id="{D9D37872-F1F1-124E-95E4-79B1DE4B98D0}"/>
               </a:ext>
             </a:extLst>
           </p:cNvPr>
@@ -23951,17 +23832,145 @@
         </p:nvSpPr>
         <p:spPr/>
         <p:txBody>
+          <a:bodyPr>
+            <a:normAutofit fontScale="92500" lnSpcReduction="10000"/>
+          </a:bodyPr>
+          <a:lstStyle/>
+          <a:p>
+            <a:r>
+              <a:rPr lang="en-US" b="1" dirty="0"/>
+              <a:t>Separation of Concerns: </a:t>
+            </a:r>
+            <a:r>
+              <a:rPr lang="en-US" dirty="0"/>
+              <a:t>Only have to look for parsing bugs when working on the parser</a:t>
+            </a:r>
+          </a:p>
+          <a:p>
+            <a:r>
+              <a:rPr lang="en-US" b="1" dirty="0"/>
+              <a:t>Reusability:</a:t>
+            </a:r>
+          </a:p>
+          <a:p>
+            <a:pPr lvl="1"/>
+            <a:r>
+              <a:rPr lang="en-US" b="1" dirty="0"/>
+              <a:t>If we want a new syntax: </a:t>
+            </a:r>
+            <a:r>
+              <a:rPr lang="en-US" dirty="0"/>
+              <a:t>just change the parser!</a:t>
+            </a:r>
+          </a:p>
+          <a:p>
+            <a:pPr lvl="1"/>
+            <a:r>
+              <a:rPr lang="en-US" b="1" dirty="0"/>
+              <a:t>If we want a compiler, interpreter…: </a:t>
+            </a:r>
+            <a:r>
+              <a:rPr lang="en-US" dirty="0"/>
+              <a:t>reuse a parser!</a:t>
+            </a:r>
+          </a:p>
+          <a:p>
+            <a:r>
+              <a:rPr lang="en-US" b="1" dirty="0"/>
+              <a:t>Benefits When Writing The Interpreter:</a:t>
+            </a:r>
+            <a:endParaRPr lang="en-US" dirty="0"/>
+          </a:p>
+          <a:p>
+            <a:pPr lvl="1"/>
+            <a:r>
+              <a:rPr lang="en-US" dirty="0"/>
+              <a:t>Inductive definition guides our programming: </a:t>
+            </a:r>
+            <a:r>
+              <a:rPr lang="en-US" b="1" dirty="0"/>
+              <a:t>recursion</a:t>
+            </a:r>
+            <a:r>
+              <a:rPr lang="en-US" dirty="0"/>
+              <a:t>!</a:t>
+            </a:r>
+          </a:p>
+          <a:p>
+            <a:pPr lvl="1"/>
+            <a:r>
+              <a:rPr lang="en-US" dirty="0"/>
+              <a:t>Represents all programs we care about</a:t>
+            </a:r>
+          </a:p>
+          <a:p>
+            <a:pPr lvl="1"/>
+            <a:r>
+              <a:rPr lang="en-US" dirty="0"/>
+              <a:t>But rules out lots of nonsense  like “+)) *)”</a:t>
+            </a:r>
+          </a:p>
+          <a:p>
+            <a:pPr lvl="1"/>
+            <a:r>
+              <a:rPr lang="en-US" dirty="0"/>
+              <a:t>And ignores details like whitespace</a:t>
+            </a:r>
+          </a:p>
+          <a:p>
+            <a:endParaRPr lang="en-US" dirty="0"/>
+          </a:p>
+        </p:txBody>
+      </p:sp>
+      <p:sp>
+        <p:nvSpPr>
+          <p:cNvPr id="4" name="Slide Number Placeholder 3">
+            <a:extLst>
+              <a:ext uri="{FF2B5EF4-FFF2-40B4-BE49-F238E27FC236}">
+                <a16:creationId xmlns:a16="http://schemas.microsoft.com/office/drawing/2014/main" id="{BB200FA6-F9DF-2047-88A6-71B081607B42}"/>
+              </a:ext>
+            </a:extLst>
+          </p:cNvPr>
+          <p:cNvSpPr>
+            <a:spLocks noGrp="1"/>
+          </p:cNvSpPr>
+          <p:nvPr>
+            <p:ph type="sldNum" sz="quarter" idx="12"/>
+          </p:nvPr>
+        </p:nvSpPr>
+        <p:spPr/>
+        <p:txBody>
           <a:bodyPr/>
           <a:lstStyle/>
           <a:p>
-            <a:endParaRPr lang="en-US"/>
+            <a:pPr>
+              <a:defRPr/>
+            </a:pPr>
+            <a:fld id="{28DF114B-D28A-2D41-8150-B5394572B4BE}" type="slidenum">
+              <a:rPr lang="en-US">
+                <a:solidFill>
+                  <a:schemeClr val="bg1"/>
+                </a:solidFill>
+                <a:latin typeface="Calibri" panose="020F0502020204030204"/>
+              </a:rPr>
+              <a:pPr>
+                <a:defRPr/>
+              </a:pPr>
+              <a:t>57</a:t>
+            </a:fld>
+            <a:endParaRPr lang="en-US" dirty="0">
+              <a:solidFill>
+                <a:schemeClr val="bg1"/>
+              </a:solidFill>
+              <a:latin typeface="Calibri" panose="020F0502020204030204"/>
+            </a:endParaRPr>
           </a:p>
         </p:txBody>
       </p:sp>
     </p:spTree>
     <p:extLst>
       <p:ext uri="{BB962C8B-B14F-4D97-AF65-F5344CB8AC3E}">
-        <p14:creationId xmlns:p14="http://schemas.microsoft.com/office/powerpoint/2010/main" val="3021373459"/>
+        <p14:creationId xmlns:p14="http://schemas.microsoft.com/office/powerpoint/2010/main" val="471636007"/>
       </p:ext>
     </p:extLst>
   </p:cSld>
@@ -23993,7 +24002,7 @@
           <p:cNvPr id="2" name="Title 1">
             <a:extLst>
               <a:ext uri="{FF2B5EF4-FFF2-40B4-BE49-F238E27FC236}">
-                <a16:creationId xmlns:a16="http://schemas.microsoft.com/office/drawing/2014/main" id="{E9CDC19E-4853-4CBD-849E-539A683523AA}"/>
+                <a16:creationId xmlns:a16="http://schemas.microsoft.com/office/drawing/2014/main" id="{5AC0CF8F-59BE-49FF-8C99-7397438FD9BC}"/>
               </a:ext>
             </a:extLst>
           </p:cNvPr>
@@ -24010,8 +24019,12 @@
           <a:lstStyle/>
           <a:p>
             <a:r>
-              <a:rPr lang="en-US" b="1" dirty="0"/>
-              <a:t>Design Discussion 1 (in Small Groups)</a:t>
+              <a:rPr lang="en-US" dirty="0" err="1"/>
+              <a:t>ADTs+ASTs</a:t>
+            </a:r>
+            <a:r>
+              <a:rPr lang="en-US" dirty="0"/>
+              <a:t> in Homework</a:t>
             </a:r>
           </a:p>
         </p:txBody>
@@ -24021,7 +24034,7 @@
           <p:cNvPr id="3" name="Content Placeholder 2">
             <a:extLst>
               <a:ext uri="{FF2B5EF4-FFF2-40B4-BE49-F238E27FC236}">
-                <a16:creationId xmlns:a16="http://schemas.microsoft.com/office/drawing/2014/main" id="{160D3B2F-A254-41F2-B13E-A1691D585F4E}"/>
+                <a16:creationId xmlns:a16="http://schemas.microsoft.com/office/drawing/2014/main" id="{FA228307-EBBE-4C2F-08F8-285B7C1CCB34}"/>
               </a:ext>
             </a:extLst>
           </p:cNvPr>
@@ -24034,104 +24047,47 @@
         </p:nvSpPr>
         <p:spPr/>
         <p:txBody>
-          <a:bodyPr>
-            <a:normAutofit lnSpcReduction="10000"/>
-          </a:bodyPr>
-          <a:lstStyle/>
-          <a:p>
-            <a:r>
-              <a:rPr lang="en-US" b="1" dirty="0"/>
-              <a:t>From today:</a:t>
-            </a:r>
-            <a:r>
-              <a:rPr lang="en-US" dirty="0"/>
-              <a:t> In Rust, different sizes of integers and floats correspond to different types</a:t>
-            </a:r>
-          </a:p>
-          <a:p>
-            <a:r>
-              <a:rPr lang="en-US" dirty="0"/>
-              <a:t>Some languages have a single type </a:t>
-            </a:r>
-            <a:r>
-              <a:rPr lang="en-US" b="1" dirty="0"/>
-              <a:t>number </a:t>
-            </a:r>
-            <a:r>
-              <a:rPr lang="en-US" dirty="0"/>
-              <a:t>containing integers, floats, </a:t>
-            </a:r>
-            <a:r>
-              <a:rPr lang="en-US" dirty="0" err="1"/>
-              <a:t>rationals</a:t>
-            </a:r>
-            <a:endParaRPr lang="en-US" dirty="0"/>
-          </a:p>
-          <a:p>
-            <a:r>
-              <a:rPr lang="en-US" b="1" dirty="0"/>
-              <a:t>So,</a:t>
-            </a:r>
-            <a:r>
-              <a:rPr lang="en-US" dirty="0"/>
-              <a:t> there are many ways you could design number types </a:t>
-            </a:r>
-          </a:p>
-          <a:p>
-            <a:r>
-              <a:rPr lang="en-US" dirty="0"/>
-              <a:t>If you designed your own language, how would you want your </a:t>
-            </a:r>
-            <a:r>
-              <a:rPr lang="en-US" b="1" dirty="0"/>
-              <a:t>number</a:t>
-            </a:r>
-            <a:r>
-              <a:rPr lang="en-US" dirty="0"/>
-              <a:t> type(s) to work?</a:t>
-            </a:r>
-          </a:p>
-          <a:p>
-            <a:r>
-              <a:rPr lang="en-US" dirty="0"/>
-              <a:t>Your answer will probably depend on what you would want to “do” with your language</a:t>
-            </a:r>
-          </a:p>
-        </p:txBody>
-      </p:sp>
-      <p:sp>
-        <p:nvSpPr>
-          <p:cNvPr id="4" name="Slide Number Placeholder 3">
-            <a:extLst>
-              <a:ext uri="{FF2B5EF4-FFF2-40B4-BE49-F238E27FC236}">
-                <a16:creationId xmlns:a16="http://schemas.microsoft.com/office/drawing/2014/main" id="{B07E71B3-F1A5-4584-AFB3-9B8648CABE58}"/>
-              </a:ext>
-            </a:extLst>
-          </p:cNvPr>
-          <p:cNvSpPr>
-            <a:spLocks noGrp="1"/>
-          </p:cNvSpPr>
-          <p:nvPr>
-            <p:ph type="sldNum" sz="quarter" idx="12"/>
-          </p:nvPr>
-        </p:nvSpPr>
-        <p:spPr/>
-        <p:txBody>
           <a:bodyPr/>
           <a:lstStyle/>
           <a:p>
-            <a:fld id="{28DF114B-D28A-2D41-8150-B5394572B4BE}" type="slidenum">
-              <a:rPr lang="en-US" smtClean="0"/>
-              <a:t>58</a:t>
-            </a:fld>
-            <a:endParaRPr lang="en-US"/>
+            <a:r>
+              <a:rPr lang="en-US" dirty="0"/>
+              <a:t>In the homework, we give you the ADT type definitions for ASTs</a:t>
+            </a:r>
+          </a:p>
+          <a:p>
+            <a:r>
+              <a:rPr lang="en-US" dirty="0"/>
+              <a:t>You will be expected to</a:t>
+            </a:r>
+          </a:p>
+          <a:p>
+            <a:pPr lvl="1"/>
+            <a:r>
+              <a:rPr lang="en-US" dirty="0"/>
+              <a:t>Write code that generates AST values</a:t>
+            </a:r>
+          </a:p>
+          <a:p>
+            <a:pPr lvl="1"/>
+            <a:r>
+              <a:rPr lang="en-US" dirty="0"/>
+              <a:t>Write code that processes an AST recursively</a:t>
+            </a:r>
+          </a:p>
+          <a:p>
+            <a:pPr lvl="1"/>
+            <a:r>
+              <a:rPr lang="en-US" dirty="0"/>
+              <a:t>Write multiple recursive functions that work together to handle multiple ADTs</a:t>
+            </a:r>
           </a:p>
         </p:txBody>
       </p:sp>
     </p:spTree>
     <p:extLst>
       <p:ext uri="{BB962C8B-B14F-4D97-AF65-F5344CB8AC3E}">
-        <p14:creationId xmlns:p14="http://schemas.microsoft.com/office/powerpoint/2010/main" val="672981034"/>
+        <p14:creationId xmlns:p14="http://schemas.microsoft.com/office/powerpoint/2010/main" val="2990084757"/>
       </p:ext>
     </p:extLst>
   </p:cSld>
@@ -24163,7 +24119,7 @@
           <p:cNvPr id="2" name="Title 1">
             <a:extLst>
               <a:ext uri="{FF2B5EF4-FFF2-40B4-BE49-F238E27FC236}">
-                <a16:creationId xmlns:a16="http://schemas.microsoft.com/office/drawing/2014/main" id="{CCFE21E5-C83F-4209-9641-7E5C813A682C}"/>
+                <a16:creationId xmlns:a16="http://schemas.microsoft.com/office/drawing/2014/main" id="{FCD6DEEF-5E57-FC30-AC56-964C26823A61}"/>
               </a:ext>
             </a:extLst>
           </p:cNvPr>
@@ -24180,10 +24136,9 @@
           <a:lstStyle/>
           <a:p>
             <a:r>
-              <a:rPr lang="en-US" b="1" dirty="0"/>
-              <a:t>Design Discussion 2 (in Small Groups)</a:t>
-            </a:r>
-            <a:endParaRPr lang="en-US" dirty="0"/>
+              <a:rPr lang="en-US" dirty="0"/>
+              <a:t>Section: A Bit of Design</a:t>
+            </a:r>
           </a:p>
         </p:txBody>
       </p:sp>
@@ -24192,7 +24147,7 @@
           <p:cNvPr id="3" name="Content Placeholder 2">
             <a:extLst>
               <a:ext uri="{FF2B5EF4-FFF2-40B4-BE49-F238E27FC236}">
-                <a16:creationId xmlns:a16="http://schemas.microsoft.com/office/drawing/2014/main" id="{136B9832-0F6C-469A-96B2-3D9C7500C7A2}"/>
+                <a16:creationId xmlns:a16="http://schemas.microsoft.com/office/drawing/2014/main" id="{923E1288-ADF8-7070-9F0F-2EA1E3427B29}"/>
               </a:ext>
             </a:extLst>
           </p:cNvPr>
@@ -24208,55 +24163,6 @@
           <a:bodyPr/>
           <a:lstStyle/>
           <a:p>
-            <a:r>
-              <a:rPr lang="en-US" dirty="0"/>
-              <a:t>Right now, our language is </a:t>
-            </a:r>
-            <a:r>
-              <a:rPr lang="en-US" b="1" dirty="0"/>
-              <a:t>very basic</a:t>
-            </a:r>
-            <a:endParaRPr lang="en-US" dirty="0"/>
-          </a:p>
-          <a:p>
-            <a:r>
-              <a:rPr lang="en-US" dirty="0"/>
-              <a:t>In real life too, you may have limited time to implement features</a:t>
-            </a:r>
-          </a:p>
-          <a:p>
-            <a:r>
-              <a:rPr lang="en-US" dirty="0"/>
-              <a:t>Without reading the syllabus, what features would you want to focus on next? What features would make our language most useful?</a:t>
-            </a:r>
-          </a:p>
-        </p:txBody>
-      </p:sp>
-      <p:sp>
-        <p:nvSpPr>
-          <p:cNvPr id="4" name="Slide Number Placeholder 3">
-            <a:extLst>
-              <a:ext uri="{FF2B5EF4-FFF2-40B4-BE49-F238E27FC236}">
-                <a16:creationId xmlns:a16="http://schemas.microsoft.com/office/drawing/2014/main" id="{CAE5C391-48AE-4252-AC5B-877239298BDF}"/>
-              </a:ext>
-            </a:extLst>
-          </p:cNvPr>
-          <p:cNvSpPr>
-            <a:spLocks noGrp="1"/>
-          </p:cNvSpPr>
-          <p:nvPr>
-            <p:ph type="sldNum" sz="quarter" idx="12"/>
-          </p:nvPr>
-        </p:nvSpPr>
-        <p:spPr/>
-        <p:txBody>
-          <a:bodyPr/>
-          <a:lstStyle/>
-          <a:p>
-            <a:fld id="{28DF114B-D28A-2D41-8150-B5394572B4BE}" type="slidenum">
-              <a:rPr lang="en-US" smtClean="0"/>
-              <a:t>59</a:t>
-            </a:fld>
             <a:endParaRPr lang="en-US"/>
           </a:p>
         </p:txBody>
@@ -24264,7 +24170,7 @@
     </p:spTree>
     <p:extLst>
       <p:ext uri="{BB962C8B-B14F-4D97-AF65-F5344CB8AC3E}">
-        <p14:creationId xmlns:p14="http://schemas.microsoft.com/office/powerpoint/2010/main" val="4112483838"/>
+        <p14:creationId xmlns:p14="http://schemas.microsoft.com/office/powerpoint/2010/main" val="3021373459"/>
       </p:ext>
     </p:extLst>
   </p:cSld>
@@ -25317,6 +25223,309 @@
 </p:sld>
 </file>
 
+<file path=ppt/slides/slide60.xml><?xml version="1.0" encoding="utf-8"?>
+<p:sld xmlns:a="http://schemas.openxmlformats.org/drawingml/2006/main" xmlns:r="http://schemas.openxmlformats.org/officeDocument/2006/relationships" xmlns:p="http://schemas.openxmlformats.org/presentationml/2006/main">
+  <p:cSld>
+    <p:spTree>
+      <p:nvGrpSpPr>
+        <p:cNvPr id="1" name=""/>
+        <p:cNvGrpSpPr/>
+        <p:nvPr/>
+      </p:nvGrpSpPr>
+      <p:grpSpPr>
+        <a:xfrm>
+          <a:off x="0" y="0"/>
+          <a:ext cx="0" cy="0"/>
+          <a:chOff x="0" y="0"/>
+          <a:chExt cx="0" cy="0"/>
+        </a:xfrm>
+      </p:grpSpPr>
+      <p:sp>
+        <p:nvSpPr>
+          <p:cNvPr id="2" name="Title 1">
+            <a:extLst>
+              <a:ext uri="{FF2B5EF4-FFF2-40B4-BE49-F238E27FC236}">
+                <a16:creationId xmlns:a16="http://schemas.microsoft.com/office/drawing/2014/main" id="{E9CDC19E-4853-4CBD-849E-539A683523AA}"/>
+              </a:ext>
+            </a:extLst>
+          </p:cNvPr>
+          <p:cNvSpPr>
+            <a:spLocks noGrp="1"/>
+          </p:cNvSpPr>
+          <p:nvPr>
+            <p:ph type="title"/>
+          </p:nvPr>
+        </p:nvSpPr>
+        <p:spPr/>
+        <p:txBody>
+          <a:bodyPr/>
+          <a:lstStyle/>
+          <a:p>
+            <a:r>
+              <a:rPr lang="en-US" b="1" dirty="0"/>
+              <a:t>Design Discussion 1 (in Small Groups)</a:t>
+            </a:r>
+          </a:p>
+        </p:txBody>
+      </p:sp>
+      <p:sp>
+        <p:nvSpPr>
+          <p:cNvPr id="3" name="Content Placeholder 2">
+            <a:extLst>
+              <a:ext uri="{FF2B5EF4-FFF2-40B4-BE49-F238E27FC236}">
+                <a16:creationId xmlns:a16="http://schemas.microsoft.com/office/drawing/2014/main" id="{160D3B2F-A254-41F2-B13E-A1691D585F4E}"/>
+              </a:ext>
+            </a:extLst>
+          </p:cNvPr>
+          <p:cNvSpPr>
+            <a:spLocks noGrp="1"/>
+          </p:cNvSpPr>
+          <p:nvPr>
+            <p:ph idx="1"/>
+          </p:nvPr>
+        </p:nvSpPr>
+        <p:spPr/>
+        <p:txBody>
+          <a:bodyPr>
+            <a:normAutofit lnSpcReduction="10000"/>
+          </a:bodyPr>
+          <a:lstStyle/>
+          <a:p>
+            <a:r>
+              <a:rPr lang="en-US" b="1" dirty="0"/>
+              <a:t>From today:</a:t>
+            </a:r>
+            <a:r>
+              <a:rPr lang="en-US" dirty="0"/>
+              <a:t> In Rust, different sizes of integers and floats correspond to different types</a:t>
+            </a:r>
+          </a:p>
+          <a:p>
+            <a:r>
+              <a:rPr lang="en-US" dirty="0"/>
+              <a:t>Some languages have a single type </a:t>
+            </a:r>
+            <a:r>
+              <a:rPr lang="en-US" b="1" dirty="0"/>
+              <a:t>number </a:t>
+            </a:r>
+            <a:r>
+              <a:rPr lang="en-US" dirty="0"/>
+              <a:t>containing integers, floats, </a:t>
+            </a:r>
+            <a:r>
+              <a:rPr lang="en-US" dirty="0" err="1"/>
+              <a:t>rationals</a:t>
+            </a:r>
+            <a:endParaRPr lang="en-US" dirty="0"/>
+          </a:p>
+          <a:p>
+            <a:r>
+              <a:rPr lang="en-US" b="1" dirty="0"/>
+              <a:t>So,</a:t>
+            </a:r>
+            <a:r>
+              <a:rPr lang="en-US" dirty="0"/>
+              <a:t> there are many ways you could design number types </a:t>
+            </a:r>
+          </a:p>
+          <a:p>
+            <a:r>
+              <a:rPr lang="en-US" dirty="0"/>
+              <a:t>If you designed your own language, how would you want your </a:t>
+            </a:r>
+            <a:r>
+              <a:rPr lang="en-US" b="1" dirty="0"/>
+              <a:t>number</a:t>
+            </a:r>
+            <a:r>
+              <a:rPr lang="en-US" dirty="0"/>
+              <a:t> type(s) to work?</a:t>
+            </a:r>
+          </a:p>
+          <a:p>
+            <a:r>
+              <a:rPr lang="en-US" dirty="0"/>
+              <a:t>Your answer will probably depend on what you would want to “do” with your language</a:t>
+            </a:r>
+          </a:p>
+        </p:txBody>
+      </p:sp>
+      <p:sp>
+        <p:nvSpPr>
+          <p:cNvPr id="4" name="Slide Number Placeholder 3">
+            <a:extLst>
+              <a:ext uri="{FF2B5EF4-FFF2-40B4-BE49-F238E27FC236}">
+                <a16:creationId xmlns:a16="http://schemas.microsoft.com/office/drawing/2014/main" id="{B07E71B3-F1A5-4584-AFB3-9B8648CABE58}"/>
+              </a:ext>
+            </a:extLst>
+          </p:cNvPr>
+          <p:cNvSpPr>
+            <a:spLocks noGrp="1"/>
+          </p:cNvSpPr>
+          <p:nvPr>
+            <p:ph type="sldNum" sz="quarter" idx="12"/>
+          </p:nvPr>
+        </p:nvSpPr>
+        <p:spPr/>
+        <p:txBody>
+          <a:bodyPr/>
+          <a:lstStyle/>
+          <a:p>
+            <a:fld id="{28DF114B-D28A-2D41-8150-B5394572B4BE}" type="slidenum">
+              <a:rPr lang="en-US" smtClean="0"/>
+              <a:t>60</a:t>
+            </a:fld>
+            <a:endParaRPr lang="en-US"/>
+          </a:p>
+        </p:txBody>
+      </p:sp>
+    </p:spTree>
+    <p:extLst>
+      <p:ext uri="{BB962C8B-B14F-4D97-AF65-F5344CB8AC3E}">
+        <p14:creationId xmlns:p14="http://schemas.microsoft.com/office/powerpoint/2010/main" val="672981034"/>
+      </p:ext>
+    </p:extLst>
+  </p:cSld>
+  <p:clrMapOvr>
+    <a:masterClrMapping/>
+  </p:clrMapOvr>
+</p:sld>
+</file>
+
+<file path=ppt/slides/slide61.xml><?xml version="1.0" encoding="utf-8"?>
+<p:sld xmlns:a="http://schemas.openxmlformats.org/drawingml/2006/main" xmlns:r="http://schemas.openxmlformats.org/officeDocument/2006/relationships" xmlns:p="http://schemas.openxmlformats.org/presentationml/2006/main">
+  <p:cSld>
+    <p:spTree>
+      <p:nvGrpSpPr>
+        <p:cNvPr id="1" name=""/>
+        <p:cNvGrpSpPr/>
+        <p:nvPr/>
+      </p:nvGrpSpPr>
+      <p:grpSpPr>
+        <a:xfrm>
+          <a:off x="0" y="0"/>
+          <a:ext cx="0" cy="0"/>
+          <a:chOff x="0" y="0"/>
+          <a:chExt cx="0" cy="0"/>
+        </a:xfrm>
+      </p:grpSpPr>
+      <p:sp>
+        <p:nvSpPr>
+          <p:cNvPr id="2" name="Title 1">
+            <a:extLst>
+              <a:ext uri="{FF2B5EF4-FFF2-40B4-BE49-F238E27FC236}">
+                <a16:creationId xmlns:a16="http://schemas.microsoft.com/office/drawing/2014/main" id="{CCFE21E5-C83F-4209-9641-7E5C813A682C}"/>
+              </a:ext>
+            </a:extLst>
+          </p:cNvPr>
+          <p:cNvSpPr>
+            <a:spLocks noGrp="1"/>
+          </p:cNvSpPr>
+          <p:nvPr>
+            <p:ph type="title"/>
+          </p:nvPr>
+        </p:nvSpPr>
+        <p:spPr/>
+        <p:txBody>
+          <a:bodyPr/>
+          <a:lstStyle/>
+          <a:p>
+            <a:r>
+              <a:rPr lang="en-US" b="1" dirty="0"/>
+              <a:t>Design Discussion 2 (in Small Groups)</a:t>
+            </a:r>
+            <a:endParaRPr lang="en-US" dirty="0"/>
+          </a:p>
+        </p:txBody>
+      </p:sp>
+      <p:sp>
+        <p:nvSpPr>
+          <p:cNvPr id="3" name="Content Placeholder 2">
+            <a:extLst>
+              <a:ext uri="{FF2B5EF4-FFF2-40B4-BE49-F238E27FC236}">
+                <a16:creationId xmlns:a16="http://schemas.microsoft.com/office/drawing/2014/main" id="{136B9832-0F6C-469A-96B2-3D9C7500C7A2}"/>
+              </a:ext>
+            </a:extLst>
+          </p:cNvPr>
+          <p:cNvSpPr>
+            <a:spLocks noGrp="1"/>
+          </p:cNvSpPr>
+          <p:nvPr>
+            <p:ph idx="1"/>
+          </p:nvPr>
+        </p:nvSpPr>
+        <p:spPr/>
+        <p:txBody>
+          <a:bodyPr/>
+          <a:lstStyle/>
+          <a:p>
+            <a:r>
+              <a:rPr lang="en-US" dirty="0"/>
+              <a:t>Right now, our language is </a:t>
+            </a:r>
+            <a:r>
+              <a:rPr lang="en-US" b="1" dirty="0"/>
+              <a:t>very basic</a:t>
+            </a:r>
+            <a:endParaRPr lang="en-US" dirty="0"/>
+          </a:p>
+          <a:p>
+            <a:r>
+              <a:rPr lang="en-US" dirty="0"/>
+              <a:t>In real life too, you may have limited time to implement features</a:t>
+            </a:r>
+          </a:p>
+          <a:p>
+            <a:r>
+              <a:rPr lang="en-US" dirty="0"/>
+              <a:t>Without reading the syllabus, what features would you want to focus on next? What features would make our language most useful?</a:t>
+            </a:r>
+          </a:p>
+        </p:txBody>
+      </p:sp>
+      <p:sp>
+        <p:nvSpPr>
+          <p:cNvPr id="4" name="Slide Number Placeholder 3">
+            <a:extLst>
+              <a:ext uri="{FF2B5EF4-FFF2-40B4-BE49-F238E27FC236}">
+                <a16:creationId xmlns:a16="http://schemas.microsoft.com/office/drawing/2014/main" id="{CAE5C391-48AE-4252-AC5B-877239298BDF}"/>
+              </a:ext>
+            </a:extLst>
+          </p:cNvPr>
+          <p:cNvSpPr>
+            <a:spLocks noGrp="1"/>
+          </p:cNvSpPr>
+          <p:nvPr>
+            <p:ph type="sldNum" sz="quarter" idx="12"/>
+          </p:nvPr>
+        </p:nvSpPr>
+        <p:spPr/>
+        <p:txBody>
+          <a:bodyPr/>
+          <a:lstStyle/>
+          <a:p>
+            <a:fld id="{28DF114B-D28A-2D41-8150-B5394572B4BE}" type="slidenum">
+              <a:rPr lang="en-US" smtClean="0"/>
+              <a:t>61</a:t>
+            </a:fld>
+            <a:endParaRPr lang="en-US"/>
+          </a:p>
+        </p:txBody>
+      </p:sp>
+    </p:spTree>
+    <p:extLst>
+      <p:ext uri="{BB962C8B-B14F-4D97-AF65-F5344CB8AC3E}">
+        <p14:creationId xmlns:p14="http://schemas.microsoft.com/office/powerpoint/2010/main" val="4112483838"/>
+      </p:ext>
+    </p:extLst>
+  </p:cSld>
+  <p:clrMapOvr>
+    <a:masterClrMapping/>
+  </p:clrMapOvr>
+</p:sld>
+</file>
+
 <file path=ppt/slides/slide7.xml><?xml version="1.0" encoding="utf-8"?>
 <p:sld xmlns:a="http://schemas.openxmlformats.org/drawingml/2006/main" xmlns:r="http://schemas.openxmlformats.org/officeDocument/2006/relationships" xmlns:p="http://schemas.openxmlformats.org/presentationml/2006/main">
   <p:cSld>
@@ -25357,7 +25566,7 @@
           <a:p>
             <a:r>
               <a:rPr lang="en-US" dirty="0"/>
-              <a:t>Part 2: Parsing Expression Grammars</a:t>
+              <a:t>Part 1: Parsing Expression Grammars</a:t>
             </a:r>
           </a:p>
         </p:txBody>

--- a/LectureSlides/04ASTPEG.pptx
+++ b/LectureSlides/04ASTPEG.pptx
@@ -4690,41 +4690,6 @@
           </a:p>
         </p:txBody>
       </p:sp>
-      <p:sp>
-        <p:nvSpPr>
-          <p:cNvPr id="4" name="TextBox 3">
-            <a:extLst>
-              <a:ext uri="{FF2B5EF4-FFF2-40B4-BE49-F238E27FC236}">
-                <a16:creationId xmlns:a16="http://schemas.microsoft.com/office/drawing/2014/main" id="{22D228F4-E409-2B16-4619-0D7A172CE7CE}"/>
-              </a:ext>
-            </a:extLst>
-          </p:cNvPr>
-          <p:cNvSpPr txBox="1"/>
-          <p:nvPr/>
-        </p:nvSpPr>
-        <p:spPr>
-          <a:xfrm>
-            <a:off x="1395663" y="6386731"/>
-            <a:ext cx="5236144" cy="369332"/>
-          </a:xfrm>
-          <a:prstGeom prst="rect">
-            <a:avLst/>
-          </a:prstGeom>
-          <a:noFill/>
-        </p:spPr>
-        <p:txBody>
-          <a:bodyPr wrap="square" rtlCol="0">
-            <a:spAutoFit/>
-          </a:bodyPr>
-          <a:lstStyle/>
-          <a:p>
-            <a:r>
-              <a:rPr lang="en-US" dirty="0"/>
-              <a:t>For example, using the GLR parsing algorithm</a:t>
-            </a:r>
-          </a:p>
-        </p:txBody>
-      </p:sp>
     </p:spTree>
     <p:extLst>
       <p:ext uri="{BB962C8B-B14F-4D97-AF65-F5344CB8AC3E}">

--- a/LectureSlides/04ASTPEG.pptx
+++ b/LectureSlides/04ASTPEG.pptx
@@ -5488,8 +5488,12 @@
           <a:p>
             <a:pPr lvl="1"/>
             <a:r>
-              <a:rPr lang="en-US" dirty="0"/>
-              <a:t>Repetition operator e? matches e if possible, else matches empty string</a:t>
+              <a:rPr lang="en-US"/>
+              <a:t>Option </a:t>
+            </a:r>
+            <a:r>
+              <a:rPr lang="en-US" dirty="0"/>
+              <a:t>operator e? matches e if possible, else matches empty string</a:t>
             </a:r>
           </a:p>
           <a:p>

--- a/LectureSlides/04ASTPEG.pptx
+++ b/LectureSlides/04ASTPEG.pptx
@@ -6984,7 +6984,37 @@
                 <a:effectLst/>
                 <a:latin typeface="Courier New" panose="02070309020205020404" pitchFamily="49" charset="0"/>
               </a:rPr>
-              <a:t>5    n:$("-"? ((['1'..='9'] ['0'..='9']*)/"0")) </a:t>
+              <a:t>5    n:$("-"? </a:t>
+            </a:r>
+            <a:r>
+              <a:rPr lang="en-US" b="0" i="0">
+                <a:solidFill>
+                  <a:srgbClr val="000000"/>
+                </a:solidFill>
+                <a:effectLst/>
+                <a:latin typeface="Courier New" panose="02070309020205020404" pitchFamily="49" charset="0"/>
+              </a:rPr>
+              <a:t>([</a:t>
+            </a:r>
+            <a:r>
+              <a:rPr lang="en-US" b="0" i="0" dirty="0">
+                <a:solidFill>
+                  <a:srgbClr val="000000"/>
+                </a:solidFill>
+                <a:effectLst/>
+                <a:latin typeface="Courier New" panose="02070309020205020404" pitchFamily="49" charset="0"/>
+              </a:rPr>
+              <a:t>'1'..='9'] ['0'..='9']*)/"</a:t>
+            </a:r>
+            <a:r>
+              <a:rPr lang="en-US" b="0" i="0">
+                <a:solidFill>
+                  <a:srgbClr val="000000"/>
+                </a:solidFill>
+                <a:effectLst/>
+                <a:latin typeface="Courier New" panose="02070309020205020404" pitchFamily="49" charset="0"/>
+              </a:rPr>
+              <a:t>0") </a:t>
             </a:r>
             <a:br>
               <a:rPr lang="en-US" b="0" i="0" dirty="0">

--- a/LectureSlides/04ASTPEG.pptx
+++ b/LectureSlides/04ASTPEG.pptx
@@ -4,6 +4,9 @@
   <p:sldMasterIdLst>
     <p:sldMasterId id="2147483696" r:id="rId1"/>
   </p:sldMasterIdLst>
+  <p:notesMasterIdLst>
+    <p:notesMasterId r:id="rId63"/>
+  </p:notesMasterIdLst>
   <p:sldIdLst>
     <p:sldId id="256" r:id="rId2"/>
     <p:sldId id="257" r:id="rId3"/>
@@ -172,6 +175,355 @@
 </p:presentation>
 </file>
 
+<file path=ppt/notesMasters/notesMaster1.xml><?xml version="1.0" encoding="utf-8"?>
+<p:notesMaster xmlns:a="http://schemas.openxmlformats.org/drawingml/2006/main" xmlns:r="http://schemas.openxmlformats.org/officeDocument/2006/relationships" xmlns:p="http://schemas.openxmlformats.org/presentationml/2006/main">
+  <p:cSld>
+    <p:bg>
+      <p:bgRef idx="1001">
+        <a:schemeClr val="bg1"/>
+      </p:bgRef>
+    </p:bg>
+    <p:spTree>
+      <p:nvGrpSpPr>
+        <p:cNvPr id="1" name=""/>
+        <p:cNvGrpSpPr/>
+        <p:nvPr/>
+      </p:nvGrpSpPr>
+      <p:grpSpPr>
+        <a:xfrm>
+          <a:off x="0" y="0"/>
+          <a:ext cx="0" cy="0"/>
+          <a:chOff x="0" y="0"/>
+          <a:chExt cx="0" cy="0"/>
+        </a:xfrm>
+      </p:grpSpPr>
+      <p:sp>
+        <p:nvSpPr>
+          <p:cNvPr id="2" name="Header Placeholder 1"/>
+          <p:cNvSpPr>
+            <a:spLocks noGrp="1"/>
+          </p:cNvSpPr>
+          <p:nvPr>
+            <p:ph type="hdr" sz="quarter"/>
+          </p:nvPr>
+        </p:nvSpPr>
+        <p:spPr>
+          <a:xfrm>
+            <a:off x="0" y="0"/>
+            <a:ext cx="2971800" cy="458788"/>
+          </a:xfrm>
+          <a:prstGeom prst="rect">
+            <a:avLst/>
+          </a:prstGeom>
+        </p:spPr>
+        <p:txBody>
+          <a:bodyPr vert="horz" lIns="91440" tIns="45720" rIns="91440" bIns="45720" rtlCol="0"/>
+          <a:lstStyle>
+            <a:lvl1pPr algn="l">
+              <a:defRPr sz="1200"/>
+            </a:lvl1pPr>
+          </a:lstStyle>
+          <a:p>
+            <a:endParaRPr lang="en-US"/>
+          </a:p>
+        </p:txBody>
+      </p:sp>
+      <p:sp>
+        <p:nvSpPr>
+          <p:cNvPr id="3" name="Date Placeholder 2"/>
+          <p:cNvSpPr>
+            <a:spLocks noGrp="1"/>
+          </p:cNvSpPr>
+          <p:nvPr>
+            <p:ph type="dt" idx="1"/>
+          </p:nvPr>
+        </p:nvSpPr>
+        <p:spPr>
+          <a:xfrm>
+            <a:off x="3884613" y="0"/>
+            <a:ext cx="2971800" cy="458788"/>
+          </a:xfrm>
+          <a:prstGeom prst="rect">
+            <a:avLst/>
+          </a:prstGeom>
+        </p:spPr>
+        <p:txBody>
+          <a:bodyPr vert="horz" lIns="91440" tIns="45720" rIns="91440" bIns="45720" rtlCol="0"/>
+          <a:lstStyle>
+            <a:lvl1pPr algn="r">
+              <a:defRPr sz="1200"/>
+            </a:lvl1pPr>
+          </a:lstStyle>
+          <a:p>
+            <a:fld id="{4C79FF2F-31B5-40D8-8E7E-1DC6AD544ACD}" type="datetimeFigureOut">
+              <a:rPr lang="en-US" smtClean="0"/>
+              <a:t>9/18/2023</a:t>
+            </a:fld>
+            <a:endParaRPr lang="en-US"/>
+          </a:p>
+        </p:txBody>
+      </p:sp>
+      <p:sp>
+        <p:nvSpPr>
+          <p:cNvPr id="4" name="Slide Image Placeholder 3"/>
+          <p:cNvSpPr>
+            <a:spLocks noGrp="1" noRot="1" noChangeAspect="1"/>
+          </p:cNvSpPr>
+          <p:nvPr>
+            <p:ph type="sldImg" idx="2"/>
+          </p:nvPr>
+        </p:nvSpPr>
+        <p:spPr>
+          <a:xfrm>
+            <a:off x="685800" y="1143000"/>
+            <a:ext cx="5486400" cy="3086100"/>
+          </a:xfrm>
+          <a:prstGeom prst="rect">
+            <a:avLst/>
+          </a:prstGeom>
+          <a:noFill/>
+          <a:ln w="12700">
+            <a:solidFill>
+              <a:prstClr val="black"/>
+            </a:solidFill>
+          </a:ln>
+        </p:spPr>
+        <p:txBody>
+          <a:bodyPr vert="horz" lIns="91440" tIns="45720" rIns="91440" bIns="45720" rtlCol="0" anchor="ctr"/>
+          <a:lstStyle/>
+          <a:p>
+            <a:endParaRPr lang="en-US"/>
+          </a:p>
+        </p:txBody>
+      </p:sp>
+      <p:sp>
+        <p:nvSpPr>
+          <p:cNvPr id="5" name="Notes Placeholder 4"/>
+          <p:cNvSpPr>
+            <a:spLocks noGrp="1"/>
+          </p:cNvSpPr>
+          <p:nvPr>
+            <p:ph type="body" sz="quarter" idx="3"/>
+          </p:nvPr>
+        </p:nvSpPr>
+        <p:spPr>
+          <a:xfrm>
+            <a:off x="685800" y="4400550"/>
+            <a:ext cx="5486400" cy="3600450"/>
+          </a:xfrm>
+          <a:prstGeom prst="rect">
+            <a:avLst/>
+          </a:prstGeom>
+        </p:spPr>
+        <p:txBody>
+          <a:bodyPr vert="horz" lIns="91440" tIns="45720" rIns="91440" bIns="45720" rtlCol="0"/>
+          <a:lstStyle/>
+          <a:p>
+            <a:pPr lvl="0"/>
+            <a:r>
+              <a:rPr lang="en-US"/>
+              <a:t>Click to edit Master text styles</a:t>
+            </a:r>
+          </a:p>
+          <a:p>
+            <a:pPr lvl="1"/>
+            <a:r>
+              <a:rPr lang="en-US"/>
+              <a:t>Second level</a:t>
+            </a:r>
+          </a:p>
+          <a:p>
+            <a:pPr lvl="2"/>
+            <a:r>
+              <a:rPr lang="en-US"/>
+              <a:t>Third level</a:t>
+            </a:r>
+          </a:p>
+          <a:p>
+            <a:pPr lvl="3"/>
+            <a:r>
+              <a:rPr lang="en-US"/>
+              <a:t>Fourth level</a:t>
+            </a:r>
+          </a:p>
+          <a:p>
+            <a:pPr lvl="4"/>
+            <a:r>
+              <a:rPr lang="en-US"/>
+              <a:t>Fifth level</a:t>
+            </a:r>
+          </a:p>
+        </p:txBody>
+      </p:sp>
+      <p:sp>
+        <p:nvSpPr>
+          <p:cNvPr id="6" name="Footer Placeholder 5"/>
+          <p:cNvSpPr>
+            <a:spLocks noGrp="1"/>
+          </p:cNvSpPr>
+          <p:nvPr>
+            <p:ph type="ftr" sz="quarter" idx="4"/>
+          </p:nvPr>
+        </p:nvSpPr>
+        <p:spPr>
+          <a:xfrm>
+            <a:off x="0" y="8685213"/>
+            <a:ext cx="2971800" cy="458787"/>
+          </a:xfrm>
+          <a:prstGeom prst="rect">
+            <a:avLst/>
+          </a:prstGeom>
+        </p:spPr>
+        <p:txBody>
+          <a:bodyPr vert="horz" lIns="91440" tIns="45720" rIns="91440" bIns="45720" rtlCol="0" anchor="b"/>
+          <a:lstStyle>
+            <a:lvl1pPr algn="l">
+              <a:defRPr sz="1200"/>
+            </a:lvl1pPr>
+          </a:lstStyle>
+          <a:p>
+            <a:endParaRPr lang="en-US"/>
+          </a:p>
+        </p:txBody>
+      </p:sp>
+      <p:sp>
+        <p:nvSpPr>
+          <p:cNvPr id="7" name="Slide Number Placeholder 6"/>
+          <p:cNvSpPr>
+            <a:spLocks noGrp="1"/>
+          </p:cNvSpPr>
+          <p:nvPr>
+            <p:ph type="sldNum" sz="quarter" idx="5"/>
+          </p:nvPr>
+        </p:nvSpPr>
+        <p:spPr>
+          <a:xfrm>
+            <a:off x="3884613" y="8685213"/>
+            <a:ext cx="2971800" cy="458787"/>
+          </a:xfrm>
+          <a:prstGeom prst="rect">
+            <a:avLst/>
+          </a:prstGeom>
+        </p:spPr>
+        <p:txBody>
+          <a:bodyPr vert="horz" lIns="91440" tIns="45720" rIns="91440" bIns="45720" rtlCol="0" anchor="b"/>
+          <a:lstStyle>
+            <a:lvl1pPr algn="r">
+              <a:defRPr sz="1200"/>
+            </a:lvl1pPr>
+          </a:lstStyle>
+          <a:p>
+            <a:fld id="{9FE9BC33-BA53-47D7-8FF5-BDF875C74309}" type="slidenum">
+              <a:rPr lang="en-US" smtClean="0"/>
+              <a:t>‹#›</a:t>
+            </a:fld>
+            <a:endParaRPr lang="en-US"/>
+          </a:p>
+        </p:txBody>
+      </p:sp>
+    </p:spTree>
+    <p:extLst>
+      <p:ext uri="{BB962C8B-B14F-4D97-AF65-F5344CB8AC3E}">
+        <p14:creationId xmlns:p14="http://schemas.microsoft.com/office/powerpoint/2010/main" val="2045255190"/>
+      </p:ext>
+    </p:extLst>
+  </p:cSld>
+  <p:clrMap bg1="lt1" tx1="dk1" bg2="lt2" tx2="dk2" accent1="accent1" accent2="accent2" accent3="accent3" accent4="accent4" accent5="accent5" accent6="accent6" hlink="hlink" folHlink="folHlink"/>
+  <p:notesStyle>
+    <a:lvl1pPr marL="0" algn="l" defTabSz="914400" rtl="0" eaLnBrk="1" latinLnBrk="0" hangingPunct="1">
+      <a:defRPr sz="1200" kern="1200">
+        <a:solidFill>
+          <a:schemeClr val="tx1"/>
+        </a:solidFill>
+        <a:latin typeface="+mn-lt"/>
+        <a:ea typeface="+mn-ea"/>
+        <a:cs typeface="+mn-cs"/>
+      </a:defRPr>
+    </a:lvl1pPr>
+    <a:lvl2pPr marL="457200" algn="l" defTabSz="914400" rtl="0" eaLnBrk="1" latinLnBrk="0" hangingPunct="1">
+      <a:defRPr sz="1200" kern="1200">
+        <a:solidFill>
+          <a:schemeClr val="tx1"/>
+        </a:solidFill>
+        <a:latin typeface="+mn-lt"/>
+        <a:ea typeface="+mn-ea"/>
+        <a:cs typeface="+mn-cs"/>
+      </a:defRPr>
+    </a:lvl2pPr>
+    <a:lvl3pPr marL="914400" algn="l" defTabSz="914400" rtl="0" eaLnBrk="1" latinLnBrk="0" hangingPunct="1">
+      <a:defRPr sz="1200" kern="1200">
+        <a:solidFill>
+          <a:schemeClr val="tx1"/>
+        </a:solidFill>
+        <a:latin typeface="+mn-lt"/>
+        <a:ea typeface="+mn-ea"/>
+        <a:cs typeface="+mn-cs"/>
+      </a:defRPr>
+    </a:lvl3pPr>
+    <a:lvl4pPr marL="1371600" algn="l" defTabSz="914400" rtl="0" eaLnBrk="1" latinLnBrk="0" hangingPunct="1">
+      <a:defRPr sz="1200" kern="1200">
+        <a:solidFill>
+          <a:schemeClr val="tx1"/>
+        </a:solidFill>
+        <a:latin typeface="+mn-lt"/>
+        <a:ea typeface="+mn-ea"/>
+        <a:cs typeface="+mn-cs"/>
+      </a:defRPr>
+    </a:lvl4pPr>
+    <a:lvl5pPr marL="1828800" algn="l" defTabSz="914400" rtl="0" eaLnBrk="1" latinLnBrk="0" hangingPunct="1">
+      <a:defRPr sz="1200" kern="1200">
+        <a:solidFill>
+          <a:schemeClr val="tx1"/>
+        </a:solidFill>
+        <a:latin typeface="+mn-lt"/>
+        <a:ea typeface="+mn-ea"/>
+        <a:cs typeface="+mn-cs"/>
+      </a:defRPr>
+    </a:lvl5pPr>
+    <a:lvl6pPr marL="2286000" algn="l" defTabSz="914400" rtl="0" eaLnBrk="1" latinLnBrk="0" hangingPunct="1">
+      <a:defRPr sz="1200" kern="1200">
+        <a:solidFill>
+          <a:schemeClr val="tx1"/>
+        </a:solidFill>
+        <a:latin typeface="+mn-lt"/>
+        <a:ea typeface="+mn-ea"/>
+        <a:cs typeface="+mn-cs"/>
+      </a:defRPr>
+    </a:lvl6pPr>
+    <a:lvl7pPr marL="2743200" algn="l" defTabSz="914400" rtl="0" eaLnBrk="1" latinLnBrk="0" hangingPunct="1">
+      <a:defRPr sz="1200" kern="1200">
+        <a:solidFill>
+          <a:schemeClr val="tx1"/>
+        </a:solidFill>
+        <a:latin typeface="+mn-lt"/>
+        <a:ea typeface="+mn-ea"/>
+        <a:cs typeface="+mn-cs"/>
+      </a:defRPr>
+    </a:lvl7pPr>
+    <a:lvl8pPr marL="3200400" algn="l" defTabSz="914400" rtl="0" eaLnBrk="1" latinLnBrk="0" hangingPunct="1">
+      <a:defRPr sz="1200" kern="1200">
+        <a:solidFill>
+          <a:schemeClr val="tx1"/>
+        </a:solidFill>
+        <a:latin typeface="+mn-lt"/>
+        <a:ea typeface="+mn-ea"/>
+        <a:cs typeface="+mn-cs"/>
+      </a:defRPr>
+    </a:lvl8pPr>
+    <a:lvl9pPr marL="3657600" algn="l" defTabSz="914400" rtl="0" eaLnBrk="1" latinLnBrk="0" hangingPunct="1">
+      <a:defRPr sz="1200" kern="1200">
+        <a:solidFill>
+          <a:schemeClr val="tx1"/>
+        </a:solidFill>
+        <a:latin typeface="+mn-lt"/>
+        <a:ea typeface="+mn-ea"/>
+        <a:cs typeface="+mn-cs"/>
+      </a:defRPr>
+    </a:lvl9pPr>
+  </p:notesStyle>
+</p:notesMaster>
+</file>
+
 <file path=ppt/slideLayouts/slideLayout1.xml><?xml version="1.0" encoding="utf-8"?>
 <p:sldLayout xmlns:a="http://schemas.openxmlformats.org/drawingml/2006/main" xmlns:r="http://schemas.openxmlformats.org/officeDocument/2006/relationships" xmlns:p="http://schemas.openxmlformats.org/presentationml/2006/main" showMasterSp="0" type="title" preserve="1">
   <p:cSld name="Title Slide">
@@ -394,9 +746,9 @@
           <a:bodyPr/>
           <a:lstStyle/>
           <a:p>
-            <a:fld id="{DF0DA02A-3D36-4521-B995-F6A931B35345}" type="datetimeFigureOut">
+            <a:fld id="{29B3267D-1BB5-4D01-9559-97DC75604AB8}" type="datetime1">
               <a:rPr lang="en-US" smtClean="0"/>
-              <a:t>9/13/2023</a:t>
+              <a:t>9/18/2023</a:t>
             </a:fld>
             <a:endParaRPr lang="en-US"/>
           </a:p>
@@ -602,9 +954,9 @@
           <a:bodyPr/>
           <a:lstStyle/>
           <a:p>
-            <a:fld id="{DF0DA02A-3D36-4521-B995-F6A931B35345}" type="datetimeFigureOut">
+            <a:fld id="{111EF2C9-AA2E-4E6E-80F0-8E0C93AA9CB7}" type="datetime1">
               <a:rPr lang="en-US" smtClean="0"/>
-              <a:t>9/13/2023</a:t>
+              <a:t>9/18/2023</a:t>
             </a:fld>
             <a:endParaRPr lang="en-US"/>
           </a:p>
@@ -858,9 +1210,9 @@
           <a:bodyPr/>
           <a:lstStyle/>
           <a:p>
-            <a:fld id="{DF0DA02A-3D36-4521-B995-F6A931B35345}" type="datetimeFigureOut">
+            <a:fld id="{BC3F6C6A-1020-4717-A8FE-2EA545EDE484}" type="datetime1">
               <a:rPr lang="en-US" smtClean="0"/>
-              <a:t>9/13/2023</a:t>
+              <a:t>9/18/2023</a:t>
             </a:fld>
             <a:endParaRPr lang="en-US"/>
           </a:p>
@@ -1043,9 +1395,9 @@
           <a:bodyPr/>
           <a:lstStyle/>
           <a:p>
-            <a:fld id="{DF0DA02A-3D36-4521-B995-F6A931B35345}" type="datetimeFigureOut">
+            <a:fld id="{09444A3A-E32D-41D4-B137-4E0BB1BFD74B}" type="datetime1">
               <a:rPr lang="en-US" smtClean="0"/>
-              <a:t>9/13/2023</a:t>
+              <a:t>9/18/2023</a:t>
             </a:fld>
             <a:endParaRPr lang="en-US"/>
           </a:p>
@@ -1386,9 +1738,9 @@
           <a:bodyPr/>
           <a:lstStyle/>
           <a:p>
-            <a:fld id="{DF0DA02A-3D36-4521-B995-F6A931B35345}" type="datetimeFigureOut">
+            <a:fld id="{81E52A49-1161-4A95-8B99-6E3A59578156}" type="datetime1">
               <a:rPr lang="en-US" smtClean="0"/>
-              <a:t>9/13/2023</a:t>
+              <a:t>9/18/2023</a:t>
             </a:fld>
             <a:endParaRPr lang="en-US"/>
           </a:p>
@@ -1691,9 +2043,9 @@
           <a:bodyPr/>
           <a:lstStyle/>
           <a:p>
-            <a:fld id="{DF0DA02A-3D36-4521-B995-F6A931B35345}" type="datetimeFigureOut">
+            <a:fld id="{0413B36B-263E-4474-97D9-2264120BBC20}" type="datetime1">
               <a:rPr lang="en-US" smtClean="0"/>
-              <a:t>9/13/2023</a:t>
+              <a:t>9/18/2023</a:t>
             </a:fld>
             <a:endParaRPr lang="en-US"/>
           </a:p>
@@ -2100,9 +2452,9 @@
           <a:bodyPr/>
           <a:lstStyle/>
           <a:p>
-            <a:fld id="{DF0DA02A-3D36-4521-B995-F6A931B35345}" type="datetimeFigureOut">
+            <a:fld id="{5840FB65-4435-4414-98DD-DDBF790CE377}" type="datetime1">
               <a:rPr lang="en-US" smtClean="0"/>
-              <a:t>9/13/2023</a:t>
+              <a:t>9/18/2023</a:t>
             </a:fld>
             <a:endParaRPr lang="en-US"/>
           </a:p>
@@ -2218,9 +2570,9 @@
           <a:bodyPr/>
           <a:lstStyle/>
           <a:p>
-            <a:fld id="{DF0DA02A-3D36-4521-B995-F6A931B35345}" type="datetimeFigureOut">
+            <a:fld id="{2F8E88E6-B7E4-4328-B5EE-C0C15A420308}" type="datetime1">
               <a:rPr lang="en-US" smtClean="0"/>
-              <a:t>9/13/2023</a:t>
+              <a:t>9/18/2023</a:t>
             </a:fld>
             <a:endParaRPr lang="en-US"/>
           </a:p>
@@ -2389,9 +2741,9 @@
           <a:bodyPr/>
           <a:lstStyle/>
           <a:p>
-            <a:fld id="{DF0DA02A-3D36-4521-B995-F6A931B35345}" type="datetimeFigureOut">
+            <a:fld id="{EFDBE410-DF7A-427F-910A-A52B5F4B5B84}" type="datetime1">
               <a:rPr lang="en-US" smtClean="0"/>
-              <a:t>9/13/2023</a:t>
+              <a:t>9/18/2023</a:t>
             </a:fld>
             <a:endParaRPr lang="en-US"/>
           </a:p>
@@ -2758,9 +3110,9 @@
             </a:lvl1pPr>
           </a:lstStyle>
           <a:p>
-            <a:fld id="{DF0DA02A-3D36-4521-B995-F6A931B35345}" type="datetimeFigureOut">
+            <a:fld id="{89C35C15-028A-4037-A786-BC8FFE1C39C6}" type="datetime1">
               <a:rPr lang="en-US" smtClean="0"/>
-              <a:t>9/13/2023</a:t>
+              <a:t>9/18/2023</a:t>
             </a:fld>
             <a:endParaRPr lang="en-US"/>
           </a:p>
@@ -3135,9 +3487,9 @@
           <a:bodyPr/>
           <a:lstStyle/>
           <a:p>
-            <a:fld id="{DF0DA02A-3D36-4521-B995-F6A931B35345}" type="datetimeFigureOut">
+            <a:fld id="{81E1FE27-27ED-4F1F-BED2-F621E95FB6CF}" type="datetime1">
               <a:rPr lang="en-US" smtClean="0"/>
-              <a:t>9/13/2023</a:t>
+              <a:t>9/18/2023</a:t>
             </a:fld>
             <a:endParaRPr lang="en-US"/>
           </a:p>
@@ -3422,9 +3774,9 @@
             </a:lvl1pPr>
           </a:lstStyle>
           <a:p>
-            <a:fld id="{DF0DA02A-3D36-4521-B995-F6A931B35345}" type="datetimeFigureOut">
+            <a:fld id="{4F110F97-AB37-4144-B712-487FE114CEAE}" type="datetime1">
               <a:rPr lang="en-US" smtClean="0"/>
-              <a:t>9/13/2023</a:t>
+              <a:t>9/18/2023</a:t>
             </a:fld>
             <a:endParaRPr lang="en-US"/>
           </a:p>
@@ -3563,6 +3915,7 @@
     <p:sldLayoutId id="2147483706" r:id="rId10"/>
     <p:sldLayoutId id="2147483707" r:id="rId11"/>
   </p:sldLayoutIdLst>
+  <p:hf hdr="0" ftr="0" dt="0"/>
   <p:txStyles>
     <p:titleStyle>
       <a:lvl1pPr algn="l" defTabSz="914400" rtl="0" eaLnBrk="1" latinLnBrk="0" hangingPunct="1">
@@ -4029,6 +4382,35 @@
           </a:p>
         </p:txBody>
       </p:sp>
+      <p:sp>
+        <p:nvSpPr>
+          <p:cNvPr id="4" name="Slide Number Placeholder 3">
+            <a:extLst>
+              <a:ext uri="{FF2B5EF4-FFF2-40B4-BE49-F238E27FC236}">
+                <a16:creationId xmlns:a16="http://schemas.microsoft.com/office/drawing/2014/main" id="{1DA34F83-0A36-5E05-42B0-526C9D839692}"/>
+              </a:ext>
+            </a:extLst>
+          </p:cNvPr>
+          <p:cNvSpPr>
+            <a:spLocks noGrp="1"/>
+          </p:cNvSpPr>
+          <p:nvPr>
+            <p:ph type="sldNum" sz="quarter" idx="12"/>
+          </p:nvPr>
+        </p:nvSpPr>
+        <p:spPr/>
+        <p:txBody>
+          <a:bodyPr/>
+          <a:lstStyle/>
+          <a:p>
+            <a:fld id="{9BF27F29-4B64-4A24-936A-FF41C34C242B}" type="slidenum">
+              <a:rPr lang="en-US" smtClean="0"/>
+              <a:t>1</a:t>
+            </a:fld>
+            <a:endParaRPr lang="en-US"/>
+          </a:p>
+        </p:txBody>
+      </p:sp>
     </p:spTree>
     <p:extLst>
       <p:ext uri="{BB962C8B-B14F-4D97-AF65-F5344CB8AC3E}">
@@ -4149,6 +4531,35 @@
           </a:p>
         </p:txBody>
       </p:sp>
+      <p:sp>
+        <p:nvSpPr>
+          <p:cNvPr id="4" name="Slide Number Placeholder 3">
+            <a:extLst>
+              <a:ext uri="{FF2B5EF4-FFF2-40B4-BE49-F238E27FC236}">
+                <a16:creationId xmlns:a16="http://schemas.microsoft.com/office/drawing/2014/main" id="{8FCAFE15-6440-D8B3-9DC2-506B1F1131AE}"/>
+              </a:ext>
+            </a:extLst>
+          </p:cNvPr>
+          <p:cNvSpPr>
+            <a:spLocks noGrp="1"/>
+          </p:cNvSpPr>
+          <p:nvPr>
+            <p:ph type="sldNum" sz="quarter" idx="12"/>
+          </p:nvPr>
+        </p:nvSpPr>
+        <p:spPr/>
+        <p:txBody>
+          <a:bodyPr/>
+          <a:lstStyle/>
+          <a:p>
+            <a:fld id="{9BF27F29-4B64-4A24-936A-FF41C34C242B}" type="slidenum">
+              <a:rPr lang="en-US" smtClean="0"/>
+              <a:t>10</a:t>
+            </a:fld>
+            <a:endParaRPr lang="en-US"/>
+          </a:p>
+        </p:txBody>
+      </p:sp>
     </p:spTree>
     <p:extLst>
       <p:ext uri="{BB962C8B-B14F-4D97-AF65-F5344CB8AC3E}">
@@ -4272,6 +4683,35 @@
           </a:p>
         </p:txBody>
       </p:sp>
+      <p:sp>
+        <p:nvSpPr>
+          <p:cNvPr id="4" name="Slide Number Placeholder 3">
+            <a:extLst>
+              <a:ext uri="{FF2B5EF4-FFF2-40B4-BE49-F238E27FC236}">
+                <a16:creationId xmlns:a16="http://schemas.microsoft.com/office/drawing/2014/main" id="{498EB3F5-4CF3-FC62-F051-6A9389987195}"/>
+              </a:ext>
+            </a:extLst>
+          </p:cNvPr>
+          <p:cNvSpPr>
+            <a:spLocks noGrp="1"/>
+          </p:cNvSpPr>
+          <p:nvPr>
+            <p:ph type="sldNum" sz="quarter" idx="12"/>
+          </p:nvPr>
+        </p:nvSpPr>
+        <p:spPr/>
+        <p:txBody>
+          <a:bodyPr/>
+          <a:lstStyle/>
+          <a:p>
+            <a:fld id="{9BF27F29-4B64-4A24-936A-FF41C34C242B}" type="slidenum">
+              <a:rPr lang="en-US" smtClean="0"/>
+              <a:t>11</a:t>
+            </a:fld>
+            <a:endParaRPr lang="en-US"/>
+          </a:p>
+        </p:txBody>
+      </p:sp>
     </p:spTree>
     <p:extLst>
       <p:ext uri="{BB962C8B-B14F-4D97-AF65-F5344CB8AC3E}">
@@ -4468,6 +4908,35 @@
           </a:p>
         </p:txBody>
       </p:sp>
+      <p:sp>
+        <p:nvSpPr>
+          <p:cNvPr id="5" name="Slide Number Placeholder 4">
+            <a:extLst>
+              <a:ext uri="{FF2B5EF4-FFF2-40B4-BE49-F238E27FC236}">
+                <a16:creationId xmlns:a16="http://schemas.microsoft.com/office/drawing/2014/main" id="{442DBB5A-B674-092F-DD96-C19154595762}"/>
+              </a:ext>
+            </a:extLst>
+          </p:cNvPr>
+          <p:cNvSpPr>
+            <a:spLocks noGrp="1"/>
+          </p:cNvSpPr>
+          <p:nvPr>
+            <p:ph type="sldNum" sz="quarter" idx="12"/>
+          </p:nvPr>
+        </p:nvSpPr>
+        <p:spPr/>
+        <p:txBody>
+          <a:bodyPr/>
+          <a:lstStyle/>
+          <a:p>
+            <a:fld id="{9BF27F29-4B64-4A24-936A-FF41C34C242B}" type="slidenum">
+              <a:rPr lang="en-US" smtClean="0"/>
+              <a:t>12</a:t>
+            </a:fld>
+            <a:endParaRPr lang="en-US"/>
+          </a:p>
+        </p:txBody>
+      </p:sp>
     </p:spTree>
     <p:extLst>
       <p:ext uri="{BB962C8B-B14F-4D97-AF65-F5344CB8AC3E}">
@@ -4690,6 +5159,35 @@
           </a:p>
         </p:txBody>
       </p:sp>
+      <p:sp>
+        <p:nvSpPr>
+          <p:cNvPr id="4" name="Slide Number Placeholder 3">
+            <a:extLst>
+              <a:ext uri="{FF2B5EF4-FFF2-40B4-BE49-F238E27FC236}">
+                <a16:creationId xmlns:a16="http://schemas.microsoft.com/office/drawing/2014/main" id="{21E6AC0C-2B54-F8E2-6BBF-BA3F6A778B43}"/>
+              </a:ext>
+            </a:extLst>
+          </p:cNvPr>
+          <p:cNvSpPr>
+            <a:spLocks noGrp="1"/>
+          </p:cNvSpPr>
+          <p:nvPr>
+            <p:ph type="sldNum" sz="quarter" idx="12"/>
+          </p:nvPr>
+        </p:nvSpPr>
+        <p:spPr/>
+        <p:txBody>
+          <a:bodyPr/>
+          <a:lstStyle/>
+          <a:p>
+            <a:fld id="{9BF27F29-4B64-4A24-936A-FF41C34C242B}" type="slidenum">
+              <a:rPr lang="en-US" smtClean="0"/>
+              <a:t>13</a:t>
+            </a:fld>
+            <a:endParaRPr lang="en-US"/>
+          </a:p>
+        </p:txBody>
+      </p:sp>
     </p:spTree>
     <p:extLst>
       <p:ext uri="{BB962C8B-B14F-4D97-AF65-F5344CB8AC3E}">
@@ -4867,6 +5365,35 @@
               </a:solidFill>
               <a:latin typeface="Roboto" panose="02000000000000000000" pitchFamily="2" charset="0"/>
             </a:endParaRPr>
+          </a:p>
+        </p:txBody>
+      </p:sp>
+      <p:sp>
+        <p:nvSpPr>
+          <p:cNvPr id="4" name="Slide Number Placeholder 3">
+            <a:extLst>
+              <a:ext uri="{FF2B5EF4-FFF2-40B4-BE49-F238E27FC236}">
+                <a16:creationId xmlns:a16="http://schemas.microsoft.com/office/drawing/2014/main" id="{F9291482-9394-B61B-6DB7-2213C221D255}"/>
+              </a:ext>
+            </a:extLst>
+          </p:cNvPr>
+          <p:cNvSpPr>
+            <a:spLocks noGrp="1"/>
+          </p:cNvSpPr>
+          <p:nvPr>
+            <p:ph type="sldNum" sz="quarter" idx="12"/>
+          </p:nvPr>
+        </p:nvSpPr>
+        <p:spPr/>
+        <p:txBody>
+          <a:bodyPr/>
+          <a:lstStyle/>
+          <a:p>
+            <a:fld id="{9BF27F29-4B64-4A24-936A-FF41C34C242B}" type="slidenum">
+              <a:rPr lang="en-US" smtClean="0"/>
+              <a:t>14</a:t>
+            </a:fld>
+            <a:endParaRPr lang="en-US"/>
           </a:p>
         </p:txBody>
       </p:sp>
@@ -5351,6 +5878,35 @@
           </a:fontRef>
         </p:style>
       </p:cxnSp>
+      <p:sp>
+        <p:nvSpPr>
+          <p:cNvPr id="7" name="Slide Number Placeholder 6">
+            <a:extLst>
+              <a:ext uri="{FF2B5EF4-FFF2-40B4-BE49-F238E27FC236}">
+                <a16:creationId xmlns:a16="http://schemas.microsoft.com/office/drawing/2014/main" id="{FE2168D0-A16C-392A-071E-93937BB9C319}"/>
+              </a:ext>
+            </a:extLst>
+          </p:cNvPr>
+          <p:cNvSpPr>
+            <a:spLocks noGrp="1"/>
+          </p:cNvSpPr>
+          <p:nvPr>
+            <p:ph type="sldNum" sz="quarter" idx="12"/>
+          </p:nvPr>
+        </p:nvSpPr>
+        <p:spPr/>
+        <p:txBody>
+          <a:bodyPr/>
+          <a:lstStyle/>
+          <a:p>
+            <a:fld id="{9BF27F29-4B64-4A24-936A-FF41C34C242B}" type="slidenum">
+              <a:rPr lang="en-US" smtClean="0"/>
+              <a:t>15</a:t>
+            </a:fld>
+            <a:endParaRPr lang="en-US"/>
+          </a:p>
+        </p:txBody>
+      </p:sp>
     </p:spTree>
     <p:extLst>
       <p:ext uri="{BB962C8B-B14F-4D97-AF65-F5344CB8AC3E}">
@@ -5550,6 +6106,35 @@
           </a:p>
         </p:txBody>
       </p:sp>
+      <p:sp>
+        <p:nvSpPr>
+          <p:cNvPr id="4" name="Slide Number Placeholder 3">
+            <a:extLst>
+              <a:ext uri="{FF2B5EF4-FFF2-40B4-BE49-F238E27FC236}">
+                <a16:creationId xmlns:a16="http://schemas.microsoft.com/office/drawing/2014/main" id="{93F36514-3B4B-3899-C739-DA86C34ECFD5}"/>
+              </a:ext>
+            </a:extLst>
+          </p:cNvPr>
+          <p:cNvSpPr>
+            <a:spLocks noGrp="1"/>
+          </p:cNvSpPr>
+          <p:nvPr>
+            <p:ph type="sldNum" sz="quarter" idx="12"/>
+          </p:nvPr>
+        </p:nvSpPr>
+        <p:spPr/>
+        <p:txBody>
+          <a:bodyPr/>
+          <a:lstStyle/>
+          <a:p>
+            <a:fld id="{9BF27F29-4B64-4A24-936A-FF41C34C242B}" type="slidenum">
+              <a:rPr lang="en-US" smtClean="0"/>
+              <a:t>16</a:t>
+            </a:fld>
+            <a:endParaRPr lang="en-US"/>
+          </a:p>
+        </p:txBody>
+      </p:sp>
     </p:spTree>
     <p:extLst>
       <p:ext uri="{BB962C8B-B14F-4D97-AF65-F5344CB8AC3E}">
@@ -5704,6 +6289,35 @@
           </a:p>
         </p:txBody>
       </p:sp>
+      <p:sp>
+        <p:nvSpPr>
+          <p:cNvPr id="4" name="Slide Number Placeholder 3">
+            <a:extLst>
+              <a:ext uri="{FF2B5EF4-FFF2-40B4-BE49-F238E27FC236}">
+                <a16:creationId xmlns:a16="http://schemas.microsoft.com/office/drawing/2014/main" id="{0633BECC-6309-1925-EA5E-B008AAFE1BFA}"/>
+              </a:ext>
+            </a:extLst>
+          </p:cNvPr>
+          <p:cNvSpPr>
+            <a:spLocks noGrp="1"/>
+          </p:cNvSpPr>
+          <p:nvPr>
+            <p:ph type="sldNum" sz="quarter" idx="12"/>
+          </p:nvPr>
+        </p:nvSpPr>
+        <p:spPr/>
+        <p:txBody>
+          <a:bodyPr/>
+          <a:lstStyle/>
+          <a:p>
+            <a:fld id="{9BF27F29-4B64-4A24-936A-FF41C34C242B}" type="slidenum">
+              <a:rPr lang="en-US" smtClean="0"/>
+              <a:t>17</a:t>
+            </a:fld>
+            <a:endParaRPr lang="en-US"/>
+          </a:p>
+        </p:txBody>
+      </p:sp>
     </p:spTree>
     <p:extLst>
       <p:ext uri="{BB962C8B-B14F-4D97-AF65-F5344CB8AC3E}">
@@ -5787,6 +6401,35 @@
           </a:p>
         </p:txBody>
       </p:sp>
+      <p:sp>
+        <p:nvSpPr>
+          <p:cNvPr id="4" name="Slide Number Placeholder 3">
+            <a:extLst>
+              <a:ext uri="{FF2B5EF4-FFF2-40B4-BE49-F238E27FC236}">
+                <a16:creationId xmlns:a16="http://schemas.microsoft.com/office/drawing/2014/main" id="{8BBE7C04-FFD5-0E03-8DA3-9802E7B38627}"/>
+              </a:ext>
+            </a:extLst>
+          </p:cNvPr>
+          <p:cNvSpPr>
+            <a:spLocks noGrp="1"/>
+          </p:cNvSpPr>
+          <p:nvPr>
+            <p:ph type="sldNum" sz="quarter" idx="12"/>
+          </p:nvPr>
+        </p:nvSpPr>
+        <p:spPr/>
+        <p:txBody>
+          <a:bodyPr/>
+          <a:lstStyle/>
+          <a:p>
+            <a:fld id="{9BF27F29-4B64-4A24-936A-FF41C34C242B}" type="slidenum">
+              <a:rPr lang="en-US" smtClean="0"/>
+              <a:t>18</a:t>
+            </a:fld>
+            <a:endParaRPr lang="en-US"/>
+          </a:p>
+        </p:txBody>
+      </p:sp>
     </p:spTree>
     <p:extLst>
       <p:ext uri="{BB962C8B-B14F-4D97-AF65-F5344CB8AC3E}">
@@ -5905,6 +6548,35 @@
           </a:p>
         </p:txBody>
       </p:sp>
+      <p:sp>
+        <p:nvSpPr>
+          <p:cNvPr id="4" name="Slide Number Placeholder 3">
+            <a:extLst>
+              <a:ext uri="{FF2B5EF4-FFF2-40B4-BE49-F238E27FC236}">
+                <a16:creationId xmlns:a16="http://schemas.microsoft.com/office/drawing/2014/main" id="{44ECE04F-34CC-8BDD-813B-3C5815C21EE5}"/>
+              </a:ext>
+            </a:extLst>
+          </p:cNvPr>
+          <p:cNvSpPr>
+            <a:spLocks noGrp="1"/>
+          </p:cNvSpPr>
+          <p:nvPr>
+            <p:ph type="sldNum" sz="quarter" idx="12"/>
+          </p:nvPr>
+        </p:nvSpPr>
+        <p:spPr/>
+        <p:txBody>
+          <a:bodyPr/>
+          <a:lstStyle/>
+          <a:p>
+            <a:fld id="{9BF27F29-4B64-4A24-936A-FF41C34C242B}" type="slidenum">
+              <a:rPr lang="en-US" smtClean="0"/>
+              <a:t>19</a:t>
+            </a:fld>
+            <a:endParaRPr lang="en-US"/>
+          </a:p>
+        </p:txBody>
+      </p:sp>
     </p:spTree>
     <p:extLst>
       <p:ext uri="{BB962C8B-B14F-4D97-AF65-F5344CB8AC3E}">
@@ -6020,6 +6692,35 @@
           </a:p>
         </p:txBody>
       </p:sp>
+      <p:sp>
+        <p:nvSpPr>
+          <p:cNvPr id="4" name="Slide Number Placeholder 3">
+            <a:extLst>
+              <a:ext uri="{FF2B5EF4-FFF2-40B4-BE49-F238E27FC236}">
+                <a16:creationId xmlns:a16="http://schemas.microsoft.com/office/drawing/2014/main" id="{5D5E65E6-B9C9-6ACB-2B62-1676AF48C871}"/>
+              </a:ext>
+            </a:extLst>
+          </p:cNvPr>
+          <p:cNvSpPr>
+            <a:spLocks noGrp="1"/>
+          </p:cNvSpPr>
+          <p:nvPr>
+            <p:ph type="sldNum" sz="quarter" idx="12"/>
+          </p:nvPr>
+        </p:nvSpPr>
+        <p:spPr/>
+        <p:txBody>
+          <a:bodyPr/>
+          <a:lstStyle/>
+          <a:p>
+            <a:fld id="{9BF27F29-4B64-4A24-936A-FF41C34C242B}" type="slidenum">
+              <a:rPr lang="en-US" smtClean="0"/>
+              <a:t>2</a:t>
+            </a:fld>
+            <a:endParaRPr lang="en-US"/>
+          </a:p>
+        </p:txBody>
+      </p:sp>
     </p:spTree>
     <p:extLst>
       <p:ext uri="{BB962C8B-B14F-4D97-AF65-F5344CB8AC3E}">
@@ -6164,6 +6865,35 @@
           </a:p>
         </p:txBody>
       </p:sp>
+      <p:sp>
+        <p:nvSpPr>
+          <p:cNvPr id="4" name="Slide Number Placeholder 3">
+            <a:extLst>
+              <a:ext uri="{FF2B5EF4-FFF2-40B4-BE49-F238E27FC236}">
+                <a16:creationId xmlns:a16="http://schemas.microsoft.com/office/drawing/2014/main" id="{A77F63F8-EFA8-EAAE-0442-EA278E8F40A0}"/>
+              </a:ext>
+            </a:extLst>
+          </p:cNvPr>
+          <p:cNvSpPr>
+            <a:spLocks noGrp="1"/>
+          </p:cNvSpPr>
+          <p:nvPr>
+            <p:ph type="sldNum" sz="quarter" idx="12"/>
+          </p:nvPr>
+        </p:nvSpPr>
+        <p:spPr/>
+        <p:txBody>
+          <a:bodyPr/>
+          <a:lstStyle/>
+          <a:p>
+            <a:fld id="{9BF27F29-4B64-4A24-936A-FF41C34C242B}" type="slidenum">
+              <a:rPr lang="en-US" smtClean="0"/>
+              <a:t>20</a:t>
+            </a:fld>
+            <a:endParaRPr lang="en-US"/>
+          </a:p>
+        </p:txBody>
+      </p:sp>
     </p:spTree>
     <p:extLst>
       <p:ext uri="{BB962C8B-B14F-4D97-AF65-F5344CB8AC3E}">
@@ -6285,6 +7015,35 @@
           </a:p>
         </p:txBody>
       </p:sp>
+      <p:sp>
+        <p:nvSpPr>
+          <p:cNvPr id="4" name="Slide Number Placeholder 3">
+            <a:extLst>
+              <a:ext uri="{FF2B5EF4-FFF2-40B4-BE49-F238E27FC236}">
+                <a16:creationId xmlns:a16="http://schemas.microsoft.com/office/drawing/2014/main" id="{BED54709-8182-7247-C293-3B530355FE4E}"/>
+              </a:ext>
+            </a:extLst>
+          </p:cNvPr>
+          <p:cNvSpPr>
+            <a:spLocks noGrp="1"/>
+          </p:cNvSpPr>
+          <p:nvPr>
+            <p:ph type="sldNum" sz="quarter" idx="12"/>
+          </p:nvPr>
+        </p:nvSpPr>
+        <p:spPr/>
+        <p:txBody>
+          <a:bodyPr/>
+          <a:lstStyle/>
+          <a:p>
+            <a:fld id="{9BF27F29-4B64-4A24-936A-FF41C34C242B}" type="slidenum">
+              <a:rPr lang="en-US" smtClean="0"/>
+              <a:t>21</a:t>
+            </a:fld>
+            <a:endParaRPr lang="en-US"/>
+          </a:p>
+        </p:txBody>
+      </p:sp>
     </p:spTree>
     <p:extLst>
       <p:ext uri="{BB962C8B-B14F-4D97-AF65-F5344CB8AC3E}">
@@ -6471,6 +7230,35 @@
           </a:p>
         </p:txBody>
       </p:sp>
+      <p:sp>
+        <p:nvSpPr>
+          <p:cNvPr id="4" name="Slide Number Placeholder 3">
+            <a:extLst>
+              <a:ext uri="{FF2B5EF4-FFF2-40B4-BE49-F238E27FC236}">
+                <a16:creationId xmlns:a16="http://schemas.microsoft.com/office/drawing/2014/main" id="{74516455-C53D-27D3-7E3D-3F3E826BD6DD}"/>
+              </a:ext>
+            </a:extLst>
+          </p:cNvPr>
+          <p:cNvSpPr>
+            <a:spLocks noGrp="1"/>
+          </p:cNvSpPr>
+          <p:nvPr>
+            <p:ph type="sldNum" sz="quarter" idx="12"/>
+          </p:nvPr>
+        </p:nvSpPr>
+        <p:spPr/>
+        <p:txBody>
+          <a:bodyPr/>
+          <a:lstStyle/>
+          <a:p>
+            <a:fld id="{9BF27F29-4B64-4A24-936A-FF41C34C242B}" type="slidenum">
+              <a:rPr lang="en-US" smtClean="0"/>
+              <a:t>22</a:t>
+            </a:fld>
+            <a:endParaRPr lang="en-US"/>
+          </a:p>
+        </p:txBody>
+      </p:sp>
     </p:spTree>
     <p:extLst>
       <p:ext uri="{BB962C8B-B14F-4D97-AF65-F5344CB8AC3E}">
@@ -6693,6 +7481,35 @@
           </a:p>
         </p:txBody>
       </p:sp>
+      <p:sp>
+        <p:nvSpPr>
+          <p:cNvPr id="4" name="Slide Number Placeholder 3">
+            <a:extLst>
+              <a:ext uri="{FF2B5EF4-FFF2-40B4-BE49-F238E27FC236}">
+                <a16:creationId xmlns:a16="http://schemas.microsoft.com/office/drawing/2014/main" id="{76720BAE-0F7C-99AA-7513-AC65B7A651FC}"/>
+              </a:ext>
+            </a:extLst>
+          </p:cNvPr>
+          <p:cNvSpPr>
+            <a:spLocks noGrp="1"/>
+          </p:cNvSpPr>
+          <p:nvPr>
+            <p:ph type="sldNum" sz="quarter" idx="12"/>
+          </p:nvPr>
+        </p:nvSpPr>
+        <p:spPr/>
+        <p:txBody>
+          <a:bodyPr/>
+          <a:lstStyle/>
+          <a:p>
+            <a:fld id="{9BF27F29-4B64-4A24-936A-FF41C34C242B}" type="slidenum">
+              <a:rPr lang="en-US" smtClean="0"/>
+              <a:t>23</a:t>
+            </a:fld>
+            <a:endParaRPr lang="en-US"/>
+          </a:p>
+        </p:txBody>
+      </p:sp>
     </p:spTree>
     <p:extLst>
       <p:ext uri="{BB962C8B-B14F-4D97-AF65-F5344CB8AC3E}">
@@ -6811,6 +7628,35 @@
           </a:p>
         </p:txBody>
       </p:sp>
+      <p:sp>
+        <p:nvSpPr>
+          <p:cNvPr id="4" name="Slide Number Placeholder 3">
+            <a:extLst>
+              <a:ext uri="{FF2B5EF4-FFF2-40B4-BE49-F238E27FC236}">
+                <a16:creationId xmlns:a16="http://schemas.microsoft.com/office/drawing/2014/main" id="{39965D87-BB3A-7014-8A03-DDBBFFEC2C47}"/>
+              </a:ext>
+            </a:extLst>
+          </p:cNvPr>
+          <p:cNvSpPr>
+            <a:spLocks noGrp="1"/>
+          </p:cNvSpPr>
+          <p:nvPr>
+            <p:ph type="sldNum" sz="quarter" idx="12"/>
+          </p:nvPr>
+        </p:nvSpPr>
+        <p:spPr/>
+        <p:txBody>
+          <a:bodyPr/>
+          <a:lstStyle/>
+          <a:p>
+            <a:fld id="{9BF27F29-4B64-4A24-936A-FF41C34C242B}" type="slidenum">
+              <a:rPr lang="en-US" smtClean="0"/>
+              <a:t>24</a:t>
+            </a:fld>
+            <a:endParaRPr lang="en-US"/>
+          </a:p>
+        </p:txBody>
+      </p:sp>
     </p:spTree>
     <p:extLst>
       <p:ext uri="{BB962C8B-B14F-4D97-AF65-F5344CB8AC3E}">
@@ -7269,6 +8115,35 @@
           </a:p>
         </p:txBody>
       </p:sp>
+      <p:sp>
+        <p:nvSpPr>
+          <p:cNvPr id="4" name="Slide Number Placeholder 3">
+            <a:extLst>
+              <a:ext uri="{FF2B5EF4-FFF2-40B4-BE49-F238E27FC236}">
+                <a16:creationId xmlns:a16="http://schemas.microsoft.com/office/drawing/2014/main" id="{2E0F1552-8A9F-3622-48EE-366896EFE03F}"/>
+              </a:ext>
+            </a:extLst>
+          </p:cNvPr>
+          <p:cNvSpPr>
+            <a:spLocks noGrp="1"/>
+          </p:cNvSpPr>
+          <p:nvPr>
+            <p:ph type="sldNum" sz="quarter" idx="12"/>
+          </p:nvPr>
+        </p:nvSpPr>
+        <p:spPr/>
+        <p:txBody>
+          <a:bodyPr/>
+          <a:lstStyle/>
+          <a:p>
+            <a:fld id="{9BF27F29-4B64-4A24-936A-FF41C34C242B}" type="slidenum">
+              <a:rPr lang="en-US" smtClean="0"/>
+              <a:t>25</a:t>
+            </a:fld>
+            <a:endParaRPr lang="en-US"/>
+          </a:p>
+        </p:txBody>
+      </p:sp>
     </p:spTree>
     <p:extLst>
       <p:ext uri="{BB962C8B-B14F-4D97-AF65-F5344CB8AC3E}">
@@ -7352,6 +8227,35 @@
           </a:p>
         </p:txBody>
       </p:sp>
+      <p:sp>
+        <p:nvSpPr>
+          <p:cNvPr id="4" name="Slide Number Placeholder 3">
+            <a:extLst>
+              <a:ext uri="{FF2B5EF4-FFF2-40B4-BE49-F238E27FC236}">
+                <a16:creationId xmlns:a16="http://schemas.microsoft.com/office/drawing/2014/main" id="{19F12020-17B9-DDDE-ADE5-CD3F5E4A0265}"/>
+              </a:ext>
+            </a:extLst>
+          </p:cNvPr>
+          <p:cNvSpPr>
+            <a:spLocks noGrp="1"/>
+          </p:cNvSpPr>
+          <p:nvPr>
+            <p:ph type="sldNum" sz="quarter" idx="12"/>
+          </p:nvPr>
+        </p:nvSpPr>
+        <p:spPr/>
+        <p:txBody>
+          <a:bodyPr/>
+          <a:lstStyle/>
+          <a:p>
+            <a:fld id="{9BF27F29-4B64-4A24-936A-FF41C34C242B}" type="slidenum">
+              <a:rPr lang="en-US" smtClean="0"/>
+              <a:t>26</a:t>
+            </a:fld>
+            <a:endParaRPr lang="en-US"/>
+          </a:p>
+        </p:txBody>
+      </p:sp>
     </p:spTree>
     <p:extLst>
       <p:ext uri="{BB962C8B-B14F-4D97-AF65-F5344CB8AC3E}">
@@ -7507,6 +8411,35 @@
           </a:p>
         </p:txBody>
       </p:sp>
+      <p:sp>
+        <p:nvSpPr>
+          <p:cNvPr id="4" name="Slide Number Placeholder 3">
+            <a:extLst>
+              <a:ext uri="{FF2B5EF4-FFF2-40B4-BE49-F238E27FC236}">
+                <a16:creationId xmlns:a16="http://schemas.microsoft.com/office/drawing/2014/main" id="{89916772-AEDB-8932-796F-74A967F0C807}"/>
+              </a:ext>
+            </a:extLst>
+          </p:cNvPr>
+          <p:cNvSpPr>
+            <a:spLocks noGrp="1"/>
+          </p:cNvSpPr>
+          <p:nvPr>
+            <p:ph type="sldNum" sz="quarter" idx="12"/>
+          </p:nvPr>
+        </p:nvSpPr>
+        <p:spPr/>
+        <p:txBody>
+          <a:bodyPr/>
+          <a:lstStyle/>
+          <a:p>
+            <a:fld id="{9BF27F29-4B64-4A24-936A-FF41C34C242B}" type="slidenum">
+              <a:rPr lang="en-US" smtClean="0"/>
+              <a:t>27</a:t>
+            </a:fld>
+            <a:endParaRPr lang="en-US"/>
+          </a:p>
+        </p:txBody>
+      </p:sp>
     </p:spTree>
     <p:extLst>
       <p:ext uri="{BB962C8B-B14F-4D97-AF65-F5344CB8AC3E}">
@@ -7631,6 +8564,35 @@
           </a:p>
         </p:txBody>
       </p:sp>
+      <p:sp>
+        <p:nvSpPr>
+          <p:cNvPr id="4" name="Slide Number Placeholder 3">
+            <a:extLst>
+              <a:ext uri="{FF2B5EF4-FFF2-40B4-BE49-F238E27FC236}">
+                <a16:creationId xmlns:a16="http://schemas.microsoft.com/office/drawing/2014/main" id="{53EAC5FA-5867-CB04-DC26-6BB8DE1D0868}"/>
+              </a:ext>
+            </a:extLst>
+          </p:cNvPr>
+          <p:cNvSpPr>
+            <a:spLocks noGrp="1"/>
+          </p:cNvSpPr>
+          <p:nvPr>
+            <p:ph type="sldNum" sz="quarter" idx="12"/>
+          </p:nvPr>
+        </p:nvSpPr>
+        <p:spPr/>
+        <p:txBody>
+          <a:bodyPr/>
+          <a:lstStyle/>
+          <a:p>
+            <a:fld id="{9BF27F29-4B64-4A24-936A-FF41C34C242B}" type="slidenum">
+              <a:rPr lang="en-US" smtClean="0"/>
+              <a:t>28</a:t>
+            </a:fld>
+            <a:endParaRPr lang="en-US"/>
+          </a:p>
+        </p:txBody>
+      </p:sp>
     </p:spTree>
     <p:extLst>
       <p:ext uri="{BB962C8B-B14F-4D97-AF65-F5344CB8AC3E}">
@@ -7714,6 +8676,35 @@
           </a:p>
         </p:txBody>
       </p:sp>
+      <p:sp>
+        <p:nvSpPr>
+          <p:cNvPr id="4" name="Slide Number Placeholder 3">
+            <a:extLst>
+              <a:ext uri="{FF2B5EF4-FFF2-40B4-BE49-F238E27FC236}">
+                <a16:creationId xmlns:a16="http://schemas.microsoft.com/office/drawing/2014/main" id="{BC87716F-66E8-CC57-695F-F265615E2BA4}"/>
+              </a:ext>
+            </a:extLst>
+          </p:cNvPr>
+          <p:cNvSpPr>
+            <a:spLocks noGrp="1"/>
+          </p:cNvSpPr>
+          <p:nvPr>
+            <p:ph type="sldNum" sz="quarter" idx="12"/>
+          </p:nvPr>
+        </p:nvSpPr>
+        <p:spPr/>
+        <p:txBody>
+          <a:bodyPr/>
+          <a:lstStyle/>
+          <a:p>
+            <a:fld id="{9BF27F29-4B64-4A24-936A-FF41C34C242B}" type="slidenum">
+              <a:rPr lang="en-US" smtClean="0"/>
+              <a:t>29</a:t>
+            </a:fld>
+            <a:endParaRPr lang="en-US"/>
+          </a:p>
+        </p:txBody>
+      </p:sp>
     </p:spTree>
     <p:extLst>
       <p:ext uri="{BB962C8B-B14F-4D97-AF65-F5344CB8AC3E}">
@@ -7899,6 +8890,35 @@
               <a:t> Should we implement the CFG? Or use another way? </a:t>
             </a:r>
             <a:endParaRPr lang="en-US" b="1" dirty="0"/>
+          </a:p>
+        </p:txBody>
+      </p:sp>
+      <p:sp>
+        <p:nvSpPr>
+          <p:cNvPr id="4" name="Slide Number Placeholder 3">
+            <a:extLst>
+              <a:ext uri="{FF2B5EF4-FFF2-40B4-BE49-F238E27FC236}">
+                <a16:creationId xmlns:a16="http://schemas.microsoft.com/office/drawing/2014/main" id="{6295C09E-5E9E-E4A8-19A5-7A586B51988B}"/>
+              </a:ext>
+            </a:extLst>
+          </p:cNvPr>
+          <p:cNvSpPr>
+            <a:spLocks noGrp="1"/>
+          </p:cNvSpPr>
+          <p:nvPr>
+            <p:ph type="sldNum" sz="quarter" idx="12"/>
+          </p:nvPr>
+        </p:nvSpPr>
+        <p:spPr/>
+        <p:txBody>
+          <a:bodyPr/>
+          <a:lstStyle/>
+          <a:p>
+            <a:fld id="{9BF27F29-4B64-4A24-936A-FF41C34C242B}" type="slidenum">
+              <a:rPr lang="en-US" smtClean="0"/>
+              <a:t>3</a:t>
+            </a:fld>
+            <a:endParaRPr lang="en-US"/>
           </a:p>
         </p:txBody>
       </p:sp>
@@ -8881,6 +9901,35 @@
           </a:fontRef>
         </p:style>
       </p:cxnSp>
+      <p:sp>
+        <p:nvSpPr>
+          <p:cNvPr id="6" name="Slide Number Placeholder 5">
+            <a:extLst>
+              <a:ext uri="{FF2B5EF4-FFF2-40B4-BE49-F238E27FC236}">
+                <a16:creationId xmlns:a16="http://schemas.microsoft.com/office/drawing/2014/main" id="{16E5B8E8-DE4D-874E-3F65-CD86B62E74B5}"/>
+              </a:ext>
+            </a:extLst>
+          </p:cNvPr>
+          <p:cNvSpPr>
+            <a:spLocks noGrp="1"/>
+          </p:cNvSpPr>
+          <p:nvPr>
+            <p:ph type="sldNum" sz="quarter" idx="12"/>
+          </p:nvPr>
+        </p:nvSpPr>
+        <p:spPr/>
+        <p:txBody>
+          <a:bodyPr/>
+          <a:lstStyle/>
+          <a:p>
+            <a:fld id="{9BF27F29-4B64-4A24-936A-FF41C34C242B}" type="slidenum">
+              <a:rPr lang="en-US" smtClean="0"/>
+              <a:t>32</a:t>
+            </a:fld>
+            <a:endParaRPr lang="en-US"/>
+          </a:p>
+        </p:txBody>
+      </p:sp>
     </p:spTree>
     <p:extLst>
       <p:ext uri="{BB962C8B-B14F-4D97-AF65-F5344CB8AC3E}">
@@ -9587,6 +10636,35 @@
           </a:p>
         </p:txBody>
       </p:sp>
+      <p:sp>
+        <p:nvSpPr>
+          <p:cNvPr id="4" name="Slide Number Placeholder 3">
+            <a:extLst>
+              <a:ext uri="{FF2B5EF4-FFF2-40B4-BE49-F238E27FC236}">
+                <a16:creationId xmlns:a16="http://schemas.microsoft.com/office/drawing/2014/main" id="{CE5D756B-B00D-4E16-E33A-2009B4309818}"/>
+              </a:ext>
+            </a:extLst>
+          </p:cNvPr>
+          <p:cNvSpPr>
+            <a:spLocks noGrp="1"/>
+          </p:cNvSpPr>
+          <p:nvPr>
+            <p:ph type="sldNum" sz="quarter" idx="12"/>
+          </p:nvPr>
+        </p:nvSpPr>
+        <p:spPr/>
+        <p:txBody>
+          <a:bodyPr/>
+          <a:lstStyle/>
+          <a:p>
+            <a:fld id="{9BF27F29-4B64-4A24-936A-FF41C34C242B}" type="slidenum">
+              <a:rPr lang="en-US" smtClean="0"/>
+              <a:t>34</a:t>
+            </a:fld>
+            <a:endParaRPr lang="en-US"/>
+          </a:p>
+        </p:txBody>
+      </p:sp>
     </p:spTree>
     <p:extLst>
       <p:ext uri="{BB962C8B-B14F-4D97-AF65-F5344CB8AC3E}">
@@ -9670,6 +10748,35 @@
           </a:p>
         </p:txBody>
       </p:sp>
+      <p:sp>
+        <p:nvSpPr>
+          <p:cNvPr id="4" name="Slide Number Placeholder 3">
+            <a:extLst>
+              <a:ext uri="{FF2B5EF4-FFF2-40B4-BE49-F238E27FC236}">
+                <a16:creationId xmlns:a16="http://schemas.microsoft.com/office/drawing/2014/main" id="{901D609B-365C-5338-3C24-4E8369CC6CC8}"/>
+              </a:ext>
+            </a:extLst>
+          </p:cNvPr>
+          <p:cNvSpPr>
+            <a:spLocks noGrp="1"/>
+          </p:cNvSpPr>
+          <p:nvPr>
+            <p:ph type="sldNum" sz="quarter" idx="12"/>
+          </p:nvPr>
+        </p:nvSpPr>
+        <p:spPr/>
+        <p:txBody>
+          <a:bodyPr/>
+          <a:lstStyle/>
+          <a:p>
+            <a:fld id="{9BF27F29-4B64-4A24-936A-FF41C34C242B}" type="slidenum">
+              <a:rPr lang="en-US" smtClean="0"/>
+              <a:t>35</a:t>
+            </a:fld>
+            <a:endParaRPr lang="en-US"/>
+          </a:p>
+        </p:txBody>
+      </p:sp>
     </p:spTree>
     <p:extLst>
       <p:ext uri="{BB962C8B-B14F-4D97-AF65-F5344CB8AC3E}">
@@ -9768,6 +10875,35 @@
           </a:p>
         </p:txBody>
       </p:sp>
+      <p:sp>
+        <p:nvSpPr>
+          <p:cNvPr id="4" name="Slide Number Placeholder 3">
+            <a:extLst>
+              <a:ext uri="{FF2B5EF4-FFF2-40B4-BE49-F238E27FC236}">
+                <a16:creationId xmlns:a16="http://schemas.microsoft.com/office/drawing/2014/main" id="{3F8B5123-0B8F-7B9B-C5A8-C2E36B9DC58C}"/>
+              </a:ext>
+            </a:extLst>
+          </p:cNvPr>
+          <p:cNvSpPr>
+            <a:spLocks noGrp="1"/>
+          </p:cNvSpPr>
+          <p:nvPr>
+            <p:ph type="sldNum" sz="quarter" idx="12"/>
+          </p:nvPr>
+        </p:nvSpPr>
+        <p:spPr/>
+        <p:txBody>
+          <a:bodyPr/>
+          <a:lstStyle/>
+          <a:p>
+            <a:fld id="{9BF27F29-4B64-4A24-936A-FF41C34C242B}" type="slidenum">
+              <a:rPr lang="en-US" smtClean="0"/>
+              <a:t>36</a:t>
+            </a:fld>
+            <a:endParaRPr lang="en-US"/>
+          </a:p>
+        </p:txBody>
+      </p:sp>
     </p:spTree>
     <p:extLst>
       <p:ext uri="{BB962C8B-B14F-4D97-AF65-F5344CB8AC3E}">
@@ -10152,6 +11288,35 @@
           </a:p>
         </p:txBody>
       </p:sp>
+      <p:sp>
+        <p:nvSpPr>
+          <p:cNvPr id="4" name="Slide Number Placeholder 3">
+            <a:extLst>
+              <a:ext uri="{FF2B5EF4-FFF2-40B4-BE49-F238E27FC236}">
+                <a16:creationId xmlns:a16="http://schemas.microsoft.com/office/drawing/2014/main" id="{FDCBA0EF-969F-86ED-60EB-D14B198639E8}"/>
+              </a:ext>
+            </a:extLst>
+          </p:cNvPr>
+          <p:cNvSpPr>
+            <a:spLocks noGrp="1"/>
+          </p:cNvSpPr>
+          <p:nvPr>
+            <p:ph type="sldNum" sz="quarter" idx="12"/>
+          </p:nvPr>
+        </p:nvSpPr>
+        <p:spPr/>
+        <p:txBody>
+          <a:bodyPr/>
+          <a:lstStyle/>
+          <a:p>
+            <a:fld id="{9BF27F29-4B64-4A24-936A-FF41C34C242B}" type="slidenum">
+              <a:rPr lang="en-US" smtClean="0"/>
+              <a:t>37</a:t>
+            </a:fld>
+            <a:endParaRPr lang="en-US"/>
+          </a:p>
+        </p:txBody>
+      </p:sp>
     </p:spTree>
     <p:extLst>
       <p:ext uri="{BB962C8B-B14F-4D97-AF65-F5344CB8AC3E}">
@@ -10356,6 +11521,35 @@
           </a:p>
         </p:txBody>
       </p:sp>
+      <p:sp>
+        <p:nvSpPr>
+          <p:cNvPr id="4" name="Slide Number Placeholder 3">
+            <a:extLst>
+              <a:ext uri="{FF2B5EF4-FFF2-40B4-BE49-F238E27FC236}">
+                <a16:creationId xmlns:a16="http://schemas.microsoft.com/office/drawing/2014/main" id="{D9F94C52-AD50-5847-F43B-C2909A99E851}"/>
+              </a:ext>
+            </a:extLst>
+          </p:cNvPr>
+          <p:cNvSpPr>
+            <a:spLocks noGrp="1"/>
+          </p:cNvSpPr>
+          <p:nvPr>
+            <p:ph type="sldNum" sz="quarter" idx="12"/>
+          </p:nvPr>
+        </p:nvSpPr>
+        <p:spPr/>
+        <p:txBody>
+          <a:bodyPr/>
+          <a:lstStyle/>
+          <a:p>
+            <a:fld id="{9BF27F29-4B64-4A24-936A-FF41C34C242B}" type="slidenum">
+              <a:rPr lang="en-US" smtClean="0"/>
+              <a:t>38</a:t>
+            </a:fld>
+            <a:endParaRPr lang="en-US"/>
+          </a:p>
+        </p:txBody>
+      </p:sp>
     </p:spTree>
     <p:extLst>
       <p:ext uri="{BB962C8B-B14F-4D97-AF65-F5344CB8AC3E}">
@@ -10551,6 +11745,35 @@
             <a:endParaRPr lang="en-US" dirty="0">
               <a:latin typeface="Consolas" panose="020B0609020204030204" pitchFamily="49" charset="0"/>
             </a:endParaRPr>
+          </a:p>
+        </p:txBody>
+      </p:sp>
+      <p:sp>
+        <p:nvSpPr>
+          <p:cNvPr id="4" name="Slide Number Placeholder 3">
+            <a:extLst>
+              <a:ext uri="{FF2B5EF4-FFF2-40B4-BE49-F238E27FC236}">
+                <a16:creationId xmlns:a16="http://schemas.microsoft.com/office/drawing/2014/main" id="{14D162FB-36B2-F2D9-923E-534407CA387B}"/>
+              </a:ext>
+            </a:extLst>
+          </p:cNvPr>
+          <p:cNvSpPr>
+            <a:spLocks noGrp="1"/>
+          </p:cNvSpPr>
+          <p:nvPr>
+            <p:ph type="sldNum" sz="quarter" idx="12"/>
+          </p:nvPr>
+        </p:nvSpPr>
+        <p:spPr/>
+        <p:txBody>
+          <a:bodyPr/>
+          <a:lstStyle/>
+          <a:p>
+            <a:fld id="{9BF27F29-4B64-4A24-936A-FF41C34C242B}" type="slidenum">
+              <a:rPr lang="en-US" smtClean="0"/>
+              <a:t>39</a:t>
+            </a:fld>
+            <a:endParaRPr lang="en-US"/>
           </a:p>
         </p:txBody>
       </p:sp>
@@ -11326,6 +12549,35 @@
           </a:p>
         </p:txBody>
       </p:sp>
+      <p:sp>
+        <p:nvSpPr>
+          <p:cNvPr id="3" name="Slide Number Placeholder 2">
+            <a:extLst>
+              <a:ext uri="{FF2B5EF4-FFF2-40B4-BE49-F238E27FC236}">
+                <a16:creationId xmlns:a16="http://schemas.microsoft.com/office/drawing/2014/main" id="{8CA5B346-45ED-A459-7816-E65DB51DA4D0}"/>
+              </a:ext>
+            </a:extLst>
+          </p:cNvPr>
+          <p:cNvSpPr>
+            <a:spLocks noGrp="1"/>
+          </p:cNvSpPr>
+          <p:nvPr>
+            <p:ph type="sldNum" sz="quarter" idx="12"/>
+          </p:nvPr>
+        </p:nvSpPr>
+        <p:spPr/>
+        <p:txBody>
+          <a:bodyPr/>
+          <a:lstStyle/>
+          <a:p>
+            <a:fld id="{9BF27F29-4B64-4A24-936A-FF41C34C242B}" type="slidenum">
+              <a:rPr lang="en-US" smtClean="0"/>
+              <a:t>4</a:t>
+            </a:fld>
+            <a:endParaRPr lang="en-US"/>
+          </a:p>
+        </p:txBody>
+      </p:sp>
     </p:spTree>
     <p:extLst>
       <p:ext uri="{BB962C8B-B14F-4D97-AF65-F5344CB8AC3E}">
@@ -11519,6 +12771,35 @@
           </a:p>
         </p:txBody>
       </p:sp>
+      <p:sp>
+        <p:nvSpPr>
+          <p:cNvPr id="4" name="Slide Number Placeholder 3">
+            <a:extLst>
+              <a:ext uri="{FF2B5EF4-FFF2-40B4-BE49-F238E27FC236}">
+                <a16:creationId xmlns:a16="http://schemas.microsoft.com/office/drawing/2014/main" id="{4D7ACC24-ECA9-14B5-A430-254BC281044D}"/>
+              </a:ext>
+            </a:extLst>
+          </p:cNvPr>
+          <p:cNvSpPr>
+            <a:spLocks noGrp="1"/>
+          </p:cNvSpPr>
+          <p:nvPr>
+            <p:ph type="sldNum" sz="quarter" idx="12"/>
+          </p:nvPr>
+        </p:nvSpPr>
+        <p:spPr/>
+        <p:txBody>
+          <a:bodyPr/>
+          <a:lstStyle/>
+          <a:p>
+            <a:fld id="{9BF27F29-4B64-4A24-936A-FF41C34C242B}" type="slidenum">
+              <a:rPr lang="en-US" smtClean="0"/>
+              <a:t>40</a:t>
+            </a:fld>
+            <a:endParaRPr lang="en-US"/>
+          </a:p>
+        </p:txBody>
+      </p:sp>
     </p:spTree>
     <p:extLst>
       <p:ext uri="{BB962C8B-B14F-4D97-AF65-F5344CB8AC3E}">
@@ -11657,6 +12938,35 @@
           </a:p>
         </p:txBody>
       </p:sp>
+      <p:sp>
+        <p:nvSpPr>
+          <p:cNvPr id="4" name="Slide Number Placeholder 3">
+            <a:extLst>
+              <a:ext uri="{FF2B5EF4-FFF2-40B4-BE49-F238E27FC236}">
+                <a16:creationId xmlns:a16="http://schemas.microsoft.com/office/drawing/2014/main" id="{B49F5F3F-E767-EB28-F122-3B7237E6F1C9}"/>
+              </a:ext>
+            </a:extLst>
+          </p:cNvPr>
+          <p:cNvSpPr>
+            <a:spLocks noGrp="1"/>
+          </p:cNvSpPr>
+          <p:nvPr>
+            <p:ph type="sldNum" sz="quarter" idx="12"/>
+          </p:nvPr>
+        </p:nvSpPr>
+        <p:spPr/>
+        <p:txBody>
+          <a:bodyPr/>
+          <a:lstStyle/>
+          <a:p>
+            <a:fld id="{9BF27F29-4B64-4A24-936A-FF41C34C242B}" type="slidenum">
+              <a:rPr lang="en-US" smtClean="0"/>
+              <a:t>41</a:t>
+            </a:fld>
+            <a:endParaRPr lang="en-US"/>
+          </a:p>
+        </p:txBody>
+      </p:sp>
     </p:spTree>
     <p:extLst>
       <p:ext uri="{BB962C8B-B14F-4D97-AF65-F5344CB8AC3E}">
@@ -11821,6 +13131,35 @@
           </a:p>
         </p:txBody>
       </p:sp>
+      <p:sp>
+        <p:nvSpPr>
+          <p:cNvPr id="4" name="Slide Number Placeholder 3">
+            <a:extLst>
+              <a:ext uri="{FF2B5EF4-FFF2-40B4-BE49-F238E27FC236}">
+                <a16:creationId xmlns:a16="http://schemas.microsoft.com/office/drawing/2014/main" id="{E8FC6E30-6847-0781-ABDA-3791151B7573}"/>
+              </a:ext>
+            </a:extLst>
+          </p:cNvPr>
+          <p:cNvSpPr>
+            <a:spLocks noGrp="1"/>
+          </p:cNvSpPr>
+          <p:nvPr>
+            <p:ph type="sldNum" sz="quarter" idx="12"/>
+          </p:nvPr>
+        </p:nvSpPr>
+        <p:spPr/>
+        <p:txBody>
+          <a:bodyPr/>
+          <a:lstStyle/>
+          <a:p>
+            <a:fld id="{9BF27F29-4B64-4A24-936A-FF41C34C242B}" type="slidenum">
+              <a:rPr lang="en-US" smtClean="0"/>
+              <a:t>42</a:t>
+            </a:fld>
+            <a:endParaRPr lang="en-US"/>
+          </a:p>
+        </p:txBody>
+      </p:sp>
     </p:spTree>
     <p:extLst>
       <p:ext uri="{BB962C8B-B14F-4D97-AF65-F5344CB8AC3E}">
@@ -11992,6 +13331,35 @@
           </a:p>
         </p:txBody>
       </p:sp>
+      <p:sp>
+        <p:nvSpPr>
+          <p:cNvPr id="4" name="Slide Number Placeholder 3">
+            <a:extLst>
+              <a:ext uri="{FF2B5EF4-FFF2-40B4-BE49-F238E27FC236}">
+                <a16:creationId xmlns:a16="http://schemas.microsoft.com/office/drawing/2014/main" id="{85A30AA0-3C70-3911-8965-62A805BDF8E0}"/>
+              </a:ext>
+            </a:extLst>
+          </p:cNvPr>
+          <p:cNvSpPr>
+            <a:spLocks noGrp="1"/>
+          </p:cNvSpPr>
+          <p:nvPr>
+            <p:ph type="sldNum" sz="quarter" idx="12"/>
+          </p:nvPr>
+        </p:nvSpPr>
+        <p:spPr/>
+        <p:txBody>
+          <a:bodyPr/>
+          <a:lstStyle/>
+          <a:p>
+            <a:fld id="{9BF27F29-4B64-4A24-936A-FF41C34C242B}" type="slidenum">
+              <a:rPr lang="en-US" smtClean="0"/>
+              <a:t>43</a:t>
+            </a:fld>
+            <a:endParaRPr lang="en-US"/>
+          </a:p>
+        </p:txBody>
+      </p:sp>
     </p:spTree>
     <p:extLst>
       <p:ext uri="{BB962C8B-B14F-4D97-AF65-F5344CB8AC3E}">
@@ -12151,6 +13519,35 @@
               <a:t>Details in book</a:t>
             </a:r>
             <a:endParaRPr lang="en-US" b="1" dirty="0"/>
+          </a:p>
+        </p:txBody>
+      </p:sp>
+      <p:sp>
+        <p:nvSpPr>
+          <p:cNvPr id="4" name="Slide Number Placeholder 3">
+            <a:extLst>
+              <a:ext uri="{FF2B5EF4-FFF2-40B4-BE49-F238E27FC236}">
+                <a16:creationId xmlns:a16="http://schemas.microsoft.com/office/drawing/2014/main" id="{21E8F719-8F22-0009-E063-492B3805C0A6}"/>
+              </a:ext>
+            </a:extLst>
+          </p:cNvPr>
+          <p:cNvSpPr>
+            <a:spLocks noGrp="1"/>
+          </p:cNvSpPr>
+          <p:nvPr>
+            <p:ph type="sldNum" sz="quarter" idx="12"/>
+          </p:nvPr>
+        </p:nvSpPr>
+        <p:spPr/>
+        <p:txBody>
+          <a:bodyPr/>
+          <a:lstStyle/>
+          <a:p>
+            <a:fld id="{9BF27F29-4B64-4A24-936A-FF41C34C242B}" type="slidenum">
+              <a:rPr lang="en-US" smtClean="0"/>
+              <a:t>44</a:t>
+            </a:fld>
+            <a:endParaRPr lang="en-US"/>
           </a:p>
         </p:txBody>
       </p:sp>
@@ -13372,6 +14769,35 @@
           </a:fontRef>
         </p:style>
       </p:cxnSp>
+      <p:sp>
+        <p:nvSpPr>
+          <p:cNvPr id="7" name="Slide Number Placeholder 6">
+            <a:extLst>
+              <a:ext uri="{FF2B5EF4-FFF2-40B4-BE49-F238E27FC236}">
+                <a16:creationId xmlns:a16="http://schemas.microsoft.com/office/drawing/2014/main" id="{BA9BC5D2-E6C5-C420-9037-2F2903D2B384}"/>
+              </a:ext>
+            </a:extLst>
+          </p:cNvPr>
+          <p:cNvSpPr>
+            <a:spLocks noGrp="1"/>
+          </p:cNvSpPr>
+          <p:nvPr>
+            <p:ph type="sldNum" sz="quarter" idx="12"/>
+          </p:nvPr>
+        </p:nvSpPr>
+        <p:spPr/>
+        <p:txBody>
+          <a:bodyPr/>
+          <a:lstStyle/>
+          <a:p>
+            <a:fld id="{9BF27F29-4B64-4A24-936A-FF41C34C242B}" type="slidenum">
+              <a:rPr lang="en-US" smtClean="0"/>
+              <a:t>45</a:t>
+            </a:fld>
+            <a:endParaRPr lang="en-US"/>
+          </a:p>
+        </p:txBody>
+      </p:sp>
     </p:spTree>
     <p:extLst>
       <p:ext uri="{BB962C8B-B14F-4D97-AF65-F5344CB8AC3E}">
@@ -14749,6 +16175,35 @@
           </a:p>
         </p:txBody>
       </p:sp>
+      <p:sp>
+        <p:nvSpPr>
+          <p:cNvPr id="7" name="Slide Number Placeholder 6">
+            <a:extLst>
+              <a:ext uri="{FF2B5EF4-FFF2-40B4-BE49-F238E27FC236}">
+                <a16:creationId xmlns:a16="http://schemas.microsoft.com/office/drawing/2014/main" id="{C1DFB074-5FDB-F40E-372E-41BDD52134B9}"/>
+              </a:ext>
+            </a:extLst>
+          </p:cNvPr>
+          <p:cNvSpPr>
+            <a:spLocks noGrp="1"/>
+          </p:cNvSpPr>
+          <p:nvPr>
+            <p:ph type="sldNum" sz="quarter" idx="12"/>
+          </p:nvPr>
+        </p:nvSpPr>
+        <p:spPr/>
+        <p:txBody>
+          <a:bodyPr/>
+          <a:lstStyle/>
+          <a:p>
+            <a:fld id="{9BF27F29-4B64-4A24-936A-FF41C34C242B}" type="slidenum">
+              <a:rPr lang="en-US" smtClean="0"/>
+              <a:t>46</a:t>
+            </a:fld>
+            <a:endParaRPr lang="en-US"/>
+          </a:p>
+        </p:txBody>
+      </p:sp>
     </p:spTree>
     <p:extLst>
       <p:ext uri="{BB962C8B-B14F-4D97-AF65-F5344CB8AC3E}">
@@ -16057,6 +17512,35 @@
           </a:fontRef>
         </p:style>
       </p:cxnSp>
+      <p:sp>
+        <p:nvSpPr>
+          <p:cNvPr id="7" name="Slide Number Placeholder 6">
+            <a:extLst>
+              <a:ext uri="{FF2B5EF4-FFF2-40B4-BE49-F238E27FC236}">
+                <a16:creationId xmlns:a16="http://schemas.microsoft.com/office/drawing/2014/main" id="{C9EF4424-6C55-8FAA-E51C-71CC11DD91CD}"/>
+              </a:ext>
+            </a:extLst>
+          </p:cNvPr>
+          <p:cNvSpPr>
+            <a:spLocks noGrp="1"/>
+          </p:cNvSpPr>
+          <p:nvPr>
+            <p:ph type="sldNum" sz="quarter" idx="12"/>
+          </p:nvPr>
+        </p:nvSpPr>
+        <p:spPr/>
+        <p:txBody>
+          <a:bodyPr/>
+          <a:lstStyle/>
+          <a:p>
+            <a:fld id="{9BF27F29-4B64-4A24-936A-FF41C34C242B}" type="slidenum">
+              <a:rPr lang="en-US" smtClean="0"/>
+              <a:t>47</a:t>
+            </a:fld>
+            <a:endParaRPr lang="en-US"/>
+          </a:p>
+        </p:txBody>
+      </p:sp>
     </p:spTree>
     <p:extLst>
       <p:ext uri="{BB962C8B-B14F-4D97-AF65-F5344CB8AC3E}">
@@ -17233,6 +18717,35 @@
           </a:fontRef>
         </p:style>
       </p:cxnSp>
+      <p:sp>
+        <p:nvSpPr>
+          <p:cNvPr id="7" name="Slide Number Placeholder 6">
+            <a:extLst>
+              <a:ext uri="{FF2B5EF4-FFF2-40B4-BE49-F238E27FC236}">
+                <a16:creationId xmlns:a16="http://schemas.microsoft.com/office/drawing/2014/main" id="{8422EFA5-B468-167C-8730-3FD574CACBC6}"/>
+              </a:ext>
+            </a:extLst>
+          </p:cNvPr>
+          <p:cNvSpPr>
+            <a:spLocks noGrp="1"/>
+          </p:cNvSpPr>
+          <p:nvPr>
+            <p:ph type="sldNum" sz="quarter" idx="12"/>
+          </p:nvPr>
+        </p:nvSpPr>
+        <p:spPr/>
+        <p:txBody>
+          <a:bodyPr/>
+          <a:lstStyle/>
+          <a:p>
+            <a:fld id="{9BF27F29-4B64-4A24-936A-FF41C34C242B}" type="slidenum">
+              <a:rPr lang="en-US" smtClean="0"/>
+              <a:t>48</a:t>
+            </a:fld>
+            <a:endParaRPr lang="en-US"/>
+          </a:p>
+        </p:txBody>
+      </p:sp>
     </p:spTree>
     <p:extLst>
       <p:ext uri="{BB962C8B-B14F-4D97-AF65-F5344CB8AC3E}">
@@ -18132,6 +19645,35 @@
           </a:p>
         </p:txBody>
       </p:sp>
+      <p:sp>
+        <p:nvSpPr>
+          <p:cNvPr id="9" name="Slide Number Placeholder 8">
+            <a:extLst>
+              <a:ext uri="{FF2B5EF4-FFF2-40B4-BE49-F238E27FC236}">
+                <a16:creationId xmlns:a16="http://schemas.microsoft.com/office/drawing/2014/main" id="{46DC8ED4-7DA9-3826-F309-C187C4E88D60}"/>
+              </a:ext>
+            </a:extLst>
+          </p:cNvPr>
+          <p:cNvSpPr>
+            <a:spLocks noGrp="1"/>
+          </p:cNvSpPr>
+          <p:nvPr>
+            <p:ph type="sldNum" sz="quarter" idx="12"/>
+          </p:nvPr>
+        </p:nvSpPr>
+        <p:spPr/>
+        <p:txBody>
+          <a:bodyPr/>
+          <a:lstStyle/>
+          <a:p>
+            <a:fld id="{9BF27F29-4B64-4A24-936A-FF41C34C242B}" type="slidenum">
+              <a:rPr lang="en-US" smtClean="0"/>
+              <a:t>49</a:t>
+            </a:fld>
+            <a:endParaRPr lang="en-US"/>
+          </a:p>
+        </p:txBody>
+      </p:sp>
     </p:spTree>
     <p:extLst>
       <p:ext uri="{BB962C8B-B14F-4D97-AF65-F5344CB8AC3E}">
@@ -19034,6 +20576,35 @@
           </a:p>
         </p:txBody>
       </p:sp>
+      <p:sp>
+        <p:nvSpPr>
+          <p:cNvPr id="3" name="Slide Number Placeholder 2">
+            <a:extLst>
+              <a:ext uri="{FF2B5EF4-FFF2-40B4-BE49-F238E27FC236}">
+                <a16:creationId xmlns:a16="http://schemas.microsoft.com/office/drawing/2014/main" id="{3F270EEF-00FE-DC13-FA35-6FF5BA908E35}"/>
+              </a:ext>
+            </a:extLst>
+          </p:cNvPr>
+          <p:cNvSpPr>
+            <a:spLocks noGrp="1"/>
+          </p:cNvSpPr>
+          <p:nvPr>
+            <p:ph type="sldNum" sz="quarter" idx="12"/>
+          </p:nvPr>
+        </p:nvSpPr>
+        <p:spPr/>
+        <p:txBody>
+          <a:bodyPr/>
+          <a:lstStyle/>
+          <a:p>
+            <a:fld id="{9BF27F29-4B64-4A24-936A-FF41C34C242B}" type="slidenum">
+              <a:rPr lang="en-US" smtClean="0"/>
+              <a:t>5</a:t>
+            </a:fld>
+            <a:endParaRPr lang="en-US"/>
+          </a:p>
+        </p:txBody>
+      </p:sp>
     </p:spTree>
     <p:extLst>
       <p:ext uri="{BB962C8B-B14F-4D97-AF65-F5344CB8AC3E}">
@@ -19207,6 +20778,35 @@
               <a:t>patJ</a:t>
             </a:r>
             <a:endParaRPr lang="en-US" dirty="0"/>
+          </a:p>
+        </p:txBody>
+      </p:sp>
+      <p:sp>
+        <p:nvSpPr>
+          <p:cNvPr id="4" name="Slide Number Placeholder 3">
+            <a:extLst>
+              <a:ext uri="{FF2B5EF4-FFF2-40B4-BE49-F238E27FC236}">
+                <a16:creationId xmlns:a16="http://schemas.microsoft.com/office/drawing/2014/main" id="{271B94CF-031B-7ED8-2A84-16BBF3940991}"/>
+              </a:ext>
+            </a:extLst>
+          </p:cNvPr>
+          <p:cNvSpPr>
+            <a:spLocks noGrp="1"/>
+          </p:cNvSpPr>
+          <p:nvPr>
+            <p:ph type="sldNum" sz="quarter" idx="12"/>
+          </p:nvPr>
+        </p:nvSpPr>
+        <p:spPr/>
+        <p:txBody>
+          <a:bodyPr/>
+          <a:lstStyle/>
+          <a:p>
+            <a:fld id="{9BF27F29-4B64-4A24-936A-FF41C34C242B}" type="slidenum">
+              <a:rPr lang="en-US" smtClean="0"/>
+              <a:t>50</a:t>
+            </a:fld>
+            <a:endParaRPr lang="en-US"/>
           </a:p>
         </p:txBody>
       </p:sp>
@@ -19984,6 +21584,35 @@
           </a:p>
         </p:txBody>
       </p:sp>
+      <p:sp>
+        <p:nvSpPr>
+          <p:cNvPr id="9" name="Slide Number Placeholder 8">
+            <a:extLst>
+              <a:ext uri="{FF2B5EF4-FFF2-40B4-BE49-F238E27FC236}">
+                <a16:creationId xmlns:a16="http://schemas.microsoft.com/office/drawing/2014/main" id="{66AC4335-9CBC-97DE-54C2-C2F887937AD0}"/>
+              </a:ext>
+            </a:extLst>
+          </p:cNvPr>
+          <p:cNvSpPr>
+            <a:spLocks noGrp="1"/>
+          </p:cNvSpPr>
+          <p:nvPr>
+            <p:ph type="sldNum" sz="quarter" idx="12"/>
+          </p:nvPr>
+        </p:nvSpPr>
+        <p:spPr/>
+        <p:txBody>
+          <a:bodyPr/>
+          <a:lstStyle/>
+          <a:p>
+            <a:fld id="{9BF27F29-4B64-4A24-936A-FF41C34C242B}" type="slidenum">
+              <a:rPr lang="en-US" smtClean="0"/>
+              <a:t>51</a:t>
+            </a:fld>
+            <a:endParaRPr lang="en-US"/>
+          </a:p>
+        </p:txBody>
+      </p:sp>
     </p:spTree>
     <p:extLst>
       <p:ext uri="{BB962C8B-B14F-4D97-AF65-F5344CB8AC3E}">
@@ -20695,6 +22324,35 @@
           </a:p>
         </p:txBody>
       </p:sp>
+      <p:sp>
+        <p:nvSpPr>
+          <p:cNvPr id="9" name="Slide Number Placeholder 8">
+            <a:extLst>
+              <a:ext uri="{FF2B5EF4-FFF2-40B4-BE49-F238E27FC236}">
+                <a16:creationId xmlns:a16="http://schemas.microsoft.com/office/drawing/2014/main" id="{7C60B433-E00D-016A-08FE-71069249ECDD}"/>
+              </a:ext>
+            </a:extLst>
+          </p:cNvPr>
+          <p:cNvSpPr>
+            <a:spLocks noGrp="1"/>
+          </p:cNvSpPr>
+          <p:nvPr>
+            <p:ph type="sldNum" sz="quarter" idx="12"/>
+          </p:nvPr>
+        </p:nvSpPr>
+        <p:spPr/>
+        <p:txBody>
+          <a:bodyPr/>
+          <a:lstStyle/>
+          <a:p>
+            <a:fld id="{9BF27F29-4B64-4A24-936A-FF41C34C242B}" type="slidenum">
+              <a:rPr lang="en-US" smtClean="0"/>
+              <a:t>52</a:t>
+            </a:fld>
+            <a:endParaRPr lang="en-US"/>
+          </a:p>
+        </p:txBody>
+      </p:sp>
     </p:spTree>
     <p:extLst>
       <p:ext uri="{BB962C8B-B14F-4D97-AF65-F5344CB8AC3E}">
@@ -21647,6 +23305,35 @@
           </a:p>
         </p:txBody>
       </p:sp>
+      <p:sp>
+        <p:nvSpPr>
+          <p:cNvPr id="9" name="Slide Number Placeholder 8">
+            <a:extLst>
+              <a:ext uri="{FF2B5EF4-FFF2-40B4-BE49-F238E27FC236}">
+                <a16:creationId xmlns:a16="http://schemas.microsoft.com/office/drawing/2014/main" id="{B545C67A-6F06-77B3-0EFF-0F6457D62780}"/>
+              </a:ext>
+            </a:extLst>
+          </p:cNvPr>
+          <p:cNvSpPr>
+            <a:spLocks noGrp="1"/>
+          </p:cNvSpPr>
+          <p:nvPr>
+            <p:ph type="sldNum" sz="quarter" idx="12"/>
+          </p:nvPr>
+        </p:nvSpPr>
+        <p:spPr/>
+        <p:txBody>
+          <a:bodyPr/>
+          <a:lstStyle/>
+          <a:p>
+            <a:fld id="{9BF27F29-4B64-4A24-936A-FF41C34C242B}" type="slidenum">
+              <a:rPr lang="en-US" smtClean="0"/>
+              <a:t>53</a:t>
+            </a:fld>
+            <a:endParaRPr lang="en-US"/>
+          </a:p>
+        </p:txBody>
+      </p:sp>
     </p:spTree>
     <p:extLst>
       <p:ext uri="{BB962C8B-B14F-4D97-AF65-F5344CB8AC3E}">
@@ -21767,7 +23454,7 @@
         <p:spPr>
           <a:xfrm>
             <a:off x="375385" y="3936931"/>
-            <a:ext cx="4282419" cy="2031325"/>
+            <a:ext cx="4501415" cy="2031325"/>
           </a:xfrm>
           <a:prstGeom prst="rect">
             <a:avLst/>
@@ -21869,7 +23556,7 @@
                 </a:solidFill>
                 <a:latin typeface="Consolas" panose="020B0609020204030204" pitchFamily="49" charset="0"/>
               </a:rPr>
-              <a:t>(string, expr, expr) …</a:t>
+              <a:t>(string, string, expr) …</a:t>
             </a:r>
           </a:p>
           <a:p>
@@ -22521,6 +24208,35 @@
           </a:p>
         </p:txBody>
       </p:sp>
+      <p:sp>
+        <p:nvSpPr>
+          <p:cNvPr id="9" name="Slide Number Placeholder 8">
+            <a:extLst>
+              <a:ext uri="{FF2B5EF4-FFF2-40B4-BE49-F238E27FC236}">
+                <a16:creationId xmlns:a16="http://schemas.microsoft.com/office/drawing/2014/main" id="{DB21E995-4488-1DED-4235-1277369CFEC1}"/>
+              </a:ext>
+            </a:extLst>
+          </p:cNvPr>
+          <p:cNvSpPr>
+            <a:spLocks noGrp="1"/>
+          </p:cNvSpPr>
+          <p:nvPr>
+            <p:ph type="sldNum" sz="quarter" idx="12"/>
+          </p:nvPr>
+        </p:nvSpPr>
+        <p:spPr/>
+        <p:txBody>
+          <a:bodyPr/>
+          <a:lstStyle/>
+          <a:p>
+            <a:fld id="{9BF27F29-4B64-4A24-936A-FF41C34C242B}" type="slidenum">
+              <a:rPr lang="en-US" smtClean="0"/>
+              <a:t>54</a:t>
+            </a:fld>
+            <a:endParaRPr lang="en-US"/>
+          </a:p>
+        </p:txBody>
+      </p:sp>
     </p:spTree>
     <p:extLst>
       <p:ext uri="{BB962C8B-B14F-4D97-AF65-F5344CB8AC3E}">
@@ -22641,7 +24357,7 @@
         <p:spPr>
           <a:xfrm>
             <a:off x="202130" y="4173807"/>
-            <a:ext cx="5053263" cy="2031325"/>
+            <a:ext cx="7214670" cy="1754326"/>
           </a:xfrm>
           <a:prstGeom prst="rect">
             <a:avLst/>
@@ -22980,17 +24696,28 @@
                 </a:solidFill>
                 <a:latin typeface="Consolas" panose="020B0609020204030204" pitchFamily="49" charset="0"/>
               </a:rPr>
-              <a:t>(d) +</a:t>
-            </a:r>
-          </a:p>
-          <a:p>
-            <a:endParaRPr lang="en-US" b="0" i="0" dirty="0">
-              <a:solidFill>
-                <a:srgbClr val="000000"/>
-              </a:solidFill>
-              <a:effectLst/>
-              <a:latin typeface="Consolas" panose="020B0609020204030204" pitchFamily="49" charset="0"/>
-            </a:endParaRPr>
+              <a:t>(d) + </a:t>
+            </a:r>
+            <a:r>
+              <a:rPr lang="en-US" b="0" i="0" dirty="0" err="1">
+                <a:solidFill>
+                  <a:srgbClr val="000000"/>
+                </a:solidFill>
+                <a:effectLst/>
+                <a:latin typeface="Consolas" panose="020B0609020204030204" pitchFamily="49" charset="0"/>
+              </a:rPr>
+              <a:t>esize</a:t>
+            </a:r>
+            <a:r>
+              <a:rPr lang="en-US" b="0" i="0" dirty="0">
+                <a:solidFill>
+                  <a:srgbClr val="000000"/>
+                </a:solidFill>
+                <a:effectLst/>
+                <a:latin typeface="Consolas" panose="020B0609020204030204" pitchFamily="49" charset="0"/>
+              </a:rPr>
+              <a:t>(e)</a:t>
+            </a:r>
           </a:p>
         </p:txBody>
       </p:sp>
@@ -23647,6 +25374,35 @@
           </a:p>
         </p:txBody>
       </p:sp>
+      <p:sp>
+        <p:nvSpPr>
+          <p:cNvPr id="9" name="Slide Number Placeholder 8">
+            <a:extLst>
+              <a:ext uri="{FF2B5EF4-FFF2-40B4-BE49-F238E27FC236}">
+                <a16:creationId xmlns:a16="http://schemas.microsoft.com/office/drawing/2014/main" id="{A4EF54D4-789F-977B-8A3F-D58B0845DDC5}"/>
+              </a:ext>
+            </a:extLst>
+          </p:cNvPr>
+          <p:cNvSpPr>
+            <a:spLocks noGrp="1"/>
+          </p:cNvSpPr>
+          <p:nvPr>
+            <p:ph type="sldNum" sz="quarter" idx="12"/>
+          </p:nvPr>
+        </p:nvSpPr>
+        <p:spPr/>
+        <p:txBody>
+          <a:bodyPr/>
+          <a:lstStyle/>
+          <a:p>
+            <a:fld id="{9BF27F29-4B64-4A24-936A-FF41C34C242B}" type="slidenum">
+              <a:rPr lang="en-US" smtClean="0"/>
+              <a:t>55</a:t>
+            </a:fld>
+            <a:endParaRPr lang="en-US"/>
+          </a:p>
+        </p:txBody>
+      </p:sp>
     </p:spTree>
     <p:extLst>
       <p:ext uri="{BB962C8B-B14F-4D97-AF65-F5344CB8AC3E}">
@@ -23755,6 +25511,35 @@
           </a:p>
         </p:txBody>
       </p:sp>
+      <p:sp>
+        <p:nvSpPr>
+          <p:cNvPr id="4" name="Slide Number Placeholder 3">
+            <a:extLst>
+              <a:ext uri="{FF2B5EF4-FFF2-40B4-BE49-F238E27FC236}">
+                <a16:creationId xmlns:a16="http://schemas.microsoft.com/office/drawing/2014/main" id="{4955A990-40D4-4D30-9741-4F628B04C584}"/>
+              </a:ext>
+            </a:extLst>
+          </p:cNvPr>
+          <p:cNvSpPr>
+            <a:spLocks noGrp="1"/>
+          </p:cNvSpPr>
+          <p:nvPr>
+            <p:ph type="sldNum" sz="quarter" idx="12"/>
+          </p:nvPr>
+        </p:nvSpPr>
+        <p:spPr/>
+        <p:txBody>
+          <a:bodyPr/>
+          <a:lstStyle/>
+          <a:p>
+            <a:fld id="{9BF27F29-4B64-4A24-936A-FF41C34C242B}" type="slidenum">
+              <a:rPr lang="en-US" smtClean="0"/>
+              <a:t>56</a:t>
+            </a:fld>
+            <a:endParaRPr lang="en-US"/>
+          </a:p>
+        </p:txBody>
+      </p:sp>
     </p:spTree>
     <p:extLst>
       <p:ext uri="{BB962C8B-B14F-4D97-AF65-F5344CB8AC3E}">
@@ -24083,6 +25868,35 @@
           </a:p>
         </p:txBody>
       </p:sp>
+      <p:sp>
+        <p:nvSpPr>
+          <p:cNvPr id="4" name="Slide Number Placeholder 3">
+            <a:extLst>
+              <a:ext uri="{FF2B5EF4-FFF2-40B4-BE49-F238E27FC236}">
+                <a16:creationId xmlns:a16="http://schemas.microsoft.com/office/drawing/2014/main" id="{BD681C84-AAE7-16AB-F1A8-7C26FB55DD3A}"/>
+              </a:ext>
+            </a:extLst>
+          </p:cNvPr>
+          <p:cNvSpPr>
+            <a:spLocks noGrp="1"/>
+          </p:cNvSpPr>
+          <p:nvPr>
+            <p:ph type="sldNum" sz="quarter" idx="12"/>
+          </p:nvPr>
+        </p:nvSpPr>
+        <p:spPr/>
+        <p:txBody>
+          <a:bodyPr/>
+          <a:lstStyle/>
+          <a:p>
+            <a:fld id="{9BF27F29-4B64-4A24-936A-FF41C34C242B}" type="slidenum">
+              <a:rPr lang="en-US" smtClean="0"/>
+              <a:t>58</a:t>
+            </a:fld>
+            <a:endParaRPr lang="en-US"/>
+          </a:p>
+        </p:txBody>
+      </p:sp>
     </p:spTree>
     <p:extLst>
       <p:ext uri="{BB962C8B-B14F-4D97-AF65-F5344CB8AC3E}">
@@ -24162,6 +25976,35 @@
           <a:bodyPr/>
           <a:lstStyle/>
           <a:p>
+            <a:endParaRPr lang="en-US"/>
+          </a:p>
+        </p:txBody>
+      </p:sp>
+      <p:sp>
+        <p:nvSpPr>
+          <p:cNvPr id="4" name="Slide Number Placeholder 3">
+            <a:extLst>
+              <a:ext uri="{FF2B5EF4-FFF2-40B4-BE49-F238E27FC236}">
+                <a16:creationId xmlns:a16="http://schemas.microsoft.com/office/drawing/2014/main" id="{3244FF30-DB09-2B47-C3BC-9ED2EF41B199}"/>
+              </a:ext>
+            </a:extLst>
+          </p:cNvPr>
+          <p:cNvSpPr>
+            <a:spLocks noGrp="1"/>
+          </p:cNvSpPr>
+          <p:nvPr>
+            <p:ph type="sldNum" sz="quarter" idx="12"/>
+          </p:nvPr>
+        </p:nvSpPr>
+        <p:spPr/>
+        <p:txBody>
+          <a:bodyPr/>
+          <a:lstStyle/>
+          <a:p>
+            <a:fld id="{9BF27F29-4B64-4A24-936A-FF41C34C242B}" type="slidenum">
+              <a:rPr lang="en-US" smtClean="0"/>
+              <a:t>59</a:t>
+            </a:fld>
             <a:endParaRPr lang="en-US"/>
           </a:p>
         </p:txBody>
@@ -25209,6 +27052,35 @@
           </a:p>
         </p:txBody>
       </p:sp>
+      <p:sp>
+        <p:nvSpPr>
+          <p:cNvPr id="20" name="Slide Number Placeholder 19">
+            <a:extLst>
+              <a:ext uri="{FF2B5EF4-FFF2-40B4-BE49-F238E27FC236}">
+                <a16:creationId xmlns:a16="http://schemas.microsoft.com/office/drawing/2014/main" id="{BC2F943D-E53B-71C3-4569-BAB4C17A70E2}"/>
+              </a:ext>
+            </a:extLst>
+          </p:cNvPr>
+          <p:cNvSpPr>
+            <a:spLocks noGrp="1"/>
+          </p:cNvSpPr>
+          <p:nvPr>
+            <p:ph type="sldNum" sz="quarter" idx="12"/>
+          </p:nvPr>
+        </p:nvSpPr>
+        <p:spPr/>
+        <p:txBody>
+          <a:bodyPr/>
+          <a:lstStyle/>
+          <a:p>
+            <a:fld id="{9BF27F29-4B64-4A24-936A-FF41C34C242B}" type="slidenum">
+              <a:rPr lang="en-US" smtClean="0"/>
+              <a:t>6</a:t>
+            </a:fld>
+            <a:endParaRPr lang="en-US"/>
+          </a:p>
+        </p:txBody>
+      </p:sp>
     </p:spTree>
     <p:extLst>
       <p:ext uri="{BB962C8B-B14F-4D97-AF65-F5344CB8AC3E}">
@@ -25595,6 +27467,35 @@
           </a:p>
         </p:txBody>
       </p:sp>
+      <p:sp>
+        <p:nvSpPr>
+          <p:cNvPr id="4" name="Slide Number Placeholder 3">
+            <a:extLst>
+              <a:ext uri="{FF2B5EF4-FFF2-40B4-BE49-F238E27FC236}">
+                <a16:creationId xmlns:a16="http://schemas.microsoft.com/office/drawing/2014/main" id="{38EDF66A-F3A9-B565-0753-FB0BE8D86E72}"/>
+              </a:ext>
+            </a:extLst>
+          </p:cNvPr>
+          <p:cNvSpPr>
+            <a:spLocks noGrp="1"/>
+          </p:cNvSpPr>
+          <p:nvPr>
+            <p:ph type="sldNum" sz="quarter" idx="12"/>
+          </p:nvPr>
+        </p:nvSpPr>
+        <p:spPr/>
+        <p:txBody>
+          <a:bodyPr/>
+          <a:lstStyle/>
+          <a:p>
+            <a:fld id="{9BF27F29-4B64-4A24-936A-FF41C34C242B}" type="slidenum">
+              <a:rPr lang="en-US" smtClean="0"/>
+              <a:t>7</a:t>
+            </a:fld>
+            <a:endParaRPr lang="en-US"/>
+          </a:p>
+        </p:txBody>
+      </p:sp>
     </p:spTree>
     <p:extLst>
       <p:ext uri="{BB962C8B-B14F-4D97-AF65-F5344CB8AC3E}">
@@ -25687,6 +27588,35 @@
           </a:p>
         </p:txBody>
       </p:sp>
+      <p:sp>
+        <p:nvSpPr>
+          <p:cNvPr id="4" name="Slide Number Placeholder 3">
+            <a:extLst>
+              <a:ext uri="{FF2B5EF4-FFF2-40B4-BE49-F238E27FC236}">
+                <a16:creationId xmlns:a16="http://schemas.microsoft.com/office/drawing/2014/main" id="{FB2CFCC9-0D80-23A6-7EF8-D008710D2BD4}"/>
+              </a:ext>
+            </a:extLst>
+          </p:cNvPr>
+          <p:cNvSpPr>
+            <a:spLocks noGrp="1"/>
+          </p:cNvSpPr>
+          <p:nvPr>
+            <p:ph type="sldNum" sz="quarter" idx="12"/>
+          </p:nvPr>
+        </p:nvSpPr>
+        <p:spPr/>
+        <p:txBody>
+          <a:bodyPr/>
+          <a:lstStyle/>
+          <a:p>
+            <a:fld id="{9BF27F29-4B64-4A24-936A-FF41C34C242B}" type="slidenum">
+              <a:rPr lang="en-US" smtClean="0"/>
+              <a:t>8</a:t>
+            </a:fld>
+            <a:endParaRPr lang="en-US"/>
+          </a:p>
+        </p:txBody>
+      </p:sp>
     </p:spTree>
     <p:extLst>
       <p:ext uri="{BB962C8B-B14F-4D97-AF65-F5344CB8AC3E}">
@@ -25821,6 +27751,35 @@
               <a:rPr lang="en-US" dirty="0"/>
               <a:t>This matters because a spoken sentence can have ambiguous grammar, multiple meanings</a:t>
             </a:r>
+          </a:p>
+        </p:txBody>
+      </p:sp>
+      <p:sp>
+        <p:nvSpPr>
+          <p:cNvPr id="4" name="Slide Number Placeholder 3">
+            <a:extLst>
+              <a:ext uri="{FF2B5EF4-FFF2-40B4-BE49-F238E27FC236}">
+                <a16:creationId xmlns:a16="http://schemas.microsoft.com/office/drawing/2014/main" id="{56F19542-F71B-B220-1B68-B30C0C6EBCF0}"/>
+              </a:ext>
+            </a:extLst>
+          </p:cNvPr>
+          <p:cNvSpPr>
+            <a:spLocks noGrp="1"/>
+          </p:cNvSpPr>
+          <p:nvPr>
+            <p:ph type="sldNum" sz="quarter" idx="12"/>
+          </p:nvPr>
+        </p:nvSpPr>
+        <p:spPr/>
+        <p:txBody>
+          <a:bodyPr/>
+          <a:lstStyle/>
+          <a:p>
+            <a:fld id="{9BF27F29-4B64-4A24-936A-FF41C34C242B}" type="slidenum">
+              <a:rPr lang="en-US" smtClean="0"/>
+              <a:t>9</a:t>
+            </a:fld>
+            <a:endParaRPr lang="en-US"/>
           </a:p>
         </p:txBody>
       </p:sp>
@@ -26118,4 +28077,299 @@
     </a:ext>
   </a:extLst>
 </a:theme>
+</file>
+
+<file path=ppt/theme/theme2.xml><?xml version="1.0" encoding="utf-8"?>
+<a:theme xmlns:a="http://schemas.openxmlformats.org/drawingml/2006/main" name="Office Theme">
+  <a:themeElements>
+    <a:clrScheme name="Office">
+      <a:dk1>
+        <a:sysClr val="windowText" lastClr="000000"/>
+      </a:dk1>
+      <a:lt1>
+        <a:sysClr val="window" lastClr="FFFFFF"/>
+      </a:lt1>
+      <a:dk2>
+        <a:srgbClr val="44546A"/>
+      </a:dk2>
+      <a:lt2>
+        <a:srgbClr val="E7E6E6"/>
+      </a:lt2>
+      <a:accent1>
+        <a:srgbClr val="4472C4"/>
+      </a:accent1>
+      <a:accent2>
+        <a:srgbClr val="ED7D31"/>
+      </a:accent2>
+      <a:accent3>
+        <a:srgbClr val="A5A5A5"/>
+      </a:accent3>
+      <a:accent4>
+        <a:srgbClr val="FFC000"/>
+      </a:accent4>
+      <a:accent5>
+        <a:srgbClr val="5B9BD5"/>
+      </a:accent5>
+      <a:accent6>
+        <a:srgbClr val="70AD47"/>
+      </a:accent6>
+      <a:hlink>
+        <a:srgbClr val="0563C1"/>
+      </a:hlink>
+      <a:folHlink>
+        <a:srgbClr val="954F72"/>
+      </a:folHlink>
+    </a:clrScheme>
+    <a:fontScheme name="Office">
+      <a:majorFont>
+        <a:latin typeface="Calibri Light" panose="020F0302020204030204"/>
+        <a:ea typeface=""/>
+        <a:cs typeface=""/>
+        <a:font script="Jpan" typeface="游ゴシック Light"/>
+        <a:font script="Hang" typeface="맑은 고딕"/>
+        <a:font script="Hans" typeface="等线 Light"/>
+        <a:font script="Hant" typeface="新細明體"/>
+        <a:font script="Arab" typeface="Times New Roman"/>
+        <a:font script="Hebr" typeface="Times New Roman"/>
+        <a:font script="Thai" typeface="Angsana New"/>
+        <a:font script="Ethi" typeface="Nyala"/>
+        <a:font script="Beng" typeface="Vrinda"/>
+        <a:font script="Gujr" typeface="Shruti"/>
+        <a:font script="Khmr" typeface="MoolBoran"/>
+        <a:font script="Knda" typeface="Tunga"/>
+        <a:font script="Guru" typeface="Raavi"/>
+        <a:font script="Cans" typeface="Euphemia"/>
+        <a:font script="Cher" typeface="Plantagenet Cherokee"/>
+        <a:font script="Yiii" typeface="Microsoft Yi Baiti"/>
+        <a:font script="Tibt" typeface="Microsoft Himalaya"/>
+        <a:font script="Thaa" typeface="MV Boli"/>
+        <a:font script="Deva" typeface="Mangal"/>
+        <a:font script="Telu" typeface="Gautami"/>
+        <a:font script="Taml" typeface="Latha"/>
+        <a:font script="Syrc" typeface="Estrangelo Edessa"/>
+        <a:font script="Orya" typeface="Kalinga"/>
+        <a:font script="Mlym" typeface="Kartika"/>
+        <a:font script="Laoo" typeface="DokChampa"/>
+        <a:font script="Sinh" typeface="Iskoola Pota"/>
+        <a:font script="Mong" typeface="Mongolian Baiti"/>
+        <a:font script="Viet" typeface="Times New Roman"/>
+        <a:font script="Uigh" typeface="Microsoft Uighur"/>
+        <a:font script="Geor" typeface="Sylfaen"/>
+        <a:font script="Armn" typeface="Arial"/>
+        <a:font script="Bugi" typeface="Leelawadee UI"/>
+        <a:font script="Bopo" typeface="Microsoft JhengHei"/>
+        <a:font script="Java" typeface="Javanese Text"/>
+        <a:font script="Lisu" typeface="Segoe UI"/>
+        <a:font script="Mymr" typeface="Myanmar Text"/>
+        <a:font script="Nkoo" typeface="Ebrima"/>
+        <a:font script="Olck" typeface="Nirmala UI"/>
+        <a:font script="Osma" typeface="Ebrima"/>
+        <a:font script="Phag" typeface="Phagspa"/>
+        <a:font script="Syrn" typeface="Estrangelo Edessa"/>
+        <a:font script="Syrj" typeface="Estrangelo Edessa"/>
+        <a:font script="Syre" typeface="Estrangelo Edessa"/>
+        <a:font script="Sora" typeface="Nirmala UI"/>
+        <a:font script="Tale" typeface="Microsoft Tai Le"/>
+        <a:font script="Talu" typeface="Microsoft New Tai Lue"/>
+        <a:font script="Tfng" typeface="Ebrima"/>
+      </a:majorFont>
+      <a:minorFont>
+        <a:latin typeface="Calibri" panose="020F0502020204030204"/>
+        <a:ea typeface=""/>
+        <a:cs typeface=""/>
+        <a:font script="Jpan" typeface="游ゴシック"/>
+        <a:font script="Hang" typeface="맑은 고딕"/>
+        <a:font script="Hans" typeface="等线"/>
+        <a:font script="Hant" typeface="新細明體"/>
+        <a:font script="Arab" typeface="Arial"/>
+        <a:font script="Hebr" typeface="Arial"/>
+        <a:font script="Thai" typeface="Cordia New"/>
+        <a:font script="Ethi" typeface="Nyala"/>
+        <a:font script="Beng" typeface="Vrinda"/>
+        <a:font script="Gujr" typeface="Shruti"/>
+        <a:font script="Khmr" typeface="DaunPenh"/>
+        <a:font script="Knda" typeface="Tunga"/>
+        <a:font script="Guru" typeface="Raavi"/>
+        <a:font script="Cans" typeface="Euphemia"/>
+        <a:font script="Cher" typeface="Plantagenet Cherokee"/>
+        <a:font script="Yiii" typeface="Microsoft Yi Baiti"/>
+        <a:font script="Tibt" typeface="Microsoft Himalaya"/>
+        <a:font script="Thaa" typeface="MV Boli"/>
+        <a:font script="Deva" typeface="Mangal"/>
+        <a:font script="Telu" typeface="Gautami"/>
+        <a:font script="Taml" typeface="Latha"/>
+        <a:font script="Syrc" typeface="Estrangelo Edessa"/>
+        <a:font script="Orya" typeface="Kalinga"/>
+        <a:font script="Mlym" typeface="Kartika"/>
+        <a:font script="Laoo" typeface="DokChampa"/>
+        <a:font script="Sinh" typeface="Iskoola Pota"/>
+        <a:font script="Mong" typeface="Mongolian Baiti"/>
+        <a:font script="Viet" typeface="Arial"/>
+        <a:font script="Uigh" typeface="Microsoft Uighur"/>
+        <a:font script="Geor" typeface="Sylfaen"/>
+        <a:font script="Armn" typeface="Arial"/>
+        <a:font script="Bugi" typeface="Leelawadee UI"/>
+        <a:font script="Bopo" typeface="Microsoft JhengHei"/>
+        <a:font script="Java" typeface="Javanese Text"/>
+        <a:font script="Lisu" typeface="Segoe UI"/>
+        <a:font script="Mymr" typeface="Myanmar Text"/>
+        <a:font script="Nkoo" typeface="Ebrima"/>
+        <a:font script="Olck" typeface="Nirmala UI"/>
+        <a:font script="Osma" typeface="Ebrima"/>
+        <a:font script="Phag" typeface="Phagspa"/>
+        <a:font script="Syrn" typeface="Estrangelo Edessa"/>
+        <a:font script="Syrj" typeface="Estrangelo Edessa"/>
+        <a:font script="Syre" typeface="Estrangelo Edessa"/>
+        <a:font script="Sora" typeface="Nirmala UI"/>
+        <a:font script="Tale" typeface="Microsoft Tai Le"/>
+        <a:font script="Talu" typeface="Microsoft New Tai Lue"/>
+        <a:font script="Tfng" typeface="Ebrima"/>
+      </a:minorFont>
+    </a:fontScheme>
+    <a:fmtScheme name="Office">
+      <a:fillStyleLst>
+        <a:solidFill>
+          <a:schemeClr val="phClr"/>
+        </a:solidFill>
+        <a:gradFill rotWithShape="1">
+          <a:gsLst>
+            <a:gs pos="0">
+              <a:schemeClr val="phClr">
+                <a:lumMod val="110000"/>
+                <a:satMod val="105000"/>
+                <a:tint val="67000"/>
+              </a:schemeClr>
+            </a:gs>
+            <a:gs pos="50000">
+              <a:schemeClr val="phClr">
+                <a:lumMod val="105000"/>
+                <a:satMod val="103000"/>
+                <a:tint val="73000"/>
+              </a:schemeClr>
+            </a:gs>
+            <a:gs pos="100000">
+              <a:schemeClr val="phClr">
+                <a:lumMod val="105000"/>
+                <a:satMod val="109000"/>
+                <a:tint val="81000"/>
+              </a:schemeClr>
+            </a:gs>
+          </a:gsLst>
+          <a:lin ang="5400000" scaled="0"/>
+        </a:gradFill>
+        <a:gradFill rotWithShape="1">
+          <a:gsLst>
+            <a:gs pos="0">
+              <a:schemeClr val="phClr">
+                <a:satMod val="103000"/>
+                <a:lumMod val="102000"/>
+                <a:tint val="94000"/>
+              </a:schemeClr>
+            </a:gs>
+            <a:gs pos="50000">
+              <a:schemeClr val="phClr">
+                <a:satMod val="110000"/>
+                <a:lumMod val="100000"/>
+                <a:shade val="100000"/>
+              </a:schemeClr>
+            </a:gs>
+            <a:gs pos="100000">
+              <a:schemeClr val="phClr">
+                <a:lumMod val="99000"/>
+                <a:satMod val="120000"/>
+                <a:shade val="78000"/>
+              </a:schemeClr>
+            </a:gs>
+          </a:gsLst>
+          <a:lin ang="5400000" scaled="0"/>
+        </a:gradFill>
+      </a:fillStyleLst>
+      <a:lnStyleLst>
+        <a:ln w="6350" cap="flat" cmpd="sng" algn="ctr">
+          <a:solidFill>
+            <a:schemeClr val="phClr"/>
+          </a:solidFill>
+          <a:prstDash val="solid"/>
+          <a:miter lim="800000"/>
+        </a:ln>
+        <a:ln w="12700" cap="flat" cmpd="sng" algn="ctr">
+          <a:solidFill>
+            <a:schemeClr val="phClr"/>
+          </a:solidFill>
+          <a:prstDash val="solid"/>
+          <a:miter lim="800000"/>
+        </a:ln>
+        <a:ln w="19050" cap="flat" cmpd="sng" algn="ctr">
+          <a:solidFill>
+            <a:schemeClr val="phClr"/>
+          </a:solidFill>
+          <a:prstDash val="solid"/>
+          <a:miter lim="800000"/>
+        </a:ln>
+      </a:lnStyleLst>
+      <a:effectStyleLst>
+        <a:effectStyle>
+          <a:effectLst/>
+        </a:effectStyle>
+        <a:effectStyle>
+          <a:effectLst/>
+        </a:effectStyle>
+        <a:effectStyle>
+          <a:effectLst>
+            <a:outerShdw blurRad="57150" dist="19050" dir="5400000" algn="ctr" rotWithShape="0">
+              <a:srgbClr val="000000">
+                <a:alpha val="63000"/>
+              </a:srgbClr>
+            </a:outerShdw>
+          </a:effectLst>
+        </a:effectStyle>
+      </a:effectStyleLst>
+      <a:bgFillStyleLst>
+        <a:solidFill>
+          <a:schemeClr val="phClr"/>
+        </a:solidFill>
+        <a:solidFill>
+          <a:schemeClr val="phClr">
+            <a:tint val="95000"/>
+            <a:satMod val="170000"/>
+          </a:schemeClr>
+        </a:solidFill>
+        <a:gradFill rotWithShape="1">
+          <a:gsLst>
+            <a:gs pos="0">
+              <a:schemeClr val="phClr">
+                <a:tint val="93000"/>
+                <a:satMod val="150000"/>
+                <a:shade val="98000"/>
+                <a:lumMod val="102000"/>
+              </a:schemeClr>
+            </a:gs>
+            <a:gs pos="50000">
+              <a:schemeClr val="phClr">
+                <a:tint val="98000"/>
+                <a:satMod val="130000"/>
+                <a:shade val="90000"/>
+                <a:lumMod val="103000"/>
+              </a:schemeClr>
+            </a:gs>
+            <a:gs pos="100000">
+              <a:schemeClr val="phClr">
+                <a:shade val="63000"/>
+                <a:satMod val="120000"/>
+              </a:schemeClr>
+            </a:gs>
+          </a:gsLst>
+          <a:lin ang="5400000" scaled="0"/>
+        </a:gradFill>
+      </a:bgFillStyleLst>
+    </a:fmtScheme>
+  </a:themeElements>
+  <a:objectDefaults/>
+  <a:extraClrSchemeLst/>
+  <a:extLst>
+    <a:ext uri="{05A4C25C-085E-4340-85A3-A5531E510DB2}">
+      <thm15:themeFamily xmlns:thm15="http://schemas.microsoft.com/office/thememl/2012/main" name="Office Theme" id="{62F939B6-93AF-4DB8-9C6B-D6C7DFDC589F}" vid="{4A3C46E8-61CC-4603-A589-7422A47A8E4A}"/>
+    </a:ext>
+  </a:extLst>
+</a:theme>
 </file>
--- a/LectureSlides/04ASTPEG.pptx
+++ b/LectureSlides/04ASTPEG.pptx
@@ -257,7 +257,7 @@
           <a:p>
             <a:fld id="{4C79FF2F-31B5-40D8-8E7E-1DC6AD544ACD}" type="datetimeFigureOut">
               <a:rPr lang="en-US" smtClean="0"/>
-              <a:t>9/18/2023</a:t>
+              <a:t>10/14/2024</a:t>
             </a:fld>
             <a:endParaRPr lang="en-US"/>
           </a:p>
@@ -748,7 +748,7 @@
           <a:p>
             <a:fld id="{29B3267D-1BB5-4D01-9559-97DC75604AB8}" type="datetime1">
               <a:rPr lang="en-US" smtClean="0"/>
-              <a:t>9/18/2023</a:t>
+              <a:t>10/14/2024</a:t>
             </a:fld>
             <a:endParaRPr lang="en-US"/>
           </a:p>
@@ -956,7 +956,7 @@
           <a:p>
             <a:fld id="{111EF2C9-AA2E-4E6E-80F0-8E0C93AA9CB7}" type="datetime1">
               <a:rPr lang="en-US" smtClean="0"/>
-              <a:t>9/18/2023</a:t>
+              <a:t>10/14/2024</a:t>
             </a:fld>
             <a:endParaRPr lang="en-US"/>
           </a:p>
@@ -1212,7 +1212,7 @@
           <a:p>
             <a:fld id="{BC3F6C6A-1020-4717-A8FE-2EA545EDE484}" type="datetime1">
               <a:rPr lang="en-US" smtClean="0"/>
-              <a:t>9/18/2023</a:t>
+              <a:t>10/14/2024</a:t>
             </a:fld>
             <a:endParaRPr lang="en-US"/>
           </a:p>
@@ -1397,7 +1397,7 @@
           <a:p>
             <a:fld id="{09444A3A-E32D-41D4-B137-4E0BB1BFD74B}" type="datetime1">
               <a:rPr lang="en-US" smtClean="0"/>
-              <a:t>9/18/2023</a:t>
+              <a:t>10/14/2024</a:t>
             </a:fld>
             <a:endParaRPr lang="en-US"/>
           </a:p>
@@ -1740,7 +1740,7 @@
           <a:p>
             <a:fld id="{81E52A49-1161-4A95-8B99-6E3A59578156}" type="datetime1">
               <a:rPr lang="en-US" smtClean="0"/>
-              <a:t>9/18/2023</a:t>
+              <a:t>10/14/2024</a:t>
             </a:fld>
             <a:endParaRPr lang="en-US"/>
           </a:p>
@@ -2045,7 +2045,7 @@
           <a:p>
             <a:fld id="{0413B36B-263E-4474-97D9-2264120BBC20}" type="datetime1">
               <a:rPr lang="en-US" smtClean="0"/>
-              <a:t>9/18/2023</a:t>
+              <a:t>10/14/2024</a:t>
             </a:fld>
             <a:endParaRPr lang="en-US"/>
           </a:p>
@@ -2454,7 +2454,7 @@
           <a:p>
             <a:fld id="{5840FB65-4435-4414-98DD-DDBF790CE377}" type="datetime1">
               <a:rPr lang="en-US" smtClean="0"/>
-              <a:t>9/18/2023</a:t>
+              <a:t>10/14/2024</a:t>
             </a:fld>
             <a:endParaRPr lang="en-US"/>
           </a:p>
@@ -2572,7 +2572,7 @@
           <a:p>
             <a:fld id="{2F8E88E6-B7E4-4328-B5EE-C0C15A420308}" type="datetime1">
               <a:rPr lang="en-US" smtClean="0"/>
-              <a:t>9/18/2023</a:t>
+              <a:t>10/14/2024</a:t>
             </a:fld>
             <a:endParaRPr lang="en-US"/>
           </a:p>
@@ -2743,7 +2743,7 @@
           <a:p>
             <a:fld id="{EFDBE410-DF7A-427F-910A-A52B5F4B5B84}" type="datetime1">
               <a:rPr lang="en-US" smtClean="0"/>
-              <a:t>9/18/2023</a:t>
+              <a:t>10/14/2024</a:t>
             </a:fld>
             <a:endParaRPr lang="en-US"/>
           </a:p>
@@ -3112,7 +3112,7 @@
           <a:p>
             <a:fld id="{89C35C15-028A-4037-A786-BC8FFE1C39C6}" type="datetime1">
               <a:rPr lang="en-US" smtClean="0"/>
-              <a:t>9/18/2023</a:t>
+              <a:t>10/14/2024</a:t>
             </a:fld>
             <a:endParaRPr lang="en-US"/>
           </a:p>
@@ -3489,7 +3489,7 @@
           <a:p>
             <a:fld id="{81E1FE27-27ED-4F1F-BED2-F621E95FB6CF}" type="datetime1">
               <a:rPr lang="en-US" smtClean="0"/>
-              <a:t>9/18/2023</a:t>
+              <a:t>10/14/2024</a:t>
             </a:fld>
             <a:endParaRPr lang="en-US"/>
           </a:p>
@@ -3776,7 +3776,7 @@
           <a:p>
             <a:fld id="{4F110F97-AB37-4144-B712-487FE114CEAE}" type="datetime1">
               <a:rPr lang="en-US" smtClean="0"/>
-              <a:t>9/18/2023</a:t>
+              <a:t>10/14/2024</a:t>
             </a:fld>
             <a:endParaRPr lang="en-US"/>
           </a:p>
@@ -4354,15 +4354,23 @@
           <a:p>
             <a:r>
               <a:rPr lang="en-US" dirty="0"/>
-              <a:t>Slides  ©2023 Rose </a:t>
+              <a:t>Slides  </a:t>
+            </a:r>
+            <a:r>
+              <a:rPr lang="en-US"/>
+              <a:t>©2024 </a:t>
+            </a:r>
+            <a:r>
+              <a:rPr lang="en-US" dirty="0"/>
+              <a:t>Rose </a:t>
             </a:r>
             <a:r>
               <a:rPr lang="en-US" dirty="0" err="1"/>
-              <a:t>bohrer</a:t>
-            </a:r>
-            <a:r>
-              <a:rPr lang="en-US" dirty="0"/>
-              <a:t>, used for cs 4536/536 at </a:t>
+              <a:t>bohrer,</a:t>
+            </a:r>
+            <a:r>
+              <a:rPr lang="en-US" dirty="0"/>
+              <a:t> used for cs 4536/536 at </a:t>
             </a:r>
             <a:r>
               <a:rPr lang="en-US" dirty="0" err="1"/>

--- a/LectureSlides/04ASTPEG.pptx
+++ b/LectureSlides/04ASTPEG.pptx
@@ -257,7 +257,7 @@
           <a:p>
             <a:fld id="{4C79FF2F-31B5-40D8-8E7E-1DC6AD544ACD}" type="datetimeFigureOut">
               <a:rPr lang="en-US" smtClean="0"/>
-              <a:t>10/14/2024</a:t>
+              <a:t>10/31/2024</a:t>
             </a:fld>
             <a:endParaRPr lang="en-US"/>
           </a:p>
@@ -748,7 +748,7 @@
           <a:p>
             <a:fld id="{29B3267D-1BB5-4D01-9559-97DC75604AB8}" type="datetime1">
               <a:rPr lang="en-US" smtClean="0"/>
-              <a:t>10/14/2024</a:t>
+              <a:t>10/31/2024</a:t>
             </a:fld>
             <a:endParaRPr lang="en-US"/>
           </a:p>
@@ -956,7 +956,7 @@
           <a:p>
             <a:fld id="{111EF2C9-AA2E-4E6E-80F0-8E0C93AA9CB7}" type="datetime1">
               <a:rPr lang="en-US" smtClean="0"/>
-              <a:t>10/14/2024</a:t>
+              <a:t>10/31/2024</a:t>
             </a:fld>
             <a:endParaRPr lang="en-US"/>
           </a:p>
@@ -1212,7 +1212,7 @@
           <a:p>
             <a:fld id="{BC3F6C6A-1020-4717-A8FE-2EA545EDE484}" type="datetime1">
               <a:rPr lang="en-US" smtClean="0"/>
-              <a:t>10/14/2024</a:t>
+              <a:t>10/31/2024</a:t>
             </a:fld>
             <a:endParaRPr lang="en-US"/>
           </a:p>
@@ -1397,7 +1397,7 @@
           <a:p>
             <a:fld id="{09444A3A-E32D-41D4-B137-4E0BB1BFD74B}" type="datetime1">
               <a:rPr lang="en-US" smtClean="0"/>
-              <a:t>10/14/2024</a:t>
+              <a:t>10/31/2024</a:t>
             </a:fld>
             <a:endParaRPr lang="en-US"/>
           </a:p>
@@ -1740,7 +1740,7 @@
           <a:p>
             <a:fld id="{81E52A49-1161-4A95-8B99-6E3A59578156}" type="datetime1">
               <a:rPr lang="en-US" smtClean="0"/>
-              <a:t>10/14/2024</a:t>
+              <a:t>10/31/2024</a:t>
             </a:fld>
             <a:endParaRPr lang="en-US"/>
           </a:p>
@@ -2045,7 +2045,7 @@
           <a:p>
             <a:fld id="{0413B36B-263E-4474-97D9-2264120BBC20}" type="datetime1">
               <a:rPr lang="en-US" smtClean="0"/>
-              <a:t>10/14/2024</a:t>
+              <a:t>10/31/2024</a:t>
             </a:fld>
             <a:endParaRPr lang="en-US"/>
           </a:p>
@@ -2454,7 +2454,7 @@
           <a:p>
             <a:fld id="{5840FB65-4435-4414-98DD-DDBF790CE377}" type="datetime1">
               <a:rPr lang="en-US" smtClean="0"/>
-              <a:t>10/14/2024</a:t>
+              <a:t>10/31/2024</a:t>
             </a:fld>
             <a:endParaRPr lang="en-US"/>
           </a:p>
@@ -2572,7 +2572,7 @@
           <a:p>
             <a:fld id="{2F8E88E6-B7E4-4328-B5EE-C0C15A420308}" type="datetime1">
               <a:rPr lang="en-US" smtClean="0"/>
-              <a:t>10/14/2024</a:t>
+              <a:t>10/31/2024</a:t>
             </a:fld>
             <a:endParaRPr lang="en-US"/>
           </a:p>
@@ -2743,7 +2743,7 @@
           <a:p>
             <a:fld id="{EFDBE410-DF7A-427F-910A-A52B5F4B5B84}" type="datetime1">
               <a:rPr lang="en-US" smtClean="0"/>
-              <a:t>10/14/2024</a:t>
+              <a:t>10/31/2024</a:t>
             </a:fld>
             <a:endParaRPr lang="en-US"/>
           </a:p>
@@ -3112,7 +3112,7 @@
           <a:p>
             <a:fld id="{89C35C15-028A-4037-A786-BC8FFE1C39C6}" type="datetime1">
               <a:rPr lang="en-US" smtClean="0"/>
-              <a:t>10/14/2024</a:t>
+              <a:t>10/31/2024</a:t>
             </a:fld>
             <a:endParaRPr lang="en-US"/>
           </a:p>
@@ -3489,7 +3489,7 @@
           <a:p>
             <a:fld id="{81E1FE27-27ED-4F1F-BED2-F621E95FB6CF}" type="datetime1">
               <a:rPr lang="en-US" smtClean="0"/>
-              <a:t>10/14/2024</a:t>
+              <a:t>10/31/2024</a:t>
             </a:fld>
             <a:endParaRPr lang="en-US"/>
           </a:p>
@@ -3776,7 +3776,7 @@
           <a:p>
             <a:fld id="{4F110F97-AB37-4144-B712-487FE114CEAE}" type="datetime1">
               <a:rPr lang="en-US" smtClean="0"/>
-              <a:t>10/14/2024</a:t>
+              <a:t>10/31/2024</a:t>
             </a:fld>
             <a:endParaRPr lang="en-US"/>
           </a:p>
@@ -6585,6 +6585,42 @@
           </a:p>
         </p:txBody>
       </p:sp>
+      <p:pic>
+        <p:nvPicPr>
+          <p:cNvPr id="5" name="Content Placeholder 7" descr="Analogy of precedence-climbing algorithm for parsers as an escalator, where you can go up one floor at a time and come all the way back down with parentheses">
+            <a:extLst>
+              <a:ext uri="{FF2B5EF4-FFF2-40B4-BE49-F238E27FC236}">
+                <a16:creationId xmlns:a16="http://schemas.microsoft.com/office/drawing/2014/main" id="{624B088D-79D9-E9D2-A0C1-230DFC2D92B3}"/>
+              </a:ext>
+            </a:extLst>
+          </p:cNvPr>
+          <p:cNvPicPr>
+            <a:picLocks noChangeAspect="1"/>
+          </p:cNvPicPr>
+          <p:nvPr/>
+        </p:nvPicPr>
+        <p:blipFill>
+          <a:blip r:embed="rId2">
+            <a:extLst>
+              <a:ext uri="{28A0092B-C50C-407E-A947-70E740481C1C}">
+                <a14:useLocalDpi xmlns:a14="http://schemas.microsoft.com/office/drawing/2010/main" val="0"/>
+              </a:ext>
+            </a:extLst>
+          </a:blip>
+          <a:stretch>
+            <a:fillRect/>
+          </a:stretch>
+        </p:blipFill>
+        <p:spPr>
+          <a:xfrm>
+            <a:off x="6126480" y="2623595"/>
+            <a:ext cx="5977262" cy="4153690"/>
+          </a:xfrm>
+          <a:prstGeom prst="rect">
+            <a:avLst/>
+          </a:prstGeom>
+        </p:spPr>
+      </p:pic>
     </p:spTree>
     <p:extLst>
       <p:ext uri="{BB962C8B-B14F-4D97-AF65-F5344CB8AC3E}">
@@ -9938,6 +9974,45 @@
           </a:p>
         </p:txBody>
       </p:sp>
+      <p:cxnSp>
+        <p:nvCxnSpPr>
+          <p:cNvPr id="15" name="Straight Connector 14">
+            <a:extLst>
+              <a:ext uri="{FF2B5EF4-FFF2-40B4-BE49-F238E27FC236}">
+                <a16:creationId xmlns:a16="http://schemas.microsoft.com/office/drawing/2014/main" id="{BFC60FE9-2A70-F702-3E20-E2BCC3CC1B1F}"/>
+              </a:ext>
+            </a:extLst>
+          </p:cNvPr>
+          <p:cNvCxnSpPr>
+            <a:cxnSpLocks/>
+          </p:cNvCxnSpPr>
+          <p:nvPr/>
+        </p:nvCxnSpPr>
+        <p:spPr>
+          <a:xfrm flipV="1">
+            <a:off x="7772400" y="3544765"/>
+            <a:ext cx="764508" cy="1217497"/>
+          </a:xfrm>
+          <a:prstGeom prst="line">
+            <a:avLst/>
+          </a:prstGeom>
+          <a:ln w="57150"/>
+        </p:spPr>
+        <p:style>
+          <a:lnRef idx="1">
+            <a:schemeClr val="dk1"/>
+          </a:lnRef>
+          <a:fillRef idx="0">
+            <a:schemeClr val="dk1"/>
+          </a:fillRef>
+          <a:effectRef idx="0">
+            <a:schemeClr val="dk1"/>
+          </a:effectRef>
+          <a:fontRef idx="minor">
+            <a:schemeClr val="tx1"/>
+          </a:fontRef>
+        </p:style>
+      </p:cxnSp>
     </p:spTree>
     <p:extLst>
       <p:ext uri="{BB962C8B-B14F-4D97-AF65-F5344CB8AC3E}">

--- a/LectureSlides/04ASTPEG.pptx
+++ b/LectureSlides/04ASTPEG.pptx
@@ -257,7 +257,7 @@
           <a:p>
             <a:fld id="{4C79FF2F-31B5-40D8-8E7E-1DC6AD544ACD}" type="datetimeFigureOut">
               <a:rPr lang="en-US" smtClean="0"/>
-              <a:t>10/31/2024</a:t>
+              <a:t>11/5/2024</a:t>
             </a:fld>
             <a:endParaRPr lang="en-US"/>
           </a:p>
@@ -748,7 +748,7 @@
           <a:p>
             <a:fld id="{29B3267D-1BB5-4D01-9559-97DC75604AB8}" type="datetime1">
               <a:rPr lang="en-US" smtClean="0"/>
-              <a:t>10/31/2024</a:t>
+              <a:t>11/5/2024</a:t>
             </a:fld>
             <a:endParaRPr lang="en-US"/>
           </a:p>
@@ -956,7 +956,7 @@
           <a:p>
             <a:fld id="{111EF2C9-AA2E-4E6E-80F0-8E0C93AA9CB7}" type="datetime1">
               <a:rPr lang="en-US" smtClean="0"/>
-              <a:t>10/31/2024</a:t>
+              <a:t>11/5/2024</a:t>
             </a:fld>
             <a:endParaRPr lang="en-US"/>
           </a:p>
@@ -1212,7 +1212,7 @@
           <a:p>
             <a:fld id="{BC3F6C6A-1020-4717-A8FE-2EA545EDE484}" type="datetime1">
               <a:rPr lang="en-US" smtClean="0"/>
-              <a:t>10/31/2024</a:t>
+              <a:t>11/5/2024</a:t>
             </a:fld>
             <a:endParaRPr lang="en-US"/>
           </a:p>
@@ -1397,7 +1397,7 @@
           <a:p>
             <a:fld id="{09444A3A-E32D-41D4-B137-4E0BB1BFD74B}" type="datetime1">
               <a:rPr lang="en-US" smtClean="0"/>
-              <a:t>10/31/2024</a:t>
+              <a:t>11/5/2024</a:t>
             </a:fld>
             <a:endParaRPr lang="en-US"/>
           </a:p>
@@ -1740,7 +1740,7 @@
           <a:p>
             <a:fld id="{81E52A49-1161-4A95-8B99-6E3A59578156}" type="datetime1">
               <a:rPr lang="en-US" smtClean="0"/>
-              <a:t>10/31/2024</a:t>
+              <a:t>11/5/2024</a:t>
             </a:fld>
             <a:endParaRPr lang="en-US"/>
           </a:p>
@@ -2045,7 +2045,7 @@
           <a:p>
             <a:fld id="{0413B36B-263E-4474-97D9-2264120BBC20}" type="datetime1">
               <a:rPr lang="en-US" smtClean="0"/>
-              <a:t>10/31/2024</a:t>
+              <a:t>11/5/2024</a:t>
             </a:fld>
             <a:endParaRPr lang="en-US"/>
           </a:p>
@@ -2454,7 +2454,7 @@
           <a:p>
             <a:fld id="{5840FB65-4435-4414-98DD-DDBF790CE377}" type="datetime1">
               <a:rPr lang="en-US" smtClean="0"/>
-              <a:t>10/31/2024</a:t>
+              <a:t>11/5/2024</a:t>
             </a:fld>
             <a:endParaRPr lang="en-US"/>
           </a:p>
@@ -2572,7 +2572,7 @@
           <a:p>
             <a:fld id="{2F8E88E6-B7E4-4328-B5EE-C0C15A420308}" type="datetime1">
               <a:rPr lang="en-US" smtClean="0"/>
-              <a:t>10/31/2024</a:t>
+              <a:t>11/5/2024</a:t>
             </a:fld>
             <a:endParaRPr lang="en-US"/>
           </a:p>
@@ -2743,7 +2743,7 @@
           <a:p>
             <a:fld id="{EFDBE410-DF7A-427F-910A-A52B5F4B5B84}" type="datetime1">
               <a:rPr lang="en-US" smtClean="0"/>
-              <a:t>10/31/2024</a:t>
+              <a:t>11/5/2024</a:t>
             </a:fld>
             <a:endParaRPr lang="en-US"/>
           </a:p>
@@ -3112,7 +3112,7 @@
           <a:p>
             <a:fld id="{89C35C15-028A-4037-A786-BC8FFE1C39C6}" type="datetime1">
               <a:rPr lang="en-US" smtClean="0"/>
-              <a:t>10/31/2024</a:t>
+              <a:t>11/5/2024</a:t>
             </a:fld>
             <a:endParaRPr lang="en-US"/>
           </a:p>
@@ -3489,7 +3489,7 @@
           <a:p>
             <a:fld id="{81E1FE27-27ED-4F1F-BED2-F621E95FB6CF}" type="datetime1">
               <a:rPr lang="en-US" smtClean="0"/>
-              <a:t>10/31/2024</a:t>
+              <a:t>11/5/2024</a:t>
             </a:fld>
             <a:endParaRPr lang="en-US"/>
           </a:p>
@@ -3776,7 +3776,7 @@
           <a:p>
             <a:fld id="{4F110F97-AB37-4144-B712-487FE114CEAE}" type="datetime1">
               <a:rPr lang="en-US" smtClean="0"/>
-              <a:t>10/31/2024</a:t>
+              <a:t>11/5/2024</a:t>
             </a:fld>
             <a:endParaRPr lang="en-US"/>
           </a:p>
